--- a/Kalman Filter/KALMAN FILTER FIN 2025.pptx
+++ b/Kalman Filter/KALMAN FILTER FIN 2025.pptx
@@ -5,7 +5,7 @@
     <p:sldMasterId id="2147483648" r:id="rId1"/>
   </p:sldMasterIdLst>
   <p:notesMasterIdLst>
-    <p:notesMasterId r:id="rId19"/>
+    <p:notesMasterId r:id="rId20"/>
   </p:notesMasterIdLst>
   <p:sldIdLst>
     <p:sldId id="256" r:id="rId2"/>
@@ -17,14 +17,15 @@
     <p:sldId id="265" r:id="rId8"/>
     <p:sldId id="263" r:id="rId9"/>
     <p:sldId id="264" r:id="rId10"/>
-    <p:sldId id="266" r:id="rId11"/>
-    <p:sldId id="272" r:id="rId12"/>
-    <p:sldId id="273" r:id="rId13"/>
-    <p:sldId id="274" r:id="rId14"/>
-    <p:sldId id="269" r:id="rId15"/>
-    <p:sldId id="275" r:id="rId16"/>
-    <p:sldId id="259" r:id="rId17"/>
-    <p:sldId id="267" r:id="rId18"/>
+    <p:sldId id="276" r:id="rId11"/>
+    <p:sldId id="269" r:id="rId12"/>
+    <p:sldId id="275" r:id="rId13"/>
+    <p:sldId id="266" r:id="rId14"/>
+    <p:sldId id="272" r:id="rId15"/>
+    <p:sldId id="273" r:id="rId16"/>
+    <p:sldId id="274" r:id="rId17"/>
+    <p:sldId id="259" r:id="rId18"/>
+    <p:sldId id="267" r:id="rId19"/>
   </p:sldIdLst>
   <p:sldSz cx="12192000" cy="6858000"/>
   <p:notesSz cx="6858000" cy="9144000"/>
@@ -134,7 +135,7 @@
 <file path=ppt/revisionInfo.xml><?xml version="1.0" encoding="utf-8"?>
 <p1510:revInfo xmlns:a="http://schemas.openxmlformats.org/drawingml/2006/main" xmlns:r="http://schemas.openxmlformats.org/officeDocument/2006/relationships" xmlns:p1510="http://schemas.microsoft.com/office/powerpoint/2015/10/main">
   <p1510:revLst>
-    <p1510:client id="{439518E1-CD2B-481F-9288-2AB5CAFC77EA}" v="6" dt="2025-02-28T04:24:42.874"/>
+    <p1510:client id="{439518E1-CD2B-481F-9288-2AB5CAFC77EA}" v="194" dt="2025-03-03T03:02:34.921"/>
   </p1510:revLst>
 </p1510:revInfo>
 </file>
@@ -143,23 +144,31 @@
 <pc:chgInfo xmlns:a="http://schemas.openxmlformats.org/drawingml/2006/main" xmlns:r="http://schemas.openxmlformats.org/officeDocument/2006/relationships" xmlns:ac="http://schemas.microsoft.com/office/drawing/2013/main/command" xmlns:pc="http://schemas.microsoft.com/office/powerpoint/2013/main/command">
   <pc:docChgLst>
     <pc:chgData name="Mark Lefevre" userId="cf24bf3785f31a4f" providerId="LiveId" clId="{439518E1-CD2B-481F-9288-2AB5CAFC77EA}"/>
-    <pc:docChg chg="undo custSel addSld delSld modSld">
-      <pc:chgData name="Mark Lefevre" userId="cf24bf3785f31a4f" providerId="LiveId" clId="{439518E1-CD2B-481F-9288-2AB5CAFC77EA}" dt="2025-02-28T04:25:47.068" v="2591" actId="22"/>
+    <pc:docChg chg="undo custSel addSld delSld modSld sldOrd">
+      <pc:chgData name="Mark Lefevre" userId="cf24bf3785f31a4f" providerId="LiveId" clId="{439518E1-CD2B-481F-9288-2AB5CAFC77EA}" dt="2025-03-03T03:04:27.048" v="3174"/>
       <pc:docMkLst>
         <pc:docMk/>
       </pc:docMkLst>
       <pc:sldChg chg="modSp mod">
-        <pc:chgData name="Mark Lefevre" userId="cf24bf3785f31a4f" providerId="LiveId" clId="{439518E1-CD2B-481F-9288-2AB5CAFC77EA}" dt="2025-02-28T03:07:38.441" v="28" actId="20577"/>
+        <pc:chgData name="Mark Lefevre" userId="cf24bf3785f31a4f" providerId="LiveId" clId="{439518E1-CD2B-481F-9288-2AB5CAFC77EA}" dt="2025-03-03T03:03:26.116" v="3172" actId="20577"/>
         <pc:sldMkLst>
           <pc:docMk/>
           <pc:sldMk cId="827606535" sldId="256"/>
         </pc:sldMkLst>
         <pc:spChg chg="mod">
-          <ac:chgData name="Mark Lefevre" userId="cf24bf3785f31a4f" providerId="LiveId" clId="{439518E1-CD2B-481F-9288-2AB5CAFC77EA}" dt="2025-02-28T03:07:38.441" v="28" actId="20577"/>
+          <ac:chgData name="Mark Lefevre" userId="cf24bf3785f31a4f" providerId="LiveId" clId="{439518E1-CD2B-481F-9288-2AB5CAFC77EA}" dt="2025-03-01T04:37:12.185" v="2595" actId="20577"/>
           <ac:spMkLst>
             <pc:docMk/>
             <pc:sldMk cId="827606535" sldId="256"/>
             <ac:spMk id="2" creationId="{6674A2F1-351C-4789-BE02-1D436C08FB42}"/>
+          </ac:spMkLst>
+        </pc:spChg>
+        <pc:spChg chg="mod">
+          <ac:chgData name="Mark Lefevre" userId="cf24bf3785f31a4f" providerId="LiveId" clId="{439518E1-CD2B-481F-9288-2AB5CAFC77EA}" dt="2025-03-03T03:03:26.116" v="3172" actId="20577"/>
+          <ac:spMkLst>
+            <pc:docMk/>
+            <pc:sldMk cId="827606535" sldId="256"/>
+            <ac:spMk id="3" creationId="{1D8FD1AA-B5EB-4926-83F3-8FA53F952FB5}"/>
           </ac:spMkLst>
         </pc:spChg>
       </pc:sldChg>
@@ -216,14 +225,6 @@
             <ac:spMk id="4" creationId="{B00370C0-97C7-434E-8C59-49E14B2B52FF}"/>
           </ac:spMkLst>
         </pc:spChg>
-        <pc:picChg chg="del">
-          <ac:chgData name="Mark Lefevre" userId="cf24bf3785f31a4f" providerId="LiveId" clId="{439518E1-CD2B-481F-9288-2AB5CAFC77EA}" dt="2025-02-28T03:20:31.870" v="539" actId="478"/>
-          <ac:picMkLst>
-            <pc:docMk/>
-            <pc:sldMk cId="819189351" sldId="258"/>
-            <ac:picMk id="5" creationId="{AF25373F-B44E-43E9-A9FD-A177A37BF22D}"/>
-          </ac:picMkLst>
-        </pc:picChg>
         <pc:picChg chg="mod">
           <ac:chgData name="Mark Lefevre" userId="cf24bf3785f31a4f" providerId="LiveId" clId="{439518E1-CD2B-481F-9288-2AB5CAFC77EA}" dt="2025-02-28T03:26:38.076" v="939" actId="1076"/>
           <ac:picMkLst>
@@ -265,7 +266,7 @@
         </pc:spChg>
       </pc:sldChg>
       <pc:sldChg chg="addSp delSp modSp mod chgLayout">
-        <pc:chgData name="Mark Lefevre" userId="cf24bf3785f31a4f" providerId="LiveId" clId="{439518E1-CD2B-481F-9288-2AB5CAFC77EA}" dt="2025-02-28T04:11:39.688" v="2486" actId="6549"/>
+        <pc:chgData name="Mark Lefevre" userId="cf24bf3785f31a4f" providerId="LiveId" clId="{439518E1-CD2B-481F-9288-2AB5CAFC77EA}" dt="2025-03-03T02:49:26.005" v="2964" actId="20577"/>
         <pc:sldMkLst>
           <pc:docMk/>
           <pc:sldMk cId="2982775256" sldId="260"/>
@@ -278,48 +279,8 @@
             <ac:spMk id="2" creationId="{18325368-5FEB-4A53-BD7C-63357CE898A3}"/>
           </ac:spMkLst>
         </pc:spChg>
-        <pc:spChg chg="add del mod">
-          <ac:chgData name="Mark Lefevre" userId="cf24bf3785f31a4f" providerId="LiveId" clId="{439518E1-CD2B-481F-9288-2AB5CAFC77EA}" dt="2025-02-28T04:02:17.437" v="2077" actId="6264"/>
-          <ac:spMkLst>
-            <pc:docMk/>
-            <pc:sldMk cId="2982775256" sldId="260"/>
-            <ac:spMk id="3" creationId="{6D57AD61-CD9F-640F-5E3C-407206A9304D}"/>
-          </ac:spMkLst>
-        </pc:spChg>
-        <pc:spChg chg="add del mod">
-          <ac:chgData name="Mark Lefevre" userId="cf24bf3785f31a4f" providerId="LiveId" clId="{439518E1-CD2B-481F-9288-2AB5CAFC77EA}" dt="2025-02-28T04:02:17.437" v="2077" actId="6264"/>
-          <ac:spMkLst>
-            <pc:docMk/>
-            <pc:sldMk cId="2982775256" sldId="260"/>
-            <ac:spMk id="4" creationId="{3AA5A02F-FFF7-7233-8955-14B87CFC9AE1}"/>
-          </ac:spMkLst>
-        </pc:spChg>
-        <pc:spChg chg="add del mod">
-          <ac:chgData name="Mark Lefevre" userId="cf24bf3785f31a4f" providerId="LiveId" clId="{439518E1-CD2B-481F-9288-2AB5CAFC77EA}" dt="2025-02-28T04:02:17.437" v="2077" actId="6264"/>
-          <ac:spMkLst>
-            <pc:docMk/>
-            <pc:sldMk cId="2982775256" sldId="260"/>
-            <ac:spMk id="5" creationId="{2061C556-5A66-FC1C-ECB8-A2AC7DF53774}"/>
-          </ac:spMkLst>
-        </pc:spChg>
-        <pc:spChg chg="add del mod">
-          <ac:chgData name="Mark Lefevre" userId="cf24bf3785f31a4f" providerId="LiveId" clId="{439518E1-CD2B-481F-9288-2AB5CAFC77EA}" dt="2025-02-28T04:10:39.456" v="2473" actId="6264"/>
-          <ac:spMkLst>
-            <pc:docMk/>
-            <pc:sldMk cId="2982775256" sldId="260"/>
-            <ac:spMk id="6" creationId="{7029CDCD-6B57-F267-6F1E-193C6C0D0360}"/>
-          </ac:spMkLst>
-        </pc:spChg>
-        <pc:spChg chg="add del mod">
-          <ac:chgData name="Mark Lefevre" userId="cf24bf3785f31a4f" providerId="LiveId" clId="{439518E1-CD2B-481F-9288-2AB5CAFC77EA}" dt="2025-02-28T04:10:39.456" v="2473" actId="6264"/>
-          <ac:spMkLst>
-            <pc:docMk/>
-            <pc:sldMk cId="2982775256" sldId="260"/>
-            <ac:spMk id="7" creationId="{38AC39FF-3559-C6C9-D705-B746B0C9C345}"/>
-          </ac:spMkLst>
-        </pc:spChg>
         <pc:spChg chg="mod ord">
-          <ac:chgData name="Mark Lefevre" userId="cf24bf3785f31a4f" providerId="LiveId" clId="{439518E1-CD2B-481F-9288-2AB5CAFC77EA}" dt="2025-02-28T04:10:39.456" v="2473" actId="6264"/>
+          <ac:chgData name="Mark Lefevre" userId="cf24bf3785f31a4f" providerId="LiveId" clId="{439518E1-CD2B-481F-9288-2AB5CAFC77EA}" dt="2025-03-03T02:47:05.093" v="2908" actId="20577"/>
           <ac:spMkLst>
             <pc:docMk/>
             <pc:sldMk cId="2982775256" sldId="260"/>
@@ -327,29 +288,13 @@
           </ac:spMkLst>
         </pc:spChg>
         <pc:spChg chg="mod ord">
-          <ac:chgData name="Mark Lefevre" userId="cf24bf3785f31a4f" providerId="LiveId" clId="{439518E1-CD2B-481F-9288-2AB5CAFC77EA}" dt="2025-02-28T04:11:39.688" v="2486" actId="6549"/>
+          <ac:chgData name="Mark Lefevre" userId="cf24bf3785f31a4f" providerId="LiveId" clId="{439518E1-CD2B-481F-9288-2AB5CAFC77EA}" dt="2025-03-03T02:49:26.005" v="2964" actId="20577"/>
           <ac:spMkLst>
             <pc:docMk/>
             <pc:sldMk cId="2982775256" sldId="260"/>
             <ac:spMk id="9" creationId="{86AE5BC6-FE01-4403-9CAD-F8558340D98C}"/>
           </ac:spMkLst>
         </pc:spChg>
-        <pc:spChg chg="add del mod">
-          <ac:chgData name="Mark Lefevre" userId="cf24bf3785f31a4f" providerId="LiveId" clId="{439518E1-CD2B-481F-9288-2AB5CAFC77EA}" dt="2025-02-28T04:10:39.456" v="2473" actId="6264"/>
-          <ac:spMkLst>
-            <pc:docMk/>
-            <pc:sldMk cId="2982775256" sldId="260"/>
-            <ac:spMk id="10" creationId="{91C7E45E-97C0-D06D-8E7D-FF40E8879A1A}"/>
-          </ac:spMkLst>
-        </pc:spChg>
-        <pc:picChg chg="del">
-          <ac:chgData name="Mark Lefevre" userId="cf24bf3785f31a4f" providerId="LiveId" clId="{439518E1-CD2B-481F-9288-2AB5CAFC77EA}" dt="2025-02-28T03:49:25.625" v="1849" actId="478"/>
-          <ac:picMkLst>
-            <pc:docMk/>
-            <pc:sldMk cId="2982775256" sldId="260"/>
-            <ac:picMk id="13" creationId="{05C30B0C-4A3A-4AD2-8FDF-5D6D2CFEEC60}"/>
-          </ac:picMkLst>
-        </pc:picChg>
       </pc:sldChg>
       <pc:sldChg chg="del">
         <pc:chgData name="Mark Lefevre" userId="cf24bf3785f31a4f" providerId="LiveId" clId="{439518E1-CD2B-481F-9288-2AB5CAFC77EA}" dt="2025-02-28T04:12:29.902" v="2487" actId="47"/>
@@ -380,25 +325,9 @@
             <ac:spMk id="3" creationId="{53532E0E-E365-4597-986E-712864E172F6}"/>
           </ac:spMkLst>
         </pc:spChg>
-        <pc:spChg chg="add">
-          <ac:chgData name="Mark Lefevre" userId="cf24bf3785f31a4f" providerId="LiveId" clId="{439518E1-CD2B-481F-9288-2AB5CAFC77EA}" dt="2025-02-28T03:36:56.284" v="1328"/>
-          <ac:spMkLst>
-            <pc:docMk/>
-            <pc:sldMk cId="3126445780" sldId="267"/>
-            <ac:spMk id="4" creationId="{5A692AB8-63AB-961B-65FF-2FB07712AA09}"/>
-          </ac:spMkLst>
-        </pc:spChg>
-        <pc:spChg chg="add">
-          <ac:chgData name="Mark Lefevre" userId="cf24bf3785f31a4f" providerId="LiveId" clId="{439518E1-CD2B-481F-9288-2AB5CAFC77EA}" dt="2025-02-28T03:37:04.677" v="1330"/>
-          <ac:spMkLst>
-            <pc:docMk/>
-            <pc:sldMk cId="3126445780" sldId="267"/>
-            <ac:spMk id="5" creationId="{A8BF4E19-AA3D-A64F-DE84-183CAF73D754}"/>
-          </ac:spMkLst>
-        </pc:spChg>
       </pc:sldChg>
-      <pc:sldChg chg="addSp delSp modSp mod chgLayout">
-        <pc:chgData name="Mark Lefevre" userId="cf24bf3785f31a4f" providerId="LiveId" clId="{439518E1-CD2B-481F-9288-2AB5CAFC77EA}" dt="2025-02-28T04:24:31.699" v="2586" actId="22"/>
+      <pc:sldChg chg="addSp delSp modSp mod ord chgLayout">
+        <pc:chgData name="Mark Lefevre" userId="cf24bf3785f31a4f" providerId="LiveId" clId="{439518E1-CD2B-481F-9288-2AB5CAFC77EA}" dt="2025-03-03T03:04:27.048" v="3174"/>
         <pc:sldMkLst>
           <pc:docMk/>
           <pc:sldMk cId="3609972179" sldId="269"/>
@@ -411,48 +340,40 @@
             <ac:spMk id="2" creationId="{30102EBE-4894-4054-8001-62CDB0C48B56}"/>
           </ac:spMkLst>
         </pc:spChg>
-        <pc:spChg chg="add del mod ord">
-          <ac:chgData name="Mark Lefevre" userId="cf24bf3785f31a4f" providerId="LiveId" clId="{439518E1-CD2B-481F-9288-2AB5CAFC77EA}" dt="2025-02-28T04:21:45.990" v="2585"/>
+        <pc:spChg chg="add del mod">
+          <ac:chgData name="Mark Lefevre" userId="cf24bf3785f31a4f" providerId="LiveId" clId="{439518E1-CD2B-481F-9288-2AB5CAFC77EA}" dt="2025-03-03T02:38:09.799" v="2758"/>
           <ac:spMkLst>
             <pc:docMk/>
             <pc:sldMk cId="3609972179" sldId="269"/>
-            <ac:spMk id="6" creationId="{A1FFC4E3-8F83-3EB4-EC7B-BD4B7D7ED8AF}"/>
+            <ac:spMk id="4" creationId="{254911AD-53DF-B376-B198-898F2A5EF7B5}"/>
           </ac:spMkLst>
         </pc:spChg>
-        <pc:spChg chg="add del mod ord">
-          <ac:chgData name="Mark Lefevre" userId="cf24bf3785f31a4f" providerId="LiveId" clId="{439518E1-CD2B-481F-9288-2AB5CAFC77EA}" dt="2025-02-28T04:24:31.699" v="2586" actId="22"/>
+        <pc:spChg chg="add mod">
+          <ac:chgData name="Mark Lefevre" userId="cf24bf3785f31a4f" providerId="LiveId" clId="{439518E1-CD2B-481F-9288-2AB5CAFC77EA}" dt="2025-03-03T03:02:34.920" v="3169" actId="20577"/>
           <ac:spMkLst>
             <pc:docMk/>
             <pc:sldMk cId="3609972179" sldId="269"/>
-            <ac:spMk id="7" creationId="{A947E4F5-C1CA-2891-1E4D-ABD0467E13B0}"/>
+            <ac:spMk id="6" creationId="{9C83FC6E-AABD-8A27-D832-3B1743D89791}"/>
           </ac:spMkLst>
         </pc:spChg>
-        <pc:picChg chg="del">
-          <ac:chgData name="Mark Lefevre" userId="cf24bf3785f31a4f" providerId="LiveId" clId="{439518E1-CD2B-481F-9288-2AB5CAFC77EA}" dt="2025-02-28T04:19:14.547" v="2578" actId="478"/>
+        <pc:picChg chg="add mod">
+          <ac:chgData name="Mark Lefevre" userId="cf24bf3785f31a4f" providerId="LiveId" clId="{439518E1-CD2B-481F-9288-2AB5CAFC77EA}" dt="2025-03-03T02:38:09.799" v="2758"/>
           <ac:picMkLst>
             <pc:docMk/>
             <pc:sldMk cId="3609972179" sldId="269"/>
-            <ac:picMk id="4" creationId="{30C95F4A-C7B2-5437-5A0D-4F9D8D41E33D}"/>
+            <ac:picMk id="7" creationId="{B2389161-3746-4F47-86D7-B658BDFE3809}"/>
           </ac:picMkLst>
         </pc:picChg>
         <pc:picChg chg="add del mod">
-          <ac:chgData name="Mark Lefevre" userId="cf24bf3785f31a4f" providerId="LiveId" clId="{439518E1-CD2B-481F-9288-2AB5CAFC77EA}" dt="2025-02-28T04:21:42.974" v="2584" actId="21"/>
-          <ac:picMkLst>
-            <pc:docMk/>
-            <pc:sldMk cId="3609972179" sldId="269"/>
-            <ac:picMk id="5" creationId="{B0C23D45-1C4B-D9AB-9CA5-54E78671F6EA}"/>
-          </ac:picMkLst>
-        </pc:picChg>
-        <pc:picChg chg="add mod">
-          <ac:chgData name="Mark Lefevre" userId="cf24bf3785f31a4f" providerId="LiveId" clId="{439518E1-CD2B-481F-9288-2AB5CAFC77EA}" dt="2025-02-28T04:21:45.990" v="2585"/>
+          <ac:chgData name="Mark Lefevre" userId="cf24bf3785f31a4f" providerId="LiveId" clId="{439518E1-CD2B-481F-9288-2AB5CAFC77EA}" dt="2025-03-03T02:37:59.117" v="2756" actId="478"/>
           <ac:picMkLst>
             <pc:docMk/>
             <pc:sldMk cId="3609972179" sldId="269"/>
             <ac:picMk id="8" creationId="{B0C23D45-1C4B-D9AB-9CA5-54E78671F6EA}"/>
           </ac:picMkLst>
         </pc:picChg>
-        <pc:picChg chg="add mod ord">
-          <ac:chgData name="Mark Lefevre" userId="cf24bf3785f31a4f" providerId="LiveId" clId="{439518E1-CD2B-481F-9288-2AB5CAFC77EA}" dt="2025-02-28T04:24:31.699" v="2586" actId="22"/>
+        <pc:picChg chg="add del mod ord">
+          <ac:chgData name="Mark Lefevre" userId="cf24bf3785f31a4f" providerId="LiveId" clId="{439518E1-CD2B-481F-9288-2AB5CAFC77EA}" dt="2025-03-03T02:38:02.289" v="2757" actId="21"/>
           <ac:picMkLst>
             <pc:docMk/>
             <pc:sldMk cId="3609972179" sldId="269"/>
@@ -460,36 +381,12 @@
           </ac:picMkLst>
         </pc:picChg>
       </pc:sldChg>
-      <pc:sldChg chg="addSp delSp modSp add mod">
-        <pc:chgData name="Mark Lefevre" userId="cf24bf3785f31a4f" providerId="LiveId" clId="{439518E1-CD2B-481F-9288-2AB5CAFC77EA}" dt="2025-02-28T04:25:47.068" v="2591" actId="22"/>
+      <pc:sldChg chg="addSp delSp modSp add mod ord">
+        <pc:chgData name="Mark Lefevre" userId="cf24bf3785f31a4f" providerId="LiveId" clId="{439518E1-CD2B-481F-9288-2AB5CAFC77EA}" dt="2025-03-03T03:04:27.048" v="3174"/>
         <pc:sldMkLst>
           <pc:docMk/>
           <pc:sldMk cId="1510250528" sldId="275"/>
         </pc:sldMkLst>
-        <pc:spChg chg="add del mod">
-          <ac:chgData name="Mark Lefevre" userId="cf24bf3785f31a4f" providerId="LiveId" clId="{439518E1-CD2B-481F-9288-2AB5CAFC77EA}" dt="2025-02-28T04:25:11.350" v="2590" actId="22"/>
-          <ac:spMkLst>
-            <pc:docMk/>
-            <pc:sldMk cId="1510250528" sldId="275"/>
-            <ac:spMk id="4" creationId="{5BAD6565-9A60-727E-77D2-38E543F66FA1}"/>
-          </ac:spMkLst>
-        </pc:spChg>
-        <pc:spChg chg="add del mod">
-          <ac:chgData name="Mark Lefevre" userId="cf24bf3785f31a4f" providerId="LiveId" clId="{439518E1-CD2B-481F-9288-2AB5CAFC77EA}" dt="2025-02-28T04:25:47.068" v="2591" actId="22"/>
-          <ac:spMkLst>
-            <pc:docMk/>
-            <pc:sldMk cId="1510250528" sldId="275"/>
-            <ac:spMk id="6" creationId="{F13674FF-F777-5813-E995-251C2973C010}"/>
-          </ac:spMkLst>
-        </pc:spChg>
-        <pc:picChg chg="del">
-          <ac:chgData name="Mark Lefevre" userId="cf24bf3785f31a4f" providerId="LiveId" clId="{439518E1-CD2B-481F-9288-2AB5CAFC77EA}" dt="2025-02-28T04:24:49.542" v="2588" actId="478"/>
-          <ac:picMkLst>
-            <pc:docMk/>
-            <pc:sldMk cId="1510250528" sldId="275"/>
-            <ac:picMk id="8" creationId="{408C580E-ACF9-4098-1D3B-1E555596B80F}"/>
-          </ac:picMkLst>
-        </pc:picChg>
         <pc:picChg chg="add mod ord">
           <ac:chgData name="Mark Lefevre" userId="cf24bf3785f31a4f" providerId="LiveId" clId="{439518E1-CD2B-481F-9288-2AB5CAFC77EA}" dt="2025-02-28T04:25:11.350" v="2590" actId="22"/>
           <ac:picMkLst>
@@ -498,20 +395,43 @@
             <ac:picMk id="9" creationId="{AB4A2BF2-7838-253A-7BCC-748DC9F1772A}"/>
           </ac:picMkLst>
         </pc:picChg>
-        <pc:picChg chg="del">
-          <ac:chgData name="Mark Lefevre" userId="cf24bf3785f31a4f" providerId="LiveId" clId="{439518E1-CD2B-481F-9288-2AB5CAFC77EA}" dt="2025-02-28T04:24:51.428" v="2589" actId="478"/>
-          <ac:picMkLst>
-            <pc:docMk/>
-            <pc:sldMk cId="1510250528" sldId="275"/>
-            <ac:picMk id="10" creationId="{DFFC76CC-06D4-9804-9E55-7D1CC74BDB69}"/>
-          </ac:picMkLst>
-        </pc:picChg>
         <pc:picChg chg="add mod ord">
           <ac:chgData name="Mark Lefevre" userId="cf24bf3785f31a4f" providerId="LiveId" clId="{439518E1-CD2B-481F-9288-2AB5CAFC77EA}" dt="2025-02-28T04:25:47.068" v="2591" actId="22"/>
           <ac:picMkLst>
             <pc:docMk/>
             <pc:sldMk cId="1510250528" sldId="275"/>
             <ac:picMk id="12" creationId="{11DDCF99-C8D6-466D-AD29-3AB67CB5030F}"/>
+          </ac:picMkLst>
+        </pc:picChg>
+      </pc:sldChg>
+      <pc:sldChg chg="addSp delSp modSp new mod ord">
+        <pc:chgData name="Mark Lefevre" userId="cf24bf3785f31a4f" providerId="LiveId" clId="{439518E1-CD2B-481F-9288-2AB5CAFC77EA}" dt="2025-03-03T03:04:27.048" v="3174"/>
+        <pc:sldMkLst>
+          <pc:docMk/>
+          <pc:sldMk cId="3990713658" sldId="276"/>
+        </pc:sldMkLst>
+        <pc:spChg chg="mod">
+          <ac:chgData name="Mark Lefevre" userId="cf24bf3785f31a4f" providerId="LiveId" clId="{439518E1-CD2B-481F-9288-2AB5CAFC77EA}" dt="2025-03-01T04:39:09.548" v="2639" actId="20577"/>
+          <ac:spMkLst>
+            <pc:docMk/>
+            <pc:sldMk cId="3990713658" sldId="276"/>
+            <ac:spMk id="2" creationId="{D5BECC59-9D9D-9CA2-BD18-01F13C233EB6}"/>
+          </ac:spMkLst>
+        </pc:spChg>
+        <pc:spChg chg="add del mod">
+          <ac:chgData name="Mark Lefevre" userId="cf24bf3785f31a4f" providerId="LiveId" clId="{439518E1-CD2B-481F-9288-2AB5CAFC77EA}" dt="2025-03-01T04:44:09.190" v="2755" actId="404"/>
+          <ac:spMkLst>
+            <pc:docMk/>
+            <pc:sldMk cId="3990713658" sldId="276"/>
+            <ac:spMk id="4" creationId="{720716CD-305E-1BF3-AC45-A0D77330D1FE}"/>
+          </ac:spMkLst>
+        </pc:spChg>
+        <pc:picChg chg="add mod ord">
+          <ac:chgData name="Mark Lefevre" userId="cf24bf3785f31a4f" providerId="LiveId" clId="{439518E1-CD2B-481F-9288-2AB5CAFC77EA}" dt="2025-03-01T04:39:21.242" v="2640" actId="22"/>
+          <ac:picMkLst>
+            <pc:docMk/>
+            <pc:sldMk cId="3990713658" sldId="276"/>
+            <ac:picMk id="6" creationId="{BDDD33B3-09EC-942E-044B-3262C5A34320}"/>
           </ac:picMkLst>
         </pc:picChg>
       </pc:sldChg>
@@ -602,7 +522,7 @@
           <a:p>
             <a:fld id="{9F34524B-208E-4470-83DF-9357896802DB}" type="datetimeFigureOut">
               <a:rPr lang="en-US" smtClean="0"/>
-              <a:t>2/27/2025</a:t>
+              <a:t>2/28/2025</a:t>
             </a:fld>
             <a:endParaRPr lang="en-US"/>
           </a:p>
@@ -999,32 +919,100 @@
           <a:p>
             <a:r>
               <a:rPr lang="en-US" dirty="0"/>
-              <a:t>Over the next four slides, I will show the q code to implement a Kalman Filter for a simple ballistic target.</a:t>
-            </a:r>
-          </a:p>
-          <a:p>
-            <a:r>
-              <a:rPr lang="en-US" dirty="0"/>
-              <a:t>It is not important to understand each line, but perhaps you can understand the broad strokes. Much of the code is setting up data, initialization and writing it out for plotting in Python.</a:t>
-            </a:r>
-          </a:p>
-          <a:p>
-            <a:r>
-              <a:rPr lang="en-US" dirty="0"/>
-              <a:t>The left hand side establishes some constants, time steps and initial conditions.</a:t>
-            </a:r>
-          </a:p>
-          <a:p>
-            <a:r>
-              <a:rPr lang="en-US" dirty="0"/>
-              <a:t>The right hand side defines a generic function to compute the actual trajectory given a time.</a:t>
-            </a:r>
-          </a:p>
-          <a:p>
-            <a:r>
-              <a:rPr lang="en-US" dirty="0"/>
-              <a:t>It then defines a projection for these specific initial conditions. It then simulates the actual trajectory for the all the times.</a:t>
-            </a:r>
+              <a:t>These results were created with q/</a:t>
+            </a:r>
+            <a:r>
+              <a:rPr lang="en-US" dirty="0" err="1"/>
+              <a:t>kdb</a:t>
+            </a:r>
+            <a:r>
+              <a:rPr lang="en-US" dirty="0"/>
+              <a:t>+ code, saved to a csv file and plotted in Python using matplotlib.</a:t>
+            </a:r>
+          </a:p>
+          <a:p>
+            <a:r>
+              <a:rPr lang="en-US" dirty="0"/>
+              <a:t>There is an element of randomness, so unless your seed value was the same, the results will be slightly different.</a:t>
+            </a:r>
+          </a:p>
+          <a:p>
+            <a:r>
+              <a:rPr lang="en-US" dirty="0"/>
+              <a:t>In the reference q/</a:t>
+            </a:r>
+            <a:r>
+              <a:rPr lang="en-US" dirty="0" err="1"/>
+              <a:t>kdb</a:t>
+            </a:r>
+            <a:r>
+              <a:rPr lang="en-US" dirty="0"/>
+              <a:t> code, the seed is set for reproducibility.</a:t>
+            </a:r>
+          </a:p>
+          <a:p>
+            <a:endParaRPr lang="en-US" dirty="0"/>
+          </a:p>
+          <a:p>
+            <a:r>
+              <a:rPr lang="en-US" dirty="0"/>
+              <a:t>The first plot shows the true location in the x and y dimensions in green.</a:t>
+            </a:r>
+          </a:p>
+          <a:p>
+            <a:r>
+              <a:rPr lang="en-US" dirty="0"/>
+              <a:t>The red dots are the measured position which includes measurement noise.</a:t>
+            </a:r>
+          </a:p>
+          <a:p>
+            <a:r>
+              <a:rPr lang="en-US" dirty="0"/>
+              <a:t>The blue dots are the estimated positions.</a:t>
+            </a:r>
+          </a:p>
+          <a:p>
+            <a:endParaRPr lang="en-US" dirty="0"/>
+          </a:p>
+          <a:p>
+            <a:r>
+              <a:rPr lang="en-US" dirty="0"/>
+              <a:t>The middle plot shows the true velocities in green. The ballistic target starts with velocities in both directions of 50 m/s. The x velocity is unchanged as we are not simulating are drag. The y velocity decreases under the influence of gravity.</a:t>
+            </a:r>
+          </a:p>
+          <a:p>
+            <a:r>
+              <a:rPr lang="en-US" dirty="0"/>
+              <a:t>As in the position measurement, there is noise in the velocity measurement although we have set it to a different value.</a:t>
+            </a:r>
+          </a:p>
+          <a:p>
+            <a:r>
+              <a:rPr lang="en-US" dirty="0"/>
+              <a:t>The velocity estimate begins at 0,0 and quickly starts to converge closer to the true velocities.</a:t>
+            </a:r>
+          </a:p>
+          <a:p>
+            <a:endParaRPr lang="en-US" dirty="0"/>
+          </a:p>
+          <a:p>
+            <a:r>
+              <a:rPr lang="en-US" b="0" dirty="0"/>
+              <a:t>The third plot shows the Kalman gain for the positions and velocities. The Kalman gain is a </a:t>
+            </a:r>
+            <a:r>
+              <a:rPr lang="en-US" b="0" dirty="0" err="1"/>
+              <a:t>mxn</a:t>
+            </a:r>
+            <a:r>
+              <a:rPr lang="en-US" b="0" dirty="0"/>
+              <a:t> matrix where the m is the number of state variables and n is the number of measurements. The diagonal elements of the Kalman Gain matrix represent the gain for each individual state variable (e.g., position, velocity, etc.). These diagonal elements determine how much of a correction will be applied to the state estimate for each state variable based on the measurement residuals. Larger diagonal elements indicate more trust in the measurements for that specific state variable, and smaller diagonal elements indicate more trust in the model predictions. </a:t>
+            </a:r>
+            <a:r>
+              <a:rPr lang="en-US" dirty="0"/>
+              <a:t>The model initially places more trust in the measurements, but over time, it starts relying more on the estimated state. In the beginning, it comparatively trusts the velocity measurements more that the position measurement.</a:t>
+            </a:r>
+            <a:endParaRPr lang="en-US" b="0" dirty="0"/>
           </a:p>
         </p:txBody>
       </p:sp>
@@ -1045,7 +1033,7 @@
           <a:p>
             <a:fld id="{F011AAC0-AB02-4B64-A809-419AC12897EB}" type="slidenum">
               <a:rPr lang="en-US" smtClean="0"/>
-              <a:t>10</a:t>
+              <a:t>11</a:t>
             </a:fld>
             <a:endParaRPr lang="en-US"/>
           </a:p>
@@ -1054,7 +1042,7 @@
     </p:spTree>
     <p:extLst>
       <p:ext uri="{BB962C8B-B14F-4D97-AF65-F5344CB8AC3E}">
-        <p14:creationId xmlns:p14="http://schemas.microsoft.com/office/powerpoint/2010/main" val="1670199406"/>
+        <p14:creationId xmlns:p14="http://schemas.microsoft.com/office/powerpoint/2010/main" val="301276975"/>
       </p:ext>
     </p:extLst>
   </p:cSld>
@@ -1065,6 +1053,209 @@
 </file>
 
 <file path=ppt/notesSlides/notesSlide11.xml><?xml version="1.0" encoding="utf-8"?>
+<p:notes xmlns:a="http://schemas.openxmlformats.org/drawingml/2006/main" xmlns:r="http://schemas.openxmlformats.org/officeDocument/2006/relationships" xmlns:p="http://schemas.openxmlformats.org/presentationml/2006/main">
+  <p:cSld>
+    <p:spTree>
+      <p:nvGrpSpPr>
+        <p:cNvPr id="1" name="">
+          <a:extLst>
+            <a:ext uri="{FF2B5EF4-FFF2-40B4-BE49-F238E27FC236}">
+              <a16:creationId xmlns:a16="http://schemas.microsoft.com/office/drawing/2014/main" id="{EDDE7645-A249-49DB-0B9F-C55855406A56}"/>
+            </a:ext>
+          </a:extLst>
+        </p:cNvPr>
+        <p:cNvGrpSpPr/>
+        <p:nvPr/>
+      </p:nvGrpSpPr>
+      <p:grpSpPr>
+        <a:xfrm>
+          <a:off x="0" y="0"/>
+          <a:ext cx="0" cy="0"/>
+          <a:chOff x="0" y="0"/>
+          <a:chExt cx="0" cy="0"/>
+        </a:xfrm>
+      </p:grpSpPr>
+      <p:sp>
+        <p:nvSpPr>
+          <p:cNvPr id="2" name="Slide Image Placeholder 1">
+            <a:extLst>
+              <a:ext uri="{FF2B5EF4-FFF2-40B4-BE49-F238E27FC236}">
+                <a16:creationId xmlns:a16="http://schemas.microsoft.com/office/drawing/2014/main" id="{E6625CD2-D012-AA1A-E54A-4124E151A221}"/>
+              </a:ext>
+            </a:extLst>
+          </p:cNvPr>
+          <p:cNvSpPr>
+            <a:spLocks noGrp="1" noRot="1" noChangeAspect="1"/>
+          </p:cNvSpPr>
+          <p:nvPr>
+            <p:ph type="sldImg"/>
+          </p:nvPr>
+        </p:nvSpPr>
+        <p:spPr/>
+      </p:sp>
+      <p:sp>
+        <p:nvSpPr>
+          <p:cNvPr id="3" name="Notes Placeholder 2">
+            <a:extLst>
+              <a:ext uri="{FF2B5EF4-FFF2-40B4-BE49-F238E27FC236}">
+                <a16:creationId xmlns:a16="http://schemas.microsoft.com/office/drawing/2014/main" id="{1D6ACEF6-9ADD-867B-507D-229841C7DB9C}"/>
+              </a:ext>
+            </a:extLst>
+          </p:cNvPr>
+          <p:cNvSpPr>
+            <a:spLocks noGrp="1"/>
+          </p:cNvSpPr>
+          <p:nvPr>
+            <p:ph type="body" idx="1"/>
+          </p:nvPr>
+        </p:nvSpPr>
+        <p:spPr/>
+        <p:txBody>
+          <a:bodyPr/>
+          <a:lstStyle/>
+          <a:p>
+            <a:r>
+              <a:rPr lang="en-US" dirty="0"/>
+              <a:t>These results were created with q/</a:t>
+            </a:r>
+            <a:r>
+              <a:rPr lang="en-US" dirty="0" err="1"/>
+              <a:t>kdb</a:t>
+            </a:r>
+            <a:r>
+              <a:rPr lang="en-US" dirty="0"/>
+              <a:t>+ code, saved to a csv file and plotted in Python using matplotlib.</a:t>
+            </a:r>
+          </a:p>
+          <a:p>
+            <a:r>
+              <a:rPr lang="en-US" dirty="0"/>
+              <a:t>There is an element of randomness, so unless your seed value was the same, the results will be slightly different.</a:t>
+            </a:r>
+          </a:p>
+          <a:p>
+            <a:r>
+              <a:rPr lang="en-US" dirty="0"/>
+              <a:t>In the reference q/</a:t>
+            </a:r>
+            <a:r>
+              <a:rPr lang="en-US" dirty="0" err="1"/>
+              <a:t>kdb</a:t>
+            </a:r>
+            <a:r>
+              <a:rPr lang="en-US" dirty="0"/>
+              <a:t> code, the seed is set for reproducibility.</a:t>
+            </a:r>
+          </a:p>
+          <a:p>
+            <a:endParaRPr lang="en-US" dirty="0"/>
+          </a:p>
+          <a:p>
+            <a:r>
+              <a:rPr lang="en-US" dirty="0"/>
+              <a:t>The first plot shows the true location in the x and y dimensions in green.</a:t>
+            </a:r>
+          </a:p>
+          <a:p>
+            <a:r>
+              <a:rPr lang="en-US" dirty="0"/>
+              <a:t>The red dots are the measured position which includes measurement noise.</a:t>
+            </a:r>
+          </a:p>
+          <a:p>
+            <a:r>
+              <a:rPr lang="en-US" dirty="0"/>
+              <a:t>The blue dots are the estimated positions.</a:t>
+            </a:r>
+          </a:p>
+          <a:p>
+            <a:endParaRPr lang="en-US" dirty="0"/>
+          </a:p>
+          <a:p>
+            <a:r>
+              <a:rPr lang="en-US" dirty="0"/>
+              <a:t>The middle plot shows the true velocities in green. The ballistic target starts with velocities in both directions of 50 m/s. The x velocity is unchanged as we are not simulating are drag. The y velocity decreases under the influence of gravity.</a:t>
+            </a:r>
+          </a:p>
+          <a:p>
+            <a:r>
+              <a:rPr lang="en-US" dirty="0"/>
+              <a:t>As in the position measurement, there is noise in the velocity measurement although we have set it to a different value.</a:t>
+            </a:r>
+          </a:p>
+          <a:p>
+            <a:r>
+              <a:rPr lang="en-US" dirty="0"/>
+              <a:t>The velocity estimate begins at 0,0 and quickly starts to converge closer to the true velocities.</a:t>
+            </a:r>
+          </a:p>
+          <a:p>
+            <a:endParaRPr lang="en-US" dirty="0"/>
+          </a:p>
+          <a:p>
+            <a:r>
+              <a:rPr lang="en-US" b="0" dirty="0"/>
+              <a:t>The third plot shows the Kalman gain for the positions and velocities. The Kalman gain is a </a:t>
+            </a:r>
+            <a:r>
+              <a:rPr lang="en-US" b="0" dirty="0" err="1"/>
+              <a:t>mxn</a:t>
+            </a:r>
+            <a:r>
+              <a:rPr lang="en-US" b="0" dirty="0"/>
+              <a:t> matrix where the m is the number of state variables and n is the number of measurements. The diagonal elements of the Kalman Gain matrix represent the gain for each individual state variable (e.g., position, velocity, etc.). These diagonal elements determine how much of a correction will be applied to the state estimate for each state variable based on the measurement residuals. Larger diagonal elements indicate more trust in the measurements for that specific state variable, and smaller diagonal elements indicate more trust in the model predictions. </a:t>
+            </a:r>
+            <a:r>
+              <a:rPr lang="en-US" dirty="0"/>
+              <a:t>The model initially places more trust in the measurements, but over time, it starts relying more on the estimated state. In the beginning, it comparatively trusts the velocity measurements more that the position measurement.</a:t>
+            </a:r>
+            <a:endParaRPr lang="en-US" b="0" dirty="0"/>
+          </a:p>
+        </p:txBody>
+      </p:sp>
+      <p:sp>
+        <p:nvSpPr>
+          <p:cNvPr id="4" name="Slide Number Placeholder 3">
+            <a:extLst>
+              <a:ext uri="{FF2B5EF4-FFF2-40B4-BE49-F238E27FC236}">
+                <a16:creationId xmlns:a16="http://schemas.microsoft.com/office/drawing/2014/main" id="{0B94858E-2434-1F2F-7076-C38C37B55F7D}"/>
+              </a:ext>
+            </a:extLst>
+          </p:cNvPr>
+          <p:cNvSpPr>
+            <a:spLocks noGrp="1"/>
+          </p:cNvSpPr>
+          <p:nvPr>
+            <p:ph type="sldNum" sz="quarter" idx="5"/>
+          </p:nvPr>
+        </p:nvSpPr>
+        <p:spPr/>
+        <p:txBody>
+          <a:bodyPr/>
+          <a:lstStyle/>
+          <a:p>
+            <a:fld id="{F011AAC0-AB02-4B64-A809-419AC12897EB}" type="slidenum">
+              <a:rPr lang="en-US" smtClean="0"/>
+              <a:t>12</a:t>
+            </a:fld>
+            <a:endParaRPr lang="en-US"/>
+          </a:p>
+        </p:txBody>
+      </p:sp>
+    </p:spTree>
+    <p:extLst>
+      <p:ext uri="{BB962C8B-B14F-4D97-AF65-F5344CB8AC3E}">
+        <p14:creationId xmlns:p14="http://schemas.microsoft.com/office/powerpoint/2010/main" val="2034324309"/>
+      </p:ext>
+    </p:extLst>
+  </p:cSld>
+  <p:clrMapOvr>
+    <a:masterClrMapping/>
+  </p:clrMapOvr>
+</p:notes>
+</file>
+
+<file path=ppt/notesSlides/notesSlide12.xml><?xml version="1.0" encoding="utf-8"?>
 <p:notes xmlns:a="http://schemas.openxmlformats.org/drawingml/2006/main" xmlns:r="http://schemas.openxmlformats.org/officeDocument/2006/relationships" xmlns:p="http://schemas.openxmlformats.org/presentationml/2006/main">
   <p:cSld>
     <p:spTree>
@@ -1110,31 +1301,31 @@
           <a:p>
             <a:r>
               <a:rPr lang="en-US" dirty="0"/>
-              <a:t>The code on the left hand side defines some noise parameters and computes a times series of noisy measurements.</a:t>
-            </a:r>
-          </a:p>
-          <a:p>
-            <a:r>
-              <a:rPr lang="en-US" dirty="0"/>
-              <a:t>The measurement noise is normally distributed.</a:t>
-            </a:r>
-          </a:p>
-          <a:p>
-            <a:r>
-              <a:rPr lang="en-US" dirty="0"/>
-              <a:t>I take advantage of the Box Muller algorithm for computing pairs of standard normally distributed variables from uniform draws.</a:t>
-            </a:r>
-          </a:p>
-          <a:p>
-            <a:r>
-              <a:rPr lang="en-US" dirty="0"/>
-              <a:t>Once the standard derivations are properly scaled, it is added to the true state.</a:t>
-            </a:r>
-          </a:p>
-          <a:p>
-            <a:r>
-              <a:rPr lang="en-US" dirty="0"/>
-              <a:t>On the right hand side, I define a function from the q phrasebook and set up some initializations.</a:t>
+              <a:t>Over the next four slides, I will show the q code to implement a Kalman Filter for a simple ballistic target.</a:t>
+            </a:r>
+          </a:p>
+          <a:p>
+            <a:r>
+              <a:rPr lang="en-US" dirty="0"/>
+              <a:t>It is not important to understand each line, but perhaps you can understand the broad strokes. Much of the code is setting up data, initialization and writing it out for plotting in Python.</a:t>
+            </a:r>
+          </a:p>
+          <a:p>
+            <a:r>
+              <a:rPr lang="en-US" dirty="0"/>
+              <a:t>The left hand side establishes some constants, time steps and initial conditions.</a:t>
+            </a:r>
+          </a:p>
+          <a:p>
+            <a:r>
+              <a:rPr lang="en-US" dirty="0"/>
+              <a:t>The right hand side defines a generic function to compute the actual trajectory given a time.</a:t>
+            </a:r>
+          </a:p>
+          <a:p>
+            <a:r>
+              <a:rPr lang="en-US" dirty="0"/>
+              <a:t>It then defines a projection for these specific initial conditions. It then simulates the actual trajectory for the all the times.</a:t>
             </a:r>
           </a:p>
         </p:txBody>
@@ -1156,7 +1347,118 @@
           <a:p>
             <a:fld id="{F011AAC0-AB02-4B64-A809-419AC12897EB}" type="slidenum">
               <a:rPr lang="en-US" smtClean="0"/>
-              <a:t>11</a:t>
+              <a:t>13</a:t>
+            </a:fld>
+            <a:endParaRPr lang="en-US"/>
+          </a:p>
+        </p:txBody>
+      </p:sp>
+    </p:spTree>
+    <p:extLst>
+      <p:ext uri="{BB962C8B-B14F-4D97-AF65-F5344CB8AC3E}">
+        <p14:creationId xmlns:p14="http://schemas.microsoft.com/office/powerpoint/2010/main" val="1670199406"/>
+      </p:ext>
+    </p:extLst>
+  </p:cSld>
+  <p:clrMapOvr>
+    <a:masterClrMapping/>
+  </p:clrMapOvr>
+</p:notes>
+</file>
+
+<file path=ppt/notesSlides/notesSlide13.xml><?xml version="1.0" encoding="utf-8"?>
+<p:notes xmlns:a="http://schemas.openxmlformats.org/drawingml/2006/main" xmlns:r="http://schemas.openxmlformats.org/officeDocument/2006/relationships" xmlns:p="http://schemas.openxmlformats.org/presentationml/2006/main">
+  <p:cSld>
+    <p:spTree>
+      <p:nvGrpSpPr>
+        <p:cNvPr id="1" name=""/>
+        <p:cNvGrpSpPr/>
+        <p:nvPr/>
+      </p:nvGrpSpPr>
+      <p:grpSpPr>
+        <a:xfrm>
+          <a:off x="0" y="0"/>
+          <a:ext cx="0" cy="0"/>
+          <a:chOff x="0" y="0"/>
+          <a:chExt cx="0" cy="0"/>
+        </a:xfrm>
+      </p:grpSpPr>
+      <p:sp>
+        <p:nvSpPr>
+          <p:cNvPr id="2" name="Slide Image Placeholder 1"/>
+          <p:cNvSpPr>
+            <a:spLocks noGrp="1" noRot="1" noChangeAspect="1"/>
+          </p:cNvSpPr>
+          <p:nvPr>
+            <p:ph type="sldImg"/>
+          </p:nvPr>
+        </p:nvSpPr>
+        <p:spPr/>
+      </p:sp>
+      <p:sp>
+        <p:nvSpPr>
+          <p:cNvPr id="3" name="Notes Placeholder 2"/>
+          <p:cNvSpPr>
+            <a:spLocks noGrp="1"/>
+          </p:cNvSpPr>
+          <p:nvPr>
+            <p:ph type="body" idx="1"/>
+          </p:nvPr>
+        </p:nvSpPr>
+        <p:spPr/>
+        <p:txBody>
+          <a:bodyPr/>
+          <a:lstStyle/>
+          <a:p>
+            <a:r>
+              <a:rPr lang="en-US" dirty="0"/>
+              <a:t>The code on the left hand side defines some noise parameters and computes a times series of noisy measurements.</a:t>
+            </a:r>
+          </a:p>
+          <a:p>
+            <a:r>
+              <a:rPr lang="en-US" dirty="0"/>
+              <a:t>The measurement noise is normally distributed.</a:t>
+            </a:r>
+          </a:p>
+          <a:p>
+            <a:r>
+              <a:rPr lang="en-US" dirty="0"/>
+              <a:t>I take advantage of the Box Muller algorithm for computing pairs of standard normally distributed variables from uniform draws.</a:t>
+            </a:r>
+          </a:p>
+          <a:p>
+            <a:r>
+              <a:rPr lang="en-US" dirty="0"/>
+              <a:t>Once the standard derivations are properly scaled, it is added to the true state.</a:t>
+            </a:r>
+          </a:p>
+          <a:p>
+            <a:r>
+              <a:rPr lang="en-US" dirty="0"/>
+              <a:t>On the right hand side, I define a function from the q phrasebook and set up some initializations.</a:t>
+            </a:r>
+          </a:p>
+        </p:txBody>
+      </p:sp>
+      <p:sp>
+        <p:nvSpPr>
+          <p:cNvPr id="4" name="Slide Number Placeholder 3"/>
+          <p:cNvSpPr>
+            <a:spLocks noGrp="1"/>
+          </p:cNvSpPr>
+          <p:nvPr>
+            <p:ph type="sldNum" sz="quarter" idx="5"/>
+          </p:nvPr>
+        </p:nvSpPr>
+        <p:spPr/>
+        <p:txBody>
+          <a:bodyPr/>
+          <a:lstStyle/>
+          <a:p>
+            <a:fld id="{F011AAC0-AB02-4B64-A809-419AC12897EB}" type="slidenum">
+              <a:rPr lang="en-US" smtClean="0"/>
+              <a:t>14</a:t>
             </a:fld>
             <a:endParaRPr lang="en-US"/>
           </a:p>
@@ -1175,7 +1477,7 @@
 </p:notes>
 </file>
 
-<file path=ppt/notesSlides/notesSlide12.xml><?xml version="1.0" encoding="utf-8"?>
+<file path=ppt/notesSlides/notesSlide14.xml><?xml version="1.0" encoding="utf-8"?>
 <p:notes xmlns:a="http://schemas.openxmlformats.org/drawingml/2006/main" xmlns:r="http://schemas.openxmlformats.org/officeDocument/2006/relationships" xmlns:p="http://schemas.openxmlformats.org/presentationml/2006/main">
   <p:cSld>
     <p:spTree>
@@ -1267,7 +1569,7 @@
           <a:p>
             <a:fld id="{F011AAC0-AB02-4B64-A809-419AC12897EB}" type="slidenum">
               <a:rPr lang="en-US" smtClean="0"/>
-              <a:t>12</a:t>
+              <a:t>15</a:t>
             </a:fld>
             <a:endParaRPr lang="en-US"/>
           </a:p>
@@ -1286,7 +1588,7 @@
 </p:notes>
 </file>
 
-<file path=ppt/notesSlides/notesSlide13.xml><?xml version="1.0" encoding="utf-8"?>
+<file path=ppt/notesSlides/notesSlide15.xml><?xml version="1.0" encoding="utf-8"?>
 <p:notes xmlns:a="http://schemas.openxmlformats.org/drawingml/2006/main" xmlns:r="http://schemas.openxmlformats.org/officeDocument/2006/relationships" xmlns:p="http://schemas.openxmlformats.org/presentationml/2006/main">
   <p:cSld>
     <p:spTree>
@@ -1390,7 +1692,7 @@
           <a:p>
             <a:fld id="{F011AAC0-AB02-4B64-A809-419AC12897EB}" type="slidenum">
               <a:rPr lang="en-US" smtClean="0"/>
-              <a:t>13</a:t>
+              <a:t>16</a:t>
             </a:fld>
             <a:endParaRPr lang="en-US"/>
           </a:p>
@@ -1400,388 +1702,6 @@
     <p:extLst>
       <p:ext uri="{BB962C8B-B14F-4D97-AF65-F5344CB8AC3E}">
         <p14:creationId xmlns:p14="http://schemas.microsoft.com/office/powerpoint/2010/main" val="3714274123"/>
-      </p:ext>
-    </p:extLst>
-  </p:cSld>
-  <p:clrMapOvr>
-    <a:masterClrMapping/>
-  </p:clrMapOvr>
-</p:notes>
-</file>
-
-<file path=ppt/notesSlides/notesSlide14.xml><?xml version="1.0" encoding="utf-8"?>
-<p:notes xmlns:a="http://schemas.openxmlformats.org/drawingml/2006/main" xmlns:r="http://schemas.openxmlformats.org/officeDocument/2006/relationships" xmlns:p="http://schemas.openxmlformats.org/presentationml/2006/main">
-  <p:cSld>
-    <p:spTree>
-      <p:nvGrpSpPr>
-        <p:cNvPr id="1" name=""/>
-        <p:cNvGrpSpPr/>
-        <p:nvPr/>
-      </p:nvGrpSpPr>
-      <p:grpSpPr>
-        <a:xfrm>
-          <a:off x="0" y="0"/>
-          <a:ext cx="0" cy="0"/>
-          <a:chOff x="0" y="0"/>
-          <a:chExt cx="0" cy="0"/>
-        </a:xfrm>
-      </p:grpSpPr>
-      <p:sp>
-        <p:nvSpPr>
-          <p:cNvPr id="2" name="Slide Image Placeholder 1"/>
-          <p:cNvSpPr>
-            <a:spLocks noGrp="1" noRot="1" noChangeAspect="1"/>
-          </p:cNvSpPr>
-          <p:nvPr>
-            <p:ph type="sldImg"/>
-          </p:nvPr>
-        </p:nvSpPr>
-        <p:spPr/>
-      </p:sp>
-      <p:sp>
-        <p:nvSpPr>
-          <p:cNvPr id="3" name="Notes Placeholder 2"/>
-          <p:cNvSpPr>
-            <a:spLocks noGrp="1"/>
-          </p:cNvSpPr>
-          <p:nvPr>
-            <p:ph type="body" idx="1"/>
-          </p:nvPr>
-        </p:nvSpPr>
-        <p:spPr/>
-        <p:txBody>
-          <a:bodyPr/>
-          <a:lstStyle/>
-          <a:p>
-            <a:r>
-              <a:rPr lang="en-US" dirty="0"/>
-              <a:t>These results were created with q/</a:t>
-            </a:r>
-            <a:r>
-              <a:rPr lang="en-US" dirty="0" err="1"/>
-              <a:t>kdb</a:t>
-            </a:r>
-            <a:r>
-              <a:rPr lang="en-US" dirty="0"/>
-              <a:t>+ code, saved to a csv file and plotted in Python using matplotlib.</a:t>
-            </a:r>
-          </a:p>
-          <a:p>
-            <a:r>
-              <a:rPr lang="en-US" dirty="0"/>
-              <a:t>There is an element of randomness, so unless your seed value was the same, the results will be slightly different.</a:t>
-            </a:r>
-          </a:p>
-          <a:p>
-            <a:r>
-              <a:rPr lang="en-US" dirty="0"/>
-              <a:t>In the reference q/</a:t>
-            </a:r>
-            <a:r>
-              <a:rPr lang="en-US" dirty="0" err="1"/>
-              <a:t>kdb</a:t>
-            </a:r>
-            <a:r>
-              <a:rPr lang="en-US" dirty="0"/>
-              <a:t> code, the seed is set for reproducibility.</a:t>
-            </a:r>
-          </a:p>
-          <a:p>
-            <a:endParaRPr lang="en-US" dirty="0"/>
-          </a:p>
-          <a:p>
-            <a:r>
-              <a:rPr lang="en-US" dirty="0"/>
-              <a:t>The first plot shows the true location in the x and y dimensions in green.</a:t>
-            </a:r>
-          </a:p>
-          <a:p>
-            <a:r>
-              <a:rPr lang="en-US" dirty="0"/>
-              <a:t>The red dots are the measured position which includes measurement noise.</a:t>
-            </a:r>
-          </a:p>
-          <a:p>
-            <a:r>
-              <a:rPr lang="en-US" dirty="0"/>
-              <a:t>The blue dots are the estimated positions.</a:t>
-            </a:r>
-          </a:p>
-          <a:p>
-            <a:endParaRPr lang="en-US" dirty="0"/>
-          </a:p>
-          <a:p>
-            <a:r>
-              <a:rPr lang="en-US" dirty="0"/>
-              <a:t>The middle plot shows the true velocities in green. The ballistic target starts with velocities in both directions of 50 m/s. The x velocity is unchanged as we are not simulating are drag. The y velocity decreases under the influence of gravity.</a:t>
-            </a:r>
-          </a:p>
-          <a:p>
-            <a:r>
-              <a:rPr lang="en-US" dirty="0"/>
-              <a:t>As in the position measurement, there is noise in the velocity measurement although we have set it to a different value.</a:t>
-            </a:r>
-          </a:p>
-          <a:p>
-            <a:r>
-              <a:rPr lang="en-US" dirty="0"/>
-              <a:t>The velocity estimate begins at 0,0 and quickly starts to converge closer to the true velocities.</a:t>
-            </a:r>
-          </a:p>
-          <a:p>
-            <a:endParaRPr lang="en-US" dirty="0"/>
-          </a:p>
-          <a:p>
-            <a:r>
-              <a:rPr lang="en-US" b="0" dirty="0"/>
-              <a:t>The third plot shows the Kalman gain for the positions and velocities. The Kalman gain is a </a:t>
-            </a:r>
-            <a:r>
-              <a:rPr lang="en-US" b="0" dirty="0" err="1"/>
-              <a:t>mxn</a:t>
-            </a:r>
-            <a:r>
-              <a:rPr lang="en-US" b="0" dirty="0"/>
-              <a:t> matrix where the m is the number of state variables and n is the number of measurements. The diagonal elements of the Kalman Gain matrix represent the gain for each individual state variable (e.g., position, velocity, etc.). These diagonal elements determine how much of a correction will be applied to the state estimate for each state variable based on the measurement residuals. Larger diagonal elements indicate more trust in the measurements for that specific state variable, and smaller diagonal elements indicate more trust in the model predictions. </a:t>
-            </a:r>
-            <a:r>
-              <a:rPr lang="en-US" dirty="0"/>
-              <a:t>The model initially places more trust in the measurements, but over time, it starts relying more on the estimated state. In the beginning, it comparatively trusts the velocity measurements more that the position measurement.</a:t>
-            </a:r>
-            <a:endParaRPr lang="en-US" b="0" dirty="0"/>
-          </a:p>
-        </p:txBody>
-      </p:sp>
-      <p:sp>
-        <p:nvSpPr>
-          <p:cNvPr id="4" name="Slide Number Placeholder 3"/>
-          <p:cNvSpPr>
-            <a:spLocks noGrp="1"/>
-          </p:cNvSpPr>
-          <p:nvPr>
-            <p:ph type="sldNum" sz="quarter" idx="5"/>
-          </p:nvPr>
-        </p:nvSpPr>
-        <p:spPr/>
-        <p:txBody>
-          <a:bodyPr/>
-          <a:lstStyle/>
-          <a:p>
-            <a:fld id="{F011AAC0-AB02-4B64-A809-419AC12897EB}" type="slidenum">
-              <a:rPr lang="en-US" smtClean="0"/>
-              <a:t>14</a:t>
-            </a:fld>
-            <a:endParaRPr lang="en-US"/>
-          </a:p>
-        </p:txBody>
-      </p:sp>
-    </p:spTree>
-    <p:extLst>
-      <p:ext uri="{BB962C8B-B14F-4D97-AF65-F5344CB8AC3E}">
-        <p14:creationId xmlns:p14="http://schemas.microsoft.com/office/powerpoint/2010/main" val="301276975"/>
-      </p:ext>
-    </p:extLst>
-  </p:cSld>
-  <p:clrMapOvr>
-    <a:masterClrMapping/>
-  </p:clrMapOvr>
-</p:notes>
-</file>
-
-<file path=ppt/notesSlides/notesSlide15.xml><?xml version="1.0" encoding="utf-8"?>
-<p:notes xmlns:a="http://schemas.openxmlformats.org/drawingml/2006/main" xmlns:r="http://schemas.openxmlformats.org/officeDocument/2006/relationships" xmlns:p="http://schemas.openxmlformats.org/presentationml/2006/main">
-  <p:cSld>
-    <p:spTree>
-      <p:nvGrpSpPr>
-        <p:cNvPr id="1" name="">
-          <a:extLst>
-            <a:ext uri="{FF2B5EF4-FFF2-40B4-BE49-F238E27FC236}">
-              <a16:creationId xmlns:a16="http://schemas.microsoft.com/office/drawing/2014/main" id="{EDDE7645-A249-49DB-0B9F-C55855406A56}"/>
-            </a:ext>
-          </a:extLst>
-        </p:cNvPr>
-        <p:cNvGrpSpPr/>
-        <p:nvPr/>
-      </p:nvGrpSpPr>
-      <p:grpSpPr>
-        <a:xfrm>
-          <a:off x="0" y="0"/>
-          <a:ext cx="0" cy="0"/>
-          <a:chOff x="0" y="0"/>
-          <a:chExt cx="0" cy="0"/>
-        </a:xfrm>
-      </p:grpSpPr>
-      <p:sp>
-        <p:nvSpPr>
-          <p:cNvPr id="2" name="Slide Image Placeholder 1">
-            <a:extLst>
-              <a:ext uri="{FF2B5EF4-FFF2-40B4-BE49-F238E27FC236}">
-                <a16:creationId xmlns:a16="http://schemas.microsoft.com/office/drawing/2014/main" id="{E6625CD2-D012-AA1A-E54A-4124E151A221}"/>
-              </a:ext>
-            </a:extLst>
-          </p:cNvPr>
-          <p:cNvSpPr>
-            <a:spLocks noGrp="1" noRot="1" noChangeAspect="1"/>
-          </p:cNvSpPr>
-          <p:nvPr>
-            <p:ph type="sldImg"/>
-          </p:nvPr>
-        </p:nvSpPr>
-        <p:spPr/>
-      </p:sp>
-      <p:sp>
-        <p:nvSpPr>
-          <p:cNvPr id="3" name="Notes Placeholder 2">
-            <a:extLst>
-              <a:ext uri="{FF2B5EF4-FFF2-40B4-BE49-F238E27FC236}">
-                <a16:creationId xmlns:a16="http://schemas.microsoft.com/office/drawing/2014/main" id="{1D6ACEF6-9ADD-867B-507D-229841C7DB9C}"/>
-              </a:ext>
-            </a:extLst>
-          </p:cNvPr>
-          <p:cNvSpPr>
-            <a:spLocks noGrp="1"/>
-          </p:cNvSpPr>
-          <p:nvPr>
-            <p:ph type="body" idx="1"/>
-          </p:nvPr>
-        </p:nvSpPr>
-        <p:spPr/>
-        <p:txBody>
-          <a:bodyPr/>
-          <a:lstStyle/>
-          <a:p>
-            <a:r>
-              <a:rPr lang="en-US" dirty="0"/>
-              <a:t>These results were created with q/</a:t>
-            </a:r>
-            <a:r>
-              <a:rPr lang="en-US" dirty="0" err="1"/>
-              <a:t>kdb</a:t>
-            </a:r>
-            <a:r>
-              <a:rPr lang="en-US" dirty="0"/>
-              <a:t>+ code, saved to a csv file and plotted in Python using matplotlib.</a:t>
-            </a:r>
-          </a:p>
-          <a:p>
-            <a:r>
-              <a:rPr lang="en-US" dirty="0"/>
-              <a:t>There is an element of randomness, so unless your seed value was the same, the results will be slightly different.</a:t>
-            </a:r>
-          </a:p>
-          <a:p>
-            <a:r>
-              <a:rPr lang="en-US" dirty="0"/>
-              <a:t>In the reference q/</a:t>
-            </a:r>
-            <a:r>
-              <a:rPr lang="en-US" dirty="0" err="1"/>
-              <a:t>kdb</a:t>
-            </a:r>
-            <a:r>
-              <a:rPr lang="en-US" dirty="0"/>
-              <a:t> code, the seed is set for reproducibility.</a:t>
-            </a:r>
-          </a:p>
-          <a:p>
-            <a:endParaRPr lang="en-US" dirty="0"/>
-          </a:p>
-          <a:p>
-            <a:r>
-              <a:rPr lang="en-US" dirty="0"/>
-              <a:t>The first plot shows the true location in the x and y dimensions in green.</a:t>
-            </a:r>
-          </a:p>
-          <a:p>
-            <a:r>
-              <a:rPr lang="en-US" dirty="0"/>
-              <a:t>The red dots are the measured position which includes measurement noise.</a:t>
-            </a:r>
-          </a:p>
-          <a:p>
-            <a:r>
-              <a:rPr lang="en-US" dirty="0"/>
-              <a:t>The blue dots are the estimated positions.</a:t>
-            </a:r>
-          </a:p>
-          <a:p>
-            <a:endParaRPr lang="en-US" dirty="0"/>
-          </a:p>
-          <a:p>
-            <a:r>
-              <a:rPr lang="en-US" dirty="0"/>
-              <a:t>The middle plot shows the true velocities in green. The ballistic target starts with velocities in both directions of 50 m/s. The x velocity is unchanged as we are not simulating are drag. The y velocity decreases under the influence of gravity.</a:t>
-            </a:r>
-          </a:p>
-          <a:p>
-            <a:r>
-              <a:rPr lang="en-US" dirty="0"/>
-              <a:t>As in the position measurement, there is noise in the velocity measurement although we have set it to a different value.</a:t>
-            </a:r>
-          </a:p>
-          <a:p>
-            <a:r>
-              <a:rPr lang="en-US" dirty="0"/>
-              <a:t>The velocity estimate begins at 0,0 and quickly starts to converge closer to the true velocities.</a:t>
-            </a:r>
-          </a:p>
-          <a:p>
-            <a:endParaRPr lang="en-US" dirty="0"/>
-          </a:p>
-          <a:p>
-            <a:r>
-              <a:rPr lang="en-US" b="0" dirty="0"/>
-              <a:t>The third plot shows the Kalman gain for the positions and velocities. The Kalman gain is a </a:t>
-            </a:r>
-            <a:r>
-              <a:rPr lang="en-US" b="0" dirty="0" err="1"/>
-              <a:t>mxn</a:t>
-            </a:r>
-            <a:r>
-              <a:rPr lang="en-US" b="0" dirty="0"/>
-              <a:t> matrix where the m is the number of state variables and n is the number of measurements. The diagonal elements of the Kalman Gain matrix represent the gain for each individual state variable (e.g., position, velocity, etc.). These diagonal elements determine how much of a correction will be applied to the state estimate for each state variable based on the measurement residuals. Larger diagonal elements indicate more trust in the measurements for that specific state variable, and smaller diagonal elements indicate more trust in the model predictions. </a:t>
-            </a:r>
-            <a:r>
-              <a:rPr lang="en-US" dirty="0"/>
-              <a:t>The model initially places more trust in the measurements, but over time, it starts relying more on the estimated state. In the beginning, it comparatively trusts the velocity measurements more that the position measurement.</a:t>
-            </a:r>
-            <a:endParaRPr lang="en-US" b="0" dirty="0"/>
-          </a:p>
-        </p:txBody>
-      </p:sp>
-      <p:sp>
-        <p:nvSpPr>
-          <p:cNvPr id="4" name="Slide Number Placeholder 3">
-            <a:extLst>
-              <a:ext uri="{FF2B5EF4-FFF2-40B4-BE49-F238E27FC236}">
-                <a16:creationId xmlns:a16="http://schemas.microsoft.com/office/drawing/2014/main" id="{0B94858E-2434-1F2F-7076-C38C37B55F7D}"/>
-              </a:ext>
-            </a:extLst>
-          </p:cNvPr>
-          <p:cNvSpPr>
-            <a:spLocks noGrp="1"/>
-          </p:cNvSpPr>
-          <p:nvPr>
-            <p:ph type="sldNum" sz="quarter" idx="5"/>
-          </p:nvPr>
-        </p:nvSpPr>
-        <p:spPr/>
-        <p:txBody>
-          <a:bodyPr/>
-          <a:lstStyle/>
-          <a:p>
-            <a:fld id="{F011AAC0-AB02-4B64-A809-419AC12897EB}" type="slidenum">
-              <a:rPr lang="en-US" smtClean="0"/>
-              <a:t>15</a:t>
-            </a:fld>
-            <a:endParaRPr lang="en-US"/>
-          </a:p>
-        </p:txBody>
-      </p:sp>
-    </p:spTree>
-    <p:extLst>
-      <p:ext uri="{BB962C8B-B14F-4D97-AF65-F5344CB8AC3E}">
-        <p14:creationId xmlns:p14="http://schemas.microsoft.com/office/powerpoint/2010/main" val="2034324309"/>
       </p:ext>
     </p:extLst>
   </p:cSld>
@@ -1890,7 +1810,7 @@
           <a:p>
             <a:fld id="{F011AAC0-AB02-4B64-A809-419AC12897EB}" type="slidenum">
               <a:rPr lang="en-US" smtClean="0"/>
-              <a:t>16</a:t>
+              <a:t>17</a:t>
             </a:fld>
             <a:endParaRPr lang="en-US"/>
           </a:p>
@@ -2082,7 +2002,7 @@
           <a:p>
             <a:fld id="{F011AAC0-AB02-4B64-A809-419AC12897EB}" type="slidenum">
               <a:rPr lang="en-US" smtClean="0"/>
-              <a:t>17</a:t>
+              <a:t>18</a:t>
             </a:fld>
             <a:endParaRPr lang="en-US"/>
           </a:p>
@@ -3754,7 +3674,7 @@
           <a:p>
             <a:fld id="{48A87A34-81AB-432B-8DAE-1953F412C126}" type="datetimeFigureOut">
               <a:rPr lang="en-US" dirty="0"/>
-              <a:t>2/27/2025</a:t>
+              <a:t>2/28/2025</a:t>
             </a:fld>
             <a:endParaRPr lang="en-US" dirty="0"/>
           </a:p>
@@ -4016,7 +3936,7 @@
           <a:p>
             <a:fld id="{48A87A34-81AB-432B-8DAE-1953F412C126}" type="datetimeFigureOut">
               <a:rPr lang="en-US" dirty="0"/>
-              <a:t>2/27/2025</a:t>
+              <a:t>2/28/2025</a:t>
             </a:fld>
             <a:endParaRPr lang="en-US" dirty="0"/>
           </a:p>
@@ -4243,7 +4163,7 @@
             <a:fld id="{48A87A34-81AB-432B-8DAE-1953F412C126}" type="datetimeFigureOut">
               <a:rPr lang="en-US" dirty="0"/>
               <a:pPr/>
-              <a:t>2/27/2025</a:t>
+              <a:t>2/28/2025</a:t>
             </a:fld>
             <a:endParaRPr lang="en-US" dirty="0"/>
           </a:p>
@@ -4549,7 +4469,7 @@
             <a:fld id="{48A87A34-81AB-432B-8DAE-1953F412C126}" type="datetimeFigureOut">
               <a:rPr lang="en-US" dirty="0"/>
               <a:pPr/>
-              <a:t>2/27/2025</a:t>
+              <a:t>2/28/2025</a:t>
             </a:fld>
             <a:endParaRPr lang="en-US" dirty="0"/>
           </a:p>
@@ -5018,7 +4938,7 @@
             <a:fld id="{48A87A34-81AB-432B-8DAE-1953F412C126}" type="datetimeFigureOut">
               <a:rPr lang="en-US" dirty="0"/>
               <a:pPr/>
-              <a:t>2/27/2025</a:t>
+              <a:t>2/28/2025</a:t>
             </a:fld>
             <a:endParaRPr lang="en-US" dirty="0"/>
           </a:p>
@@ -5560,7 +5480,7 @@
           <a:p>
             <a:fld id="{48A87A34-81AB-432B-8DAE-1953F412C126}" type="datetimeFigureOut">
               <a:rPr lang="en-US" dirty="0"/>
-              <a:t>2/27/2025</a:t>
+              <a:t>2/28/2025</a:t>
             </a:fld>
             <a:endParaRPr lang="en-US" dirty="0"/>
           </a:p>
@@ -6329,7 +6249,7 @@
           <a:p>
             <a:fld id="{48A87A34-81AB-432B-8DAE-1953F412C126}" type="datetimeFigureOut">
               <a:rPr lang="en-US" dirty="0"/>
-              <a:t>2/27/2025</a:t>
+              <a:t>2/28/2025</a:t>
             </a:fld>
             <a:endParaRPr lang="en-US" dirty="0"/>
           </a:p>
@@ -6499,7 +6419,7 @@
           <a:p>
             <a:fld id="{48A87A34-81AB-432B-8DAE-1953F412C126}" type="datetimeFigureOut">
               <a:rPr lang="en-US" dirty="0"/>
-              <a:t>2/27/2025</a:t>
+              <a:t>2/28/2025</a:t>
             </a:fld>
             <a:endParaRPr lang="en-US" dirty="0"/>
           </a:p>
@@ -6718,7 +6638,7 @@
             <a:fld id="{48A87A34-81AB-432B-8DAE-1953F412C126}" type="datetimeFigureOut">
               <a:rPr lang="en-US" dirty="0"/>
               <a:pPr/>
-              <a:t>2/27/2025</a:t>
+              <a:t>2/28/2025</a:t>
             </a:fld>
             <a:endParaRPr lang="en-US" dirty="0"/>
           </a:p>
@@ -6893,7 +6813,7 @@
           <a:p>
             <a:fld id="{48A87A34-81AB-432B-8DAE-1953F412C126}" type="datetimeFigureOut">
               <a:rPr lang="en-US" dirty="0"/>
-              <a:t>2/27/2025</a:t>
+              <a:t>2/28/2025</a:t>
             </a:fld>
             <a:endParaRPr lang="en-US" dirty="0"/>
           </a:p>
@@ -7178,7 +7098,7 @@
             <a:fld id="{48A87A34-81AB-432B-8DAE-1953F412C126}" type="datetimeFigureOut">
               <a:rPr lang="en-US" dirty="0"/>
               <a:pPr/>
-              <a:t>2/27/2025</a:t>
+              <a:t>2/28/2025</a:t>
             </a:fld>
             <a:endParaRPr lang="en-US" dirty="0"/>
           </a:p>
@@ -7415,7 +7335,7 @@
           <a:p>
             <a:fld id="{48A87A34-81AB-432B-8DAE-1953F412C126}" type="datetimeFigureOut">
               <a:rPr lang="en-US" dirty="0"/>
-              <a:t>2/27/2025</a:t>
+              <a:t>2/28/2025</a:t>
             </a:fld>
             <a:endParaRPr lang="en-US" dirty="0"/>
           </a:p>
@@ -7789,7 +7709,7 @@
           <a:p>
             <a:fld id="{48A87A34-81AB-432B-8DAE-1953F412C126}" type="datetimeFigureOut">
               <a:rPr lang="en-US" dirty="0"/>
-              <a:t>2/27/2025</a:t>
+              <a:t>2/28/2025</a:t>
             </a:fld>
             <a:endParaRPr lang="en-US" dirty="0"/>
           </a:p>
@@ -7902,7 +7822,7 @@
           <a:p>
             <a:fld id="{48A87A34-81AB-432B-8DAE-1953F412C126}" type="datetimeFigureOut">
               <a:rPr lang="en-US" dirty="0"/>
-              <a:t>2/27/2025</a:t>
+              <a:t>2/28/2025</a:t>
             </a:fld>
             <a:endParaRPr lang="en-US" dirty="0"/>
           </a:p>
@@ -7992,7 +7912,7 @@
           <a:p>
             <a:fld id="{48A87A34-81AB-432B-8DAE-1953F412C126}" type="datetimeFigureOut">
               <a:rPr lang="en-US" dirty="0"/>
-              <a:t>2/27/2025</a:t>
+              <a:t>2/28/2025</a:t>
             </a:fld>
             <a:endParaRPr lang="en-US" dirty="0"/>
           </a:p>
@@ -8236,7 +8156,7 @@
           <a:p>
             <a:fld id="{48A87A34-81AB-432B-8DAE-1953F412C126}" type="datetimeFigureOut">
               <a:rPr lang="en-US" dirty="0"/>
-              <a:t>2/27/2025</a:t>
+              <a:t>2/28/2025</a:t>
             </a:fld>
             <a:endParaRPr lang="en-US" dirty="0"/>
           </a:p>
@@ -8488,7 +8408,7 @@
           <a:p>
             <a:fld id="{48A87A34-81AB-432B-8DAE-1953F412C126}" type="datetimeFigureOut">
               <a:rPr lang="en-US" dirty="0"/>
-              <a:t>2/27/2025</a:t>
+              <a:t>2/28/2025</a:t>
             </a:fld>
             <a:endParaRPr lang="en-US" dirty="0"/>
           </a:p>
@@ -8727,7 +8647,7 @@
             <a:fld id="{48A87A34-81AB-432B-8DAE-1953F412C126}" type="datetimeFigureOut">
               <a:rPr lang="en-US" dirty="0"/>
               <a:pPr/>
-              <a:t>2/27/2025</a:t>
+              <a:t>2/28/2025</a:t>
             </a:fld>
             <a:endParaRPr lang="en-US" dirty="0"/>
           </a:p>
@@ -9163,7 +9083,7 @@
             </a:r>
             <a:r>
               <a:rPr lang="en-US" sz="4000" dirty="0" err="1"/>
-              <a:t>rsik</a:t>
+              <a:t>rISk</a:t>
             </a:r>
             <a:r>
               <a:rPr lang="en-US" sz="4000" dirty="0"/>
@@ -9204,7 +9124,7 @@
           <a:p>
             <a:r>
               <a:rPr lang="en-US" dirty="0"/>
-              <a:t>Very Brief Introduction and q/</a:t>
+              <a:t>Brief Introduction and q/</a:t>
             </a:r>
             <a:r>
               <a:rPr lang="en-US" dirty="0" err="1"/>
@@ -9258,7 +9178,7 @@
           <p:cNvPr id="2" name="Title 1">
             <a:extLst>
               <a:ext uri="{FF2B5EF4-FFF2-40B4-BE49-F238E27FC236}">
-                <a16:creationId xmlns:a16="http://schemas.microsoft.com/office/drawing/2014/main" id="{4B9E96CB-2365-49E0-BA19-2E007721B06E}"/>
+                <a16:creationId xmlns:a16="http://schemas.microsoft.com/office/drawing/2014/main" id="{D5BECC59-9D9D-9CA2-BD18-01F13C233EB6}"/>
               </a:ext>
             </a:extLst>
           </p:cNvPr>
@@ -9271,494 +9191,275 @@
         </p:nvSpPr>
         <p:spPr/>
         <p:txBody>
-          <a:bodyPr/>
+          <a:bodyPr>
+            <a:normAutofit fontScale="90000"/>
+          </a:bodyPr>
           <a:lstStyle/>
           <a:p>
             <a:r>
               <a:rPr lang="en-US" dirty="0"/>
-              <a:t>q/KDB+ Code</a:t>
+              <a:t>Kalman Filter</a:t>
+            </a:r>
+            <a:br>
+              <a:rPr lang="en-US" dirty="0"/>
+            </a:br>
+            <a:r>
+              <a:rPr lang="en-US" dirty="0"/>
+              <a:t>Dynamic SPREAD ESTIMATION</a:t>
+            </a:r>
+            <a:br>
+              <a:rPr lang="en-US" dirty="0"/>
+            </a:br>
+            <a:r>
+              <a:rPr lang="en-US" dirty="0"/>
+              <a:t>EURUSD versus USDJPY</a:t>
             </a:r>
           </a:p>
         </p:txBody>
       </p:sp>
-      <p:sp>
-        <p:nvSpPr>
-          <p:cNvPr id="3" name="Content Placeholder 2">
+      <p:pic>
+        <p:nvPicPr>
+          <p:cNvPr id="6" name="Content Placeholder 5">
             <a:extLst>
               <a:ext uri="{FF2B5EF4-FFF2-40B4-BE49-F238E27FC236}">
-                <a16:creationId xmlns:a16="http://schemas.microsoft.com/office/drawing/2014/main" id="{0231F2F8-8A23-4BAD-B906-B29918C223BB}"/>
+                <a16:creationId xmlns:a16="http://schemas.microsoft.com/office/drawing/2014/main" id="{BDDD33B3-09EC-942E-044B-3262C5A34320}"/>
               </a:ext>
             </a:extLst>
           </p:cNvPr>
-          <p:cNvSpPr>
-            <a:spLocks noGrp="1"/>
-          </p:cNvSpPr>
+          <p:cNvPicPr>
+            <a:picLocks noGrp="1" noChangeAspect="1"/>
+          </p:cNvPicPr>
           <p:nvPr>
             <p:ph sz="half" idx="1"/>
           </p:nvPr>
-        </p:nvSpPr>
-        <p:spPr/>
-        <p:txBody>
-          <a:bodyPr>
-            <a:noAutofit/>
-          </a:bodyPr>
-          <a:lstStyle/>
-          <a:p>
-            <a:pPr marL="0" indent="0">
-              <a:buNone/>
-            </a:pPr>
-            <a:r>
-              <a:rPr lang="en-US" sz="1200" dirty="0">
-                <a:latin typeface="Courier New" panose="02070309020205020404" pitchFamily="49" charset="0"/>
-                <a:cs typeface="Courier New" panose="02070309020205020404" pitchFamily="49" charset="0"/>
-              </a:rPr>
-              <a:t>/ Constants</a:t>
-            </a:r>
-          </a:p>
-          <a:p>
-            <a:pPr marL="0" indent="0">
-              <a:buNone/>
-            </a:pPr>
-            <a:r>
-              <a:rPr lang="en-US" sz="1200" dirty="0">
-                <a:latin typeface="Courier New" panose="02070309020205020404" pitchFamily="49" charset="0"/>
-                <a:cs typeface="Courier New" panose="02070309020205020404" pitchFamily="49" charset="0"/>
-              </a:rPr>
-              <a:t>g:9.81;  / gravity m/s^2</a:t>
-            </a:r>
-          </a:p>
-          <a:p>
-            <a:pPr marL="0" indent="0">
-              <a:buNone/>
-            </a:pPr>
-            <a:endParaRPr lang="en-US" sz="1200" dirty="0">
-              <a:latin typeface="Courier New" panose="02070309020205020404" pitchFamily="49" charset="0"/>
-              <a:cs typeface="Courier New" panose="02070309020205020404" pitchFamily="49" charset="0"/>
-            </a:endParaRPr>
-          </a:p>
-          <a:p>
-            <a:pPr marL="0" indent="0">
-              <a:buNone/>
-            </a:pPr>
-            <a:r>
-              <a:rPr lang="en-US" sz="1200" dirty="0">
-                <a:latin typeface="Courier New" panose="02070309020205020404" pitchFamily="49" charset="0"/>
-                <a:cs typeface="Courier New" panose="02070309020205020404" pitchFamily="49" charset="0"/>
-              </a:rPr>
-              <a:t>/ Time steps</a:t>
-            </a:r>
-          </a:p>
-          <a:p>
-            <a:pPr marL="0" indent="0">
-              <a:buNone/>
-            </a:pPr>
-            <a:r>
-              <a:rPr lang="en-US" sz="1200" dirty="0">
-                <a:latin typeface="Courier New" panose="02070309020205020404" pitchFamily="49" charset="0"/>
-                <a:cs typeface="Courier New" panose="02070309020205020404" pitchFamily="49" charset="0"/>
-              </a:rPr>
-              <a:t>dt:0.1;</a:t>
-            </a:r>
-          </a:p>
-          <a:p>
-            <a:pPr marL="0" indent="0">
-              <a:buNone/>
-            </a:pPr>
-            <a:r>
-              <a:rPr lang="en-US" sz="1200" dirty="0">
-                <a:latin typeface="Courier New" panose="02070309020205020404" pitchFamily="49" charset="0"/>
-                <a:cs typeface="Courier New" panose="02070309020205020404" pitchFamily="49" charset="0"/>
-              </a:rPr>
-              <a:t>/ [b]</a:t>
-            </a:r>
-            <a:r>
-              <a:rPr lang="en-US" sz="1200" dirty="0" err="1">
-                <a:latin typeface="Courier New" panose="02070309020205020404" pitchFamily="49" charset="0"/>
-                <a:cs typeface="Courier New" panose="02070309020205020404" pitchFamily="49" charset="0"/>
-              </a:rPr>
-              <a:t>egin</a:t>
-            </a:r>
-            <a:r>
-              <a:rPr lang="en-US" sz="1200" dirty="0">
-                <a:latin typeface="Courier New" panose="02070309020205020404" pitchFamily="49" charset="0"/>
-                <a:cs typeface="Courier New" panose="02070309020205020404" pitchFamily="49" charset="0"/>
-              </a:rPr>
-              <a:t>; [e]</a:t>
-            </a:r>
-            <a:r>
-              <a:rPr lang="en-US" sz="1200" dirty="0" err="1">
-                <a:latin typeface="Courier New" panose="02070309020205020404" pitchFamily="49" charset="0"/>
-                <a:cs typeface="Courier New" panose="02070309020205020404" pitchFamily="49" charset="0"/>
-              </a:rPr>
-              <a:t>nd</a:t>
-            </a:r>
-            <a:r>
-              <a:rPr lang="en-US" sz="1200" dirty="0">
-                <a:latin typeface="Courier New" panose="02070309020205020404" pitchFamily="49" charset="0"/>
-                <a:cs typeface="Courier New" panose="02070309020205020404" pitchFamily="49" charset="0"/>
-              </a:rPr>
-              <a:t>; [s]</a:t>
-            </a:r>
-            <a:r>
-              <a:rPr lang="en-US" sz="1200" dirty="0" err="1">
-                <a:latin typeface="Courier New" panose="02070309020205020404" pitchFamily="49" charset="0"/>
-                <a:cs typeface="Courier New" panose="02070309020205020404" pitchFamily="49" charset="0"/>
-              </a:rPr>
-              <a:t>tep</a:t>
-            </a:r>
-            <a:endParaRPr lang="en-US" sz="1200" dirty="0">
-              <a:latin typeface="Courier New" panose="02070309020205020404" pitchFamily="49" charset="0"/>
-              <a:cs typeface="Courier New" panose="02070309020205020404" pitchFamily="49" charset="0"/>
-            </a:endParaRPr>
-          </a:p>
-          <a:p>
-            <a:pPr marL="0" indent="0">
-              <a:buNone/>
-            </a:pPr>
-            <a:r>
-              <a:rPr lang="en-US" sz="1200" dirty="0" err="1">
-                <a:latin typeface="Courier New" panose="02070309020205020404" pitchFamily="49" charset="0"/>
-                <a:cs typeface="Courier New" panose="02070309020205020404" pitchFamily="49" charset="0"/>
-              </a:rPr>
-              <a:t>arange</a:t>
-            </a:r>
-            <a:r>
-              <a:rPr lang="en-US" sz="1200" dirty="0">
-                <a:latin typeface="Courier New" panose="02070309020205020404" pitchFamily="49" charset="0"/>
-                <a:cs typeface="Courier New" panose="02070309020205020404" pitchFamily="49" charset="0"/>
-              </a:rPr>
-              <a:t>:{[</a:t>
-            </a:r>
-            <a:r>
-              <a:rPr lang="en-US" sz="1200" dirty="0" err="1">
-                <a:latin typeface="Courier New" panose="02070309020205020404" pitchFamily="49" charset="0"/>
-                <a:cs typeface="Courier New" panose="02070309020205020404" pitchFamily="49" charset="0"/>
-              </a:rPr>
-              <a:t>b;e;s</a:t>
-            </a:r>
-            <a:r>
-              <a:rPr lang="en-US" sz="1200" dirty="0">
-                <a:latin typeface="Courier New" panose="02070309020205020404" pitchFamily="49" charset="0"/>
-                <a:cs typeface="Courier New" panose="02070309020205020404" pitchFamily="49" charset="0"/>
-              </a:rPr>
-              <a:t>] </a:t>
-            </a:r>
-            <a:r>
-              <a:rPr lang="en-US" sz="1200" dirty="0" err="1">
-                <a:latin typeface="Courier New" panose="02070309020205020404" pitchFamily="49" charset="0"/>
-                <a:cs typeface="Courier New" panose="02070309020205020404" pitchFamily="49" charset="0"/>
-              </a:rPr>
-              <a:t>b+s</a:t>
-            </a:r>
-            <a:r>
-              <a:rPr lang="en-US" sz="1200" dirty="0">
-                <a:latin typeface="Courier New" panose="02070309020205020404" pitchFamily="49" charset="0"/>
-                <a:cs typeface="Courier New" panose="02070309020205020404" pitchFamily="49" charset="0"/>
-              </a:rPr>
-              <a:t>*</a:t>
-            </a:r>
-            <a:r>
-              <a:rPr lang="en-US" sz="1200" dirty="0" err="1">
-                <a:latin typeface="Courier New" panose="02070309020205020404" pitchFamily="49" charset="0"/>
-                <a:cs typeface="Courier New" panose="02070309020205020404" pitchFamily="49" charset="0"/>
-              </a:rPr>
-              <a:t>til</a:t>
-            </a:r>
-            <a:r>
-              <a:rPr lang="en-US" sz="1200" dirty="0">
-                <a:latin typeface="Courier New" panose="02070309020205020404" pitchFamily="49" charset="0"/>
-                <a:cs typeface="Courier New" panose="02070309020205020404" pitchFamily="49" charset="0"/>
-              </a:rPr>
-              <a:t> "j"$-[</a:t>
-            </a:r>
-            <a:r>
-              <a:rPr lang="en-US" sz="1200" dirty="0" err="1">
-                <a:latin typeface="Courier New" panose="02070309020205020404" pitchFamily="49" charset="0"/>
-                <a:cs typeface="Courier New" panose="02070309020205020404" pitchFamily="49" charset="0"/>
-              </a:rPr>
-              <a:t>e;b</a:t>
-            </a:r>
-            <a:r>
-              <a:rPr lang="en-US" sz="1200" dirty="0">
-                <a:latin typeface="Courier New" panose="02070309020205020404" pitchFamily="49" charset="0"/>
-                <a:cs typeface="Courier New" panose="02070309020205020404" pitchFamily="49" charset="0"/>
-              </a:rPr>
-              <a:t>]%s};</a:t>
-            </a:r>
-          </a:p>
-          <a:p>
-            <a:pPr marL="0" indent="0">
-              <a:buNone/>
-            </a:pPr>
-            <a:r>
-              <a:rPr lang="en-US" sz="1200" dirty="0" err="1">
-                <a:latin typeface="Courier New" panose="02070309020205020404" pitchFamily="49" charset="0"/>
-                <a:cs typeface="Courier New" panose="02070309020205020404" pitchFamily="49" charset="0"/>
-              </a:rPr>
-              <a:t>times:arange</a:t>
-            </a:r>
-            <a:r>
-              <a:rPr lang="en-US" sz="1200" dirty="0">
-                <a:latin typeface="Courier New" panose="02070309020205020404" pitchFamily="49" charset="0"/>
-                <a:cs typeface="Courier New" panose="02070309020205020404" pitchFamily="49" charset="0"/>
-              </a:rPr>
-              <a:t>[0;10;dt];</a:t>
-            </a:r>
-          </a:p>
-          <a:p>
-            <a:pPr marL="0" indent="0">
-              <a:buNone/>
-            </a:pPr>
-            <a:endParaRPr lang="en-US" sz="1200" dirty="0">
-              <a:latin typeface="Courier New" panose="02070309020205020404" pitchFamily="49" charset="0"/>
-              <a:cs typeface="Courier New" panose="02070309020205020404" pitchFamily="49" charset="0"/>
-            </a:endParaRPr>
-          </a:p>
-          <a:p>
-            <a:pPr marL="0" indent="0">
-              <a:buNone/>
-            </a:pPr>
-            <a:r>
-              <a:rPr lang="en-US" sz="1200" dirty="0">
-                <a:latin typeface="Courier New" panose="02070309020205020404" pitchFamily="49" charset="0"/>
-                <a:cs typeface="Courier New" panose="02070309020205020404" pitchFamily="49" charset="0"/>
-              </a:rPr>
-              <a:t>/ Initial conditions</a:t>
-            </a:r>
-          </a:p>
-          <a:p>
-            <a:pPr marL="0" indent="0">
-              <a:buNone/>
-            </a:pPr>
-            <a:r>
-              <a:rPr lang="en-US" sz="1200" dirty="0">
-                <a:latin typeface="Courier New" panose="02070309020205020404" pitchFamily="49" charset="0"/>
-                <a:cs typeface="Courier New" panose="02070309020205020404" pitchFamily="49" charset="0"/>
-              </a:rPr>
-              <a:t>x0:0; y0:0; vx0:50; vy0:50; / pos in m; vel in m/s</a:t>
-            </a:r>
-          </a:p>
-          <a:p>
-            <a:pPr marL="0" indent="0">
-              <a:buNone/>
-            </a:pPr>
-            <a:endParaRPr lang="en-US" sz="1200" dirty="0">
-              <a:latin typeface="Courier New" panose="02070309020205020404" pitchFamily="49" charset="0"/>
-              <a:cs typeface="Courier New" panose="02070309020205020404" pitchFamily="49" charset="0"/>
-            </a:endParaRPr>
-          </a:p>
-          <a:p>
-            <a:pPr marL="0" indent="0">
-              <a:buNone/>
-            </a:pPr>
-            <a:endParaRPr lang="en-US" sz="1200" dirty="0">
-              <a:latin typeface="Courier New" panose="02070309020205020404" pitchFamily="49" charset="0"/>
-              <a:cs typeface="Courier New" panose="02070309020205020404" pitchFamily="49" charset="0"/>
-            </a:endParaRPr>
-          </a:p>
-        </p:txBody>
-      </p:sp>
-      <p:sp>
-        <p:nvSpPr>
-          <p:cNvPr id="4" name="Content Placeholder 3">
-            <a:extLst>
-              <a:ext uri="{FF2B5EF4-FFF2-40B4-BE49-F238E27FC236}">
-                <a16:creationId xmlns:a16="http://schemas.microsoft.com/office/drawing/2014/main" id="{68634F60-5796-438E-808B-D52176E542F6}"/>
-              </a:ext>
-            </a:extLst>
-          </p:cNvPr>
-          <p:cNvSpPr>
-            <a:spLocks noGrp="1"/>
-          </p:cNvSpPr>
-          <p:nvPr>
-            <p:ph sz="half" idx="2"/>
-          </p:nvPr>
-        </p:nvSpPr>
-        <p:spPr/>
-        <p:txBody>
-          <a:bodyPr>
-            <a:noAutofit/>
-          </a:bodyPr>
-          <a:lstStyle/>
-          <a:p>
-            <a:pPr marL="0" indent="0">
-              <a:buNone/>
-            </a:pPr>
-            <a:r>
-              <a:rPr lang="en-US" sz="1200" dirty="0">
-                <a:latin typeface="Courier New" panose="02070309020205020404" pitchFamily="49" charset="0"/>
-                <a:cs typeface="Courier New" panose="02070309020205020404" pitchFamily="49" charset="0"/>
-              </a:rPr>
-              <a:t>/ Actual trajectory</a:t>
-            </a:r>
-          </a:p>
-          <a:p>
-            <a:pPr marL="0" indent="0">
-              <a:buNone/>
-            </a:pPr>
-            <a:r>
-              <a:rPr lang="en-US" sz="1200" dirty="0" err="1">
-                <a:latin typeface="Courier New" panose="02070309020205020404" pitchFamily="49" charset="0"/>
-                <a:cs typeface="Courier New" panose="02070309020205020404" pitchFamily="49" charset="0"/>
-              </a:rPr>
-              <a:t>atraj</a:t>
-            </a:r>
-            <a:r>
-              <a:rPr lang="en-US" sz="1200" dirty="0">
-                <a:latin typeface="Courier New" panose="02070309020205020404" pitchFamily="49" charset="0"/>
-                <a:cs typeface="Courier New" panose="02070309020205020404" pitchFamily="49" charset="0"/>
-              </a:rPr>
-              <a:t>:{[g;x0;y0;vx0;vy0;t]</a:t>
-            </a:r>
-          </a:p>
-          <a:p>
-            <a:pPr marL="0" indent="0">
-              <a:buNone/>
-            </a:pPr>
-            <a:r>
-              <a:rPr lang="en-US" sz="1200" dirty="0">
-                <a:latin typeface="Courier New" panose="02070309020205020404" pitchFamily="49" charset="0"/>
-                <a:cs typeface="Courier New" panose="02070309020205020404" pitchFamily="49" charset="0"/>
-              </a:rPr>
-              <a:t>  x:x0+vx0*t;               / x pos</a:t>
-            </a:r>
-          </a:p>
-          <a:p>
-            <a:pPr marL="0" indent="0">
-              <a:buNone/>
-            </a:pPr>
-            <a:r>
-              <a:rPr lang="en-US" sz="1200" dirty="0">
-                <a:latin typeface="Courier New" panose="02070309020205020404" pitchFamily="49" charset="0"/>
-                <a:cs typeface="Courier New" panose="02070309020205020404" pitchFamily="49" charset="0"/>
-              </a:rPr>
-              <a:t>  y:-[y0+vy0*t;0.5*g*t*t];  / y pos y0+vy0*t-0.5*g*t^2</a:t>
-            </a:r>
-          </a:p>
-          <a:p>
-            <a:pPr marL="0" indent="0">
-              <a:buNone/>
-            </a:pPr>
-            <a:r>
-              <a:rPr lang="en-US" sz="1200" dirty="0">
-                <a:latin typeface="Courier New" panose="02070309020205020404" pitchFamily="49" charset="0"/>
-                <a:cs typeface="Courier New" panose="02070309020205020404" pitchFamily="49" charset="0"/>
-              </a:rPr>
-              <a:t>  vx:vx0;                   / x vel (no air resistance)</a:t>
-            </a:r>
-          </a:p>
-          <a:p>
-            <a:pPr marL="0" indent="0">
-              <a:buNone/>
-            </a:pPr>
-            <a:r>
-              <a:rPr lang="en-US" sz="1200" dirty="0">
-                <a:latin typeface="Courier New" panose="02070309020205020404" pitchFamily="49" charset="0"/>
-                <a:cs typeface="Courier New" panose="02070309020205020404" pitchFamily="49" charset="0"/>
-              </a:rPr>
-              <a:t>  vy:vy0-g*t;               / y vel (gravity but no air res)</a:t>
-            </a:r>
-          </a:p>
-          <a:p>
-            <a:pPr marL="0" indent="0">
-              <a:buNone/>
-            </a:pPr>
-            <a:r>
-              <a:rPr lang="en-US" sz="1200" dirty="0">
-                <a:latin typeface="Courier New" panose="02070309020205020404" pitchFamily="49" charset="0"/>
-                <a:cs typeface="Courier New" panose="02070309020205020404" pitchFamily="49" charset="0"/>
-              </a:rPr>
-              <a:t>  (</a:t>
-            </a:r>
-            <a:r>
-              <a:rPr lang="en-US" sz="1200" dirty="0" err="1">
-                <a:latin typeface="Courier New" panose="02070309020205020404" pitchFamily="49" charset="0"/>
-                <a:cs typeface="Courier New" panose="02070309020205020404" pitchFamily="49" charset="0"/>
-              </a:rPr>
-              <a:t>x;y;vx;vy</a:t>
-            </a:r>
-            <a:r>
-              <a:rPr lang="en-US" sz="1200" dirty="0">
-                <a:latin typeface="Courier New" panose="02070309020205020404" pitchFamily="49" charset="0"/>
-                <a:cs typeface="Courier New" panose="02070309020205020404" pitchFamily="49" charset="0"/>
-              </a:rPr>
-              <a:t>)};</a:t>
-            </a:r>
-          </a:p>
-          <a:p>
-            <a:pPr marL="0" indent="0">
-              <a:buNone/>
-            </a:pPr>
-            <a:r>
-              <a:rPr lang="en-US" sz="1200" dirty="0" err="1">
-                <a:latin typeface="Courier New" panose="02070309020205020404" pitchFamily="49" charset="0"/>
-                <a:cs typeface="Courier New" panose="02070309020205020404" pitchFamily="49" charset="0"/>
-              </a:rPr>
-              <a:t>act_traj:atraj</a:t>
-            </a:r>
-            <a:r>
-              <a:rPr lang="en-US" sz="1200" dirty="0">
-                <a:latin typeface="Courier New" panose="02070309020205020404" pitchFamily="49" charset="0"/>
-                <a:cs typeface="Courier New" panose="02070309020205020404" pitchFamily="49" charset="0"/>
-              </a:rPr>
-              <a:t>[g;x0;y0;vx0;vy0;];</a:t>
-            </a:r>
-          </a:p>
-          <a:p>
-            <a:pPr marL="0" indent="0">
-              <a:buNone/>
-            </a:pPr>
-            <a:endParaRPr lang="en-US" sz="1200" dirty="0">
-              <a:latin typeface="Courier New" panose="02070309020205020404" pitchFamily="49" charset="0"/>
-              <a:cs typeface="Courier New" panose="02070309020205020404" pitchFamily="49" charset="0"/>
-            </a:endParaRPr>
-          </a:p>
-          <a:p>
-            <a:pPr marL="0" indent="0">
-              <a:buNone/>
-            </a:pPr>
-            <a:r>
-              <a:rPr lang="en-US" sz="1200" dirty="0">
-                <a:latin typeface="Courier New" panose="02070309020205020404" pitchFamily="49" charset="0"/>
-                <a:cs typeface="Courier New" panose="02070309020205020404" pitchFamily="49" charset="0"/>
-              </a:rPr>
-              <a:t>/ Simulate actual trajectory</a:t>
-            </a:r>
-          </a:p>
-          <a:p>
-            <a:pPr marL="0" indent="0">
-              <a:buNone/>
-            </a:pPr>
-            <a:r>
-              <a:rPr lang="en-US" sz="1200" dirty="0" err="1">
-                <a:latin typeface="Courier New" panose="02070309020205020404" pitchFamily="49" charset="0"/>
-                <a:cs typeface="Courier New" panose="02070309020205020404" pitchFamily="49" charset="0"/>
-              </a:rPr>
-              <a:t>true_traj:act_traj</a:t>
-            </a:r>
-            <a:r>
-              <a:rPr lang="en-US" sz="1200" dirty="0">
-                <a:latin typeface="Courier New" panose="02070309020205020404" pitchFamily="49" charset="0"/>
-                <a:cs typeface="Courier New" panose="02070309020205020404" pitchFamily="49" charset="0"/>
-              </a:rPr>
-              <a:t>[times];  / use the projection</a:t>
-            </a:r>
-          </a:p>
-          <a:p>
-            <a:pPr marL="0" indent="0">
-              <a:buNone/>
-            </a:pPr>
-            <a:endParaRPr lang="en-US" sz="1200" dirty="0">
-              <a:latin typeface="Courier New" panose="02070309020205020404" pitchFamily="49" charset="0"/>
-              <a:cs typeface="Courier New" panose="02070309020205020404" pitchFamily="49" charset="0"/>
-            </a:endParaRPr>
-          </a:p>
-        </p:txBody>
-      </p:sp>
+        </p:nvPicPr>
+        <p:blipFill>
+          <a:blip r:embed="rId2"/>
+          <a:stretch>
+            <a:fillRect/>
+          </a:stretch>
+        </p:blipFill>
+        <p:spPr>
+          <a:xfrm>
+            <a:off x="685800" y="2617868"/>
+            <a:ext cx="5334000" cy="3176426"/>
+          </a:xfrm>
+        </p:spPr>
+      </p:pic>
+      <mc:AlternateContent xmlns:mc="http://schemas.openxmlformats.org/markup-compatibility/2006">
+        <mc:Choice xmlns:a14="http://schemas.microsoft.com/office/drawing/2010/main" Requires="a14">
+          <p:sp>
+            <p:nvSpPr>
+              <p:cNvPr id="4" name="Content Placeholder 3">
+                <a:extLst>
+                  <a:ext uri="{FF2B5EF4-FFF2-40B4-BE49-F238E27FC236}">
+                    <a16:creationId xmlns:a16="http://schemas.microsoft.com/office/drawing/2014/main" id="{720716CD-305E-1BF3-AC45-A0D77330D1FE}"/>
+                  </a:ext>
+                </a:extLst>
+              </p:cNvPr>
+              <p:cNvSpPr>
+                <a:spLocks noGrp="1"/>
+              </p:cNvSpPr>
+              <p:nvPr>
+                <p:ph sz="half" idx="2"/>
+              </p:nvPr>
+            </p:nvSpPr>
+            <p:spPr/>
+            <p:txBody>
+              <a:bodyPr/>
+              <a:lstStyle/>
+              <a:p>
+                <a:r>
+                  <a:rPr lang="en-US" sz="2000" dirty="0"/>
+                  <a:t>State Vector</a:t>
+                </a:r>
+              </a:p>
+              <a:p>
+                <a:pPr marL="0" indent="0">
+                  <a:buNone/>
+                </a:pPr>
+                <a14:m>
+                  <m:oMathPara xmlns:m="http://schemas.openxmlformats.org/officeDocument/2006/math">
+                    <m:oMathParaPr>
+                      <m:jc m:val="center"/>
+                    </m:oMathParaPr>
+                    <m:oMath xmlns:m="http://schemas.openxmlformats.org/officeDocument/2006/math">
+                      <m:sSub>
+                        <m:sSubPr>
+                          <m:ctrlPr>
+                            <a:rPr lang="en-US" sz="2000" i="1">
+                              <a:latin typeface="Cambria Math" panose="02040503050406030204" pitchFamily="18" charset="0"/>
+                            </a:rPr>
+                          </m:ctrlPr>
+                        </m:sSubPr>
+                        <m:e>
+                          <m:r>
+                            <a:rPr lang="en-US" sz="2000" i="1">
+                              <a:latin typeface="Cambria Math" panose="02040503050406030204" pitchFamily="18" charset="0"/>
+                            </a:rPr>
+                            <m:t>𝑥</m:t>
+                          </m:r>
+                        </m:e>
+                        <m:sub>
+                          <m:r>
+                            <a:rPr lang="en-US" sz="2000" i="1">
+                              <a:latin typeface="Cambria Math" panose="02040503050406030204" pitchFamily="18" charset="0"/>
+                            </a:rPr>
+                            <m:t>𝑘</m:t>
+                          </m:r>
+                        </m:sub>
+                      </m:sSub>
+                      <m:r>
+                        <a:rPr lang="en-US" sz="2000" i="1">
+                          <a:latin typeface="Cambria Math" panose="02040503050406030204" pitchFamily="18" charset="0"/>
+                        </a:rPr>
+                        <m:t>=</m:t>
+                      </m:r>
+                      <m:d>
+                        <m:dPr>
+                          <m:begChr m:val="["/>
+                          <m:endChr m:val="]"/>
+                          <m:ctrlPr>
+                            <a:rPr lang="en-US" sz="2000" i="1">
+                              <a:latin typeface="Cambria Math" panose="02040503050406030204" pitchFamily="18" charset="0"/>
+                            </a:rPr>
+                          </m:ctrlPr>
+                        </m:dPr>
+                        <m:e>
+                          <m:m>
+                            <m:mPr>
+                              <m:mcs>
+                                <m:mc>
+                                  <m:mcPr>
+                                    <m:count m:val="1"/>
+                                    <m:mcJc m:val="center"/>
+                                  </m:mcPr>
+                                </m:mc>
+                              </m:mcs>
+                              <m:ctrlPr>
+                                <a:rPr lang="en-US" sz="2000" i="1" smtClean="0">
+                                  <a:latin typeface="Cambria Math" panose="02040503050406030204" pitchFamily="18" charset="0"/>
+                                </a:rPr>
+                              </m:ctrlPr>
+                            </m:mPr>
+                            <m:mr>
+                              <m:e>
+                                <m:r>
+                                  <m:rPr>
+                                    <m:brk m:alnAt="7"/>
+                                  </m:rPr>
+                                  <a:rPr lang="en-US" sz="2000" b="0" i="1" smtClean="0">
+                                    <a:latin typeface="Cambria Math" panose="02040503050406030204" pitchFamily="18" charset="0"/>
+                                  </a:rPr>
+                                  <m:t>𝑠</m:t>
+                                </m:r>
+                              </m:e>
+                            </m:mr>
+                            <m:mr>
+                              <m:e>
+                                <m:r>
+                                  <a:rPr lang="en-US" sz="2000" b="0" i="1" smtClean="0">
+                                    <a:latin typeface="Cambria Math" panose="02040503050406030204" pitchFamily="18" charset="0"/>
+                                  </a:rPr>
+                                  <m:t>𝑣</m:t>
+                                </m:r>
+                              </m:e>
+                            </m:mr>
+                          </m:m>
+                        </m:e>
+                      </m:d>
+                    </m:oMath>
+                  </m:oMathPara>
+                </a14:m>
+                <a:endParaRPr lang="en-US" sz="2000" dirty="0"/>
+              </a:p>
+              <a:p>
+                <a:pPr/>
+                <a:r>
+                  <a:rPr lang="en-US" sz="2000" b="1" i="1" dirty="0"/>
+                  <a:t>s</a:t>
+                </a:r>
+                <a:r>
+                  <a:rPr lang="en-US" sz="2000" dirty="0"/>
+                  <a:t>: spread between EURUSD and USDJPY</a:t>
+                </a:r>
+              </a:p>
+              <a:p>
+                <a:pPr/>
+                <a:r>
+                  <a:rPr lang="en-US" sz="2000" b="1" i="1" dirty="0"/>
+                  <a:t>v</a:t>
+                </a:r>
+                <a:r>
+                  <a:rPr lang="en-US" sz="2000" dirty="0"/>
+                  <a:t>: velocity (change in spread)</a:t>
+                </a:r>
+              </a:p>
+              <a:p>
+                <a:pPr marL="0" indent="0">
+                  <a:buNone/>
+                </a:pPr>
+                <a:endParaRPr lang="en-US" dirty="0"/>
+              </a:p>
+              <a:p>
+                <a:pPr marL="0" indent="0">
+                  <a:buNone/>
+                </a:pPr>
+                <a:endParaRPr lang="en-US" dirty="0"/>
+              </a:p>
+              <a:p>
+                <a:pPr marL="0" indent="0">
+                  <a:buNone/>
+                </a:pPr>
+                <a:endParaRPr lang="en-US" dirty="0"/>
+              </a:p>
+            </p:txBody>
+          </p:sp>
+        </mc:Choice>
+        <mc:Fallback>
+          <p:sp>
+            <p:nvSpPr>
+              <p:cNvPr id="4" name="Content Placeholder 3">
+                <a:extLst>
+                  <a:ext uri="{FF2B5EF4-FFF2-40B4-BE49-F238E27FC236}">
+                    <a16:creationId xmlns:a16="http://schemas.microsoft.com/office/drawing/2014/main" id="{720716CD-305E-1BF3-AC45-A0D77330D1FE}"/>
+                  </a:ext>
+                </a:extLst>
+              </p:cNvPr>
+              <p:cNvSpPr>
+                <a:spLocks noGrp="1" noRot="1" noChangeAspect="1" noMove="1" noResize="1" noEditPoints="1" noAdjustHandles="1" noChangeArrowheads="1" noChangeShapeType="1" noTextEdit="1"/>
+              </p:cNvSpPr>
+              <p:nvPr>
+                <p:ph sz="half" idx="2"/>
+              </p:nvPr>
+            </p:nvSpPr>
+            <p:spPr>
+              <a:blipFill>
+                <a:blip r:embed="rId3"/>
+                <a:stretch>
+                  <a:fillRect l="-1029" t="-1515" r="-229"/>
+                </a:stretch>
+              </a:blipFill>
+            </p:spPr>
+            <p:txBody>
+              <a:bodyPr/>
+              <a:lstStyle/>
+              <a:p>
+                <a:r>
+                  <a:rPr lang="en-US">
+                    <a:noFill/>
+                  </a:rPr>
+                  <a:t> </a:t>
+                </a:r>
+              </a:p>
+            </p:txBody>
+          </p:sp>
+        </mc:Fallback>
+      </mc:AlternateContent>
     </p:spTree>
     <p:extLst>
       <p:ext uri="{BB962C8B-B14F-4D97-AF65-F5344CB8AC3E}">
-        <p14:creationId xmlns:p14="http://schemas.microsoft.com/office/powerpoint/2010/main" val="2496925664"/>
+        <p14:creationId xmlns:p14="http://schemas.microsoft.com/office/powerpoint/2010/main" val="3990713658"/>
       </p:ext>
     </p:extLst>
   </p:cSld>
@@ -9790,1930 +9491,6 @@
           <p:cNvPr id="2" name="Title 1">
             <a:extLst>
               <a:ext uri="{FF2B5EF4-FFF2-40B4-BE49-F238E27FC236}">
-                <a16:creationId xmlns:a16="http://schemas.microsoft.com/office/drawing/2014/main" id="{4B9E96CB-2365-49E0-BA19-2E007721B06E}"/>
-              </a:ext>
-            </a:extLst>
-          </p:cNvPr>
-          <p:cNvSpPr>
-            <a:spLocks noGrp="1"/>
-          </p:cNvSpPr>
-          <p:nvPr>
-            <p:ph type="title"/>
-          </p:nvPr>
-        </p:nvSpPr>
-        <p:spPr/>
-        <p:txBody>
-          <a:bodyPr/>
-          <a:lstStyle/>
-          <a:p>
-            <a:r>
-              <a:rPr lang="en-US" dirty="0"/>
-              <a:t>q/KDB+ Code</a:t>
-            </a:r>
-          </a:p>
-        </p:txBody>
-      </p:sp>
-      <p:sp>
-        <p:nvSpPr>
-          <p:cNvPr id="3" name="Content Placeholder 2">
-            <a:extLst>
-              <a:ext uri="{FF2B5EF4-FFF2-40B4-BE49-F238E27FC236}">
-                <a16:creationId xmlns:a16="http://schemas.microsoft.com/office/drawing/2014/main" id="{0231F2F8-8A23-4BAD-B906-B29918C223BB}"/>
-              </a:ext>
-            </a:extLst>
-          </p:cNvPr>
-          <p:cNvSpPr>
-            <a:spLocks noGrp="1"/>
-          </p:cNvSpPr>
-          <p:nvPr>
-            <p:ph sz="half" idx="1"/>
-          </p:nvPr>
-        </p:nvSpPr>
-        <p:spPr/>
-        <p:txBody>
-          <a:bodyPr>
-            <a:noAutofit/>
-          </a:bodyPr>
-          <a:lstStyle/>
-          <a:p>
-            <a:pPr marL="0" indent="0">
-              <a:buNone/>
-            </a:pPr>
-            <a:r>
-              <a:rPr lang="en-US" sz="1200" dirty="0">
-                <a:latin typeface="Courier New" panose="02070309020205020404" pitchFamily="49" charset="0"/>
-                <a:cs typeface="Courier New" panose="02070309020205020404" pitchFamily="49" charset="0"/>
-              </a:rPr>
-              <a:t>/ Simulate measurements</a:t>
-            </a:r>
-          </a:p>
-          <a:p>
-            <a:pPr marL="0" indent="0">
-              <a:buNone/>
-            </a:pPr>
-            <a:r>
-              <a:rPr lang="en-US" sz="1200" dirty="0">
-                <a:latin typeface="Courier New" panose="02070309020205020404" pitchFamily="49" charset="0"/>
-                <a:cs typeface="Courier New" panose="02070309020205020404" pitchFamily="49" charset="0"/>
-              </a:rPr>
-              <a:t>pos_meas_noise:1.0;  / standard dev of position measurements</a:t>
-            </a:r>
-          </a:p>
-          <a:p>
-            <a:pPr marL="0" indent="0">
-              <a:buNone/>
-            </a:pPr>
-            <a:r>
-              <a:rPr lang="en-US" sz="1200" dirty="0">
-                <a:latin typeface="Courier New" panose="02070309020205020404" pitchFamily="49" charset="0"/>
-                <a:cs typeface="Courier New" panose="02070309020205020404" pitchFamily="49" charset="0"/>
-              </a:rPr>
-              <a:t>vel_meas_noise:0.5;  / standard dev of velocity measurements</a:t>
-            </a:r>
-          </a:p>
-          <a:p>
-            <a:pPr marL="0" indent="0">
-              <a:buNone/>
-            </a:pPr>
-            <a:endParaRPr lang="en-US" sz="1200" dirty="0">
-              <a:latin typeface="Courier New" panose="02070309020205020404" pitchFamily="49" charset="0"/>
-              <a:cs typeface="Courier New" panose="02070309020205020404" pitchFamily="49" charset="0"/>
-            </a:endParaRPr>
-          </a:p>
-          <a:p>
-            <a:pPr marL="0" indent="0">
-              <a:buNone/>
-            </a:pPr>
-            <a:r>
-              <a:rPr lang="en-US" sz="1200" dirty="0">
-                <a:latin typeface="Courier New" panose="02070309020205020404" pitchFamily="49" charset="0"/>
-                <a:cs typeface="Courier New" panose="02070309020205020404" pitchFamily="49" charset="0"/>
-              </a:rPr>
-              <a:t>/ Use Nick </a:t>
-            </a:r>
-            <a:r>
-              <a:rPr lang="en-US" sz="1200" dirty="0" err="1">
-                <a:latin typeface="Courier New" panose="02070309020205020404" pitchFamily="49" charset="0"/>
-                <a:cs typeface="Courier New" panose="02070309020205020404" pitchFamily="49" charset="0"/>
-              </a:rPr>
-              <a:t>Psaris</a:t>
-            </a:r>
-            <a:r>
-              <a:rPr lang="en-US" sz="1200" dirty="0">
-                <a:latin typeface="Courier New" panose="02070309020205020404" pitchFamily="49" charset="0"/>
-                <a:cs typeface="Courier New" panose="02070309020205020404" pitchFamily="49" charset="0"/>
-              </a:rPr>
-              <a:t> Box Muller algorithm for </a:t>
-            </a:r>
-          </a:p>
-          <a:p>
-            <a:pPr marL="0" indent="0">
-              <a:buNone/>
-            </a:pPr>
-            <a:r>
-              <a:rPr lang="en-US" sz="1200" dirty="0">
-                <a:latin typeface="Courier New" panose="02070309020205020404" pitchFamily="49" charset="0"/>
-                <a:cs typeface="Courier New" panose="02070309020205020404" pitchFamily="49" charset="0"/>
-              </a:rPr>
-              <a:t>/ generating pairs of independent, standard normally distributed</a:t>
-            </a:r>
-          </a:p>
-          <a:p>
-            <a:pPr marL="0" indent="0">
-              <a:buNone/>
-            </a:pPr>
-            <a:r>
-              <a:rPr lang="en-US" sz="1200" dirty="0">
-                <a:latin typeface="Courier New" panose="02070309020205020404" pitchFamily="49" charset="0"/>
-                <a:cs typeface="Courier New" panose="02070309020205020404" pitchFamily="49" charset="0"/>
-              </a:rPr>
-              <a:t>/ random variables from uniformly distributed random variables</a:t>
-            </a:r>
-          </a:p>
-          <a:p>
-            <a:pPr marL="0" indent="0">
-              <a:buNone/>
-            </a:pPr>
-            <a:r>
-              <a:rPr lang="en-US" sz="1200" dirty="0" err="1">
-                <a:latin typeface="Courier New" panose="02070309020205020404" pitchFamily="49" charset="0"/>
-                <a:cs typeface="Courier New" panose="02070309020205020404" pitchFamily="49" charset="0"/>
-              </a:rPr>
-              <a:t>meas_traj:true_traj</a:t>
-            </a:r>
-            <a:r>
-              <a:rPr lang="en-US" sz="1200" dirty="0">
-                <a:latin typeface="Courier New" panose="02070309020205020404" pitchFamily="49" charset="0"/>
-                <a:cs typeface="Courier New" panose="02070309020205020404" pitchFamily="49" charset="0"/>
-              </a:rPr>
-              <a:t>+</a:t>
-            </a:r>
-          </a:p>
-          <a:p>
-            <a:pPr marL="0" indent="0">
-              <a:buNone/>
-            </a:pPr>
-            <a:r>
-              <a:rPr lang="en-US" sz="1200" dirty="0">
-                <a:latin typeface="Courier New" panose="02070309020205020404" pitchFamily="49" charset="0"/>
-                <a:cs typeface="Courier New" panose="02070309020205020404" pitchFamily="49" charset="0"/>
-              </a:rPr>
-              <a:t>  *[(</a:t>
-            </a:r>
-            <a:r>
-              <a:rPr lang="en-US" sz="1200" dirty="0" err="1">
-                <a:latin typeface="Courier New" panose="02070309020205020404" pitchFamily="49" charset="0"/>
-                <a:cs typeface="Courier New" panose="02070309020205020404" pitchFamily="49" charset="0"/>
-              </a:rPr>
-              <a:t>pos_meas_noise;vel_meas_noise</a:t>
-            </a:r>
-            <a:r>
-              <a:rPr lang="en-US" sz="1200" dirty="0">
-                <a:latin typeface="Courier New" panose="02070309020205020404" pitchFamily="49" charset="0"/>
-                <a:cs typeface="Courier New" panose="02070309020205020404" pitchFamily="49" charset="0"/>
-              </a:rPr>
-              <a:t>)0 0 1 1;]  / scale std dev</a:t>
-            </a:r>
-          </a:p>
-          <a:p>
-            <a:pPr marL="0" indent="0">
-              <a:buNone/>
-            </a:pPr>
-            <a:r>
-              <a:rPr lang="en-US" sz="1200" dirty="0">
-                <a:latin typeface="Courier New" panose="02070309020205020404" pitchFamily="49" charset="0"/>
-                <a:cs typeface="Courier New" panose="02070309020205020404" pitchFamily="49" charset="0"/>
-              </a:rPr>
-              <a:t>  (4 0N)#.stat.bm*[4;count times]?1f;         / measurement errors</a:t>
-            </a:r>
-          </a:p>
-          <a:p>
-            <a:pPr marL="0" indent="0">
-              <a:buNone/>
-            </a:pPr>
-            <a:endParaRPr lang="en-US" sz="1200" dirty="0">
-              <a:latin typeface="Courier New" panose="02070309020205020404" pitchFamily="49" charset="0"/>
-              <a:cs typeface="Courier New" panose="02070309020205020404" pitchFamily="49" charset="0"/>
-            </a:endParaRPr>
-          </a:p>
-        </p:txBody>
-      </p:sp>
-      <p:sp>
-        <p:nvSpPr>
-          <p:cNvPr id="4" name="Content Placeholder 3">
-            <a:extLst>
-              <a:ext uri="{FF2B5EF4-FFF2-40B4-BE49-F238E27FC236}">
-                <a16:creationId xmlns:a16="http://schemas.microsoft.com/office/drawing/2014/main" id="{68634F60-5796-438E-808B-D52176E542F6}"/>
-              </a:ext>
-            </a:extLst>
-          </p:cNvPr>
-          <p:cNvSpPr>
-            <a:spLocks noGrp="1"/>
-          </p:cNvSpPr>
-          <p:nvPr>
-            <p:ph sz="half" idx="2"/>
-          </p:nvPr>
-        </p:nvSpPr>
-        <p:spPr/>
-        <p:txBody>
-          <a:bodyPr>
-            <a:noAutofit/>
-          </a:bodyPr>
-          <a:lstStyle/>
-          <a:p>
-            <a:pPr marL="0" indent="0">
-              <a:buNone/>
-            </a:pPr>
-            <a:r>
-              <a:rPr lang="en-US" sz="1200" dirty="0">
-                <a:latin typeface="Courier New" panose="02070309020205020404" pitchFamily="49" charset="0"/>
-                <a:cs typeface="Courier New" panose="02070309020205020404" pitchFamily="49" charset="0"/>
-              </a:rPr>
-              <a:t>id:{(2#x)#1,x#0};  / Identity matrix from </a:t>
-            </a:r>
-            <a:r>
-              <a:rPr lang="en-US" sz="1200" dirty="0" err="1">
-                <a:latin typeface="Courier New" panose="02070309020205020404" pitchFamily="49" charset="0"/>
-                <a:cs typeface="Courier New" panose="02070309020205020404" pitchFamily="49" charset="0"/>
-              </a:rPr>
-              <a:t>qphrasebook</a:t>
-            </a:r>
-            <a:endParaRPr lang="en-US" sz="1200" dirty="0">
-              <a:latin typeface="Courier New" panose="02070309020205020404" pitchFamily="49" charset="0"/>
-              <a:cs typeface="Courier New" panose="02070309020205020404" pitchFamily="49" charset="0"/>
-            </a:endParaRPr>
-          </a:p>
-          <a:p>
-            <a:pPr marL="0" indent="0">
-              <a:buNone/>
-            </a:pPr>
-            <a:endParaRPr lang="en-US" sz="1200" dirty="0">
-              <a:latin typeface="Courier New" panose="02070309020205020404" pitchFamily="49" charset="0"/>
-              <a:cs typeface="Courier New" panose="02070309020205020404" pitchFamily="49" charset="0"/>
-            </a:endParaRPr>
-          </a:p>
-          <a:p>
-            <a:pPr marL="0" indent="0">
-              <a:buNone/>
-            </a:pPr>
-            <a:r>
-              <a:rPr lang="en-US" sz="1200" dirty="0">
-                <a:latin typeface="Courier New" panose="02070309020205020404" pitchFamily="49" charset="0"/>
-                <a:cs typeface="Courier New" panose="02070309020205020404" pitchFamily="49" charset="0"/>
-              </a:rPr>
-              <a:t>/ Kalman Filter</a:t>
-            </a:r>
-          </a:p>
-          <a:p>
-            <a:pPr marL="0" indent="0">
-              <a:buNone/>
-            </a:pPr>
-            <a:r>
-              <a:rPr lang="en-US" sz="1200" dirty="0">
-                <a:latin typeface="Courier New" panose="02070309020205020404" pitchFamily="49" charset="0"/>
-                <a:cs typeface="Courier New" panose="02070309020205020404" pitchFamily="49" charset="0"/>
-              </a:rPr>
-              <a:t>/ Initialization</a:t>
-            </a:r>
-          </a:p>
-          <a:p>
-            <a:pPr marL="0" indent="0">
-              <a:buNone/>
-            </a:pPr>
-            <a:r>
-              <a:rPr lang="en-US" sz="1200" dirty="0">
-                <a:latin typeface="Courier New" panose="02070309020205020404" pitchFamily="49" charset="0"/>
-                <a:cs typeface="Courier New" panose="02070309020205020404" pitchFamily="49" charset="0"/>
-              </a:rPr>
-              <a:t>/ State vector [x, y, </a:t>
-            </a:r>
-            <a:r>
-              <a:rPr lang="en-US" sz="1200" dirty="0" err="1">
-                <a:latin typeface="Courier New" panose="02070309020205020404" pitchFamily="49" charset="0"/>
-                <a:cs typeface="Courier New" panose="02070309020205020404" pitchFamily="49" charset="0"/>
-              </a:rPr>
-              <a:t>vx</a:t>
-            </a:r>
-            <a:r>
-              <a:rPr lang="en-US" sz="1200" dirty="0">
-                <a:latin typeface="Courier New" panose="02070309020205020404" pitchFamily="49" charset="0"/>
-                <a:cs typeface="Courier New" panose="02070309020205020404" pitchFamily="49" charset="0"/>
-              </a:rPr>
-              <a:t>, </a:t>
-            </a:r>
-            <a:r>
-              <a:rPr lang="en-US" sz="1200" dirty="0" err="1">
-                <a:latin typeface="Courier New" panose="02070309020205020404" pitchFamily="49" charset="0"/>
-                <a:cs typeface="Courier New" panose="02070309020205020404" pitchFamily="49" charset="0"/>
-              </a:rPr>
-              <a:t>vy</a:t>
-            </a:r>
-            <a:r>
-              <a:rPr lang="en-US" sz="1200" dirty="0">
-                <a:latin typeface="Courier New" panose="02070309020205020404" pitchFamily="49" charset="0"/>
-                <a:cs typeface="Courier New" panose="02070309020205020404" pitchFamily="49" charset="0"/>
-              </a:rPr>
-              <a:t>]</a:t>
-            </a:r>
-          </a:p>
-          <a:p>
-            <a:pPr marL="0" indent="0">
-              <a:buNone/>
-            </a:pPr>
-            <a:r>
-              <a:rPr lang="en-US" sz="1200" dirty="0" err="1">
-                <a:latin typeface="Courier New" panose="02070309020205020404" pitchFamily="49" charset="0"/>
-                <a:cs typeface="Courier New" panose="02070309020205020404" pitchFamily="49" charset="0"/>
-              </a:rPr>
-              <a:t>x_est</a:t>
-            </a:r>
-            <a:r>
-              <a:rPr lang="en-US" sz="1200" dirty="0">
-                <a:latin typeface="Courier New" panose="02070309020205020404" pitchFamily="49" charset="0"/>
-                <a:cs typeface="Courier New" panose="02070309020205020404" pitchFamily="49" charset="0"/>
-              </a:rPr>
-              <a:t>:(4;count times)#0f;</a:t>
-            </a:r>
-          </a:p>
-          <a:p>
-            <a:pPr marL="0" indent="0">
-              <a:buNone/>
-            </a:pPr>
-            <a:r>
-              <a:rPr lang="en-US" sz="1200" dirty="0">
-                <a:latin typeface="Courier New" panose="02070309020205020404" pitchFamily="49" charset="0"/>
-                <a:cs typeface="Courier New" panose="02070309020205020404" pitchFamily="49" charset="0"/>
-              </a:rPr>
-              <a:t>P:"f"$id 4;       / State Covariance matrix</a:t>
-            </a:r>
-          </a:p>
-          <a:p>
-            <a:pPr marL="0" indent="0">
-              <a:buNone/>
-            </a:pPr>
-            <a:r>
-              <a:rPr lang="en-US" sz="1200" dirty="0">
-                <a:latin typeface="Courier New" panose="02070309020205020404" pitchFamily="49" charset="0"/>
-                <a:cs typeface="Courier New" panose="02070309020205020404" pitchFamily="49" charset="0"/>
-              </a:rPr>
-              <a:t>R:*[(pos_meas_noise;vel_meas_noise)0 0 1 1;]</a:t>
-            </a:r>
-          </a:p>
-          <a:p>
-            <a:pPr marL="0" indent="0">
-              <a:buNone/>
-            </a:pPr>
-            <a:r>
-              <a:rPr lang="en-US" sz="1200" dirty="0">
-                <a:latin typeface="Courier New" panose="02070309020205020404" pitchFamily="49" charset="0"/>
-                <a:cs typeface="Courier New" panose="02070309020205020404" pitchFamily="49" charset="0"/>
-              </a:rPr>
-              <a:t>  "</a:t>
-            </a:r>
-            <a:r>
-              <a:rPr lang="en-US" sz="1200" dirty="0" err="1">
-                <a:latin typeface="Courier New" panose="02070309020205020404" pitchFamily="49" charset="0"/>
-                <a:cs typeface="Courier New" panose="02070309020205020404" pitchFamily="49" charset="0"/>
-              </a:rPr>
-              <a:t>f"$id</a:t>
-            </a:r>
-            <a:r>
-              <a:rPr lang="en-US" sz="1200" dirty="0">
-                <a:latin typeface="Courier New" panose="02070309020205020404" pitchFamily="49" charset="0"/>
-                <a:cs typeface="Courier New" panose="02070309020205020404" pitchFamily="49" charset="0"/>
-              </a:rPr>
-              <a:t> 4;       / Measurement Noise Covariance</a:t>
-            </a:r>
-          </a:p>
-          <a:p>
-            <a:pPr marL="0" indent="0">
-              <a:buNone/>
-            </a:pPr>
-            <a:r>
-              <a:rPr lang="en-US" sz="1200" dirty="0">
-                <a:latin typeface="Courier New" panose="02070309020205020404" pitchFamily="49" charset="0"/>
-                <a:cs typeface="Courier New" panose="02070309020205020404" pitchFamily="49" charset="0"/>
-              </a:rPr>
-              <a:t>Q:0.005*"</a:t>
-            </a:r>
-            <a:r>
-              <a:rPr lang="en-US" sz="1200" dirty="0" err="1">
-                <a:latin typeface="Courier New" panose="02070309020205020404" pitchFamily="49" charset="0"/>
-                <a:cs typeface="Courier New" panose="02070309020205020404" pitchFamily="49" charset="0"/>
-              </a:rPr>
-              <a:t>f"$id</a:t>
-            </a:r>
-            <a:r>
-              <a:rPr lang="en-US" sz="1200" dirty="0">
-                <a:latin typeface="Courier New" panose="02070309020205020404" pitchFamily="49" charset="0"/>
-                <a:cs typeface="Courier New" panose="02070309020205020404" pitchFamily="49" charset="0"/>
-              </a:rPr>
-              <a:t> 4; / Process Noise Covariance</a:t>
-            </a:r>
-          </a:p>
-          <a:p>
-            <a:pPr marL="0" indent="0">
-              <a:buNone/>
-            </a:pPr>
-            <a:r>
-              <a:rPr lang="en-US" sz="1200" dirty="0">
-                <a:latin typeface="Courier New" panose="02070309020205020404" pitchFamily="49" charset="0"/>
-                <a:cs typeface="Courier New" panose="02070309020205020404" pitchFamily="49" charset="0"/>
-              </a:rPr>
-              <a:t>F:"f"$id 4;       / State Transition Matrix</a:t>
-            </a:r>
-          </a:p>
-          <a:p>
-            <a:pPr marL="0" indent="0">
-              <a:buNone/>
-            </a:pPr>
-            <a:r>
-              <a:rPr lang="en-US" sz="1200" dirty="0">
-                <a:latin typeface="Courier New" panose="02070309020205020404" pitchFamily="49" charset="0"/>
-                <a:cs typeface="Courier New" panose="02070309020205020404" pitchFamily="49" charset="0"/>
-              </a:rPr>
-              <a:t>F:(@[F 0;2;+;dt];@[F 1;3;+;dt];F 2;F 3);</a:t>
-            </a:r>
-          </a:p>
-          <a:p>
-            <a:pPr marL="0" indent="0">
-              <a:buNone/>
-            </a:pPr>
-            <a:r>
-              <a:rPr lang="en-US" sz="1200" dirty="0">
-                <a:latin typeface="Courier New" panose="02070309020205020404" pitchFamily="49" charset="0"/>
-                <a:cs typeface="Courier New" panose="02070309020205020404" pitchFamily="49" charset="0"/>
-              </a:rPr>
-              <a:t>H:"f"$id 4;       / Measurement Matrix (pos and vel)</a:t>
-            </a:r>
-          </a:p>
-          <a:p>
-            <a:pPr marL="0" indent="0">
-              <a:buNone/>
-            </a:pPr>
-            <a:r>
-              <a:rPr lang="en-US" sz="1200" dirty="0">
-                <a:latin typeface="Courier New" panose="02070309020205020404" pitchFamily="49" charset="0"/>
-                <a:cs typeface="Courier New" panose="02070309020205020404" pitchFamily="49" charset="0"/>
-              </a:rPr>
-              <a:t>G:(4;4;count times)#0f;</a:t>
-            </a:r>
-          </a:p>
-        </p:txBody>
-      </p:sp>
-    </p:spTree>
-    <p:extLst>
-      <p:ext uri="{BB962C8B-B14F-4D97-AF65-F5344CB8AC3E}">
-        <p14:creationId xmlns:p14="http://schemas.microsoft.com/office/powerpoint/2010/main" val="654778037"/>
-      </p:ext>
-    </p:extLst>
-  </p:cSld>
-  <p:clrMapOvr>
-    <a:masterClrMapping/>
-  </p:clrMapOvr>
-</p:sld>
-</file>
-
-<file path=ppt/slides/slide12.xml><?xml version="1.0" encoding="utf-8"?>
-<p:sld xmlns:a="http://schemas.openxmlformats.org/drawingml/2006/main" xmlns:r="http://schemas.openxmlformats.org/officeDocument/2006/relationships" xmlns:p="http://schemas.openxmlformats.org/presentationml/2006/main">
-  <p:cSld>
-    <p:spTree>
-      <p:nvGrpSpPr>
-        <p:cNvPr id="1" name="">
-          <a:extLst>
-            <a:ext uri="{FF2B5EF4-FFF2-40B4-BE49-F238E27FC236}">
-              <a16:creationId xmlns:a16="http://schemas.microsoft.com/office/drawing/2014/main" id="{08A4E879-588D-2635-C4A3-EF7E3BAB1F70}"/>
-            </a:ext>
-          </a:extLst>
-        </p:cNvPr>
-        <p:cNvGrpSpPr/>
-        <p:nvPr/>
-      </p:nvGrpSpPr>
-      <p:grpSpPr>
-        <a:xfrm>
-          <a:off x="0" y="0"/>
-          <a:ext cx="0" cy="0"/>
-          <a:chOff x="0" y="0"/>
-          <a:chExt cx="0" cy="0"/>
-        </a:xfrm>
-      </p:grpSpPr>
-      <p:sp>
-        <p:nvSpPr>
-          <p:cNvPr id="2" name="Title 1">
-            <a:extLst>
-              <a:ext uri="{FF2B5EF4-FFF2-40B4-BE49-F238E27FC236}">
-                <a16:creationId xmlns:a16="http://schemas.microsoft.com/office/drawing/2014/main" id="{2AF7D448-98B9-51E5-7051-C3158C092426}"/>
-              </a:ext>
-            </a:extLst>
-          </p:cNvPr>
-          <p:cNvSpPr>
-            <a:spLocks noGrp="1"/>
-          </p:cNvSpPr>
-          <p:nvPr>
-            <p:ph type="title"/>
-          </p:nvPr>
-        </p:nvSpPr>
-        <p:spPr/>
-        <p:txBody>
-          <a:bodyPr/>
-          <a:lstStyle/>
-          <a:p>
-            <a:r>
-              <a:rPr lang="en-US" dirty="0"/>
-              <a:t>q/KDB+ Code</a:t>
-            </a:r>
-          </a:p>
-        </p:txBody>
-      </p:sp>
-      <p:sp>
-        <p:nvSpPr>
-          <p:cNvPr id="3" name="Content Placeholder 2">
-            <a:extLst>
-              <a:ext uri="{FF2B5EF4-FFF2-40B4-BE49-F238E27FC236}">
-                <a16:creationId xmlns:a16="http://schemas.microsoft.com/office/drawing/2014/main" id="{FBD846BA-9DC5-1D50-741D-E8E3A1C2B0AB}"/>
-              </a:ext>
-            </a:extLst>
-          </p:cNvPr>
-          <p:cNvSpPr>
-            <a:spLocks noGrp="1"/>
-          </p:cNvSpPr>
-          <p:nvPr>
-            <p:ph sz="half" idx="1"/>
-          </p:nvPr>
-        </p:nvSpPr>
-        <p:spPr>
-          <a:xfrm>
-            <a:off x="685800" y="1781094"/>
-            <a:ext cx="5334000" cy="4024125"/>
-          </a:xfrm>
-        </p:spPr>
-        <p:txBody>
-          <a:bodyPr>
-            <a:noAutofit/>
-          </a:bodyPr>
-          <a:lstStyle/>
-          <a:p>
-            <a:pPr marL="0" indent="0">
-              <a:buNone/>
-            </a:pPr>
-            <a:r>
-              <a:rPr lang="en-US" sz="1200" dirty="0">
-                <a:latin typeface="Courier New" panose="02070309020205020404" pitchFamily="49" charset="0"/>
-                <a:cs typeface="Courier New" panose="02070309020205020404" pitchFamily="49" charset="0"/>
-              </a:rPr>
-              <a:t>/ KF Prediction Step</a:t>
-            </a:r>
-          </a:p>
-          <a:p>
-            <a:pPr marL="0" indent="0">
-              <a:buNone/>
-            </a:pPr>
-            <a:r>
-              <a:rPr lang="en-US" sz="1200" dirty="0">
-                <a:latin typeface="Courier New" panose="02070309020205020404" pitchFamily="49" charset="0"/>
-                <a:cs typeface="Courier New" panose="02070309020205020404" pitchFamily="49" charset="0"/>
-              </a:rPr>
-              <a:t>// Predict next state using </a:t>
-            </a:r>
-            <a:r>
-              <a:rPr lang="en-US" sz="1200" dirty="0" err="1">
-                <a:latin typeface="Courier New" panose="02070309020205020404" pitchFamily="49" charset="0"/>
-                <a:cs typeface="Courier New" panose="02070309020205020404" pitchFamily="49" charset="0"/>
-              </a:rPr>
-              <a:t>prev</a:t>
-            </a:r>
-            <a:r>
-              <a:rPr lang="en-US" sz="1200" dirty="0">
-                <a:latin typeface="Courier New" panose="02070309020205020404" pitchFamily="49" charset="0"/>
-                <a:cs typeface="Courier New" panose="02070309020205020404" pitchFamily="49" charset="0"/>
-              </a:rPr>
-              <a:t> state and the F, state transition matrix</a:t>
-            </a:r>
-          </a:p>
-          <a:p>
-            <a:pPr marL="0" indent="0">
-              <a:buNone/>
-            </a:pPr>
-            <a:r>
-              <a:rPr lang="en-US" sz="1200" dirty="0">
-                <a:latin typeface="Courier New" panose="02070309020205020404" pitchFamily="49" charset="0"/>
-                <a:cs typeface="Courier New" panose="02070309020205020404" pitchFamily="49" charset="0"/>
-              </a:rPr>
-              <a:t>// Predict state uncertainty (update P, covariance matrix using Q, process noise</a:t>
-            </a:r>
-          </a:p>
-          <a:p>
-            <a:pPr marL="0" indent="0">
-              <a:buNone/>
-            </a:pPr>
-            <a:r>
-              <a:rPr lang="en-US" sz="1200" dirty="0" err="1">
-                <a:latin typeface="Courier New" panose="02070309020205020404" pitchFamily="49" charset="0"/>
-                <a:cs typeface="Courier New" panose="02070309020205020404" pitchFamily="49" charset="0"/>
-              </a:rPr>
-              <a:t>predictState</a:t>
-            </a:r>
-            <a:r>
-              <a:rPr lang="en-US" sz="1200" dirty="0">
-                <a:latin typeface="Courier New" panose="02070309020205020404" pitchFamily="49" charset="0"/>
-                <a:cs typeface="Courier New" panose="02070309020205020404" pitchFamily="49" charset="0"/>
-              </a:rPr>
-              <a:t>:{[</a:t>
-            </a:r>
-            <a:r>
-              <a:rPr lang="en-US" sz="1200" dirty="0" err="1">
-                <a:latin typeface="Courier New" panose="02070309020205020404" pitchFamily="49" charset="0"/>
-                <a:cs typeface="Courier New" panose="02070309020205020404" pitchFamily="49" charset="0"/>
-              </a:rPr>
-              <a:t>F;ps;P;Q</a:t>
-            </a:r>
-            <a:r>
-              <a:rPr lang="en-US" sz="1200" dirty="0">
-                <a:latin typeface="Courier New" panose="02070309020205020404" pitchFamily="49" charset="0"/>
-                <a:cs typeface="Courier New" panose="02070309020205020404" pitchFamily="49" charset="0"/>
-              </a:rPr>
-              <a:t>]</a:t>
-            </a:r>
-          </a:p>
-          <a:p>
-            <a:pPr marL="0" indent="0">
-              <a:buNone/>
-            </a:pPr>
-            <a:r>
-              <a:rPr lang="en-US" sz="1200" dirty="0">
-                <a:latin typeface="Courier New" panose="02070309020205020404" pitchFamily="49" charset="0"/>
-                <a:cs typeface="Courier New" panose="02070309020205020404" pitchFamily="49" charset="0"/>
-              </a:rPr>
-              <a:t>  </a:t>
-            </a:r>
-            <a:r>
-              <a:rPr lang="en-US" sz="1200" dirty="0" err="1">
-                <a:latin typeface="Courier New" panose="02070309020205020404" pitchFamily="49" charset="0"/>
-                <a:cs typeface="Courier New" panose="02070309020205020404" pitchFamily="49" charset="0"/>
-              </a:rPr>
-              <a:t>ns:F$ps</a:t>
-            </a:r>
-            <a:r>
-              <a:rPr lang="en-US" sz="1200" dirty="0">
-                <a:latin typeface="Courier New" panose="02070309020205020404" pitchFamily="49" charset="0"/>
-                <a:cs typeface="Courier New" panose="02070309020205020404" pitchFamily="49" charset="0"/>
-              </a:rPr>
-              <a:t>;                / predicted next state</a:t>
-            </a:r>
-          </a:p>
-          <a:p>
-            <a:pPr marL="0" indent="0">
-              <a:buNone/>
-            </a:pPr>
-            <a:r>
-              <a:rPr lang="en-US" sz="1200" dirty="0">
-                <a:latin typeface="Courier New" panose="02070309020205020404" pitchFamily="49" charset="0"/>
-                <a:cs typeface="Courier New" panose="02070309020205020404" pitchFamily="49" charset="0"/>
-              </a:rPr>
-              <a:t>  </a:t>
-            </a:r>
-            <a:r>
-              <a:rPr lang="en-US" sz="1200" dirty="0" err="1">
-                <a:latin typeface="Courier New" panose="02070309020205020404" pitchFamily="49" charset="0"/>
-                <a:cs typeface="Courier New" panose="02070309020205020404" pitchFamily="49" charset="0"/>
-              </a:rPr>
-              <a:t>nP</a:t>
-            </a:r>
-            <a:r>
-              <a:rPr lang="en-US" sz="1200" dirty="0">
-                <a:latin typeface="Courier New" panose="02070309020205020404" pitchFamily="49" charset="0"/>
-                <a:cs typeface="Courier New" panose="02070309020205020404" pitchFamily="49" charset="0"/>
-              </a:rPr>
-              <a:t>:$[F;$[</a:t>
-            </a:r>
-            <a:r>
-              <a:rPr lang="en-US" sz="1200" dirty="0" err="1">
-                <a:latin typeface="Courier New" panose="02070309020205020404" pitchFamily="49" charset="0"/>
-                <a:cs typeface="Courier New" panose="02070309020205020404" pitchFamily="49" charset="0"/>
-              </a:rPr>
-              <a:t>P;flip</a:t>
-            </a:r>
-            <a:r>
-              <a:rPr lang="en-US" sz="1200" dirty="0">
-                <a:latin typeface="Courier New" panose="02070309020205020404" pitchFamily="49" charset="0"/>
-                <a:cs typeface="Courier New" panose="02070309020205020404" pitchFamily="49" charset="0"/>
-              </a:rPr>
-              <a:t> F]]+Q;  / predicted next P</a:t>
-            </a:r>
-          </a:p>
-          <a:p>
-            <a:pPr marL="0" indent="0">
-              <a:buNone/>
-            </a:pPr>
-            <a:r>
-              <a:rPr lang="en-US" sz="1200" dirty="0">
-                <a:latin typeface="Courier New" panose="02070309020205020404" pitchFamily="49" charset="0"/>
-                <a:cs typeface="Courier New" panose="02070309020205020404" pitchFamily="49" charset="0"/>
-              </a:rPr>
-              <a:t>  (</a:t>
-            </a:r>
-            <a:r>
-              <a:rPr lang="en-US" sz="1200" dirty="0" err="1">
-                <a:latin typeface="Courier New" panose="02070309020205020404" pitchFamily="49" charset="0"/>
-                <a:cs typeface="Courier New" panose="02070309020205020404" pitchFamily="49" charset="0"/>
-              </a:rPr>
-              <a:t>ns;nP</a:t>
-            </a:r>
-            <a:r>
-              <a:rPr lang="en-US" sz="1200" dirty="0">
-                <a:latin typeface="Courier New" panose="02070309020205020404" pitchFamily="49" charset="0"/>
-                <a:cs typeface="Courier New" panose="02070309020205020404" pitchFamily="49" charset="0"/>
-              </a:rPr>
-              <a:t>)</a:t>
-            </a:r>
-          </a:p>
-          <a:p>
-            <a:pPr marL="0" indent="0">
-              <a:buNone/>
-            </a:pPr>
-            <a:r>
-              <a:rPr lang="en-US" sz="1200" dirty="0">
-                <a:latin typeface="Courier New" panose="02070309020205020404" pitchFamily="49" charset="0"/>
-                <a:cs typeface="Courier New" panose="02070309020205020404" pitchFamily="49" charset="0"/>
-              </a:rPr>
-              <a:t>  };</a:t>
-            </a:r>
-          </a:p>
-          <a:p>
-            <a:pPr marL="0" indent="0">
-              <a:buNone/>
-            </a:pPr>
-            <a:endParaRPr lang="en-US" sz="1200" dirty="0">
-              <a:latin typeface="Courier New" panose="02070309020205020404" pitchFamily="49" charset="0"/>
-              <a:cs typeface="Courier New" panose="02070309020205020404" pitchFamily="49" charset="0"/>
-            </a:endParaRPr>
-          </a:p>
-          <a:p>
-            <a:pPr marL="0" indent="0">
-              <a:buNone/>
-            </a:pPr>
-            <a:r>
-              <a:rPr lang="en-US" sz="1200" dirty="0">
-                <a:latin typeface="Courier New" panose="02070309020205020404" pitchFamily="49" charset="0"/>
-                <a:cs typeface="Courier New" panose="02070309020205020404" pitchFamily="49" charset="0"/>
-              </a:rPr>
-              <a:t>// Kalman Gain (K) weight of measurement vs prediction</a:t>
-            </a:r>
-          </a:p>
-          <a:p>
-            <a:pPr marL="0" indent="0">
-              <a:buNone/>
-            </a:pPr>
-            <a:r>
-              <a:rPr lang="en-US" sz="1200" dirty="0">
-                <a:latin typeface="Courier New" panose="02070309020205020404" pitchFamily="49" charset="0"/>
-                <a:cs typeface="Courier New" panose="02070309020205020404" pitchFamily="49" charset="0"/>
-              </a:rPr>
-              <a:t>// done in the update step</a:t>
-            </a:r>
-          </a:p>
-          <a:p>
-            <a:pPr marL="0" indent="0">
-              <a:buNone/>
-            </a:pPr>
-            <a:r>
-              <a:rPr lang="en-US" sz="1200" dirty="0" err="1">
-                <a:latin typeface="Courier New" panose="02070309020205020404" pitchFamily="49" charset="0"/>
-                <a:cs typeface="Courier New" panose="02070309020205020404" pitchFamily="49" charset="0"/>
-              </a:rPr>
-              <a:t>computeKalmanGain</a:t>
-            </a:r>
-            <a:r>
-              <a:rPr lang="en-US" sz="1200" dirty="0">
-                <a:latin typeface="Courier New" panose="02070309020205020404" pitchFamily="49" charset="0"/>
-                <a:cs typeface="Courier New" panose="02070309020205020404" pitchFamily="49" charset="0"/>
-              </a:rPr>
-              <a:t>:{[</a:t>
-            </a:r>
-            <a:r>
-              <a:rPr lang="en-US" sz="1200" dirty="0" err="1">
-                <a:latin typeface="Courier New" panose="02070309020205020404" pitchFamily="49" charset="0"/>
-                <a:cs typeface="Courier New" panose="02070309020205020404" pitchFamily="49" charset="0"/>
-              </a:rPr>
-              <a:t>H;pP;R</a:t>
-            </a:r>
-            <a:r>
-              <a:rPr lang="en-US" sz="1200" dirty="0">
-                <a:latin typeface="Courier New" panose="02070309020205020404" pitchFamily="49" charset="0"/>
-                <a:cs typeface="Courier New" panose="02070309020205020404" pitchFamily="49" charset="0"/>
-              </a:rPr>
-              <a:t>]</a:t>
-            </a:r>
-          </a:p>
-          <a:p>
-            <a:pPr marL="0" indent="0">
-              <a:buNone/>
-            </a:pPr>
-            <a:r>
-              <a:rPr lang="en-US" sz="1200" dirty="0">
-                <a:latin typeface="Courier New" panose="02070309020205020404" pitchFamily="49" charset="0"/>
-                <a:cs typeface="Courier New" panose="02070309020205020404" pitchFamily="49" charset="0"/>
-              </a:rPr>
-              <a:t>  S:$[H;$[pP;flip H]]+R;   / intermediate matrix for inversion</a:t>
-            </a:r>
-          </a:p>
-          <a:p>
-            <a:pPr marL="0" indent="0">
-              <a:buNone/>
-            </a:pPr>
-            <a:r>
-              <a:rPr lang="en-US" sz="1200" dirty="0">
-                <a:latin typeface="Courier New" panose="02070309020205020404" pitchFamily="49" charset="0"/>
-                <a:cs typeface="Courier New" panose="02070309020205020404" pitchFamily="49" charset="0"/>
-              </a:rPr>
-              <a:t>  K:$[pP;$[flip </a:t>
-            </a:r>
-            <a:r>
-              <a:rPr lang="en-US" sz="1200" dirty="0" err="1">
-                <a:latin typeface="Courier New" panose="02070309020205020404" pitchFamily="49" charset="0"/>
-                <a:cs typeface="Courier New" panose="02070309020205020404" pitchFamily="49" charset="0"/>
-              </a:rPr>
-              <a:t>H;inv</a:t>
-            </a:r>
-            <a:r>
-              <a:rPr lang="en-US" sz="1200" dirty="0">
-                <a:latin typeface="Courier New" panose="02070309020205020404" pitchFamily="49" charset="0"/>
-                <a:cs typeface="Courier New" panose="02070309020205020404" pitchFamily="49" charset="0"/>
-              </a:rPr>
-              <a:t> S]]  / inv uses LU decomposition</a:t>
-            </a:r>
-          </a:p>
-          <a:p>
-            <a:pPr marL="0" indent="0">
-              <a:buNone/>
-            </a:pPr>
-            <a:r>
-              <a:rPr lang="en-US" sz="1200" dirty="0">
-                <a:latin typeface="Courier New" panose="02070309020205020404" pitchFamily="49" charset="0"/>
-                <a:cs typeface="Courier New" panose="02070309020205020404" pitchFamily="49" charset="0"/>
-              </a:rPr>
-              <a:t>  };</a:t>
-            </a:r>
-          </a:p>
-          <a:p>
-            <a:pPr marL="0" indent="0">
-              <a:buNone/>
-            </a:pPr>
-            <a:endParaRPr lang="en-US" sz="1200" dirty="0">
-              <a:latin typeface="Courier New" panose="02070309020205020404" pitchFamily="49" charset="0"/>
-              <a:cs typeface="Courier New" panose="02070309020205020404" pitchFamily="49" charset="0"/>
-            </a:endParaRPr>
-          </a:p>
-          <a:p>
-            <a:pPr marL="0" indent="0">
-              <a:buNone/>
-            </a:pPr>
-            <a:endParaRPr lang="en-US" sz="1200" dirty="0">
-              <a:latin typeface="Courier New" panose="02070309020205020404" pitchFamily="49" charset="0"/>
-              <a:cs typeface="Courier New" panose="02070309020205020404" pitchFamily="49" charset="0"/>
-            </a:endParaRPr>
-          </a:p>
-        </p:txBody>
-      </p:sp>
-      <p:sp>
-        <p:nvSpPr>
-          <p:cNvPr id="4" name="Content Placeholder 3">
-            <a:extLst>
-              <a:ext uri="{FF2B5EF4-FFF2-40B4-BE49-F238E27FC236}">
-                <a16:creationId xmlns:a16="http://schemas.microsoft.com/office/drawing/2014/main" id="{24841473-FA2A-9375-7987-F3417A564432}"/>
-              </a:ext>
-            </a:extLst>
-          </p:cNvPr>
-          <p:cNvSpPr>
-            <a:spLocks noGrp="1"/>
-          </p:cNvSpPr>
-          <p:nvPr>
-            <p:ph sz="half" idx="2"/>
-          </p:nvPr>
-        </p:nvSpPr>
-        <p:spPr>
-          <a:xfrm>
-            <a:off x="6172200" y="1781094"/>
-            <a:ext cx="5334000" cy="4024125"/>
-          </a:xfrm>
-        </p:spPr>
-        <p:txBody>
-          <a:bodyPr>
-            <a:noAutofit/>
-          </a:bodyPr>
-          <a:lstStyle/>
-          <a:p>
-            <a:pPr marL="0" indent="0">
-              <a:buNone/>
-            </a:pPr>
-            <a:r>
-              <a:rPr lang="en-US" sz="1200" dirty="0">
-                <a:latin typeface="Courier New" panose="02070309020205020404" pitchFamily="49" charset="0"/>
-                <a:cs typeface="Courier New" panose="02070309020205020404" pitchFamily="49" charset="0"/>
-              </a:rPr>
-              <a:t>/ KF Update Step</a:t>
-            </a:r>
-          </a:p>
-          <a:p>
-            <a:pPr marL="0" indent="0">
-              <a:buNone/>
-            </a:pPr>
-            <a:r>
-              <a:rPr lang="en-US" sz="1200" dirty="0">
-                <a:latin typeface="Courier New" panose="02070309020205020404" pitchFamily="49" charset="0"/>
-                <a:cs typeface="Courier New" panose="02070309020205020404" pitchFamily="49" charset="0"/>
-              </a:rPr>
-              <a:t>// Update corrects predicted state with new measurement</a:t>
-            </a:r>
-          </a:p>
-          <a:p>
-            <a:pPr marL="0" indent="0">
-              <a:buNone/>
-            </a:pPr>
-            <a:r>
-              <a:rPr lang="en-US" sz="1200" dirty="0">
-                <a:latin typeface="Courier New" panose="02070309020205020404" pitchFamily="49" charset="0"/>
-                <a:cs typeface="Courier New" panose="02070309020205020404" pitchFamily="49" charset="0"/>
-              </a:rPr>
-              <a:t>// Kalman Gain (K) adjusts predicted state based on the measurement residual</a:t>
-            </a:r>
-          </a:p>
-          <a:p>
-            <a:pPr marL="0" indent="0">
-              <a:buNone/>
-            </a:pPr>
-            <a:r>
-              <a:rPr lang="en-US" sz="1200" dirty="0">
-                <a:latin typeface="Courier New" panose="02070309020205020404" pitchFamily="49" charset="0"/>
-                <a:cs typeface="Courier New" panose="02070309020205020404" pitchFamily="49" charset="0"/>
-              </a:rPr>
-              <a:t>// Update state estimate and uncertainty (covariance)</a:t>
-            </a:r>
-          </a:p>
-          <a:p>
-            <a:pPr marL="0" indent="0">
-              <a:buNone/>
-            </a:pPr>
-            <a:r>
-              <a:rPr lang="en-US" sz="1200" dirty="0" err="1">
-                <a:latin typeface="Courier New" panose="02070309020205020404" pitchFamily="49" charset="0"/>
-                <a:cs typeface="Courier New" panose="02070309020205020404" pitchFamily="49" charset="0"/>
-              </a:rPr>
-              <a:t>updateStateEstimate</a:t>
-            </a:r>
-            <a:r>
-              <a:rPr lang="en-US" sz="1200" dirty="0">
-                <a:latin typeface="Courier New" panose="02070309020205020404" pitchFamily="49" charset="0"/>
-                <a:cs typeface="Courier New" panose="02070309020205020404" pitchFamily="49" charset="0"/>
-              </a:rPr>
-              <a:t>:{[</a:t>
-            </a:r>
-            <a:r>
-              <a:rPr lang="en-US" sz="1200" dirty="0" err="1">
-                <a:latin typeface="Courier New" panose="02070309020205020404" pitchFamily="49" charset="0"/>
-                <a:cs typeface="Courier New" panose="02070309020205020404" pitchFamily="49" charset="0"/>
-              </a:rPr>
-              <a:t>H;pP;R;ms;ps</a:t>
-            </a:r>
-            <a:r>
-              <a:rPr lang="en-US" sz="1200" dirty="0">
-                <a:latin typeface="Courier New" panose="02070309020205020404" pitchFamily="49" charset="0"/>
-                <a:cs typeface="Courier New" panose="02070309020205020404" pitchFamily="49" charset="0"/>
-              </a:rPr>
-              <a:t>]</a:t>
-            </a:r>
-          </a:p>
-          <a:p>
-            <a:pPr marL="0" indent="0">
-              <a:buNone/>
-            </a:pPr>
-            <a:r>
-              <a:rPr lang="en-US" sz="1200" dirty="0">
-                <a:latin typeface="Courier New" panose="02070309020205020404" pitchFamily="49" charset="0"/>
-                <a:cs typeface="Courier New" panose="02070309020205020404" pitchFamily="49" charset="0"/>
-              </a:rPr>
-              <a:t>  id:{(2#x)#1,x#0};</a:t>
-            </a:r>
-          </a:p>
-          <a:p>
-            <a:pPr marL="0" indent="0">
-              <a:buNone/>
-            </a:pPr>
-            <a:r>
-              <a:rPr lang="en-US" sz="1200" dirty="0">
-                <a:latin typeface="Courier New" panose="02070309020205020404" pitchFamily="49" charset="0"/>
-                <a:cs typeface="Courier New" panose="02070309020205020404" pitchFamily="49" charset="0"/>
-              </a:rPr>
-              <a:t>  I:"f"$id 4;    / Identity Matrix</a:t>
-            </a:r>
-          </a:p>
-          <a:p>
-            <a:pPr marL="0" indent="0">
-              <a:buNone/>
-            </a:pPr>
-            <a:r>
-              <a:rPr lang="en-US" sz="1200" dirty="0">
-                <a:latin typeface="Courier New" panose="02070309020205020404" pitchFamily="49" charset="0"/>
-                <a:cs typeface="Courier New" panose="02070309020205020404" pitchFamily="49" charset="0"/>
-              </a:rPr>
-              <a:t>  K:computeKalmanGain[H;pP;R];</a:t>
-            </a:r>
-          </a:p>
-          <a:p>
-            <a:pPr marL="0" indent="0">
-              <a:buNone/>
-            </a:pPr>
-            <a:endParaRPr lang="en-US" sz="1200" dirty="0">
-              <a:latin typeface="Courier New" panose="02070309020205020404" pitchFamily="49" charset="0"/>
-              <a:cs typeface="Courier New" panose="02070309020205020404" pitchFamily="49" charset="0"/>
-            </a:endParaRPr>
-          </a:p>
-          <a:p>
-            <a:pPr marL="0" indent="0">
-              <a:buNone/>
-            </a:pPr>
-            <a:r>
-              <a:rPr lang="en-US" sz="1200" dirty="0">
-                <a:latin typeface="Courier New" panose="02070309020205020404" pitchFamily="49" charset="0"/>
-                <a:cs typeface="Courier New" panose="02070309020205020404" pitchFamily="49" charset="0"/>
-              </a:rPr>
-              <a:t>  y:ms-$[H;ps];  / measurement residuals</a:t>
-            </a:r>
-          </a:p>
-          <a:p>
-            <a:pPr marL="0" indent="0">
-              <a:buNone/>
-            </a:pPr>
-            <a:r>
-              <a:rPr lang="en-US" sz="1200" dirty="0">
-                <a:latin typeface="Courier New" panose="02070309020205020404" pitchFamily="49" charset="0"/>
-                <a:cs typeface="Courier New" panose="02070309020205020404" pitchFamily="49" charset="0"/>
-              </a:rPr>
-              <a:t>  </a:t>
-            </a:r>
-            <a:r>
-              <a:rPr lang="en-US" sz="1200" dirty="0" err="1">
-                <a:latin typeface="Courier New" panose="02070309020205020404" pitchFamily="49" charset="0"/>
-                <a:cs typeface="Courier New" panose="02070309020205020404" pitchFamily="49" charset="0"/>
-              </a:rPr>
-              <a:t>es:ps</a:t>
-            </a:r>
-            <a:r>
-              <a:rPr lang="en-US" sz="1200" dirty="0">
-                <a:latin typeface="Courier New" panose="02070309020205020404" pitchFamily="49" charset="0"/>
-                <a:cs typeface="Courier New" panose="02070309020205020404" pitchFamily="49" charset="0"/>
-              </a:rPr>
-              <a:t>+$[</a:t>
-            </a:r>
-            <a:r>
-              <a:rPr lang="en-US" sz="1200" dirty="0" err="1">
-                <a:latin typeface="Courier New" panose="02070309020205020404" pitchFamily="49" charset="0"/>
-                <a:cs typeface="Courier New" panose="02070309020205020404" pitchFamily="49" charset="0"/>
-              </a:rPr>
-              <a:t>K;y</a:t>
-            </a:r>
-            <a:r>
-              <a:rPr lang="en-US" sz="1200" dirty="0">
-                <a:latin typeface="Courier New" panose="02070309020205020404" pitchFamily="49" charset="0"/>
-                <a:cs typeface="Courier New" panose="02070309020205020404" pitchFamily="49" charset="0"/>
-              </a:rPr>
-              <a:t>];  / new state </a:t>
-            </a:r>
-            <a:r>
-              <a:rPr lang="en-US" sz="1200" dirty="0" err="1">
-                <a:latin typeface="Courier New" panose="02070309020205020404" pitchFamily="49" charset="0"/>
-                <a:cs typeface="Courier New" panose="02070309020205020404" pitchFamily="49" charset="0"/>
-              </a:rPr>
-              <a:t>estimat</a:t>
-            </a:r>
-            <a:endParaRPr lang="en-US" sz="1200" dirty="0">
-              <a:latin typeface="Courier New" panose="02070309020205020404" pitchFamily="49" charset="0"/>
-              <a:cs typeface="Courier New" panose="02070309020205020404" pitchFamily="49" charset="0"/>
-            </a:endParaRPr>
-          </a:p>
-          <a:p>
-            <a:pPr marL="0" indent="0">
-              <a:buNone/>
-            </a:pPr>
-            <a:endParaRPr lang="en-US" sz="1200" dirty="0">
-              <a:latin typeface="Courier New" panose="02070309020205020404" pitchFamily="49" charset="0"/>
-              <a:cs typeface="Courier New" panose="02070309020205020404" pitchFamily="49" charset="0"/>
-            </a:endParaRPr>
-          </a:p>
-          <a:p>
-            <a:pPr marL="0" indent="0">
-              <a:buNone/>
-            </a:pPr>
-            <a:r>
-              <a:rPr lang="en-US" sz="1200" dirty="0">
-                <a:latin typeface="Courier New" panose="02070309020205020404" pitchFamily="49" charset="0"/>
-                <a:cs typeface="Courier New" panose="02070309020205020404" pitchFamily="49" charset="0"/>
-              </a:rPr>
-              <a:t>  P:$[I-$[K;H];pP];</a:t>
-            </a:r>
-          </a:p>
-          <a:p>
-            <a:pPr marL="0" indent="0">
-              <a:buNone/>
-            </a:pPr>
-            <a:r>
-              <a:rPr lang="en-US" sz="1200" dirty="0">
-                <a:latin typeface="Courier New" panose="02070309020205020404" pitchFamily="49" charset="0"/>
-                <a:cs typeface="Courier New" panose="02070309020205020404" pitchFamily="49" charset="0"/>
-              </a:rPr>
-              <a:t>  (</a:t>
-            </a:r>
-            <a:r>
-              <a:rPr lang="en-US" sz="1200" dirty="0" err="1">
-                <a:latin typeface="Courier New" panose="02070309020205020404" pitchFamily="49" charset="0"/>
-                <a:cs typeface="Courier New" panose="02070309020205020404" pitchFamily="49" charset="0"/>
-              </a:rPr>
-              <a:t>K;es;P</a:t>
-            </a:r>
-            <a:r>
-              <a:rPr lang="en-US" sz="1200" dirty="0">
-                <a:latin typeface="Courier New" panose="02070309020205020404" pitchFamily="49" charset="0"/>
-                <a:cs typeface="Courier New" panose="02070309020205020404" pitchFamily="49" charset="0"/>
-              </a:rPr>
-              <a:t>)</a:t>
-            </a:r>
-          </a:p>
-          <a:p>
-            <a:pPr marL="0" indent="0">
-              <a:buNone/>
-            </a:pPr>
-            <a:r>
-              <a:rPr lang="en-US" sz="1200" dirty="0">
-                <a:latin typeface="Courier New" panose="02070309020205020404" pitchFamily="49" charset="0"/>
-                <a:cs typeface="Courier New" panose="02070309020205020404" pitchFamily="49" charset="0"/>
-              </a:rPr>
-              <a:t>  };</a:t>
-            </a:r>
-          </a:p>
-        </p:txBody>
-      </p:sp>
-    </p:spTree>
-    <p:extLst>
-      <p:ext uri="{BB962C8B-B14F-4D97-AF65-F5344CB8AC3E}">
-        <p14:creationId xmlns:p14="http://schemas.microsoft.com/office/powerpoint/2010/main" val="477491162"/>
-      </p:ext>
-    </p:extLst>
-  </p:cSld>
-  <p:clrMapOvr>
-    <a:masterClrMapping/>
-  </p:clrMapOvr>
-</p:sld>
-</file>
-
-<file path=ppt/slides/slide13.xml><?xml version="1.0" encoding="utf-8"?>
-<p:sld xmlns:a="http://schemas.openxmlformats.org/drawingml/2006/main" xmlns:r="http://schemas.openxmlformats.org/officeDocument/2006/relationships" xmlns:p="http://schemas.openxmlformats.org/presentationml/2006/main">
-  <p:cSld>
-    <p:spTree>
-      <p:nvGrpSpPr>
-        <p:cNvPr id="1" name="">
-          <a:extLst>
-            <a:ext uri="{FF2B5EF4-FFF2-40B4-BE49-F238E27FC236}">
-              <a16:creationId xmlns:a16="http://schemas.microsoft.com/office/drawing/2014/main" id="{A5B602AE-3B46-7282-B3AC-50065CC620EA}"/>
-            </a:ext>
-          </a:extLst>
-        </p:cNvPr>
-        <p:cNvGrpSpPr/>
-        <p:nvPr/>
-      </p:nvGrpSpPr>
-      <p:grpSpPr>
-        <a:xfrm>
-          <a:off x="0" y="0"/>
-          <a:ext cx="0" cy="0"/>
-          <a:chOff x="0" y="0"/>
-          <a:chExt cx="0" cy="0"/>
-        </a:xfrm>
-      </p:grpSpPr>
-      <p:sp>
-        <p:nvSpPr>
-          <p:cNvPr id="2" name="Title 1">
-            <a:extLst>
-              <a:ext uri="{FF2B5EF4-FFF2-40B4-BE49-F238E27FC236}">
-                <a16:creationId xmlns:a16="http://schemas.microsoft.com/office/drawing/2014/main" id="{F0CE6DCA-1AB5-21B2-2CCC-B975B6B50268}"/>
-              </a:ext>
-            </a:extLst>
-          </p:cNvPr>
-          <p:cNvSpPr>
-            <a:spLocks noGrp="1"/>
-          </p:cNvSpPr>
-          <p:nvPr>
-            <p:ph type="title"/>
-          </p:nvPr>
-        </p:nvSpPr>
-        <p:spPr/>
-        <p:txBody>
-          <a:bodyPr/>
-          <a:lstStyle/>
-          <a:p>
-            <a:r>
-              <a:rPr lang="en-US" dirty="0"/>
-              <a:t>q/KDB+ Code</a:t>
-            </a:r>
-          </a:p>
-        </p:txBody>
-      </p:sp>
-      <p:sp>
-        <p:nvSpPr>
-          <p:cNvPr id="3" name="Content Placeholder 2">
-            <a:extLst>
-              <a:ext uri="{FF2B5EF4-FFF2-40B4-BE49-F238E27FC236}">
-                <a16:creationId xmlns:a16="http://schemas.microsoft.com/office/drawing/2014/main" id="{5B057E8E-46F6-CD65-965D-89B46CCB098D}"/>
-              </a:ext>
-            </a:extLst>
-          </p:cNvPr>
-          <p:cNvSpPr>
-            <a:spLocks noGrp="1"/>
-          </p:cNvSpPr>
-          <p:nvPr>
-            <p:ph sz="half" idx="1"/>
-          </p:nvPr>
-        </p:nvSpPr>
-        <p:spPr/>
-        <p:txBody>
-          <a:bodyPr>
-            <a:noAutofit/>
-          </a:bodyPr>
-          <a:lstStyle/>
-          <a:p>
-            <a:pPr marL="0" indent="0">
-              <a:buNone/>
-            </a:pPr>
-            <a:r>
-              <a:rPr lang="en-US" sz="1200" dirty="0">
-                <a:latin typeface="Courier New" panose="02070309020205020404" pitchFamily="49" charset="0"/>
-                <a:cs typeface="Courier New" panose="02070309020205020404" pitchFamily="49" charset="0"/>
-              </a:rPr>
-              <a:t>// Run the Kalman Filter</a:t>
-            </a:r>
-          </a:p>
-          <a:p>
-            <a:pPr marL="0" indent="0">
-              <a:buNone/>
-            </a:pPr>
-            <a:r>
-              <a:rPr lang="en-US" sz="1200" dirty="0">
-                <a:latin typeface="Courier New" panose="02070309020205020404" pitchFamily="49" charset="0"/>
-                <a:cs typeface="Courier New" panose="02070309020205020404" pitchFamily="49" charset="0"/>
-              </a:rPr>
-              <a:t>idx:0;</a:t>
-            </a:r>
-          </a:p>
-          <a:p>
-            <a:pPr marL="0" indent="0">
-              <a:buNone/>
-            </a:pPr>
-            <a:r>
-              <a:rPr lang="en-US" sz="1200" dirty="0">
-                <a:latin typeface="Courier New" panose="02070309020205020404" pitchFamily="49" charset="0"/>
-                <a:cs typeface="Courier New" panose="02070309020205020404" pitchFamily="49" charset="0"/>
-              </a:rPr>
-              <a:t>res:();</a:t>
-            </a:r>
-          </a:p>
-          <a:p>
-            <a:pPr marL="0" indent="0">
-              <a:buNone/>
-            </a:pPr>
-            <a:r>
-              <a:rPr lang="en-US" sz="1200" dirty="0" err="1">
-                <a:latin typeface="Courier New" panose="02070309020205020404" pitchFamily="49" charset="0"/>
-                <a:cs typeface="Courier New" panose="02070309020205020404" pitchFamily="49" charset="0"/>
-              </a:rPr>
-              <a:t>ps</a:t>
-            </a:r>
-            <a:r>
-              <a:rPr lang="en-US" sz="1200" dirty="0">
-                <a:latin typeface="Courier New" panose="02070309020205020404" pitchFamily="49" charset="0"/>
-                <a:cs typeface="Courier New" panose="02070309020205020404" pitchFamily="49" charset="0"/>
-              </a:rPr>
-              <a:t>:(); </a:t>
-            </a:r>
-            <a:r>
-              <a:rPr lang="en-US" sz="1200" dirty="0" err="1">
-                <a:latin typeface="Courier New" panose="02070309020205020404" pitchFamily="49" charset="0"/>
-                <a:cs typeface="Courier New" panose="02070309020205020404" pitchFamily="49" charset="0"/>
-              </a:rPr>
-              <a:t>pP</a:t>
-            </a:r>
-            <a:r>
-              <a:rPr lang="en-US" sz="1200" dirty="0">
-                <a:latin typeface="Courier New" panose="02070309020205020404" pitchFamily="49" charset="0"/>
-                <a:cs typeface="Courier New" panose="02070309020205020404" pitchFamily="49" charset="0"/>
-              </a:rPr>
-              <a:t>:();</a:t>
-            </a:r>
-          </a:p>
-          <a:p>
-            <a:pPr marL="0" indent="0">
-              <a:buNone/>
-            </a:pPr>
-            <a:r>
-              <a:rPr lang="en-US" sz="1200" dirty="0">
-                <a:latin typeface="Courier New" panose="02070309020205020404" pitchFamily="49" charset="0"/>
-                <a:cs typeface="Courier New" panose="02070309020205020404" pitchFamily="49" charset="0"/>
-              </a:rPr>
-              <a:t>es:(); </a:t>
-            </a:r>
-            <a:r>
-              <a:rPr lang="en-US" sz="1200" dirty="0" err="1">
-                <a:latin typeface="Courier New" panose="02070309020205020404" pitchFamily="49" charset="0"/>
-                <a:cs typeface="Courier New" panose="02070309020205020404" pitchFamily="49" charset="0"/>
-              </a:rPr>
-              <a:t>cP</a:t>
-            </a:r>
-            <a:r>
-              <a:rPr lang="en-US" sz="1200" dirty="0">
-                <a:latin typeface="Courier New" panose="02070309020205020404" pitchFamily="49" charset="0"/>
-                <a:cs typeface="Courier New" panose="02070309020205020404" pitchFamily="49" charset="0"/>
-              </a:rPr>
-              <a:t>:();</a:t>
-            </a:r>
-          </a:p>
-          <a:p>
-            <a:pPr marL="0" indent="0">
-              <a:buNone/>
-            </a:pPr>
-            <a:r>
-              <a:rPr lang="en-US" sz="1200" dirty="0">
-                <a:latin typeface="Courier New" panose="02070309020205020404" pitchFamily="49" charset="0"/>
-                <a:cs typeface="Courier New" panose="02070309020205020404" pitchFamily="49" charset="0"/>
-              </a:rPr>
-              <a:t>while[</a:t>
-            </a:r>
-            <a:r>
-              <a:rPr lang="en-US" sz="1200" dirty="0" err="1">
-                <a:latin typeface="Courier New" panose="02070309020205020404" pitchFamily="49" charset="0"/>
-                <a:cs typeface="Courier New" panose="02070309020205020404" pitchFamily="49" charset="0"/>
-              </a:rPr>
-              <a:t>idx</a:t>
-            </a:r>
-            <a:r>
-              <a:rPr lang="en-US" sz="1200" dirty="0">
-                <a:latin typeface="Courier New" panose="02070309020205020404" pitchFamily="49" charset="0"/>
-                <a:cs typeface="Courier New" panose="02070309020205020404" pitchFamily="49" charset="0"/>
-              </a:rPr>
-              <a:t>&lt;-1+count times;</a:t>
-            </a:r>
-          </a:p>
-          <a:p>
-            <a:pPr marL="0" indent="0">
-              <a:buNone/>
-            </a:pPr>
-            <a:r>
-              <a:rPr lang="en-US" sz="1200" dirty="0" err="1">
-                <a:latin typeface="Courier New" panose="02070309020205020404" pitchFamily="49" charset="0"/>
-                <a:cs typeface="Courier New" panose="02070309020205020404" pitchFamily="49" charset="0"/>
-              </a:rPr>
-              <a:t>idx</a:t>
-            </a:r>
-            <a:r>
-              <a:rPr lang="en-US" sz="1200" dirty="0">
-                <a:latin typeface="Courier New" panose="02070309020205020404" pitchFamily="49" charset="0"/>
-                <a:cs typeface="Courier New" panose="02070309020205020404" pitchFamily="49" charset="0"/>
-              </a:rPr>
-              <a:t>+:1;</a:t>
-            </a:r>
-          </a:p>
-          <a:p>
-            <a:pPr marL="0" indent="0">
-              <a:buNone/>
-            </a:pPr>
-            <a:r>
-              <a:rPr lang="en-US" sz="1200" dirty="0">
-                <a:latin typeface="Courier New" panose="02070309020205020404" pitchFamily="49" charset="0"/>
-                <a:cs typeface="Courier New" panose="02070309020205020404" pitchFamily="49" charset="0"/>
-              </a:rPr>
-              <a:t>  </a:t>
-            </a:r>
-            <a:r>
-              <a:rPr lang="en-US" sz="1200" dirty="0" err="1">
-                <a:latin typeface="Courier New" panose="02070309020205020404" pitchFamily="49" charset="0"/>
-                <a:cs typeface="Courier New" panose="02070309020205020404" pitchFamily="49" charset="0"/>
-              </a:rPr>
-              <a:t>res:predictState</a:t>
-            </a:r>
-            <a:r>
-              <a:rPr lang="en-US" sz="1200" dirty="0">
-                <a:latin typeface="Courier New" panose="02070309020205020404" pitchFamily="49" charset="0"/>
-                <a:cs typeface="Courier New" panose="02070309020205020404" pitchFamily="49" charset="0"/>
-              </a:rPr>
-              <a:t>[</a:t>
-            </a:r>
-            <a:r>
-              <a:rPr lang="en-US" sz="1200" dirty="0" err="1">
-                <a:latin typeface="Courier New" panose="02070309020205020404" pitchFamily="49" charset="0"/>
-                <a:cs typeface="Courier New" panose="02070309020205020404" pitchFamily="49" charset="0"/>
-              </a:rPr>
-              <a:t>F;x_est</a:t>
-            </a:r>
-            <a:r>
-              <a:rPr lang="en-US" sz="1200" dirty="0">
-                <a:latin typeface="Courier New" panose="02070309020205020404" pitchFamily="49" charset="0"/>
-                <a:cs typeface="Courier New" panose="02070309020205020404" pitchFamily="49" charset="0"/>
-              </a:rPr>
-              <a:t>[;idx-1];P;Q];</a:t>
-            </a:r>
-          </a:p>
-          <a:p>
-            <a:pPr marL="0" indent="0">
-              <a:buNone/>
-            </a:pPr>
-            <a:r>
-              <a:rPr lang="en-US" sz="1200" dirty="0">
-                <a:latin typeface="Courier New" panose="02070309020205020404" pitchFamily="49" charset="0"/>
-                <a:cs typeface="Courier New" panose="02070309020205020404" pitchFamily="49" charset="0"/>
-              </a:rPr>
-              <a:t>  </a:t>
-            </a:r>
-            <a:r>
-              <a:rPr lang="en-US" sz="1200" dirty="0" err="1">
-                <a:latin typeface="Courier New" panose="02070309020205020404" pitchFamily="49" charset="0"/>
-                <a:cs typeface="Courier New" panose="02070309020205020404" pitchFamily="49" charset="0"/>
-              </a:rPr>
-              <a:t>ps:res</a:t>
-            </a:r>
-            <a:r>
-              <a:rPr lang="en-US" sz="1200" dirty="0">
-                <a:latin typeface="Courier New" panose="02070309020205020404" pitchFamily="49" charset="0"/>
-                <a:cs typeface="Courier New" panose="02070309020205020404" pitchFamily="49" charset="0"/>
-              </a:rPr>
-              <a:t> 0; </a:t>
-            </a:r>
-            <a:r>
-              <a:rPr lang="en-US" sz="1200" dirty="0" err="1">
-                <a:latin typeface="Courier New" panose="02070309020205020404" pitchFamily="49" charset="0"/>
-                <a:cs typeface="Courier New" panose="02070309020205020404" pitchFamily="49" charset="0"/>
-              </a:rPr>
-              <a:t>pP:P:res</a:t>
-            </a:r>
-            <a:r>
-              <a:rPr lang="en-US" sz="1200" dirty="0">
-                <a:latin typeface="Courier New" panose="02070309020205020404" pitchFamily="49" charset="0"/>
-                <a:cs typeface="Courier New" panose="02070309020205020404" pitchFamily="49" charset="0"/>
-              </a:rPr>
-              <a:t> 1;</a:t>
-            </a:r>
-          </a:p>
-          <a:p>
-            <a:pPr marL="0" indent="0">
-              <a:buNone/>
-            </a:pPr>
-            <a:r>
-              <a:rPr lang="en-US" sz="1200" dirty="0">
-                <a:latin typeface="Courier New" panose="02070309020205020404" pitchFamily="49" charset="0"/>
-                <a:cs typeface="Courier New" panose="02070309020205020404" pitchFamily="49" charset="0"/>
-              </a:rPr>
-              <a:t>  </a:t>
-            </a:r>
-            <a:r>
-              <a:rPr lang="en-US" sz="1200" dirty="0" err="1">
-                <a:latin typeface="Courier New" panose="02070309020205020404" pitchFamily="49" charset="0"/>
-                <a:cs typeface="Courier New" panose="02070309020205020404" pitchFamily="49" charset="0"/>
-              </a:rPr>
-              <a:t>res:updateStateEstimate</a:t>
-            </a:r>
-            <a:r>
-              <a:rPr lang="en-US" sz="1200" dirty="0">
-                <a:latin typeface="Courier New" panose="02070309020205020404" pitchFamily="49" charset="0"/>
-                <a:cs typeface="Courier New" panose="02070309020205020404" pitchFamily="49" charset="0"/>
-              </a:rPr>
-              <a:t>[</a:t>
-            </a:r>
-            <a:r>
-              <a:rPr lang="en-US" sz="1200" dirty="0" err="1">
-                <a:latin typeface="Courier New" panose="02070309020205020404" pitchFamily="49" charset="0"/>
-                <a:cs typeface="Courier New" panose="02070309020205020404" pitchFamily="49" charset="0"/>
-              </a:rPr>
-              <a:t>H;pP;R;meas_traj</a:t>
-            </a:r>
-            <a:r>
-              <a:rPr lang="en-US" sz="1200" dirty="0">
-                <a:latin typeface="Courier New" panose="02070309020205020404" pitchFamily="49" charset="0"/>
-                <a:cs typeface="Courier New" panose="02070309020205020404" pitchFamily="49" charset="0"/>
-              </a:rPr>
-              <a:t>[;</a:t>
-            </a:r>
-            <a:r>
-              <a:rPr lang="en-US" sz="1200" dirty="0" err="1">
-                <a:latin typeface="Courier New" panose="02070309020205020404" pitchFamily="49" charset="0"/>
-                <a:cs typeface="Courier New" panose="02070309020205020404" pitchFamily="49" charset="0"/>
-              </a:rPr>
-              <a:t>idx</a:t>
-            </a:r>
-            <a:r>
-              <a:rPr lang="en-US" sz="1200" dirty="0">
-                <a:latin typeface="Courier New" panose="02070309020205020404" pitchFamily="49" charset="0"/>
-                <a:cs typeface="Courier New" panose="02070309020205020404" pitchFamily="49" charset="0"/>
-              </a:rPr>
-              <a:t>];</a:t>
-            </a:r>
-            <a:r>
-              <a:rPr lang="en-US" sz="1200" dirty="0" err="1">
-                <a:latin typeface="Courier New" panose="02070309020205020404" pitchFamily="49" charset="0"/>
-                <a:cs typeface="Courier New" panose="02070309020205020404" pitchFamily="49" charset="0"/>
-              </a:rPr>
-              <a:t>ps</a:t>
-            </a:r>
-            <a:r>
-              <a:rPr lang="en-US" sz="1200" dirty="0">
-                <a:latin typeface="Courier New" panose="02070309020205020404" pitchFamily="49" charset="0"/>
-                <a:cs typeface="Courier New" panose="02070309020205020404" pitchFamily="49" charset="0"/>
-              </a:rPr>
-              <a:t>];</a:t>
-            </a:r>
-          </a:p>
-          <a:p>
-            <a:pPr marL="0" indent="0">
-              <a:buNone/>
-            </a:pPr>
-            <a:r>
-              <a:rPr lang="en-US" sz="1200" dirty="0">
-                <a:latin typeface="Courier New" panose="02070309020205020404" pitchFamily="49" charset="0"/>
-                <a:cs typeface="Courier New" panose="02070309020205020404" pitchFamily="49" charset="0"/>
-              </a:rPr>
-              <a:t>  G[;;</a:t>
-            </a:r>
-            <a:r>
-              <a:rPr lang="en-US" sz="1200" dirty="0" err="1">
-                <a:latin typeface="Courier New" panose="02070309020205020404" pitchFamily="49" charset="0"/>
-                <a:cs typeface="Courier New" panose="02070309020205020404" pitchFamily="49" charset="0"/>
-              </a:rPr>
-              <a:t>idx</a:t>
-            </a:r>
-            <a:r>
-              <a:rPr lang="en-US" sz="1200" dirty="0">
-                <a:latin typeface="Courier New" panose="02070309020205020404" pitchFamily="49" charset="0"/>
-                <a:cs typeface="Courier New" panose="02070309020205020404" pitchFamily="49" charset="0"/>
-              </a:rPr>
-              <a:t>]:res 0; </a:t>
-            </a:r>
-            <a:r>
-              <a:rPr lang="en-US" sz="1200" dirty="0" err="1">
-                <a:latin typeface="Courier New" panose="02070309020205020404" pitchFamily="49" charset="0"/>
-                <a:cs typeface="Courier New" panose="02070309020205020404" pitchFamily="49" charset="0"/>
-              </a:rPr>
-              <a:t>x_est</a:t>
-            </a:r>
-            <a:r>
-              <a:rPr lang="en-US" sz="1200" dirty="0">
-                <a:latin typeface="Courier New" panose="02070309020205020404" pitchFamily="49" charset="0"/>
-                <a:cs typeface="Courier New" panose="02070309020205020404" pitchFamily="49" charset="0"/>
-              </a:rPr>
-              <a:t>[;</a:t>
-            </a:r>
-            <a:r>
-              <a:rPr lang="en-US" sz="1200" dirty="0" err="1">
-                <a:latin typeface="Courier New" panose="02070309020205020404" pitchFamily="49" charset="0"/>
-                <a:cs typeface="Courier New" panose="02070309020205020404" pitchFamily="49" charset="0"/>
-              </a:rPr>
-              <a:t>idx</a:t>
-            </a:r>
-            <a:r>
-              <a:rPr lang="en-US" sz="1200" dirty="0">
-                <a:latin typeface="Courier New" panose="02070309020205020404" pitchFamily="49" charset="0"/>
-                <a:cs typeface="Courier New" panose="02070309020205020404" pitchFamily="49" charset="0"/>
-              </a:rPr>
-              <a:t>]:res 1; P:res 2;</a:t>
-            </a:r>
-          </a:p>
-          <a:p>
-            <a:pPr marL="0" indent="0">
-              <a:buNone/>
-            </a:pPr>
-            <a:r>
-              <a:rPr lang="en-US" sz="1200" dirty="0">
-                <a:latin typeface="Courier New" panose="02070309020205020404" pitchFamily="49" charset="0"/>
-                <a:cs typeface="Courier New" panose="02070309020205020404" pitchFamily="49" charset="0"/>
-              </a:rPr>
-              <a:t>  ];</a:t>
-            </a:r>
-          </a:p>
-          <a:p>
-            <a:pPr marL="0" indent="0">
-              <a:buNone/>
-            </a:pPr>
-            <a:endParaRPr lang="en-US" sz="1200" dirty="0">
-              <a:latin typeface="Courier New" panose="02070309020205020404" pitchFamily="49" charset="0"/>
-              <a:cs typeface="Courier New" panose="02070309020205020404" pitchFamily="49" charset="0"/>
-            </a:endParaRPr>
-          </a:p>
-        </p:txBody>
-      </p:sp>
-      <p:sp>
-        <p:nvSpPr>
-          <p:cNvPr id="4" name="Content Placeholder 3">
-            <a:extLst>
-              <a:ext uri="{FF2B5EF4-FFF2-40B4-BE49-F238E27FC236}">
-                <a16:creationId xmlns:a16="http://schemas.microsoft.com/office/drawing/2014/main" id="{4ADB74D9-A304-7D73-ACAF-D373659960DC}"/>
-              </a:ext>
-            </a:extLst>
-          </p:cNvPr>
-          <p:cNvSpPr>
-            <a:spLocks noGrp="1"/>
-          </p:cNvSpPr>
-          <p:nvPr>
-            <p:ph sz="half" idx="2"/>
-          </p:nvPr>
-        </p:nvSpPr>
-        <p:spPr/>
-        <p:txBody>
-          <a:bodyPr>
-            <a:noAutofit/>
-          </a:bodyPr>
-          <a:lstStyle/>
-          <a:p>
-            <a:pPr marL="0" indent="0">
-              <a:buNone/>
-            </a:pPr>
-            <a:r>
-              <a:rPr lang="en-US" sz="1200" dirty="0">
-                <a:latin typeface="Courier New" panose="02070309020205020404" pitchFamily="49" charset="0"/>
-                <a:cs typeface="Courier New" panose="02070309020205020404" pitchFamily="49" charset="0"/>
-              </a:rPr>
-              <a:t>// Create table(s) for visualization</a:t>
-            </a:r>
-          </a:p>
-          <a:p>
-            <a:pPr marL="0" indent="0">
-              <a:buNone/>
-            </a:pPr>
-            <a:r>
-              <a:rPr lang="en-US" sz="1200" dirty="0" err="1">
-                <a:latin typeface="Courier New" panose="02070309020205020404" pitchFamily="49" charset="0"/>
-                <a:cs typeface="Courier New" panose="02070309020205020404" pitchFamily="49" charset="0"/>
-              </a:rPr>
-              <a:t>tms:flip</a:t>
-            </a:r>
-            <a:r>
-              <a:rPr lang="en-US" sz="1200" dirty="0">
-                <a:latin typeface="Courier New" panose="02070309020205020404" pitchFamily="49" charset="0"/>
-                <a:cs typeface="Courier New" panose="02070309020205020404" pitchFamily="49" charset="0"/>
-              </a:rPr>
-              <a:t> ![enlist `</a:t>
-            </a:r>
-            <a:r>
-              <a:rPr lang="en-US" sz="1200" dirty="0" err="1">
-                <a:latin typeface="Courier New" panose="02070309020205020404" pitchFamily="49" charset="0"/>
-                <a:cs typeface="Courier New" panose="02070309020205020404" pitchFamily="49" charset="0"/>
-              </a:rPr>
-              <a:t>time;enlist</a:t>
-            </a:r>
-            <a:r>
-              <a:rPr lang="en-US" sz="1200" dirty="0">
-                <a:latin typeface="Courier New" panose="02070309020205020404" pitchFamily="49" charset="0"/>
-                <a:cs typeface="Courier New" panose="02070309020205020404" pitchFamily="49" charset="0"/>
-              </a:rPr>
-              <a:t> times];</a:t>
-            </a:r>
-          </a:p>
-          <a:p>
-            <a:pPr marL="0" indent="0">
-              <a:buNone/>
-            </a:pPr>
-            <a:r>
-              <a:rPr lang="en-US" sz="1200" dirty="0" err="1">
-                <a:latin typeface="Courier New" panose="02070309020205020404" pitchFamily="49" charset="0"/>
-                <a:cs typeface="Courier New" panose="02070309020205020404" pitchFamily="49" charset="0"/>
-              </a:rPr>
-              <a:t>est:flip</a:t>
-            </a:r>
-            <a:r>
-              <a:rPr lang="en-US" sz="1200" dirty="0">
-                <a:latin typeface="Courier New" panose="02070309020205020404" pitchFamily="49" charset="0"/>
-                <a:cs typeface="Courier New" panose="02070309020205020404" pitchFamily="49" charset="0"/>
-              </a:rPr>
-              <a:t> ![`</a:t>
-            </a:r>
-            <a:r>
-              <a:rPr lang="en-US" sz="1200" dirty="0" err="1">
-                <a:latin typeface="Courier New" panose="02070309020205020404" pitchFamily="49" charset="0"/>
-                <a:cs typeface="Courier New" panose="02070309020205020404" pitchFamily="49" charset="0"/>
-              </a:rPr>
-              <a:t>x`y`xv`yv;x_est</a:t>
-            </a:r>
-            <a:r>
-              <a:rPr lang="en-US" sz="1200" dirty="0">
-                <a:latin typeface="Courier New" panose="02070309020205020404" pitchFamily="49" charset="0"/>
-                <a:cs typeface="Courier New" panose="02070309020205020404" pitchFamily="49" charset="0"/>
-              </a:rPr>
-              <a:t>];</a:t>
-            </a:r>
-          </a:p>
-          <a:p>
-            <a:pPr marL="0" indent="0">
-              <a:buNone/>
-            </a:pPr>
-            <a:r>
-              <a:rPr lang="en-US" sz="1200" dirty="0" err="1">
-                <a:latin typeface="Courier New" panose="02070309020205020404" pitchFamily="49" charset="0"/>
-                <a:cs typeface="Courier New" panose="02070309020205020404" pitchFamily="49" charset="0"/>
-              </a:rPr>
-              <a:t>true:flip</a:t>
-            </a:r>
-            <a:r>
-              <a:rPr lang="en-US" sz="1200" dirty="0">
-                <a:latin typeface="Courier New" panose="02070309020205020404" pitchFamily="49" charset="0"/>
-                <a:cs typeface="Courier New" panose="02070309020205020404" pitchFamily="49" charset="0"/>
-              </a:rPr>
-              <a:t> `</a:t>
-            </a:r>
-            <a:r>
-              <a:rPr lang="en-US" sz="1200" dirty="0" err="1">
-                <a:latin typeface="Courier New" panose="02070309020205020404" pitchFamily="49" charset="0"/>
-                <a:cs typeface="Courier New" panose="02070309020205020404" pitchFamily="49" charset="0"/>
-              </a:rPr>
-              <a:t>truex`truey`truexv`trueyv!true_traj</a:t>
-            </a:r>
-            <a:r>
-              <a:rPr lang="en-US" sz="1200" dirty="0">
-                <a:latin typeface="Courier New" panose="02070309020205020404" pitchFamily="49" charset="0"/>
-                <a:cs typeface="Courier New" panose="02070309020205020404" pitchFamily="49" charset="0"/>
-              </a:rPr>
-              <a:t>;</a:t>
-            </a:r>
-          </a:p>
-          <a:p>
-            <a:pPr marL="0" indent="0">
-              <a:buNone/>
-            </a:pPr>
-            <a:r>
-              <a:rPr lang="en-US" sz="1200" dirty="0" err="1">
-                <a:latin typeface="Courier New" panose="02070309020205020404" pitchFamily="49" charset="0"/>
-                <a:cs typeface="Courier New" panose="02070309020205020404" pitchFamily="49" charset="0"/>
-              </a:rPr>
-              <a:t>meas:flip</a:t>
-            </a:r>
-            <a:r>
-              <a:rPr lang="en-US" sz="1200" dirty="0">
-                <a:latin typeface="Courier New" panose="02070309020205020404" pitchFamily="49" charset="0"/>
-                <a:cs typeface="Courier New" panose="02070309020205020404" pitchFamily="49" charset="0"/>
-              </a:rPr>
-              <a:t> `</a:t>
-            </a:r>
-            <a:r>
-              <a:rPr lang="en-US" sz="1200" dirty="0" err="1">
-                <a:latin typeface="Courier New" panose="02070309020205020404" pitchFamily="49" charset="0"/>
-                <a:cs typeface="Courier New" panose="02070309020205020404" pitchFamily="49" charset="0"/>
-              </a:rPr>
-              <a:t>measx`measy`measxv`measyv!meas_traj</a:t>
-            </a:r>
-            <a:r>
-              <a:rPr lang="en-US" sz="1200" dirty="0">
-                <a:latin typeface="Courier New" panose="02070309020205020404" pitchFamily="49" charset="0"/>
-                <a:cs typeface="Courier New" panose="02070309020205020404" pitchFamily="49" charset="0"/>
-              </a:rPr>
-              <a:t>;</a:t>
-            </a:r>
-          </a:p>
-          <a:p>
-            <a:pPr marL="0" indent="0">
-              <a:buNone/>
-            </a:pPr>
-            <a:r>
-              <a:rPr lang="en-US" sz="1200" dirty="0" err="1">
-                <a:latin typeface="Courier New" panose="02070309020205020404" pitchFamily="49" charset="0"/>
-                <a:cs typeface="Courier New" panose="02070309020205020404" pitchFamily="49" charset="0"/>
-              </a:rPr>
-              <a:t>kgains:flip</a:t>
-            </a:r>
-            <a:r>
-              <a:rPr lang="en-US" sz="1200" dirty="0">
-                <a:latin typeface="Courier New" panose="02070309020205020404" pitchFamily="49" charset="0"/>
-                <a:cs typeface="Courier New" panose="02070309020205020404" pitchFamily="49" charset="0"/>
-              </a:rPr>
-              <a:t> `</a:t>
-            </a:r>
-            <a:r>
-              <a:rPr lang="en-US" sz="1200" dirty="0" err="1">
-                <a:latin typeface="Courier New" panose="02070309020205020404" pitchFamily="49" charset="0"/>
-                <a:cs typeface="Courier New" panose="02070309020205020404" pitchFamily="49" charset="0"/>
-              </a:rPr>
-              <a:t>gainx`gainy`gainxv`gainyv</a:t>
-            </a:r>
-            <a:r>
-              <a:rPr lang="en-US" sz="1200" dirty="0">
-                <a:latin typeface="Courier New" panose="02070309020205020404" pitchFamily="49" charset="0"/>
-                <a:cs typeface="Courier New" panose="02070309020205020404" pitchFamily="49" charset="0"/>
-              </a:rPr>
-              <a:t>!{G[</a:t>
-            </a:r>
-            <a:r>
-              <a:rPr lang="en-US" sz="1200" dirty="0" err="1">
-                <a:latin typeface="Courier New" panose="02070309020205020404" pitchFamily="49" charset="0"/>
-                <a:cs typeface="Courier New" panose="02070309020205020404" pitchFamily="49" charset="0"/>
-              </a:rPr>
-              <a:t>x;x</a:t>
-            </a:r>
-            <a:r>
-              <a:rPr lang="en-US" sz="1200" dirty="0">
-                <a:latin typeface="Courier New" panose="02070309020205020404" pitchFamily="49" charset="0"/>
-                <a:cs typeface="Courier New" panose="02070309020205020404" pitchFamily="49" charset="0"/>
-              </a:rPr>
-              <a:t>;::]} each </a:t>
-            </a:r>
-            <a:r>
-              <a:rPr lang="en-US" sz="1200" dirty="0" err="1">
-                <a:latin typeface="Courier New" panose="02070309020205020404" pitchFamily="49" charset="0"/>
-                <a:cs typeface="Courier New" panose="02070309020205020404" pitchFamily="49" charset="0"/>
-              </a:rPr>
-              <a:t>til</a:t>
-            </a:r>
-            <a:r>
-              <a:rPr lang="en-US" sz="1200" dirty="0">
-                <a:latin typeface="Courier New" panose="02070309020205020404" pitchFamily="49" charset="0"/>
-                <a:cs typeface="Courier New" panose="02070309020205020404" pitchFamily="49" charset="0"/>
-              </a:rPr>
-              <a:t> 4;</a:t>
-            </a:r>
-          </a:p>
-          <a:p>
-            <a:pPr marL="0" indent="0">
-              <a:buNone/>
-            </a:pPr>
-            <a:r>
-              <a:rPr lang="en-US" sz="1200" dirty="0">
-                <a:latin typeface="Courier New" panose="02070309020205020404" pitchFamily="49" charset="0"/>
-                <a:cs typeface="Courier New" panose="02070309020205020404" pitchFamily="49" charset="0"/>
-              </a:rPr>
-              <a:t>data:(,')over(</a:t>
-            </a:r>
-            <a:r>
-              <a:rPr lang="en-US" sz="1200" dirty="0" err="1">
-                <a:latin typeface="Courier New" panose="02070309020205020404" pitchFamily="49" charset="0"/>
-                <a:cs typeface="Courier New" panose="02070309020205020404" pitchFamily="49" charset="0"/>
-              </a:rPr>
-              <a:t>tms;est;true;meas;kgains</a:t>
-            </a:r>
-            <a:r>
-              <a:rPr lang="en-US" sz="1200" dirty="0">
-                <a:latin typeface="Courier New" panose="02070309020205020404" pitchFamily="49" charset="0"/>
-                <a:cs typeface="Courier New" panose="02070309020205020404" pitchFamily="49" charset="0"/>
-              </a:rPr>
-              <a:t>);</a:t>
-            </a:r>
-          </a:p>
-          <a:p>
-            <a:pPr marL="0" indent="0">
-              <a:buNone/>
-            </a:pPr>
-            <a:r>
-              <a:rPr lang="en-US" sz="1200" dirty="0">
-                <a:latin typeface="Courier New" panose="02070309020205020404" pitchFamily="49" charset="0"/>
-                <a:cs typeface="Courier New" panose="02070309020205020404" pitchFamily="49" charset="0"/>
-              </a:rPr>
-              <a:t>save `:./data.csv;</a:t>
-            </a:r>
-          </a:p>
-          <a:p>
-            <a:pPr marL="0" indent="0">
-              <a:buNone/>
-            </a:pPr>
-            <a:endParaRPr lang="en-US" sz="1200" dirty="0">
-              <a:latin typeface="Courier New" panose="02070309020205020404" pitchFamily="49" charset="0"/>
-              <a:cs typeface="Courier New" panose="02070309020205020404" pitchFamily="49" charset="0"/>
-            </a:endParaRPr>
-          </a:p>
-        </p:txBody>
-      </p:sp>
-    </p:spTree>
-    <p:extLst>
-      <p:ext uri="{BB962C8B-B14F-4D97-AF65-F5344CB8AC3E}">
-        <p14:creationId xmlns:p14="http://schemas.microsoft.com/office/powerpoint/2010/main" val="2328818871"/>
-      </p:ext>
-    </p:extLst>
-  </p:cSld>
-  <p:clrMapOvr>
-    <a:masterClrMapping/>
-  </p:clrMapOvr>
-</p:sld>
-</file>
-
-<file path=ppt/slides/slide14.xml><?xml version="1.0" encoding="utf-8"?>
-<p:sld xmlns:a="http://schemas.openxmlformats.org/drawingml/2006/main" xmlns:r="http://schemas.openxmlformats.org/officeDocument/2006/relationships" xmlns:p="http://schemas.openxmlformats.org/presentationml/2006/main">
-  <p:cSld>
-    <p:spTree>
-      <p:nvGrpSpPr>
-        <p:cNvPr id="1" name=""/>
-        <p:cNvGrpSpPr/>
-        <p:nvPr/>
-      </p:nvGrpSpPr>
-      <p:grpSpPr>
-        <a:xfrm>
-          <a:off x="0" y="0"/>
-          <a:ext cx="0" cy="0"/>
-          <a:chOff x="0" y="0"/>
-          <a:chExt cx="0" cy="0"/>
-        </a:xfrm>
-      </p:grpSpPr>
-      <p:sp>
-        <p:nvSpPr>
-          <p:cNvPr id="2" name="Title 1">
-            <a:extLst>
-              <a:ext uri="{FF2B5EF4-FFF2-40B4-BE49-F238E27FC236}">
                 <a16:creationId xmlns:a16="http://schemas.microsoft.com/office/drawing/2014/main" id="{30102EBE-4894-4054-8001-62CDB0C48B56}"/>
               </a:ext>
             </a:extLst>
@@ -11753,9 +9530,493 @@
           </a:p>
         </p:txBody>
       </p:sp>
+      <mc:AlternateContent xmlns:mc="http://schemas.openxmlformats.org/markup-compatibility/2006">
+        <mc:Choice xmlns:a14="http://schemas.microsoft.com/office/drawing/2010/main" Requires="a14">
+          <p:sp>
+            <p:nvSpPr>
+              <p:cNvPr id="6" name="Content Placeholder 5">
+                <a:extLst>
+                  <a:ext uri="{FF2B5EF4-FFF2-40B4-BE49-F238E27FC236}">
+                    <a16:creationId xmlns:a16="http://schemas.microsoft.com/office/drawing/2014/main" id="{9C83FC6E-AABD-8A27-D832-3B1743D89791}"/>
+                  </a:ext>
+                </a:extLst>
+              </p:cNvPr>
+              <p:cNvSpPr>
+                <a:spLocks noGrp="1"/>
+              </p:cNvSpPr>
+              <p:nvPr>
+                <p:ph sz="half" idx="2"/>
+              </p:nvPr>
+            </p:nvSpPr>
+            <p:spPr/>
+            <p:txBody>
+              <a:bodyPr>
+                <a:normAutofit lnSpcReduction="10000"/>
+              </a:bodyPr>
+              <a:lstStyle/>
+              <a:p>
+                <a:r>
+                  <a:rPr lang="en-US" sz="2400" dirty="0"/>
+                  <a:t>Observation Matrix</a:t>
+                </a:r>
+              </a:p>
+              <a:p>
+                <a:pPr marL="0" indent="0">
+                  <a:buNone/>
+                </a:pPr>
+                <a14:m>
+                  <m:oMathPara xmlns:m="http://schemas.openxmlformats.org/officeDocument/2006/math">
+                    <m:oMathParaPr>
+                      <m:jc m:val="center"/>
+                    </m:oMathParaPr>
+                    <m:oMath xmlns:m="http://schemas.openxmlformats.org/officeDocument/2006/math">
+                      <m:r>
+                        <a:rPr lang="en-US" sz="2400" b="0" i="1" smtClean="0">
+                          <a:latin typeface="Cambria Math" panose="02040503050406030204" pitchFamily="18" charset="0"/>
+                        </a:rPr>
+                        <m:t>𝐻</m:t>
+                      </m:r>
+                      <m:r>
+                        <a:rPr lang="en-US" sz="2400" i="1">
+                          <a:latin typeface="Cambria Math" panose="02040503050406030204" pitchFamily="18" charset="0"/>
+                        </a:rPr>
+                        <m:t>=</m:t>
+                      </m:r>
+                      <m:d>
+                        <m:dPr>
+                          <m:begChr m:val="["/>
+                          <m:endChr m:val="]"/>
+                          <m:ctrlPr>
+                            <a:rPr lang="en-US" sz="2400" i="1">
+                              <a:latin typeface="Cambria Math" panose="02040503050406030204" pitchFamily="18" charset="0"/>
+                            </a:rPr>
+                          </m:ctrlPr>
+                        </m:dPr>
+                        <m:e>
+                          <m:eqArr>
+                            <m:eqArrPr>
+                              <m:ctrlPr>
+                                <a:rPr lang="en-US" sz="2400" b="0" i="1" smtClean="0">
+                                  <a:latin typeface="Cambria Math" panose="02040503050406030204" pitchFamily="18" charset="0"/>
+                                </a:rPr>
+                              </m:ctrlPr>
+                            </m:eqArrPr>
+                            <m:e>
+                              <m:sSub>
+                                <m:sSubPr>
+                                  <m:ctrlPr>
+                                    <a:rPr lang="en-US" sz="2400" b="0" i="1" smtClean="0">
+                                      <a:latin typeface="Cambria Math" panose="02040503050406030204" pitchFamily="18" charset="0"/>
+                                    </a:rPr>
+                                  </m:ctrlPr>
+                                </m:sSubPr>
+                                <m:e>
+                                  <m:r>
+                                    <a:rPr lang="en-US" sz="2400" i="1" smtClean="0">
+                                      <a:latin typeface="Cambria Math" panose="02040503050406030204" pitchFamily="18" charset="0"/>
+                                    </a:rPr>
+                                    <m:t>𝑃</m:t>
+                                  </m:r>
+                                </m:e>
+                                <m:sub>
+                                  <m:r>
+                                    <a:rPr lang="en-US" sz="2400" b="0" i="1" smtClean="0">
+                                      <a:latin typeface="Cambria Math" panose="02040503050406030204" pitchFamily="18" charset="0"/>
+                                    </a:rPr>
+                                    <m:t>2</m:t>
+                                  </m:r>
+                                </m:sub>
+                              </m:sSub>
+                              <m:r>
+                                <a:rPr lang="en-US" sz="2400" b="0" i="1" smtClean="0">
+                                  <a:latin typeface="Cambria Math" panose="02040503050406030204" pitchFamily="18" charset="0"/>
+                                </a:rPr>
+                                <m:t>(</m:t>
+                              </m:r>
+                              <m:r>
+                                <a:rPr lang="en-US" sz="2400" b="0" i="1" smtClean="0">
+                                  <a:latin typeface="Cambria Math" panose="02040503050406030204" pitchFamily="18" charset="0"/>
+                                </a:rPr>
+                                <m:t>𝑡</m:t>
+                              </m:r>
+                              <m:r>
+                                <a:rPr lang="en-US" sz="2400" b="0" i="1" smtClean="0">
+                                  <a:latin typeface="Cambria Math" panose="02040503050406030204" pitchFamily="18" charset="0"/>
+                                </a:rPr>
+                                <m:t>)</m:t>
+                              </m:r>
+                            </m:e>
+                            <m:e>
+                              <m:r>
+                                <a:rPr lang="en-US" sz="2400" b="0" i="1" smtClean="0">
+                                  <a:latin typeface="Cambria Math" panose="02040503050406030204" pitchFamily="18" charset="0"/>
+                                </a:rPr>
+                                <m:t>1</m:t>
+                              </m:r>
+                            </m:e>
+                          </m:eqArr>
+                        </m:e>
+                      </m:d>
+                    </m:oMath>
+                  </m:oMathPara>
+                </a14:m>
+                <a:endParaRPr lang="en-US" sz="2400" dirty="0"/>
+              </a:p>
+              <a:p>
+                <a:pPr marL="0" indent="0" algn="ctr">
+                  <a:buNone/>
+                </a:pPr>
+                <a:r>
+                  <a:rPr lang="en-US" sz="2400" dirty="0"/>
+                  <a:t>corresponds to</a:t>
+                </a:r>
+              </a:p>
+              <a:p>
+                <a:pPr marL="0" indent="0" algn="ctr">
+                  <a:buNone/>
+                </a:pPr>
+                <a14:m>
+                  <m:oMathPara xmlns:m="http://schemas.openxmlformats.org/officeDocument/2006/math">
+                    <m:oMathParaPr>
+                      <m:jc m:val="centerGroup"/>
+                    </m:oMathParaPr>
+                    <m:oMath xmlns:m="http://schemas.openxmlformats.org/officeDocument/2006/math">
+                      <m:r>
+                        <a:rPr lang="en-US" sz="2400" b="0" i="1" smtClean="0">
+                          <a:latin typeface="Cambria Math" panose="02040503050406030204" pitchFamily="18" charset="0"/>
+                        </a:rPr>
+                        <m:t>𝑦</m:t>
+                      </m:r>
+                      <m:d>
+                        <m:dPr>
+                          <m:ctrlPr>
+                            <a:rPr lang="en-US" sz="2400" b="0" i="1" smtClean="0">
+                              <a:latin typeface="Cambria Math" panose="02040503050406030204" pitchFamily="18" charset="0"/>
+                            </a:rPr>
+                          </m:ctrlPr>
+                        </m:dPr>
+                        <m:e>
+                          <m:r>
+                            <a:rPr lang="en-US" sz="2400" b="0" i="1" smtClean="0">
+                              <a:latin typeface="Cambria Math" panose="02040503050406030204" pitchFamily="18" charset="0"/>
+                            </a:rPr>
+                            <m:t>𝑡</m:t>
+                          </m:r>
+                        </m:e>
+                      </m:d>
+                      <m:r>
+                        <a:rPr lang="en-US" sz="2400" b="0" i="1" smtClean="0">
+                          <a:latin typeface="Cambria Math" panose="02040503050406030204" pitchFamily="18" charset="0"/>
+                        </a:rPr>
+                        <m:t>=</m:t>
+                      </m:r>
+                      <m:sSub>
+                        <m:sSubPr>
+                          <m:ctrlPr>
+                            <a:rPr lang="en-US" sz="2400" b="0" i="1" smtClean="0">
+                              <a:latin typeface="Cambria Math" panose="02040503050406030204" pitchFamily="18" charset="0"/>
+                            </a:rPr>
+                          </m:ctrlPr>
+                        </m:sSubPr>
+                        <m:e>
+                          <m:r>
+                            <a:rPr lang="en-US" sz="2400" b="0" i="1" smtClean="0">
+                              <a:latin typeface="Cambria Math" panose="02040503050406030204" pitchFamily="18" charset="0"/>
+                            </a:rPr>
+                            <m:t>𝛽</m:t>
+                          </m:r>
+                        </m:e>
+                        <m:sub>
+                          <m:r>
+                            <a:rPr lang="en-US" sz="2400" b="0" i="1" smtClean="0">
+                              <a:latin typeface="Cambria Math" panose="02040503050406030204" pitchFamily="18" charset="0"/>
+                            </a:rPr>
+                            <m:t>1</m:t>
+                          </m:r>
+                        </m:sub>
+                      </m:sSub>
+                      <m:sSub>
+                        <m:sSubPr>
+                          <m:ctrlPr>
+                            <a:rPr lang="en-US" sz="2400" b="0" i="1" smtClean="0">
+                              <a:latin typeface="Cambria Math" panose="02040503050406030204" pitchFamily="18" charset="0"/>
+                            </a:rPr>
+                          </m:ctrlPr>
+                        </m:sSubPr>
+                        <m:e>
+                          <m:r>
+                            <a:rPr lang="en-US" sz="2400" b="0" i="1" smtClean="0">
+                              <a:latin typeface="Cambria Math" panose="02040503050406030204" pitchFamily="18" charset="0"/>
+                            </a:rPr>
+                            <m:t>𝑃</m:t>
+                          </m:r>
+                        </m:e>
+                        <m:sub>
+                          <m:r>
+                            <a:rPr lang="en-US" sz="2400" b="0" i="1" smtClean="0">
+                              <a:latin typeface="Cambria Math" panose="02040503050406030204" pitchFamily="18" charset="0"/>
+                            </a:rPr>
+                            <m:t>2</m:t>
+                          </m:r>
+                        </m:sub>
+                      </m:sSub>
+                      <m:d>
+                        <m:dPr>
+                          <m:ctrlPr>
+                            <a:rPr lang="en-US" sz="2400" b="0" i="1" smtClean="0">
+                              <a:latin typeface="Cambria Math" panose="02040503050406030204" pitchFamily="18" charset="0"/>
+                            </a:rPr>
+                          </m:ctrlPr>
+                        </m:dPr>
+                        <m:e>
+                          <m:r>
+                            <a:rPr lang="en-US" sz="2400" b="0" i="1" smtClean="0">
+                              <a:latin typeface="Cambria Math" panose="02040503050406030204" pitchFamily="18" charset="0"/>
+                            </a:rPr>
+                            <m:t>𝑡</m:t>
+                          </m:r>
+                        </m:e>
+                      </m:d>
+                      <m:r>
+                        <a:rPr lang="en-US" sz="2400" b="0" i="1" smtClean="0">
+                          <a:latin typeface="Cambria Math" panose="02040503050406030204" pitchFamily="18" charset="0"/>
+                        </a:rPr>
+                        <m:t>+</m:t>
+                      </m:r>
+                      <m:sSub>
+                        <m:sSubPr>
+                          <m:ctrlPr>
+                            <a:rPr lang="en-US" sz="2400" b="0" i="1" smtClean="0">
+                              <a:latin typeface="Cambria Math" panose="02040503050406030204" pitchFamily="18" charset="0"/>
+                            </a:rPr>
+                          </m:ctrlPr>
+                        </m:sSubPr>
+                        <m:e>
+                          <m:r>
+                            <a:rPr lang="en-US" sz="2400" b="0" i="1" smtClean="0">
+                              <a:latin typeface="Cambria Math" panose="02040503050406030204" pitchFamily="18" charset="0"/>
+                            </a:rPr>
+                            <m:t>𝛽</m:t>
+                          </m:r>
+                        </m:e>
+                        <m:sub>
+                          <m:r>
+                            <a:rPr lang="en-US" sz="2400" b="0" i="1" smtClean="0">
+                              <a:latin typeface="Cambria Math" panose="02040503050406030204" pitchFamily="18" charset="0"/>
+                            </a:rPr>
+                            <m:t>0</m:t>
+                          </m:r>
+                        </m:sub>
+                      </m:sSub>
+                    </m:oMath>
+                  </m:oMathPara>
+                </a14:m>
+                <a:endParaRPr lang="en-US" sz="2400" dirty="0"/>
+              </a:p>
+              <a:p>
+                <a:pPr marL="0" indent="0" algn="ctr">
+                  <a:buNone/>
+                </a:pPr>
+                <a:endParaRPr lang="en-US" sz="2400" dirty="0"/>
+              </a:p>
+              <a:p>
+                <a:r>
+                  <a:rPr lang="en-US" sz="2400" dirty="0"/>
+                  <a:t>State Vector</a:t>
+                </a:r>
+              </a:p>
+              <a:p>
+                <a:pPr marL="0" indent="0">
+                  <a:buNone/>
+                </a:pPr>
+                <a14:m>
+                  <m:oMathPara xmlns:m="http://schemas.openxmlformats.org/officeDocument/2006/math">
+                    <m:oMathParaPr>
+                      <m:jc m:val="center"/>
+                    </m:oMathParaPr>
+                    <m:oMath xmlns:m="http://schemas.openxmlformats.org/officeDocument/2006/math">
+                      <m:sSub>
+                        <m:sSubPr>
+                          <m:ctrlPr>
+                            <a:rPr lang="en-US" sz="2400" i="1">
+                              <a:latin typeface="Cambria Math" panose="02040503050406030204" pitchFamily="18" charset="0"/>
+                            </a:rPr>
+                          </m:ctrlPr>
+                        </m:sSubPr>
+                        <m:e>
+                          <m:r>
+                            <a:rPr lang="en-US" sz="2400" i="1">
+                              <a:latin typeface="Cambria Math" panose="02040503050406030204" pitchFamily="18" charset="0"/>
+                            </a:rPr>
+                            <m:t>𝑥</m:t>
+                          </m:r>
+                        </m:e>
+                        <m:sub>
+                          <m:r>
+                            <a:rPr lang="en-US" sz="2400" i="1">
+                              <a:latin typeface="Cambria Math" panose="02040503050406030204" pitchFamily="18" charset="0"/>
+                            </a:rPr>
+                            <m:t>𝑘</m:t>
+                          </m:r>
+                        </m:sub>
+                      </m:sSub>
+                      <m:r>
+                        <a:rPr lang="en-US" sz="2400" i="1">
+                          <a:latin typeface="Cambria Math" panose="02040503050406030204" pitchFamily="18" charset="0"/>
+                        </a:rPr>
+                        <m:t>=</m:t>
+                      </m:r>
+                      <m:d>
+                        <m:dPr>
+                          <m:begChr m:val="["/>
+                          <m:endChr m:val="]"/>
+                          <m:ctrlPr>
+                            <a:rPr lang="en-US" sz="2400" i="1">
+                              <a:latin typeface="Cambria Math" panose="02040503050406030204" pitchFamily="18" charset="0"/>
+                            </a:rPr>
+                          </m:ctrlPr>
+                        </m:dPr>
+                        <m:e>
+                          <m:m>
+                            <m:mPr>
+                              <m:mcs>
+                                <m:mc>
+                                  <m:mcPr>
+                                    <m:count m:val="1"/>
+                                    <m:mcJc m:val="center"/>
+                                  </m:mcPr>
+                                </m:mc>
+                              </m:mcs>
+                              <m:ctrlPr>
+                                <a:rPr lang="en-US" sz="2400" i="1" smtClean="0">
+                                  <a:latin typeface="Cambria Math" panose="02040503050406030204" pitchFamily="18" charset="0"/>
+                                </a:rPr>
+                              </m:ctrlPr>
+                            </m:mPr>
+                            <m:mr>
+                              <m:e>
+                                <m:sSub>
+                                  <m:sSubPr>
+                                    <m:ctrlPr>
+                                      <a:rPr lang="en-US" sz="2400" b="0" i="1" smtClean="0">
+                                        <a:latin typeface="Cambria Math" panose="02040503050406030204" pitchFamily="18" charset="0"/>
+                                      </a:rPr>
+                                    </m:ctrlPr>
+                                  </m:sSubPr>
+                                  <m:e>
+                                    <m:r>
+                                      <a:rPr lang="en-US" sz="2400" b="0" i="1" smtClean="0">
+                                        <a:latin typeface="Cambria Math" panose="02040503050406030204" pitchFamily="18" charset="0"/>
+                                      </a:rPr>
+                                      <m:t>𝛽</m:t>
+                                    </m:r>
+                                  </m:e>
+                                  <m:sub>
+                                    <m:r>
+                                      <a:rPr lang="en-US" sz="2400" b="0" i="1" smtClean="0">
+                                        <a:latin typeface="Cambria Math" panose="02040503050406030204" pitchFamily="18" charset="0"/>
+                                      </a:rPr>
+                                      <m:t>1</m:t>
+                                    </m:r>
+                                  </m:sub>
+                                </m:sSub>
+                              </m:e>
+                            </m:mr>
+                            <m:mr>
+                              <m:e>
+                                <m:sSub>
+                                  <m:sSubPr>
+                                    <m:ctrlPr>
+                                      <a:rPr lang="en-US" sz="2400" b="0" i="1" smtClean="0">
+                                        <a:latin typeface="Cambria Math" panose="02040503050406030204" pitchFamily="18" charset="0"/>
+                                      </a:rPr>
+                                    </m:ctrlPr>
+                                  </m:sSubPr>
+                                  <m:e>
+                                    <m:r>
+                                      <a:rPr lang="en-US" sz="2400" b="0" i="1" smtClean="0">
+                                        <a:latin typeface="Cambria Math" panose="02040503050406030204" pitchFamily="18" charset="0"/>
+                                      </a:rPr>
+                                      <m:t>𝛽</m:t>
+                                    </m:r>
+                                  </m:e>
+                                  <m:sub>
+                                    <m:r>
+                                      <a:rPr lang="en-US" sz="2400" b="0" i="1" smtClean="0">
+                                        <a:latin typeface="Cambria Math" panose="02040503050406030204" pitchFamily="18" charset="0"/>
+                                      </a:rPr>
+                                      <m:t>0</m:t>
+                                    </m:r>
+                                  </m:sub>
+                                </m:sSub>
+                              </m:e>
+                            </m:mr>
+                          </m:m>
+                        </m:e>
+                      </m:d>
+                    </m:oMath>
+                  </m:oMathPara>
+                </a14:m>
+                <a:endParaRPr lang="en-US" sz="2400" dirty="0"/>
+              </a:p>
+              <a:p>
+                <a:pPr marL="0" indent="0">
+                  <a:buNone/>
+                </a:pPr>
+                <a:endParaRPr lang="en-US" sz="2400" dirty="0"/>
+              </a:p>
+              <a:p>
+                <a:r>
+                  <a:rPr lang="en-US" dirty="0"/>
+                  <a:t>Betas are slope and intercept</a:t>
+                </a:r>
+              </a:p>
+            </p:txBody>
+          </p:sp>
+        </mc:Choice>
+        <mc:Fallback>
+          <p:sp>
+            <p:nvSpPr>
+              <p:cNvPr id="6" name="Content Placeholder 5">
+                <a:extLst>
+                  <a:ext uri="{FF2B5EF4-FFF2-40B4-BE49-F238E27FC236}">
+                    <a16:creationId xmlns:a16="http://schemas.microsoft.com/office/drawing/2014/main" id="{9C83FC6E-AABD-8A27-D832-3B1743D89791}"/>
+                  </a:ext>
+                </a:extLst>
+              </p:cNvPr>
+              <p:cNvSpPr>
+                <a:spLocks noGrp="1" noRot="1" noChangeAspect="1" noMove="1" noResize="1" noEditPoints="1" noAdjustHandles="1" noChangeArrowheads="1" noChangeShapeType="1" noTextEdit="1"/>
+              </p:cNvSpPr>
+              <p:nvPr>
+                <p:ph sz="half" idx="2"/>
+              </p:nvPr>
+            </p:nvSpPr>
+            <p:spPr>
+              <a:blipFill>
+                <a:blip r:embed="rId3"/>
+                <a:stretch>
+                  <a:fillRect l="-1600" t="-3030" b="-1970"/>
+                </a:stretch>
+              </a:blipFill>
+            </p:spPr>
+            <p:txBody>
+              <a:bodyPr/>
+              <a:lstStyle/>
+              <a:p>
+                <a:r>
+                  <a:rPr lang="en-US">
+                    <a:noFill/>
+                  </a:rPr>
+                  <a:t> </a:t>
+                </a:r>
+              </a:p>
+            </p:txBody>
+          </p:sp>
+        </mc:Fallback>
+      </mc:AlternateContent>
       <p:pic>
         <p:nvPicPr>
-          <p:cNvPr id="10" name="Content Placeholder 9">
+          <p:cNvPr id="7" name="Content Placeholder 9">
             <a:extLst>
               <a:ext uri="{FF2B5EF4-FFF2-40B4-BE49-F238E27FC236}">
                 <a16:creationId xmlns:a16="http://schemas.microsoft.com/office/drawing/2014/main" id="{B2389161-3746-4F47-86D7-B658BDFE3809}"/>
@@ -11766,35 +10027,6 @@
             <a:picLocks noGrp="1" noChangeAspect="1"/>
           </p:cNvPicPr>
           <p:nvPr>
-            <p:ph sz="half" idx="2"/>
-          </p:nvPr>
-        </p:nvPicPr>
-        <p:blipFill>
-          <a:blip r:embed="rId3"/>
-          <a:stretch>
-            <a:fillRect/>
-          </a:stretch>
-        </p:blipFill>
-        <p:spPr>
-          <a:xfrm>
-            <a:off x="6172200" y="2639877"/>
-            <a:ext cx="5334000" cy="3132409"/>
-          </a:xfrm>
-        </p:spPr>
-      </p:pic>
-      <p:pic>
-        <p:nvPicPr>
-          <p:cNvPr id="8" name="Content Placeholder 7">
-            <a:extLst>
-              <a:ext uri="{FF2B5EF4-FFF2-40B4-BE49-F238E27FC236}">
-                <a16:creationId xmlns:a16="http://schemas.microsoft.com/office/drawing/2014/main" id="{B0C23D45-1C4B-D9AB-9CA5-54E78671F6EA}"/>
-              </a:ext>
-            </a:extLst>
-          </p:cNvPr>
-          <p:cNvPicPr>
-            <a:picLocks noGrp="1" noChangeAspect="1"/>
-          </p:cNvPicPr>
-          <p:nvPr>
             <p:ph sz="half" idx="1"/>
           </p:nvPr>
         </p:nvPicPr>
@@ -11806,12 +10038,9 @@
         </p:blipFill>
         <p:spPr>
           <a:xfrm>
-            <a:off x="685800" y="2520994"/>
-            <a:ext cx="5334000" cy="3370175"/>
+            <a:off x="685800" y="2639877"/>
+            <a:ext cx="5334000" cy="3132409"/>
           </a:xfrm>
-          <a:prstGeom prst="rect">
-            <a:avLst/>
-          </a:prstGeom>
         </p:spPr>
       </p:pic>
     </p:spTree>
@@ -11827,7 +10056,7 @@
 </p:sld>
 </file>
 
-<file path=ppt/slides/slide15.xml><?xml version="1.0" encoding="utf-8"?>
+<file path=ppt/slides/slide12.xml><?xml version="1.0" encoding="utf-8"?>
 <p:sld xmlns:a="http://schemas.openxmlformats.org/drawingml/2006/main" xmlns:r="http://schemas.openxmlformats.org/officeDocument/2006/relationships" xmlns:p="http://schemas.openxmlformats.org/presentationml/2006/main">
   <p:cSld>
     <p:spTree>
@@ -11965,7 +10194,2463 @@
 </p:sld>
 </file>
 
+<file path=ppt/slides/slide13.xml><?xml version="1.0" encoding="utf-8"?>
+<p:sld xmlns:a="http://schemas.openxmlformats.org/drawingml/2006/main" xmlns:r="http://schemas.openxmlformats.org/officeDocument/2006/relationships" xmlns:p="http://schemas.openxmlformats.org/presentationml/2006/main">
+  <p:cSld>
+    <p:spTree>
+      <p:nvGrpSpPr>
+        <p:cNvPr id="1" name=""/>
+        <p:cNvGrpSpPr/>
+        <p:nvPr/>
+      </p:nvGrpSpPr>
+      <p:grpSpPr>
+        <a:xfrm>
+          <a:off x="0" y="0"/>
+          <a:ext cx="0" cy="0"/>
+          <a:chOff x="0" y="0"/>
+          <a:chExt cx="0" cy="0"/>
+        </a:xfrm>
+      </p:grpSpPr>
+      <p:sp>
+        <p:nvSpPr>
+          <p:cNvPr id="2" name="Title 1">
+            <a:extLst>
+              <a:ext uri="{FF2B5EF4-FFF2-40B4-BE49-F238E27FC236}">
+                <a16:creationId xmlns:a16="http://schemas.microsoft.com/office/drawing/2014/main" id="{4B9E96CB-2365-49E0-BA19-2E007721B06E}"/>
+              </a:ext>
+            </a:extLst>
+          </p:cNvPr>
+          <p:cNvSpPr>
+            <a:spLocks noGrp="1"/>
+          </p:cNvSpPr>
+          <p:nvPr>
+            <p:ph type="title"/>
+          </p:nvPr>
+        </p:nvSpPr>
+        <p:spPr/>
+        <p:txBody>
+          <a:bodyPr/>
+          <a:lstStyle/>
+          <a:p>
+            <a:r>
+              <a:rPr lang="en-US" dirty="0"/>
+              <a:t>q/KDB+ Code</a:t>
+            </a:r>
+          </a:p>
+        </p:txBody>
+      </p:sp>
+      <p:sp>
+        <p:nvSpPr>
+          <p:cNvPr id="3" name="Content Placeholder 2">
+            <a:extLst>
+              <a:ext uri="{FF2B5EF4-FFF2-40B4-BE49-F238E27FC236}">
+                <a16:creationId xmlns:a16="http://schemas.microsoft.com/office/drawing/2014/main" id="{0231F2F8-8A23-4BAD-B906-B29918C223BB}"/>
+              </a:ext>
+            </a:extLst>
+          </p:cNvPr>
+          <p:cNvSpPr>
+            <a:spLocks noGrp="1"/>
+          </p:cNvSpPr>
+          <p:nvPr>
+            <p:ph sz="half" idx="1"/>
+          </p:nvPr>
+        </p:nvSpPr>
+        <p:spPr/>
+        <p:txBody>
+          <a:bodyPr>
+            <a:noAutofit/>
+          </a:bodyPr>
+          <a:lstStyle/>
+          <a:p>
+            <a:pPr marL="0" indent="0">
+              <a:buNone/>
+            </a:pPr>
+            <a:r>
+              <a:rPr lang="en-US" sz="1200" dirty="0">
+                <a:latin typeface="Courier New" panose="02070309020205020404" pitchFamily="49" charset="0"/>
+                <a:cs typeface="Courier New" panose="02070309020205020404" pitchFamily="49" charset="0"/>
+              </a:rPr>
+              <a:t>/ Constants</a:t>
+            </a:r>
+          </a:p>
+          <a:p>
+            <a:pPr marL="0" indent="0">
+              <a:buNone/>
+            </a:pPr>
+            <a:r>
+              <a:rPr lang="en-US" sz="1200" dirty="0">
+                <a:latin typeface="Courier New" panose="02070309020205020404" pitchFamily="49" charset="0"/>
+                <a:cs typeface="Courier New" panose="02070309020205020404" pitchFamily="49" charset="0"/>
+              </a:rPr>
+              <a:t>g:9.81;  / gravity m/s^2</a:t>
+            </a:r>
+          </a:p>
+          <a:p>
+            <a:pPr marL="0" indent="0">
+              <a:buNone/>
+            </a:pPr>
+            <a:endParaRPr lang="en-US" sz="1200" dirty="0">
+              <a:latin typeface="Courier New" panose="02070309020205020404" pitchFamily="49" charset="0"/>
+              <a:cs typeface="Courier New" panose="02070309020205020404" pitchFamily="49" charset="0"/>
+            </a:endParaRPr>
+          </a:p>
+          <a:p>
+            <a:pPr marL="0" indent="0">
+              <a:buNone/>
+            </a:pPr>
+            <a:r>
+              <a:rPr lang="en-US" sz="1200" dirty="0">
+                <a:latin typeface="Courier New" panose="02070309020205020404" pitchFamily="49" charset="0"/>
+                <a:cs typeface="Courier New" panose="02070309020205020404" pitchFamily="49" charset="0"/>
+              </a:rPr>
+              <a:t>/ Time steps</a:t>
+            </a:r>
+          </a:p>
+          <a:p>
+            <a:pPr marL="0" indent="0">
+              <a:buNone/>
+            </a:pPr>
+            <a:r>
+              <a:rPr lang="en-US" sz="1200" dirty="0">
+                <a:latin typeface="Courier New" panose="02070309020205020404" pitchFamily="49" charset="0"/>
+                <a:cs typeface="Courier New" panose="02070309020205020404" pitchFamily="49" charset="0"/>
+              </a:rPr>
+              <a:t>dt:0.1;</a:t>
+            </a:r>
+          </a:p>
+          <a:p>
+            <a:pPr marL="0" indent="0">
+              <a:buNone/>
+            </a:pPr>
+            <a:r>
+              <a:rPr lang="en-US" sz="1200" dirty="0">
+                <a:latin typeface="Courier New" panose="02070309020205020404" pitchFamily="49" charset="0"/>
+                <a:cs typeface="Courier New" panose="02070309020205020404" pitchFamily="49" charset="0"/>
+              </a:rPr>
+              <a:t>/ [b]</a:t>
+            </a:r>
+            <a:r>
+              <a:rPr lang="en-US" sz="1200" dirty="0" err="1">
+                <a:latin typeface="Courier New" panose="02070309020205020404" pitchFamily="49" charset="0"/>
+                <a:cs typeface="Courier New" panose="02070309020205020404" pitchFamily="49" charset="0"/>
+              </a:rPr>
+              <a:t>egin</a:t>
+            </a:r>
+            <a:r>
+              <a:rPr lang="en-US" sz="1200" dirty="0">
+                <a:latin typeface="Courier New" panose="02070309020205020404" pitchFamily="49" charset="0"/>
+                <a:cs typeface="Courier New" panose="02070309020205020404" pitchFamily="49" charset="0"/>
+              </a:rPr>
+              <a:t>; [e]</a:t>
+            </a:r>
+            <a:r>
+              <a:rPr lang="en-US" sz="1200" dirty="0" err="1">
+                <a:latin typeface="Courier New" panose="02070309020205020404" pitchFamily="49" charset="0"/>
+                <a:cs typeface="Courier New" panose="02070309020205020404" pitchFamily="49" charset="0"/>
+              </a:rPr>
+              <a:t>nd</a:t>
+            </a:r>
+            <a:r>
+              <a:rPr lang="en-US" sz="1200" dirty="0">
+                <a:latin typeface="Courier New" panose="02070309020205020404" pitchFamily="49" charset="0"/>
+                <a:cs typeface="Courier New" panose="02070309020205020404" pitchFamily="49" charset="0"/>
+              </a:rPr>
+              <a:t>; [s]</a:t>
+            </a:r>
+            <a:r>
+              <a:rPr lang="en-US" sz="1200" dirty="0" err="1">
+                <a:latin typeface="Courier New" panose="02070309020205020404" pitchFamily="49" charset="0"/>
+                <a:cs typeface="Courier New" panose="02070309020205020404" pitchFamily="49" charset="0"/>
+              </a:rPr>
+              <a:t>tep</a:t>
+            </a:r>
+            <a:endParaRPr lang="en-US" sz="1200" dirty="0">
+              <a:latin typeface="Courier New" panose="02070309020205020404" pitchFamily="49" charset="0"/>
+              <a:cs typeface="Courier New" panose="02070309020205020404" pitchFamily="49" charset="0"/>
+            </a:endParaRPr>
+          </a:p>
+          <a:p>
+            <a:pPr marL="0" indent="0">
+              <a:buNone/>
+            </a:pPr>
+            <a:r>
+              <a:rPr lang="en-US" sz="1200" dirty="0" err="1">
+                <a:latin typeface="Courier New" panose="02070309020205020404" pitchFamily="49" charset="0"/>
+                <a:cs typeface="Courier New" panose="02070309020205020404" pitchFamily="49" charset="0"/>
+              </a:rPr>
+              <a:t>arange</a:t>
+            </a:r>
+            <a:r>
+              <a:rPr lang="en-US" sz="1200" dirty="0">
+                <a:latin typeface="Courier New" panose="02070309020205020404" pitchFamily="49" charset="0"/>
+                <a:cs typeface="Courier New" panose="02070309020205020404" pitchFamily="49" charset="0"/>
+              </a:rPr>
+              <a:t>:{[</a:t>
+            </a:r>
+            <a:r>
+              <a:rPr lang="en-US" sz="1200" dirty="0" err="1">
+                <a:latin typeface="Courier New" panose="02070309020205020404" pitchFamily="49" charset="0"/>
+                <a:cs typeface="Courier New" panose="02070309020205020404" pitchFamily="49" charset="0"/>
+              </a:rPr>
+              <a:t>b;e;s</a:t>
+            </a:r>
+            <a:r>
+              <a:rPr lang="en-US" sz="1200" dirty="0">
+                <a:latin typeface="Courier New" panose="02070309020205020404" pitchFamily="49" charset="0"/>
+                <a:cs typeface="Courier New" panose="02070309020205020404" pitchFamily="49" charset="0"/>
+              </a:rPr>
+              <a:t>] </a:t>
+            </a:r>
+            <a:r>
+              <a:rPr lang="en-US" sz="1200" dirty="0" err="1">
+                <a:latin typeface="Courier New" panose="02070309020205020404" pitchFamily="49" charset="0"/>
+                <a:cs typeface="Courier New" panose="02070309020205020404" pitchFamily="49" charset="0"/>
+              </a:rPr>
+              <a:t>b+s</a:t>
+            </a:r>
+            <a:r>
+              <a:rPr lang="en-US" sz="1200" dirty="0">
+                <a:latin typeface="Courier New" panose="02070309020205020404" pitchFamily="49" charset="0"/>
+                <a:cs typeface="Courier New" panose="02070309020205020404" pitchFamily="49" charset="0"/>
+              </a:rPr>
+              <a:t>*</a:t>
+            </a:r>
+            <a:r>
+              <a:rPr lang="en-US" sz="1200" dirty="0" err="1">
+                <a:latin typeface="Courier New" panose="02070309020205020404" pitchFamily="49" charset="0"/>
+                <a:cs typeface="Courier New" panose="02070309020205020404" pitchFamily="49" charset="0"/>
+              </a:rPr>
+              <a:t>til</a:t>
+            </a:r>
+            <a:r>
+              <a:rPr lang="en-US" sz="1200" dirty="0">
+                <a:latin typeface="Courier New" panose="02070309020205020404" pitchFamily="49" charset="0"/>
+                <a:cs typeface="Courier New" panose="02070309020205020404" pitchFamily="49" charset="0"/>
+              </a:rPr>
+              <a:t> "j"$-[</a:t>
+            </a:r>
+            <a:r>
+              <a:rPr lang="en-US" sz="1200" dirty="0" err="1">
+                <a:latin typeface="Courier New" panose="02070309020205020404" pitchFamily="49" charset="0"/>
+                <a:cs typeface="Courier New" panose="02070309020205020404" pitchFamily="49" charset="0"/>
+              </a:rPr>
+              <a:t>e;b</a:t>
+            </a:r>
+            <a:r>
+              <a:rPr lang="en-US" sz="1200" dirty="0">
+                <a:latin typeface="Courier New" panose="02070309020205020404" pitchFamily="49" charset="0"/>
+                <a:cs typeface="Courier New" panose="02070309020205020404" pitchFamily="49" charset="0"/>
+              </a:rPr>
+              <a:t>]%s};</a:t>
+            </a:r>
+          </a:p>
+          <a:p>
+            <a:pPr marL="0" indent="0">
+              <a:buNone/>
+            </a:pPr>
+            <a:r>
+              <a:rPr lang="en-US" sz="1200" dirty="0" err="1">
+                <a:latin typeface="Courier New" panose="02070309020205020404" pitchFamily="49" charset="0"/>
+                <a:cs typeface="Courier New" panose="02070309020205020404" pitchFamily="49" charset="0"/>
+              </a:rPr>
+              <a:t>times:arange</a:t>
+            </a:r>
+            <a:r>
+              <a:rPr lang="en-US" sz="1200" dirty="0">
+                <a:latin typeface="Courier New" panose="02070309020205020404" pitchFamily="49" charset="0"/>
+                <a:cs typeface="Courier New" panose="02070309020205020404" pitchFamily="49" charset="0"/>
+              </a:rPr>
+              <a:t>[0;10;dt];</a:t>
+            </a:r>
+          </a:p>
+          <a:p>
+            <a:pPr marL="0" indent="0">
+              <a:buNone/>
+            </a:pPr>
+            <a:endParaRPr lang="en-US" sz="1200" dirty="0">
+              <a:latin typeface="Courier New" panose="02070309020205020404" pitchFamily="49" charset="0"/>
+              <a:cs typeface="Courier New" panose="02070309020205020404" pitchFamily="49" charset="0"/>
+            </a:endParaRPr>
+          </a:p>
+          <a:p>
+            <a:pPr marL="0" indent="0">
+              <a:buNone/>
+            </a:pPr>
+            <a:r>
+              <a:rPr lang="en-US" sz="1200" dirty="0">
+                <a:latin typeface="Courier New" panose="02070309020205020404" pitchFamily="49" charset="0"/>
+                <a:cs typeface="Courier New" panose="02070309020205020404" pitchFamily="49" charset="0"/>
+              </a:rPr>
+              <a:t>/ Initial conditions</a:t>
+            </a:r>
+          </a:p>
+          <a:p>
+            <a:pPr marL="0" indent="0">
+              <a:buNone/>
+            </a:pPr>
+            <a:r>
+              <a:rPr lang="en-US" sz="1200" dirty="0">
+                <a:latin typeface="Courier New" panose="02070309020205020404" pitchFamily="49" charset="0"/>
+                <a:cs typeface="Courier New" panose="02070309020205020404" pitchFamily="49" charset="0"/>
+              </a:rPr>
+              <a:t>x0:0; y0:0; vx0:50; vy0:50; / pos in m; vel in m/s</a:t>
+            </a:r>
+          </a:p>
+          <a:p>
+            <a:pPr marL="0" indent="0">
+              <a:buNone/>
+            </a:pPr>
+            <a:endParaRPr lang="en-US" sz="1200" dirty="0">
+              <a:latin typeface="Courier New" panose="02070309020205020404" pitchFamily="49" charset="0"/>
+              <a:cs typeface="Courier New" panose="02070309020205020404" pitchFamily="49" charset="0"/>
+            </a:endParaRPr>
+          </a:p>
+          <a:p>
+            <a:pPr marL="0" indent="0">
+              <a:buNone/>
+            </a:pPr>
+            <a:endParaRPr lang="en-US" sz="1200" dirty="0">
+              <a:latin typeface="Courier New" panose="02070309020205020404" pitchFamily="49" charset="0"/>
+              <a:cs typeface="Courier New" panose="02070309020205020404" pitchFamily="49" charset="0"/>
+            </a:endParaRPr>
+          </a:p>
+        </p:txBody>
+      </p:sp>
+      <p:sp>
+        <p:nvSpPr>
+          <p:cNvPr id="4" name="Content Placeholder 3">
+            <a:extLst>
+              <a:ext uri="{FF2B5EF4-FFF2-40B4-BE49-F238E27FC236}">
+                <a16:creationId xmlns:a16="http://schemas.microsoft.com/office/drawing/2014/main" id="{68634F60-5796-438E-808B-D52176E542F6}"/>
+              </a:ext>
+            </a:extLst>
+          </p:cNvPr>
+          <p:cNvSpPr>
+            <a:spLocks noGrp="1"/>
+          </p:cNvSpPr>
+          <p:nvPr>
+            <p:ph sz="half" idx="2"/>
+          </p:nvPr>
+        </p:nvSpPr>
+        <p:spPr/>
+        <p:txBody>
+          <a:bodyPr>
+            <a:noAutofit/>
+          </a:bodyPr>
+          <a:lstStyle/>
+          <a:p>
+            <a:pPr marL="0" indent="0">
+              <a:buNone/>
+            </a:pPr>
+            <a:r>
+              <a:rPr lang="en-US" sz="1200" dirty="0">
+                <a:latin typeface="Courier New" panose="02070309020205020404" pitchFamily="49" charset="0"/>
+                <a:cs typeface="Courier New" panose="02070309020205020404" pitchFamily="49" charset="0"/>
+              </a:rPr>
+              <a:t>/ Actual trajectory</a:t>
+            </a:r>
+          </a:p>
+          <a:p>
+            <a:pPr marL="0" indent="0">
+              <a:buNone/>
+            </a:pPr>
+            <a:r>
+              <a:rPr lang="en-US" sz="1200" dirty="0" err="1">
+                <a:latin typeface="Courier New" panose="02070309020205020404" pitchFamily="49" charset="0"/>
+                <a:cs typeface="Courier New" panose="02070309020205020404" pitchFamily="49" charset="0"/>
+              </a:rPr>
+              <a:t>atraj</a:t>
+            </a:r>
+            <a:r>
+              <a:rPr lang="en-US" sz="1200" dirty="0">
+                <a:latin typeface="Courier New" panose="02070309020205020404" pitchFamily="49" charset="0"/>
+                <a:cs typeface="Courier New" panose="02070309020205020404" pitchFamily="49" charset="0"/>
+              </a:rPr>
+              <a:t>:{[g;x0;y0;vx0;vy0;t]</a:t>
+            </a:r>
+          </a:p>
+          <a:p>
+            <a:pPr marL="0" indent="0">
+              <a:buNone/>
+            </a:pPr>
+            <a:r>
+              <a:rPr lang="en-US" sz="1200" dirty="0">
+                <a:latin typeface="Courier New" panose="02070309020205020404" pitchFamily="49" charset="0"/>
+                <a:cs typeface="Courier New" panose="02070309020205020404" pitchFamily="49" charset="0"/>
+              </a:rPr>
+              <a:t>  x:x0+vx0*t;               / x pos</a:t>
+            </a:r>
+          </a:p>
+          <a:p>
+            <a:pPr marL="0" indent="0">
+              <a:buNone/>
+            </a:pPr>
+            <a:r>
+              <a:rPr lang="en-US" sz="1200" dirty="0">
+                <a:latin typeface="Courier New" panose="02070309020205020404" pitchFamily="49" charset="0"/>
+                <a:cs typeface="Courier New" panose="02070309020205020404" pitchFamily="49" charset="0"/>
+              </a:rPr>
+              <a:t>  y:-[y0+vy0*t;0.5*g*t*t];  / y pos y0+vy0*t-0.5*g*t^2</a:t>
+            </a:r>
+          </a:p>
+          <a:p>
+            <a:pPr marL="0" indent="0">
+              <a:buNone/>
+            </a:pPr>
+            <a:r>
+              <a:rPr lang="en-US" sz="1200" dirty="0">
+                <a:latin typeface="Courier New" panose="02070309020205020404" pitchFamily="49" charset="0"/>
+                <a:cs typeface="Courier New" panose="02070309020205020404" pitchFamily="49" charset="0"/>
+              </a:rPr>
+              <a:t>  vx:vx0;                   / x vel (no air resistance)</a:t>
+            </a:r>
+          </a:p>
+          <a:p>
+            <a:pPr marL="0" indent="0">
+              <a:buNone/>
+            </a:pPr>
+            <a:r>
+              <a:rPr lang="en-US" sz="1200" dirty="0">
+                <a:latin typeface="Courier New" panose="02070309020205020404" pitchFamily="49" charset="0"/>
+                <a:cs typeface="Courier New" panose="02070309020205020404" pitchFamily="49" charset="0"/>
+              </a:rPr>
+              <a:t>  vy:vy0-g*t;               / y vel (gravity but no air res)</a:t>
+            </a:r>
+          </a:p>
+          <a:p>
+            <a:pPr marL="0" indent="0">
+              <a:buNone/>
+            </a:pPr>
+            <a:r>
+              <a:rPr lang="en-US" sz="1200" dirty="0">
+                <a:latin typeface="Courier New" panose="02070309020205020404" pitchFamily="49" charset="0"/>
+                <a:cs typeface="Courier New" panose="02070309020205020404" pitchFamily="49" charset="0"/>
+              </a:rPr>
+              <a:t>  (</a:t>
+            </a:r>
+            <a:r>
+              <a:rPr lang="en-US" sz="1200" dirty="0" err="1">
+                <a:latin typeface="Courier New" panose="02070309020205020404" pitchFamily="49" charset="0"/>
+                <a:cs typeface="Courier New" panose="02070309020205020404" pitchFamily="49" charset="0"/>
+              </a:rPr>
+              <a:t>x;y;vx;vy</a:t>
+            </a:r>
+            <a:r>
+              <a:rPr lang="en-US" sz="1200" dirty="0">
+                <a:latin typeface="Courier New" panose="02070309020205020404" pitchFamily="49" charset="0"/>
+                <a:cs typeface="Courier New" panose="02070309020205020404" pitchFamily="49" charset="0"/>
+              </a:rPr>
+              <a:t>)};</a:t>
+            </a:r>
+          </a:p>
+          <a:p>
+            <a:pPr marL="0" indent="0">
+              <a:buNone/>
+            </a:pPr>
+            <a:r>
+              <a:rPr lang="en-US" sz="1200" dirty="0" err="1">
+                <a:latin typeface="Courier New" panose="02070309020205020404" pitchFamily="49" charset="0"/>
+                <a:cs typeface="Courier New" panose="02070309020205020404" pitchFamily="49" charset="0"/>
+              </a:rPr>
+              <a:t>act_traj:atraj</a:t>
+            </a:r>
+            <a:r>
+              <a:rPr lang="en-US" sz="1200" dirty="0">
+                <a:latin typeface="Courier New" panose="02070309020205020404" pitchFamily="49" charset="0"/>
+                <a:cs typeface="Courier New" panose="02070309020205020404" pitchFamily="49" charset="0"/>
+              </a:rPr>
+              <a:t>[g;x0;y0;vx0;vy0;];</a:t>
+            </a:r>
+          </a:p>
+          <a:p>
+            <a:pPr marL="0" indent="0">
+              <a:buNone/>
+            </a:pPr>
+            <a:endParaRPr lang="en-US" sz="1200" dirty="0">
+              <a:latin typeface="Courier New" panose="02070309020205020404" pitchFamily="49" charset="0"/>
+              <a:cs typeface="Courier New" panose="02070309020205020404" pitchFamily="49" charset="0"/>
+            </a:endParaRPr>
+          </a:p>
+          <a:p>
+            <a:pPr marL="0" indent="0">
+              <a:buNone/>
+            </a:pPr>
+            <a:r>
+              <a:rPr lang="en-US" sz="1200" dirty="0">
+                <a:latin typeface="Courier New" panose="02070309020205020404" pitchFamily="49" charset="0"/>
+                <a:cs typeface="Courier New" panose="02070309020205020404" pitchFamily="49" charset="0"/>
+              </a:rPr>
+              <a:t>/ Simulate actual trajectory</a:t>
+            </a:r>
+          </a:p>
+          <a:p>
+            <a:pPr marL="0" indent="0">
+              <a:buNone/>
+            </a:pPr>
+            <a:r>
+              <a:rPr lang="en-US" sz="1200" dirty="0" err="1">
+                <a:latin typeface="Courier New" panose="02070309020205020404" pitchFamily="49" charset="0"/>
+                <a:cs typeface="Courier New" panose="02070309020205020404" pitchFamily="49" charset="0"/>
+              </a:rPr>
+              <a:t>true_traj:act_traj</a:t>
+            </a:r>
+            <a:r>
+              <a:rPr lang="en-US" sz="1200" dirty="0">
+                <a:latin typeface="Courier New" panose="02070309020205020404" pitchFamily="49" charset="0"/>
+                <a:cs typeface="Courier New" panose="02070309020205020404" pitchFamily="49" charset="0"/>
+              </a:rPr>
+              <a:t>[times];  / use the projection</a:t>
+            </a:r>
+          </a:p>
+          <a:p>
+            <a:pPr marL="0" indent="0">
+              <a:buNone/>
+            </a:pPr>
+            <a:endParaRPr lang="en-US" sz="1200" dirty="0">
+              <a:latin typeface="Courier New" panose="02070309020205020404" pitchFamily="49" charset="0"/>
+              <a:cs typeface="Courier New" panose="02070309020205020404" pitchFamily="49" charset="0"/>
+            </a:endParaRPr>
+          </a:p>
+        </p:txBody>
+      </p:sp>
+    </p:spTree>
+    <p:extLst>
+      <p:ext uri="{BB962C8B-B14F-4D97-AF65-F5344CB8AC3E}">
+        <p14:creationId xmlns:p14="http://schemas.microsoft.com/office/powerpoint/2010/main" val="2496925664"/>
+      </p:ext>
+    </p:extLst>
+  </p:cSld>
+  <p:clrMapOvr>
+    <a:masterClrMapping/>
+  </p:clrMapOvr>
+</p:sld>
+</file>
+
+<file path=ppt/slides/slide14.xml><?xml version="1.0" encoding="utf-8"?>
+<p:sld xmlns:a="http://schemas.openxmlformats.org/drawingml/2006/main" xmlns:r="http://schemas.openxmlformats.org/officeDocument/2006/relationships" xmlns:p="http://schemas.openxmlformats.org/presentationml/2006/main">
+  <p:cSld>
+    <p:spTree>
+      <p:nvGrpSpPr>
+        <p:cNvPr id="1" name=""/>
+        <p:cNvGrpSpPr/>
+        <p:nvPr/>
+      </p:nvGrpSpPr>
+      <p:grpSpPr>
+        <a:xfrm>
+          <a:off x="0" y="0"/>
+          <a:ext cx="0" cy="0"/>
+          <a:chOff x="0" y="0"/>
+          <a:chExt cx="0" cy="0"/>
+        </a:xfrm>
+      </p:grpSpPr>
+      <p:sp>
+        <p:nvSpPr>
+          <p:cNvPr id="2" name="Title 1">
+            <a:extLst>
+              <a:ext uri="{FF2B5EF4-FFF2-40B4-BE49-F238E27FC236}">
+                <a16:creationId xmlns:a16="http://schemas.microsoft.com/office/drawing/2014/main" id="{4B9E96CB-2365-49E0-BA19-2E007721B06E}"/>
+              </a:ext>
+            </a:extLst>
+          </p:cNvPr>
+          <p:cNvSpPr>
+            <a:spLocks noGrp="1"/>
+          </p:cNvSpPr>
+          <p:nvPr>
+            <p:ph type="title"/>
+          </p:nvPr>
+        </p:nvSpPr>
+        <p:spPr/>
+        <p:txBody>
+          <a:bodyPr/>
+          <a:lstStyle/>
+          <a:p>
+            <a:r>
+              <a:rPr lang="en-US" dirty="0"/>
+              <a:t>q/KDB+ Code</a:t>
+            </a:r>
+          </a:p>
+        </p:txBody>
+      </p:sp>
+      <p:sp>
+        <p:nvSpPr>
+          <p:cNvPr id="3" name="Content Placeholder 2">
+            <a:extLst>
+              <a:ext uri="{FF2B5EF4-FFF2-40B4-BE49-F238E27FC236}">
+                <a16:creationId xmlns:a16="http://schemas.microsoft.com/office/drawing/2014/main" id="{0231F2F8-8A23-4BAD-B906-B29918C223BB}"/>
+              </a:ext>
+            </a:extLst>
+          </p:cNvPr>
+          <p:cNvSpPr>
+            <a:spLocks noGrp="1"/>
+          </p:cNvSpPr>
+          <p:nvPr>
+            <p:ph sz="half" idx="1"/>
+          </p:nvPr>
+        </p:nvSpPr>
+        <p:spPr/>
+        <p:txBody>
+          <a:bodyPr>
+            <a:noAutofit/>
+          </a:bodyPr>
+          <a:lstStyle/>
+          <a:p>
+            <a:pPr marL="0" indent="0">
+              <a:buNone/>
+            </a:pPr>
+            <a:r>
+              <a:rPr lang="en-US" sz="1200" dirty="0">
+                <a:latin typeface="Courier New" panose="02070309020205020404" pitchFamily="49" charset="0"/>
+                <a:cs typeface="Courier New" panose="02070309020205020404" pitchFamily="49" charset="0"/>
+              </a:rPr>
+              <a:t>/ Simulate measurements</a:t>
+            </a:r>
+          </a:p>
+          <a:p>
+            <a:pPr marL="0" indent="0">
+              <a:buNone/>
+            </a:pPr>
+            <a:r>
+              <a:rPr lang="en-US" sz="1200" dirty="0">
+                <a:latin typeface="Courier New" panose="02070309020205020404" pitchFamily="49" charset="0"/>
+                <a:cs typeface="Courier New" panose="02070309020205020404" pitchFamily="49" charset="0"/>
+              </a:rPr>
+              <a:t>pos_meas_noise:1.0;  / standard dev of position measurements</a:t>
+            </a:r>
+          </a:p>
+          <a:p>
+            <a:pPr marL="0" indent="0">
+              <a:buNone/>
+            </a:pPr>
+            <a:r>
+              <a:rPr lang="en-US" sz="1200" dirty="0">
+                <a:latin typeface="Courier New" panose="02070309020205020404" pitchFamily="49" charset="0"/>
+                <a:cs typeface="Courier New" panose="02070309020205020404" pitchFamily="49" charset="0"/>
+              </a:rPr>
+              <a:t>vel_meas_noise:0.5;  / standard dev of velocity measurements</a:t>
+            </a:r>
+          </a:p>
+          <a:p>
+            <a:pPr marL="0" indent="0">
+              <a:buNone/>
+            </a:pPr>
+            <a:endParaRPr lang="en-US" sz="1200" dirty="0">
+              <a:latin typeface="Courier New" panose="02070309020205020404" pitchFamily="49" charset="0"/>
+              <a:cs typeface="Courier New" panose="02070309020205020404" pitchFamily="49" charset="0"/>
+            </a:endParaRPr>
+          </a:p>
+          <a:p>
+            <a:pPr marL="0" indent="0">
+              <a:buNone/>
+            </a:pPr>
+            <a:r>
+              <a:rPr lang="en-US" sz="1200" dirty="0">
+                <a:latin typeface="Courier New" panose="02070309020205020404" pitchFamily="49" charset="0"/>
+                <a:cs typeface="Courier New" panose="02070309020205020404" pitchFamily="49" charset="0"/>
+              </a:rPr>
+              <a:t>/ Use Nick </a:t>
+            </a:r>
+            <a:r>
+              <a:rPr lang="en-US" sz="1200" dirty="0" err="1">
+                <a:latin typeface="Courier New" panose="02070309020205020404" pitchFamily="49" charset="0"/>
+                <a:cs typeface="Courier New" panose="02070309020205020404" pitchFamily="49" charset="0"/>
+              </a:rPr>
+              <a:t>Psaris</a:t>
+            </a:r>
+            <a:r>
+              <a:rPr lang="en-US" sz="1200" dirty="0">
+                <a:latin typeface="Courier New" panose="02070309020205020404" pitchFamily="49" charset="0"/>
+                <a:cs typeface="Courier New" panose="02070309020205020404" pitchFamily="49" charset="0"/>
+              </a:rPr>
+              <a:t> Box Muller algorithm for </a:t>
+            </a:r>
+          </a:p>
+          <a:p>
+            <a:pPr marL="0" indent="0">
+              <a:buNone/>
+            </a:pPr>
+            <a:r>
+              <a:rPr lang="en-US" sz="1200" dirty="0">
+                <a:latin typeface="Courier New" panose="02070309020205020404" pitchFamily="49" charset="0"/>
+                <a:cs typeface="Courier New" panose="02070309020205020404" pitchFamily="49" charset="0"/>
+              </a:rPr>
+              <a:t>/ generating pairs of independent, standard normally distributed</a:t>
+            </a:r>
+          </a:p>
+          <a:p>
+            <a:pPr marL="0" indent="0">
+              <a:buNone/>
+            </a:pPr>
+            <a:r>
+              <a:rPr lang="en-US" sz="1200" dirty="0">
+                <a:latin typeface="Courier New" panose="02070309020205020404" pitchFamily="49" charset="0"/>
+                <a:cs typeface="Courier New" panose="02070309020205020404" pitchFamily="49" charset="0"/>
+              </a:rPr>
+              <a:t>/ random variables from uniformly distributed random variables</a:t>
+            </a:r>
+          </a:p>
+          <a:p>
+            <a:pPr marL="0" indent="0">
+              <a:buNone/>
+            </a:pPr>
+            <a:r>
+              <a:rPr lang="en-US" sz="1200" dirty="0" err="1">
+                <a:latin typeface="Courier New" panose="02070309020205020404" pitchFamily="49" charset="0"/>
+                <a:cs typeface="Courier New" panose="02070309020205020404" pitchFamily="49" charset="0"/>
+              </a:rPr>
+              <a:t>meas_traj:true_traj</a:t>
+            </a:r>
+            <a:r>
+              <a:rPr lang="en-US" sz="1200" dirty="0">
+                <a:latin typeface="Courier New" panose="02070309020205020404" pitchFamily="49" charset="0"/>
+                <a:cs typeface="Courier New" panose="02070309020205020404" pitchFamily="49" charset="0"/>
+              </a:rPr>
+              <a:t>+</a:t>
+            </a:r>
+          </a:p>
+          <a:p>
+            <a:pPr marL="0" indent="0">
+              <a:buNone/>
+            </a:pPr>
+            <a:r>
+              <a:rPr lang="en-US" sz="1200" dirty="0">
+                <a:latin typeface="Courier New" panose="02070309020205020404" pitchFamily="49" charset="0"/>
+                <a:cs typeface="Courier New" panose="02070309020205020404" pitchFamily="49" charset="0"/>
+              </a:rPr>
+              <a:t>  *[(</a:t>
+            </a:r>
+            <a:r>
+              <a:rPr lang="en-US" sz="1200" dirty="0" err="1">
+                <a:latin typeface="Courier New" panose="02070309020205020404" pitchFamily="49" charset="0"/>
+                <a:cs typeface="Courier New" panose="02070309020205020404" pitchFamily="49" charset="0"/>
+              </a:rPr>
+              <a:t>pos_meas_noise;vel_meas_noise</a:t>
+            </a:r>
+            <a:r>
+              <a:rPr lang="en-US" sz="1200" dirty="0">
+                <a:latin typeface="Courier New" panose="02070309020205020404" pitchFamily="49" charset="0"/>
+                <a:cs typeface="Courier New" panose="02070309020205020404" pitchFamily="49" charset="0"/>
+              </a:rPr>
+              <a:t>)0 0 1 1;]  / scale std dev</a:t>
+            </a:r>
+          </a:p>
+          <a:p>
+            <a:pPr marL="0" indent="0">
+              <a:buNone/>
+            </a:pPr>
+            <a:r>
+              <a:rPr lang="en-US" sz="1200" dirty="0">
+                <a:latin typeface="Courier New" panose="02070309020205020404" pitchFamily="49" charset="0"/>
+                <a:cs typeface="Courier New" panose="02070309020205020404" pitchFamily="49" charset="0"/>
+              </a:rPr>
+              <a:t>  (4 0N)#.stat.bm*[4;count times]?1f;         / measurement errors</a:t>
+            </a:r>
+          </a:p>
+          <a:p>
+            <a:pPr marL="0" indent="0">
+              <a:buNone/>
+            </a:pPr>
+            <a:endParaRPr lang="en-US" sz="1200" dirty="0">
+              <a:latin typeface="Courier New" panose="02070309020205020404" pitchFamily="49" charset="0"/>
+              <a:cs typeface="Courier New" panose="02070309020205020404" pitchFamily="49" charset="0"/>
+            </a:endParaRPr>
+          </a:p>
+        </p:txBody>
+      </p:sp>
+      <p:sp>
+        <p:nvSpPr>
+          <p:cNvPr id="4" name="Content Placeholder 3">
+            <a:extLst>
+              <a:ext uri="{FF2B5EF4-FFF2-40B4-BE49-F238E27FC236}">
+                <a16:creationId xmlns:a16="http://schemas.microsoft.com/office/drawing/2014/main" id="{68634F60-5796-438E-808B-D52176E542F6}"/>
+              </a:ext>
+            </a:extLst>
+          </p:cNvPr>
+          <p:cNvSpPr>
+            <a:spLocks noGrp="1"/>
+          </p:cNvSpPr>
+          <p:nvPr>
+            <p:ph sz="half" idx="2"/>
+          </p:nvPr>
+        </p:nvSpPr>
+        <p:spPr/>
+        <p:txBody>
+          <a:bodyPr>
+            <a:noAutofit/>
+          </a:bodyPr>
+          <a:lstStyle/>
+          <a:p>
+            <a:pPr marL="0" indent="0">
+              <a:buNone/>
+            </a:pPr>
+            <a:r>
+              <a:rPr lang="en-US" sz="1200" dirty="0">
+                <a:latin typeface="Courier New" panose="02070309020205020404" pitchFamily="49" charset="0"/>
+                <a:cs typeface="Courier New" panose="02070309020205020404" pitchFamily="49" charset="0"/>
+              </a:rPr>
+              <a:t>id:{(2#x)#1,x#0};  / Identity matrix from </a:t>
+            </a:r>
+            <a:r>
+              <a:rPr lang="en-US" sz="1200" dirty="0" err="1">
+                <a:latin typeface="Courier New" panose="02070309020205020404" pitchFamily="49" charset="0"/>
+                <a:cs typeface="Courier New" panose="02070309020205020404" pitchFamily="49" charset="0"/>
+              </a:rPr>
+              <a:t>qphrasebook</a:t>
+            </a:r>
+            <a:endParaRPr lang="en-US" sz="1200" dirty="0">
+              <a:latin typeface="Courier New" panose="02070309020205020404" pitchFamily="49" charset="0"/>
+              <a:cs typeface="Courier New" panose="02070309020205020404" pitchFamily="49" charset="0"/>
+            </a:endParaRPr>
+          </a:p>
+          <a:p>
+            <a:pPr marL="0" indent="0">
+              <a:buNone/>
+            </a:pPr>
+            <a:endParaRPr lang="en-US" sz="1200" dirty="0">
+              <a:latin typeface="Courier New" panose="02070309020205020404" pitchFamily="49" charset="0"/>
+              <a:cs typeface="Courier New" panose="02070309020205020404" pitchFamily="49" charset="0"/>
+            </a:endParaRPr>
+          </a:p>
+          <a:p>
+            <a:pPr marL="0" indent="0">
+              <a:buNone/>
+            </a:pPr>
+            <a:r>
+              <a:rPr lang="en-US" sz="1200" dirty="0">
+                <a:latin typeface="Courier New" panose="02070309020205020404" pitchFamily="49" charset="0"/>
+                <a:cs typeface="Courier New" panose="02070309020205020404" pitchFamily="49" charset="0"/>
+              </a:rPr>
+              <a:t>/ Kalman Filter</a:t>
+            </a:r>
+          </a:p>
+          <a:p>
+            <a:pPr marL="0" indent="0">
+              <a:buNone/>
+            </a:pPr>
+            <a:r>
+              <a:rPr lang="en-US" sz="1200" dirty="0">
+                <a:latin typeface="Courier New" panose="02070309020205020404" pitchFamily="49" charset="0"/>
+                <a:cs typeface="Courier New" panose="02070309020205020404" pitchFamily="49" charset="0"/>
+              </a:rPr>
+              <a:t>/ Initialization</a:t>
+            </a:r>
+          </a:p>
+          <a:p>
+            <a:pPr marL="0" indent="0">
+              <a:buNone/>
+            </a:pPr>
+            <a:r>
+              <a:rPr lang="en-US" sz="1200" dirty="0">
+                <a:latin typeface="Courier New" panose="02070309020205020404" pitchFamily="49" charset="0"/>
+                <a:cs typeface="Courier New" panose="02070309020205020404" pitchFamily="49" charset="0"/>
+              </a:rPr>
+              <a:t>/ State vector [x, y, </a:t>
+            </a:r>
+            <a:r>
+              <a:rPr lang="en-US" sz="1200" dirty="0" err="1">
+                <a:latin typeface="Courier New" panose="02070309020205020404" pitchFamily="49" charset="0"/>
+                <a:cs typeface="Courier New" panose="02070309020205020404" pitchFamily="49" charset="0"/>
+              </a:rPr>
+              <a:t>vx</a:t>
+            </a:r>
+            <a:r>
+              <a:rPr lang="en-US" sz="1200" dirty="0">
+                <a:latin typeface="Courier New" panose="02070309020205020404" pitchFamily="49" charset="0"/>
+                <a:cs typeface="Courier New" panose="02070309020205020404" pitchFamily="49" charset="0"/>
+              </a:rPr>
+              <a:t>, </a:t>
+            </a:r>
+            <a:r>
+              <a:rPr lang="en-US" sz="1200" dirty="0" err="1">
+                <a:latin typeface="Courier New" panose="02070309020205020404" pitchFamily="49" charset="0"/>
+                <a:cs typeface="Courier New" panose="02070309020205020404" pitchFamily="49" charset="0"/>
+              </a:rPr>
+              <a:t>vy</a:t>
+            </a:r>
+            <a:r>
+              <a:rPr lang="en-US" sz="1200" dirty="0">
+                <a:latin typeface="Courier New" panose="02070309020205020404" pitchFamily="49" charset="0"/>
+                <a:cs typeface="Courier New" panose="02070309020205020404" pitchFamily="49" charset="0"/>
+              </a:rPr>
+              <a:t>]</a:t>
+            </a:r>
+          </a:p>
+          <a:p>
+            <a:pPr marL="0" indent="0">
+              <a:buNone/>
+            </a:pPr>
+            <a:r>
+              <a:rPr lang="en-US" sz="1200" dirty="0" err="1">
+                <a:latin typeface="Courier New" panose="02070309020205020404" pitchFamily="49" charset="0"/>
+                <a:cs typeface="Courier New" panose="02070309020205020404" pitchFamily="49" charset="0"/>
+              </a:rPr>
+              <a:t>x_est</a:t>
+            </a:r>
+            <a:r>
+              <a:rPr lang="en-US" sz="1200" dirty="0">
+                <a:latin typeface="Courier New" panose="02070309020205020404" pitchFamily="49" charset="0"/>
+                <a:cs typeface="Courier New" panose="02070309020205020404" pitchFamily="49" charset="0"/>
+              </a:rPr>
+              <a:t>:(4;count times)#0f;</a:t>
+            </a:r>
+          </a:p>
+          <a:p>
+            <a:pPr marL="0" indent="0">
+              <a:buNone/>
+            </a:pPr>
+            <a:r>
+              <a:rPr lang="en-US" sz="1200" dirty="0">
+                <a:latin typeface="Courier New" panose="02070309020205020404" pitchFamily="49" charset="0"/>
+                <a:cs typeface="Courier New" panose="02070309020205020404" pitchFamily="49" charset="0"/>
+              </a:rPr>
+              <a:t>P:"f"$id 4;       / State Covariance matrix</a:t>
+            </a:r>
+          </a:p>
+          <a:p>
+            <a:pPr marL="0" indent="0">
+              <a:buNone/>
+            </a:pPr>
+            <a:r>
+              <a:rPr lang="en-US" sz="1200" dirty="0">
+                <a:latin typeface="Courier New" panose="02070309020205020404" pitchFamily="49" charset="0"/>
+                <a:cs typeface="Courier New" panose="02070309020205020404" pitchFamily="49" charset="0"/>
+              </a:rPr>
+              <a:t>R:*[(pos_meas_noise;vel_meas_noise)0 0 1 1;]</a:t>
+            </a:r>
+          </a:p>
+          <a:p>
+            <a:pPr marL="0" indent="0">
+              <a:buNone/>
+            </a:pPr>
+            <a:r>
+              <a:rPr lang="en-US" sz="1200" dirty="0">
+                <a:latin typeface="Courier New" panose="02070309020205020404" pitchFamily="49" charset="0"/>
+                <a:cs typeface="Courier New" panose="02070309020205020404" pitchFamily="49" charset="0"/>
+              </a:rPr>
+              <a:t>  "</a:t>
+            </a:r>
+            <a:r>
+              <a:rPr lang="en-US" sz="1200" dirty="0" err="1">
+                <a:latin typeface="Courier New" panose="02070309020205020404" pitchFamily="49" charset="0"/>
+                <a:cs typeface="Courier New" panose="02070309020205020404" pitchFamily="49" charset="0"/>
+              </a:rPr>
+              <a:t>f"$id</a:t>
+            </a:r>
+            <a:r>
+              <a:rPr lang="en-US" sz="1200" dirty="0">
+                <a:latin typeface="Courier New" panose="02070309020205020404" pitchFamily="49" charset="0"/>
+                <a:cs typeface="Courier New" panose="02070309020205020404" pitchFamily="49" charset="0"/>
+              </a:rPr>
+              <a:t> 4;       / Measurement Noise Covariance</a:t>
+            </a:r>
+          </a:p>
+          <a:p>
+            <a:pPr marL="0" indent="0">
+              <a:buNone/>
+            </a:pPr>
+            <a:r>
+              <a:rPr lang="en-US" sz="1200" dirty="0">
+                <a:latin typeface="Courier New" panose="02070309020205020404" pitchFamily="49" charset="0"/>
+                <a:cs typeface="Courier New" panose="02070309020205020404" pitchFamily="49" charset="0"/>
+              </a:rPr>
+              <a:t>Q:0.005*"</a:t>
+            </a:r>
+            <a:r>
+              <a:rPr lang="en-US" sz="1200" dirty="0" err="1">
+                <a:latin typeface="Courier New" panose="02070309020205020404" pitchFamily="49" charset="0"/>
+                <a:cs typeface="Courier New" panose="02070309020205020404" pitchFamily="49" charset="0"/>
+              </a:rPr>
+              <a:t>f"$id</a:t>
+            </a:r>
+            <a:r>
+              <a:rPr lang="en-US" sz="1200" dirty="0">
+                <a:latin typeface="Courier New" panose="02070309020205020404" pitchFamily="49" charset="0"/>
+                <a:cs typeface="Courier New" panose="02070309020205020404" pitchFamily="49" charset="0"/>
+              </a:rPr>
+              <a:t> 4; / Process Noise Covariance</a:t>
+            </a:r>
+          </a:p>
+          <a:p>
+            <a:pPr marL="0" indent="0">
+              <a:buNone/>
+            </a:pPr>
+            <a:r>
+              <a:rPr lang="en-US" sz="1200" dirty="0">
+                <a:latin typeface="Courier New" panose="02070309020205020404" pitchFamily="49" charset="0"/>
+                <a:cs typeface="Courier New" panose="02070309020205020404" pitchFamily="49" charset="0"/>
+              </a:rPr>
+              <a:t>F:"f"$id 4;       / State Transition Matrix</a:t>
+            </a:r>
+          </a:p>
+          <a:p>
+            <a:pPr marL="0" indent="0">
+              <a:buNone/>
+            </a:pPr>
+            <a:r>
+              <a:rPr lang="en-US" sz="1200" dirty="0">
+                <a:latin typeface="Courier New" panose="02070309020205020404" pitchFamily="49" charset="0"/>
+                <a:cs typeface="Courier New" panose="02070309020205020404" pitchFamily="49" charset="0"/>
+              </a:rPr>
+              <a:t>F:(@[F 0;2;+;dt];@[F 1;3;+;dt];F 2;F 3);</a:t>
+            </a:r>
+          </a:p>
+          <a:p>
+            <a:pPr marL="0" indent="0">
+              <a:buNone/>
+            </a:pPr>
+            <a:r>
+              <a:rPr lang="en-US" sz="1200" dirty="0">
+                <a:latin typeface="Courier New" panose="02070309020205020404" pitchFamily="49" charset="0"/>
+                <a:cs typeface="Courier New" panose="02070309020205020404" pitchFamily="49" charset="0"/>
+              </a:rPr>
+              <a:t>H:"f"$id 4;       / Measurement Matrix (pos and vel)</a:t>
+            </a:r>
+          </a:p>
+          <a:p>
+            <a:pPr marL="0" indent="0">
+              <a:buNone/>
+            </a:pPr>
+            <a:r>
+              <a:rPr lang="en-US" sz="1200" dirty="0">
+                <a:latin typeface="Courier New" panose="02070309020205020404" pitchFamily="49" charset="0"/>
+                <a:cs typeface="Courier New" panose="02070309020205020404" pitchFamily="49" charset="0"/>
+              </a:rPr>
+              <a:t>G:(4;4;count times)#0f;</a:t>
+            </a:r>
+          </a:p>
+        </p:txBody>
+      </p:sp>
+    </p:spTree>
+    <p:extLst>
+      <p:ext uri="{BB962C8B-B14F-4D97-AF65-F5344CB8AC3E}">
+        <p14:creationId xmlns:p14="http://schemas.microsoft.com/office/powerpoint/2010/main" val="654778037"/>
+      </p:ext>
+    </p:extLst>
+  </p:cSld>
+  <p:clrMapOvr>
+    <a:masterClrMapping/>
+  </p:clrMapOvr>
+</p:sld>
+</file>
+
+<file path=ppt/slides/slide15.xml><?xml version="1.0" encoding="utf-8"?>
+<p:sld xmlns:a="http://schemas.openxmlformats.org/drawingml/2006/main" xmlns:r="http://schemas.openxmlformats.org/officeDocument/2006/relationships" xmlns:p="http://schemas.openxmlformats.org/presentationml/2006/main">
+  <p:cSld>
+    <p:spTree>
+      <p:nvGrpSpPr>
+        <p:cNvPr id="1" name="">
+          <a:extLst>
+            <a:ext uri="{FF2B5EF4-FFF2-40B4-BE49-F238E27FC236}">
+              <a16:creationId xmlns:a16="http://schemas.microsoft.com/office/drawing/2014/main" id="{08A4E879-588D-2635-C4A3-EF7E3BAB1F70}"/>
+            </a:ext>
+          </a:extLst>
+        </p:cNvPr>
+        <p:cNvGrpSpPr/>
+        <p:nvPr/>
+      </p:nvGrpSpPr>
+      <p:grpSpPr>
+        <a:xfrm>
+          <a:off x="0" y="0"/>
+          <a:ext cx="0" cy="0"/>
+          <a:chOff x="0" y="0"/>
+          <a:chExt cx="0" cy="0"/>
+        </a:xfrm>
+      </p:grpSpPr>
+      <p:sp>
+        <p:nvSpPr>
+          <p:cNvPr id="2" name="Title 1">
+            <a:extLst>
+              <a:ext uri="{FF2B5EF4-FFF2-40B4-BE49-F238E27FC236}">
+                <a16:creationId xmlns:a16="http://schemas.microsoft.com/office/drawing/2014/main" id="{2AF7D448-98B9-51E5-7051-C3158C092426}"/>
+              </a:ext>
+            </a:extLst>
+          </p:cNvPr>
+          <p:cNvSpPr>
+            <a:spLocks noGrp="1"/>
+          </p:cNvSpPr>
+          <p:nvPr>
+            <p:ph type="title"/>
+          </p:nvPr>
+        </p:nvSpPr>
+        <p:spPr/>
+        <p:txBody>
+          <a:bodyPr/>
+          <a:lstStyle/>
+          <a:p>
+            <a:r>
+              <a:rPr lang="en-US" dirty="0"/>
+              <a:t>q/KDB+ Code</a:t>
+            </a:r>
+          </a:p>
+        </p:txBody>
+      </p:sp>
+      <p:sp>
+        <p:nvSpPr>
+          <p:cNvPr id="3" name="Content Placeholder 2">
+            <a:extLst>
+              <a:ext uri="{FF2B5EF4-FFF2-40B4-BE49-F238E27FC236}">
+                <a16:creationId xmlns:a16="http://schemas.microsoft.com/office/drawing/2014/main" id="{FBD846BA-9DC5-1D50-741D-E8E3A1C2B0AB}"/>
+              </a:ext>
+            </a:extLst>
+          </p:cNvPr>
+          <p:cNvSpPr>
+            <a:spLocks noGrp="1"/>
+          </p:cNvSpPr>
+          <p:nvPr>
+            <p:ph sz="half" idx="1"/>
+          </p:nvPr>
+        </p:nvSpPr>
+        <p:spPr>
+          <a:xfrm>
+            <a:off x="685800" y="1781094"/>
+            <a:ext cx="5334000" cy="4024125"/>
+          </a:xfrm>
+        </p:spPr>
+        <p:txBody>
+          <a:bodyPr>
+            <a:noAutofit/>
+          </a:bodyPr>
+          <a:lstStyle/>
+          <a:p>
+            <a:pPr marL="0" indent="0">
+              <a:buNone/>
+            </a:pPr>
+            <a:r>
+              <a:rPr lang="en-US" sz="1200" dirty="0">
+                <a:latin typeface="Courier New" panose="02070309020205020404" pitchFamily="49" charset="0"/>
+                <a:cs typeface="Courier New" panose="02070309020205020404" pitchFamily="49" charset="0"/>
+              </a:rPr>
+              <a:t>/ KF Prediction Step</a:t>
+            </a:r>
+          </a:p>
+          <a:p>
+            <a:pPr marL="0" indent="0">
+              <a:buNone/>
+            </a:pPr>
+            <a:r>
+              <a:rPr lang="en-US" sz="1200" dirty="0">
+                <a:latin typeface="Courier New" panose="02070309020205020404" pitchFamily="49" charset="0"/>
+                <a:cs typeface="Courier New" panose="02070309020205020404" pitchFamily="49" charset="0"/>
+              </a:rPr>
+              <a:t>// Predict next state using </a:t>
+            </a:r>
+            <a:r>
+              <a:rPr lang="en-US" sz="1200" dirty="0" err="1">
+                <a:latin typeface="Courier New" panose="02070309020205020404" pitchFamily="49" charset="0"/>
+                <a:cs typeface="Courier New" panose="02070309020205020404" pitchFamily="49" charset="0"/>
+              </a:rPr>
+              <a:t>prev</a:t>
+            </a:r>
+            <a:r>
+              <a:rPr lang="en-US" sz="1200" dirty="0">
+                <a:latin typeface="Courier New" panose="02070309020205020404" pitchFamily="49" charset="0"/>
+                <a:cs typeface="Courier New" panose="02070309020205020404" pitchFamily="49" charset="0"/>
+              </a:rPr>
+              <a:t> state and the F, state transition matrix</a:t>
+            </a:r>
+          </a:p>
+          <a:p>
+            <a:pPr marL="0" indent="0">
+              <a:buNone/>
+            </a:pPr>
+            <a:r>
+              <a:rPr lang="en-US" sz="1200" dirty="0">
+                <a:latin typeface="Courier New" panose="02070309020205020404" pitchFamily="49" charset="0"/>
+                <a:cs typeface="Courier New" panose="02070309020205020404" pitchFamily="49" charset="0"/>
+              </a:rPr>
+              <a:t>// Predict state uncertainty (update P, covariance matrix using Q, process noise</a:t>
+            </a:r>
+          </a:p>
+          <a:p>
+            <a:pPr marL="0" indent="0">
+              <a:buNone/>
+            </a:pPr>
+            <a:r>
+              <a:rPr lang="en-US" sz="1200" dirty="0" err="1">
+                <a:latin typeface="Courier New" panose="02070309020205020404" pitchFamily="49" charset="0"/>
+                <a:cs typeface="Courier New" panose="02070309020205020404" pitchFamily="49" charset="0"/>
+              </a:rPr>
+              <a:t>predictState</a:t>
+            </a:r>
+            <a:r>
+              <a:rPr lang="en-US" sz="1200" dirty="0">
+                <a:latin typeface="Courier New" panose="02070309020205020404" pitchFamily="49" charset="0"/>
+                <a:cs typeface="Courier New" panose="02070309020205020404" pitchFamily="49" charset="0"/>
+              </a:rPr>
+              <a:t>:{[</a:t>
+            </a:r>
+            <a:r>
+              <a:rPr lang="en-US" sz="1200" dirty="0" err="1">
+                <a:latin typeface="Courier New" panose="02070309020205020404" pitchFamily="49" charset="0"/>
+                <a:cs typeface="Courier New" panose="02070309020205020404" pitchFamily="49" charset="0"/>
+              </a:rPr>
+              <a:t>F;ps;P;Q</a:t>
+            </a:r>
+            <a:r>
+              <a:rPr lang="en-US" sz="1200" dirty="0">
+                <a:latin typeface="Courier New" panose="02070309020205020404" pitchFamily="49" charset="0"/>
+                <a:cs typeface="Courier New" panose="02070309020205020404" pitchFamily="49" charset="0"/>
+              </a:rPr>
+              <a:t>]</a:t>
+            </a:r>
+          </a:p>
+          <a:p>
+            <a:pPr marL="0" indent="0">
+              <a:buNone/>
+            </a:pPr>
+            <a:r>
+              <a:rPr lang="en-US" sz="1200" dirty="0">
+                <a:latin typeface="Courier New" panose="02070309020205020404" pitchFamily="49" charset="0"/>
+                <a:cs typeface="Courier New" panose="02070309020205020404" pitchFamily="49" charset="0"/>
+              </a:rPr>
+              <a:t>  </a:t>
+            </a:r>
+            <a:r>
+              <a:rPr lang="en-US" sz="1200" dirty="0" err="1">
+                <a:latin typeface="Courier New" panose="02070309020205020404" pitchFamily="49" charset="0"/>
+                <a:cs typeface="Courier New" panose="02070309020205020404" pitchFamily="49" charset="0"/>
+              </a:rPr>
+              <a:t>ns:F$ps</a:t>
+            </a:r>
+            <a:r>
+              <a:rPr lang="en-US" sz="1200" dirty="0">
+                <a:latin typeface="Courier New" panose="02070309020205020404" pitchFamily="49" charset="0"/>
+                <a:cs typeface="Courier New" panose="02070309020205020404" pitchFamily="49" charset="0"/>
+              </a:rPr>
+              <a:t>;                / predicted next state</a:t>
+            </a:r>
+          </a:p>
+          <a:p>
+            <a:pPr marL="0" indent="0">
+              <a:buNone/>
+            </a:pPr>
+            <a:r>
+              <a:rPr lang="en-US" sz="1200" dirty="0">
+                <a:latin typeface="Courier New" panose="02070309020205020404" pitchFamily="49" charset="0"/>
+                <a:cs typeface="Courier New" panose="02070309020205020404" pitchFamily="49" charset="0"/>
+              </a:rPr>
+              <a:t>  </a:t>
+            </a:r>
+            <a:r>
+              <a:rPr lang="en-US" sz="1200" dirty="0" err="1">
+                <a:latin typeface="Courier New" panose="02070309020205020404" pitchFamily="49" charset="0"/>
+                <a:cs typeface="Courier New" panose="02070309020205020404" pitchFamily="49" charset="0"/>
+              </a:rPr>
+              <a:t>nP</a:t>
+            </a:r>
+            <a:r>
+              <a:rPr lang="en-US" sz="1200" dirty="0">
+                <a:latin typeface="Courier New" panose="02070309020205020404" pitchFamily="49" charset="0"/>
+                <a:cs typeface="Courier New" panose="02070309020205020404" pitchFamily="49" charset="0"/>
+              </a:rPr>
+              <a:t>:$[F;$[</a:t>
+            </a:r>
+            <a:r>
+              <a:rPr lang="en-US" sz="1200" dirty="0" err="1">
+                <a:latin typeface="Courier New" panose="02070309020205020404" pitchFamily="49" charset="0"/>
+                <a:cs typeface="Courier New" panose="02070309020205020404" pitchFamily="49" charset="0"/>
+              </a:rPr>
+              <a:t>P;flip</a:t>
+            </a:r>
+            <a:r>
+              <a:rPr lang="en-US" sz="1200" dirty="0">
+                <a:latin typeface="Courier New" panose="02070309020205020404" pitchFamily="49" charset="0"/>
+                <a:cs typeface="Courier New" panose="02070309020205020404" pitchFamily="49" charset="0"/>
+              </a:rPr>
+              <a:t> F]]+Q;  / predicted next P</a:t>
+            </a:r>
+          </a:p>
+          <a:p>
+            <a:pPr marL="0" indent="0">
+              <a:buNone/>
+            </a:pPr>
+            <a:r>
+              <a:rPr lang="en-US" sz="1200" dirty="0">
+                <a:latin typeface="Courier New" panose="02070309020205020404" pitchFamily="49" charset="0"/>
+                <a:cs typeface="Courier New" panose="02070309020205020404" pitchFamily="49" charset="0"/>
+              </a:rPr>
+              <a:t>  (</a:t>
+            </a:r>
+            <a:r>
+              <a:rPr lang="en-US" sz="1200" dirty="0" err="1">
+                <a:latin typeface="Courier New" panose="02070309020205020404" pitchFamily="49" charset="0"/>
+                <a:cs typeface="Courier New" panose="02070309020205020404" pitchFamily="49" charset="0"/>
+              </a:rPr>
+              <a:t>ns;nP</a:t>
+            </a:r>
+            <a:r>
+              <a:rPr lang="en-US" sz="1200" dirty="0">
+                <a:latin typeface="Courier New" panose="02070309020205020404" pitchFamily="49" charset="0"/>
+                <a:cs typeface="Courier New" panose="02070309020205020404" pitchFamily="49" charset="0"/>
+              </a:rPr>
+              <a:t>)</a:t>
+            </a:r>
+          </a:p>
+          <a:p>
+            <a:pPr marL="0" indent="0">
+              <a:buNone/>
+            </a:pPr>
+            <a:r>
+              <a:rPr lang="en-US" sz="1200" dirty="0">
+                <a:latin typeface="Courier New" panose="02070309020205020404" pitchFamily="49" charset="0"/>
+                <a:cs typeface="Courier New" panose="02070309020205020404" pitchFamily="49" charset="0"/>
+              </a:rPr>
+              <a:t>  };</a:t>
+            </a:r>
+          </a:p>
+          <a:p>
+            <a:pPr marL="0" indent="0">
+              <a:buNone/>
+            </a:pPr>
+            <a:endParaRPr lang="en-US" sz="1200" dirty="0">
+              <a:latin typeface="Courier New" panose="02070309020205020404" pitchFamily="49" charset="0"/>
+              <a:cs typeface="Courier New" panose="02070309020205020404" pitchFamily="49" charset="0"/>
+            </a:endParaRPr>
+          </a:p>
+          <a:p>
+            <a:pPr marL="0" indent="0">
+              <a:buNone/>
+            </a:pPr>
+            <a:r>
+              <a:rPr lang="en-US" sz="1200" dirty="0">
+                <a:latin typeface="Courier New" panose="02070309020205020404" pitchFamily="49" charset="0"/>
+                <a:cs typeface="Courier New" panose="02070309020205020404" pitchFamily="49" charset="0"/>
+              </a:rPr>
+              <a:t>// Kalman Gain (K) weight of measurement vs prediction</a:t>
+            </a:r>
+          </a:p>
+          <a:p>
+            <a:pPr marL="0" indent="0">
+              <a:buNone/>
+            </a:pPr>
+            <a:r>
+              <a:rPr lang="en-US" sz="1200" dirty="0">
+                <a:latin typeface="Courier New" panose="02070309020205020404" pitchFamily="49" charset="0"/>
+                <a:cs typeface="Courier New" panose="02070309020205020404" pitchFamily="49" charset="0"/>
+              </a:rPr>
+              <a:t>// done in the update step</a:t>
+            </a:r>
+          </a:p>
+          <a:p>
+            <a:pPr marL="0" indent="0">
+              <a:buNone/>
+            </a:pPr>
+            <a:r>
+              <a:rPr lang="en-US" sz="1200" dirty="0" err="1">
+                <a:latin typeface="Courier New" panose="02070309020205020404" pitchFamily="49" charset="0"/>
+                <a:cs typeface="Courier New" panose="02070309020205020404" pitchFamily="49" charset="0"/>
+              </a:rPr>
+              <a:t>computeKalmanGain</a:t>
+            </a:r>
+            <a:r>
+              <a:rPr lang="en-US" sz="1200" dirty="0">
+                <a:latin typeface="Courier New" panose="02070309020205020404" pitchFamily="49" charset="0"/>
+                <a:cs typeface="Courier New" panose="02070309020205020404" pitchFamily="49" charset="0"/>
+              </a:rPr>
+              <a:t>:{[</a:t>
+            </a:r>
+            <a:r>
+              <a:rPr lang="en-US" sz="1200" dirty="0" err="1">
+                <a:latin typeface="Courier New" panose="02070309020205020404" pitchFamily="49" charset="0"/>
+                <a:cs typeface="Courier New" panose="02070309020205020404" pitchFamily="49" charset="0"/>
+              </a:rPr>
+              <a:t>H;pP;R</a:t>
+            </a:r>
+            <a:r>
+              <a:rPr lang="en-US" sz="1200" dirty="0">
+                <a:latin typeface="Courier New" panose="02070309020205020404" pitchFamily="49" charset="0"/>
+                <a:cs typeface="Courier New" panose="02070309020205020404" pitchFamily="49" charset="0"/>
+              </a:rPr>
+              <a:t>]</a:t>
+            </a:r>
+          </a:p>
+          <a:p>
+            <a:pPr marL="0" indent="0">
+              <a:buNone/>
+            </a:pPr>
+            <a:r>
+              <a:rPr lang="en-US" sz="1200" dirty="0">
+                <a:latin typeface="Courier New" panose="02070309020205020404" pitchFamily="49" charset="0"/>
+                <a:cs typeface="Courier New" panose="02070309020205020404" pitchFamily="49" charset="0"/>
+              </a:rPr>
+              <a:t>  S:$[H;$[pP;flip H]]+R;   / intermediate matrix for inversion</a:t>
+            </a:r>
+          </a:p>
+          <a:p>
+            <a:pPr marL="0" indent="0">
+              <a:buNone/>
+            </a:pPr>
+            <a:r>
+              <a:rPr lang="en-US" sz="1200" dirty="0">
+                <a:latin typeface="Courier New" panose="02070309020205020404" pitchFamily="49" charset="0"/>
+                <a:cs typeface="Courier New" panose="02070309020205020404" pitchFamily="49" charset="0"/>
+              </a:rPr>
+              <a:t>  K:$[pP;$[flip </a:t>
+            </a:r>
+            <a:r>
+              <a:rPr lang="en-US" sz="1200" dirty="0" err="1">
+                <a:latin typeface="Courier New" panose="02070309020205020404" pitchFamily="49" charset="0"/>
+                <a:cs typeface="Courier New" panose="02070309020205020404" pitchFamily="49" charset="0"/>
+              </a:rPr>
+              <a:t>H;inv</a:t>
+            </a:r>
+            <a:r>
+              <a:rPr lang="en-US" sz="1200" dirty="0">
+                <a:latin typeface="Courier New" panose="02070309020205020404" pitchFamily="49" charset="0"/>
+                <a:cs typeface="Courier New" panose="02070309020205020404" pitchFamily="49" charset="0"/>
+              </a:rPr>
+              <a:t> S]]  / inv uses LU decomposition</a:t>
+            </a:r>
+          </a:p>
+          <a:p>
+            <a:pPr marL="0" indent="0">
+              <a:buNone/>
+            </a:pPr>
+            <a:r>
+              <a:rPr lang="en-US" sz="1200" dirty="0">
+                <a:latin typeface="Courier New" panose="02070309020205020404" pitchFamily="49" charset="0"/>
+                <a:cs typeface="Courier New" panose="02070309020205020404" pitchFamily="49" charset="0"/>
+              </a:rPr>
+              <a:t>  };</a:t>
+            </a:r>
+          </a:p>
+          <a:p>
+            <a:pPr marL="0" indent="0">
+              <a:buNone/>
+            </a:pPr>
+            <a:endParaRPr lang="en-US" sz="1200" dirty="0">
+              <a:latin typeface="Courier New" panose="02070309020205020404" pitchFamily="49" charset="0"/>
+              <a:cs typeface="Courier New" panose="02070309020205020404" pitchFamily="49" charset="0"/>
+            </a:endParaRPr>
+          </a:p>
+          <a:p>
+            <a:pPr marL="0" indent="0">
+              <a:buNone/>
+            </a:pPr>
+            <a:endParaRPr lang="en-US" sz="1200" dirty="0">
+              <a:latin typeface="Courier New" panose="02070309020205020404" pitchFamily="49" charset="0"/>
+              <a:cs typeface="Courier New" panose="02070309020205020404" pitchFamily="49" charset="0"/>
+            </a:endParaRPr>
+          </a:p>
+        </p:txBody>
+      </p:sp>
+      <p:sp>
+        <p:nvSpPr>
+          <p:cNvPr id="4" name="Content Placeholder 3">
+            <a:extLst>
+              <a:ext uri="{FF2B5EF4-FFF2-40B4-BE49-F238E27FC236}">
+                <a16:creationId xmlns:a16="http://schemas.microsoft.com/office/drawing/2014/main" id="{24841473-FA2A-9375-7987-F3417A564432}"/>
+              </a:ext>
+            </a:extLst>
+          </p:cNvPr>
+          <p:cNvSpPr>
+            <a:spLocks noGrp="1"/>
+          </p:cNvSpPr>
+          <p:nvPr>
+            <p:ph sz="half" idx="2"/>
+          </p:nvPr>
+        </p:nvSpPr>
+        <p:spPr>
+          <a:xfrm>
+            <a:off x="6172200" y="1781094"/>
+            <a:ext cx="5334000" cy="4024125"/>
+          </a:xfrm>
+        </p:spPr>
+        <p:txBody>
+          <a:bodyPr>
+            <a:noAutofit/>
+          </a:bodyPr>
+          <a:lstStyle/>
+          <a:p>
+            <a:pPr marL="0" indent="0">
+              <a:buNone/>
+            </a:pPr>
+            <a:r>
+              <a:rPr lang="en-US" sz="1200" dirty="0">
+                <a:latin typeface="Courier New" panose="02070309020205020404" pitchFamily="49" charset="0"/>
+                <a:cs typeface="Courier New" panose="02070309020205020404" pitchFamily="49" charset="0"/>
+              </a:rPr>
+              <a:t>/ KF Update Step</a:t>
+            </a:r>
+          </a:p>
+          <a:p>
+            <a:pPr marL="0" indent="0">
+              <a:buNone/>
+            </a:pPr>
+            <a:r>
+              <a:rPr lang="en-US" sz="1200" dirty="0">
+                <a:latin typeface="Courier New" panose="02070309020205020404" pitchFamily="49" charset="0"/>
+                <a:cs typeface="Courier New" panose="02070309020205020404" pitchFamily="49" charset="0"/>
+              </a:rPr>
+              <a:t>// Update corrects predicted state with new measurement</a:t>
+            </a:r>
+          </a:p>
+          <a:p>
+            <a:pPr marL="0" indent="0">
+              <a:buNone/>
+            </a:pPr>
+            <a:r>
+              <a:rPr lang="en-US" sz="1200" dirty="0">
+                <a:latin typeface="Courier New" panose="02070309020205020404" pitchFamily="49" charset="0"/>
+                <a:cs typeface="Courier New" panose="02070309020205020404" pitchFamily="49" charset="0"/>
+              </a:rPr>
+              <a:t>// Kalman Gain (K) adjusts predicted state based on the measurement residual</a:t>
+            </a:r>
+          </a:p>
+          <a:p>
+            <a:pPr marL="0" indent="0">
+              <a:buNone/>
+            </a:pPr>
+            <a:r>
+              <a:rPr lang="en-US" sz="1200" dirty="0">
+                <a:latin typeface="Courier New" panose="02070309020205020404" pitchFamily="49" charset="0"/>
+                <a:cs typeface="Courier New" panose="02070309020205020404" pitchFamily="49" charset="0"/>
+              </a:rPr>
+              <a:t>// Update state estimate and uncertainty (covariance)</a:t>
+            </a:r>
+          </a:p>
+          <a:p>
+            <a:pPr marL="0" indent="0">
+              <a:buNone/>
+            </a:pPr>
+            <a:r>
+              <a:rPr lang="en-US" sz="1200" dirty="0" err="1">
+                <a:latin typeface="Courier New" panose="02070309020205020404" pitchFamily="49" charset="0"/>
+                <a:cs typeface="Courier New" panose="02070309020205020404" pitchFamily="49" charset="0"/>
+              </a:rPr>
+              <a:t>updateStateEstimate</a:t>
+            </a:r>
+            <a:r>
+              <a:rPr lang="en-US" sz="1200" dirty="0">
+                <a:latin typeface="Courier New" panose="02070309020205020404" pitchFamily="49" charset="0"/>
+                <a:cs typeface="Courier New" panose="02070309020205020404" pitchFamily="49" charset="0"/>
+              </a:rPr>
+              <a:t>:{[</a:t>
+            </a:r>
+            <a:r>
+              <a:rPr lang="en-US" sz="1200" dirty="0" err="1">
+                <a:latin typeface="Courier New" panose="02070309020205020404" pitchFamily="49" charset="0"/>
+                <a:cs typeface="Courier New" panose="02070309020205020404" pitchFamily="49" charset="0"/>
+              </a:rPr>
+              <a:t>H;pP;R;ms;ps</a:t>
+            </a:r>
+            <a:r>
+              <a:rPr lang="en-US" sz="1200" dirty="0">
+                <a:latin typeface="Courier New" panose="02070309020205020404" pitchFamily="49" charset="0"/>
+                <a:cs typeface="Courier New" panose="02070309020205020404" pitchFamily="49" charset="0"/>
+              </a:rPr>
+              <a:t>]</a:t>
+            </a:r>
+          </a:p>
+          <a:p>
+            <a:pPr marL="0" indent="0">
+              <a:buNone/>
+            </a:pPr>
+            <a:r>
+              <a:rPr lang="en-US" sz="1200" dirty="0">
+                <a:latin typeface="Courier New" panose="02070309020205020404" pitchFamily="49" charset="0"/>
+                <a:cs typeface="Courier New" panose="02070309020205020404" pitchFamily="49" charset="0"/>
+              </a:rPr>
+              <a:t>  id:{(2#x)#1,x#0};</a:t>
+            </a:r>
+          </a:p>
+          <a:p>
+            <a:pPr marL="0" indent="0">
+              <a:buNone/>
+            </a:pPr>
+            <a:r>
+              <a:rPr lang="en-US" sz="1200" dirty="0">
+                <a:latin typeface="Courier New" panose="02070309020205020404" pitchFamily="49" charset="0"/>
+                <a:cs typeface="Courier New" panose="02070309020205020404" pitchFamily="49" charset="0"/>
+              </a:rPr>
+              <a:t>  I:"f"$id 4;    / Identity Matrix</a:t>
+            </a:r>
+          </a:p>
+          <a:p>
+            <a:pPr marL="0" indent="0">
+              <a:buNone/>
+            </a:pPr>
+            <a:r>
+              <a:rPr lang="en-US" sz="1200" dirty="0">
+                <a:latin typeface="Courier New" panose="02070309020205020404" pitchFamily="49" charset="0"/>
+                <a:cs typeface="Courier New" panose="02070309020205020404" pitchFamily="49" charset="0"/>
+              </a:rPr>
+              <a:t>  K:computeKalmanGain[H;pP;R];</a:t>
+            </a:r>
+          </a:p>
+          <a:p>
+            <a:pPr marL="0" indent="0">
+              <a:buNone/>
+            </a:pPr>
+            <a:endParaRPr lang="en-US" sz="1200" dirty="0">
+              <a:latin typeface="Courier New" panose="02070309020205020404" pitchFamily="49" charset="0"/>
+              <a:cs typeface="Courier New" panose="02070309020205020404" pitchFamily="49" charset="0"/>
+            </a:endParaRPr>
+          </a:p>
+          <a:p>
+            <a:pPr marL="0" indent="0">
+              <a:buNone/>
+            </a:pPr>
+            <a:r>
+              <a:rPr lang="en-US" sz="1200" dirty="0">
+                <a:latin typeface="Courier New" panose="02070309020205020404" pitchFamily="49" charset="0"/>
+                <a:cs typeface="Courier New" panose="02070309020205020404" pitchFamily="49" charset="0"/>
+              </a:rPr>
+              <a:t>  y:ms-$[H;ps];  / measurement residuals</a:t>
+            </a:r>
+          </a:p>
+          <a:p>
+            <a:pPr marL="0" indent="0">
+              <a:buNone/>
+            </a:pPr>
+            <a:r>
+              <a:rPr lang="en-US" sz="1200" dirty="0">
+                <a:latin typeface="Courier New" panose="02070309020205020404" pitchFamily="49" charset="0"/>
+                <a:cs typeface="Courier New" panose="02070309020205020404" pitchFamily="49" charset="0"/>
+              </a:rPr>
+              <a:t>  </a:t>
+            </a:r>
+            <a:r>
+              <a:rPr lang="en-US" sz="1200" dirty="0" err="1">
+                <a:latin typeface="Courier New" panose="02070309020205020404" pitchFamily="49" charset="0"/>
+                <a:cs typeface="Courier New" panose="02070309020205020404" pitchFamily="49" charset="0"/>
+              </a:rPr>
+              <a:t>es:ps</a:t>
+            </a:r>
+            <a:r>
+              <a:rPr lang="en-US" sz="1200" dirty="0">
+                <a:latin typeface="Courier New" panose="02070309020205020404" pitchFamily="49" charset="0"/>
+                <a:cs typeface="Courier New" panose="02070309020205020404" pitchFamily="49" charset="0"/>
+              </a:rPr>
+              <a:t>+$[</a:t>
+            </a:r>
+            <a:r>
+              <a:rPr lang="en-US" sz="1200" dirty="0" err="1">
+                <a:latin typeface="Courier New" panose="02070309020205020404" pitchFamily="49" charset="0"/>
+                <a:cs typeface="Courier New" panose="02070309020205020404" pitchFamily="49" charset="0"/>
+              </a:rPr>
+              <a:t>K;y</a:t>
+            </a:r>
+            <a:r>
+              <a:rPr lang="en-US" sz="1200" dirty="0">
+                <a:latin typeface="Courier New" panose="02070309020205020404" pitchFamily="49" charset="0"/>
+                <a:cs typeface="Courier New" panose="02070309020205020404" pitchFamily="49" charset="0"/>
+              </a:rPr>
+              <a:t>];  / new state </a:t>
+            </a:r>
+            <a:r>
+              <a:rPr lang="en-US" sz="1200" dirty="0" err="1">
+                <a:latin typeface="Courier New" panose="02070309020205020404" pitchFamily="49" charset="0"/>
+                <a:cs typeface="Courier New" panose="02070309020205020404" pitchFamily="49" charset="0"/>
+              </a:rPr>
+              <a:t>estimat</a:t>
+            </a:r>
+            <a:endParaRPr lang="en-US" sz="1200" dirty="0">
+              <a:latin typeface="Courier New" panose="02070309020205020404" pitchFamily="49" charset="0"/>
+              <a:cs typeface="Courier New" panose="02070309020205020404" pitchFamily="49" charset="0"/>
+            </a:endParaRPr>
+          </a:p>
+          <a:p>
+            <a:pPr marL="0" indent="0">
+              <a:buNone/>
+            </a:pPr>
+            <a:endParaRPr lang="en-US" sz="1200" dirty="0">
+              <a:latin typeface="Courier New" panose="02070309020205020404" pitchFamily="49" charset="0"/>
+              <a:cs typeface="Courier New" panose="02070309020205020404" pitchFamily="49" charset="0"/>
+            </a:endParaRPr>
+          </a:p>
+          <a:p>
+            <a:pPr marL="0" indent="0">
+              <a:buNone/>
+            </a:pPr>
+            <a:r>
+              <a:rPr lang="en-US" sz="1200" dirty="0">
+                <a:latin typeface="Courier New" panose="02070309020205020404" pitchFamily="49" charset="0"/>
+                <a:cs typeface="Courier New" panose="02070309020205020404" pitchFamily="49" charset="0"/>
+              </a:rPr>
+              <a:t>  P:$[I-$[K;H];pP];</a:t>
+            </a:r>
+          </a:p>
+          <a:p>
+            <a:pPr marL="0" indent="0">
+              <a:buNone/>
+            </a:pPr>
+            <a:r>
+              <a:rPr lang="en-US" sz="1200" dirty="0">
+                <a:latin typeface="Courier New" panose="02070309020205020404" pitchFamily="49" charset="0"/>
+                <a:cs typeface="Courier New" panose="02070309020205020404" pitchFamily="49" charset="0"/>
+              </a:rPr>
+              <a:t>  (</a:t>
+            </a:r>
+            <a:r>
+              <a:rPr lang="en-US" sz="1200" dirty="0" err="1">
+                <a:latin typeface="Courier New" panose="02070309020205020404" pitchFamily="49" charset="0"/>
+                <a:cs typeface="Courier New" panose="02070309020205020404" pitchFamily="49" charset="0"/>
+              </a:rPr>
+              <a:t>K;es;P</a:t>
+            </a:r>
+            <a:r>
+              <a:rPr lang="en-US" sz="1200" dirty="0">
+                <a:latin typeface="Courier New" panose="02070309020205020404" pitchFamily="49" charset="0"/>
+                <a:cs typeface="Courier New" panose="02070309020205020404" pitchFamily="49" charset="0"/>
+              </a:rPr>
+              <a:t>)</a:t>
+            </a:r>
+          </a:p>
+          <a:p>
+            <a:pPr marL="0" indent="0">
+              <a:buNone/>
+            </a:pPr>
+            <a:r>
+              <a:rPr lang="en-US" sz="1200" dirty="0">
+                <a:latin typeface="Courier New" panose="02070309020205020404" pitchFamily="49" charset="0"/>
+                <a:cs typeface="Courier New" panose="02070309020205020404" pitchFamily="49" charset="0"/>
+              </a:rPr>
+              <a:t>  };</a:t>
+            </a:r>
+          </a:p>
+        </p:txBody>
+      </p:sp>
+    </p:spTree>
+    <p:extLst>
+      <p:ext uri="{BB962C8B-B14F-4D97-AF65-F5344CB8AC3E}">
+        <p14:creationId xmlns:p14="http://schemas.microsoft.com/office/powerpoint/2010/main" val="477491162"/>
+      </p:ext>
+    </p:extLst>
+  </p:cSld>
+  <p:clrMapOvr>
+    <a:masterClrMapping/>
+  </p:clrMapOvr>
+</p:sld>
+</file>
+
 <file path=ppt/slides/slide16.xml><?xml version="1.0" encoding="utf-8"?>
+<p:sld xmlns:a="http://schemas.openxmlformats.org/drawingml/2006/main" xmlns:r="http://schemas.openxmlformats.org/officeDocument/2006/relationships" xmlns:p="http://schemas.openxmlformats.org/presentationml/2006/main">
+  <p:cSld>
+    <p:spTree>
+      <p:nvGrpSpPr>
+        <p:cNvPr id="1" name="">
+          <a:extLst>
+            <a:ext uri="{FF2B5EF4-FFF2-40B4-BE49-F238E27FC236}">
+              <a16:creationId xmlns:a16="http://schemas.microsoft.com/office/drawing/2014/main" id="{A5B602AE-3B46-7282-B3AC-50065CC620EA}"/>
+            </a:ext>
+          </a:extLst>
+        </p:cNvPr>
+        <p:cNvGrpSpPr/>
+        <p:nvPr/>
+      </p:nvGrpSpPr>
+      <p:grpSpPr>
+        <a:xfrm>
+          <a:off x="0" y="0"/>
+          <a:ext cx="0" cy="0"/>
+          <a:chOff x="0" y="0"/>
+          <a:chExt cx="0" cy="0"/>
+        </a:xfrm>
+      </p:grpSpPr>
+      <p:sp>
+        <p:nvSpPr>
+          <p:cNvPr id="2" name="Title 1">
+            <a:extLst>
+              <a:ext uri="{FF2B5EF4-FFF2-40B4-BE49-F238E27FC236}">
+                <a16:creationId xmlns:a16="http://schemas.microsoft.com/office/drawing/2014/main" id="{F0CE6DCA-1AB5-21B2-2CCC-B975B6B50268}"/>
+              </a:ext>
+            </a:extLst>
+          </p:cNvPr>
+          <p:cNvSpPr>
+            <a:spLocks noGrp="1"/>
+          </p:cNvSpPr>
+          <p:nvPr>
+            <p:ph type="title"/>
+          </p:nvPr>
+        </p:nvSpPr>
+        <p:spPr/>
+        <p:txBody>
+          <a:bodyPr/>
+          <a:lstStyle/>
+          <a:p>
+            <a:r>
+              <a:rPr lang="en-US" dirty="0"/>
+              <a:t>q/KDB+ Code</a:t>
+            </a:r>
+          </a:p>
+        </p:txBody>
+      </p:sp>
+      <p:sp>
+        <p:nvSpPr>
+          <p:cNvPr id="3" name="Content Placeholder 2">
+            <a:extLst>
+              <a:ext uri="{FF2B5EF4-FFF2-40B4-BE49-F238E27FC236}">
+                <a16:creationId xmlns:a16="http://schemas.microsoft.com/office/drawing/2014/main" id="{5B057E8E-46F6-CD65-965D-89B46CCB098D}"/>
+              </a:ext>
+            </a:extLst>
+          </p:cNvPr>
+          <p:cNvSpPr>
+            <a:spLocks noGrp="1"/>
+          </p:cNvSpPr>
+          <p:nvPr>
+            <p:ph sz="half" idx="1"/>
+          </p:nvPr>
+        </p:nvSpPr>
+        <p:spPr/>
+        <p:txBody>
+          <a:bodyPr>
+            <a:noAutofit/>
+          </a:bodyPr>
+          <a:lstStyle/>
+          <a:p>
+            <a:pPr marL="0" indent="0">
+              <a:buNone/>
+            </a:pPr>
+            <a:r>
+              <a:rPr lang="en-US" sz="1200" dirty="0">
+                <a:latin typeface="Courier New" panose="02070309020205020404" pitchFamily="49" charset="0"/>
+                <a:cs typeface="Courier New" panose="02070309020205020404" pitchFamily="49" charset="0"/>
+              </a:rPr>
+              <a:t>// Run the Kalman Filter</a:t>
+            </a:r>
+          </a:p>
+          <a:p>
+            <a:pPr marL="0" indent="0">
+              <a:buNone/>
+            </a:pPr>
+            <a:r>
+              <a:rPr lang="en-US" sz="1200" dirty="0">
+                <a:latin typeface="Courier New" panose="02070309020205020404" pitchFamily="49" charset="0"/>
+                <a:cs typeface="Courier New" panose="02070309020205020404" pitchFamily="49" charset="0"/>
+              </a:rPr>
+              <a:t>idx:0;</a:t>
+            </a:r>
+          </a:p>
+          <a:p>
+            <a:pPr marL="0" indent="0">
+              <a:buNone/>
+            </a:pPr>
+            <a:r>
+              <a:rPr lang="en-US" sz="1200" dirty="0">
+                <a:latin typeface="Courier New" panose="02070309020205020404" pitchFamily="49" charset="0"/>
+                <a:cs typeface="Courier New" panose="02070309020205020404" pitchFamily="49" charset="0"/>
+              </a:rPr>
+              <a:t>res:();</a:t>
+            </a:r>
+          </a:p>
+          <a:p>
+            <a:pPr marL="0" indent="0">
+              <a:buNone/>
+            </a:pPr>
+            <a:r>
+              <a:rPr lang="en-US" sz="1200" dirty="0" err="1">
+                <a:latin typeface="Courier New" panose="02070309020205020404" pitchFamily="49" charset="0"/>
+                <a:cs typeface="Courier New" panose="02070309020205020404" pitchFamily="49" charset="0"/>
+              </a:rPr>
+              <a:t>ps</a:t>
+            </a:r>
+            <a:r>
+              <a:rPr lang="en-US" sz="1200" dirty="0">
+                <a:latin typeface="Courier New" panose="02070309020205020404" pitchFamily="49" charset="0"/>
+                <a:cs typeface="Courier New" panose="02070309020205020404" pitchFamily="49" charset="0"/>
+              </a:rPr>
+              <a:t>:(); </a:t>
+            </a:r>
+            <a:r>
+              <a:rPr lang="en-US" sz="1200" dirty="0" err="1">
+                <a:latin typeface="Courier New" panose="02070309020205020404" pitchFamily="49" charset="0"/>
+                <a:cs typeface="Courier New" panose="02070309020205020404" pitchFamily="49" charset="0"/>
+              </a:rPr>
+              <a:t>pP</a:t>
+            </a:r>
+            <a:r>
+              <a:rPr lang="en-US" sz="1200" dirty="0">
+                <a:latin typeface="Courier New" panose="02070309020205020404" pitchFamily="49" charset="0"/>
+                <a:cs typeface="Courier New" panose="02070309020205020404" pitchFamily="49" charset="0"/>
+              </a:rPr>
+              <a:t>:();</a:t>
+            </a:r>
+          </a:p>
+          <a:p>
+            <a:pPr marL="0" indent="0">
+              <a:buNone/>
+            </a:pPr>
+            <a:r>
+              <a:rPr lang="en-US" sz="1200" dirty="0">
+                <a:latin typeface="Courier New" panose="02070309020205020404" pitchFamily="49" charset="0"/>
+                <a:cs typeface="Courier New" panose="02070309020205020404" pitchFamily="49" charset="0"/>
+              </a:rPr>
+              <a:t>es:(); </a:t>
+            </a:r>
+            <a:r>
+              <a:rPr lang="en-US" sz="1200" dirty="0" err="1">
+                <a:latin typeface="Courier New" panose="02070309020205020404" pitchFamily="49" charset="0"/>
+                <a:cs typeface="Courier New" panose="02070309020205020404" pitchFamily="49" charset="0"/>
+              </a:rPr>
+              <a:t>cP</a:t>
+            </a:r>
+            <a:r>
+              <a:rPr lang="en-US" sz="1200" dirty="0">
+                <a:latin typeface="Courier New" panose="02070309020205020404" pitchFamily="49" charset="0"/>
+                <a:cs typeface="Courier New" panose="02070309020205020404" pitchFamily="49" charset="0"/>
+              </a:rPr>
+              <a:t>:();</a:t>
+            </a:r>
+          </a:p>
+          <a:p>
+            <a:pPr marL="0" indent="0">
+              <a:buNone/>
+            </a:pPr>
+            <a:r>
+              <a:rPr lang="en-US" sz="1200" dirty="0">
+                <a:latin typeface="Courier New" panose="02070309020205020404" pitchFamily="49" charset="0"/>
+                <a:cs typeface="Courier New" panose="02070309020205020404" pitchFamily="49" charset="0"/>
+              </a:rPr>
+              <a:t>while[</a:t>
+            </a:r>
+            <a:r>
+              <a:rPr lang="en-US" sz="1200" dirty="0" err="1">
+                <a:latin typeface="Courier New" panose="02070309020205020404" pitchFamily="49" charset="0"/>
+                <a:cs typeface="Courier New" panose="02070309020205020404" pitchFamily="49" charset="0"/>
+              </a:rPr>
+              <a:t>idx</a:t>
+            </a:r>
+            <a:r>
+              <a:rPr lang="en-US" sz="1200" dirty="0">
+                <a:latin typeface="Courier New" panose="02070309020205020404" pitchFamily="49" charset="0"/>
+                <a:cs typeface="Courier New" panose="02070309020205020404" pitchFamily="49" charset="0"/>
+              </a:rPr>
+              <a:t>&lt;-1+count times;</a:t>
+            </a:r>
+          </a:p>
+          <a:p>
+            <a:pPr marL="0" indent="0">
+              <a:buNone/>
+            </a:pPr>
+            <a:r>
+              <a:rPr lang="en-US" sz="1200" dirty="0" err="1">
+                <a:latin typeface="Courier New" panose="02070309020205020404" pitchFamily="49" charset="0"/>
+                <a:cs typeface="Courier New" panose="02070309020205020404" pitchFamily="49" charset="0"/>
+              </a:rPr>
+              <a:t>idx</a:t>
+            </a:r>
+            <a:r>
+              <a:rPr lang="en-US" sz="1200" dirty="0">
+                <a:latin typeface="Courier New" panose="02070309020205020404" pitchFamily="49" charset="0"/>
+                <a:cs typeface="Courier New" panose="02070309020205020404" pitchFamily="49" charset="0"/>
+              </a:rPr>
+              <a:t>+:1;</a:t>
+            </a:r>
+          </a:p>
+          <a:p>
+            <a:pPr marL="0" indent="0">
+              <a:buNone/>
+            </a:pPr>
+            <a:r>
+              <a:rPr lang="en-US" sz="1200" dirty="0">
+                <a:latin typeface="Courier New" panose="02070309020205020404" pitchFamily="49" charset="0"/>
+                <a:cs typeface="Courier New" panose="02070309020205020404" pitchFamily="49" charset="0"/>
+              </a:rPr>
+              <a:t>  </a:t>
+            </a:r>
+            <a:r>
+              <a:rPr lang="en-US" sz="1200" dirty="0" err="1">
+                <a:latin typeface="Courier New" panose="02070309020205020404" pitchFamily="49" charset="0"/>
+                <a:cs typeface="Courier New" panose="02070309020205020404" pitchFamily="49" charset="0"/>
+              </a:rPr>
+              <a:t>res:predictState</a:t>
+            </a:r>
+            <a:r>
+              <a:rPr lang="en-US" sz="1200" dirty="0">
+                <a:latin typeface="Courier New" panose="02070309020205020404" pitchFamily="49" charset="0"/>
+                <a:cs typeface="Courier New" panose="02070309020205020404" pitchFamily="49" charset="0"/>
+              </a:rPr>
+              <a:t>[</a:t>
+            </a:r>
+            <a:r>
+              <a:rPr lang="en-US" sz="1200" dirty="0" err="1">
+                <a:latin typeface="Courier New" panose="02070309020205020404" pitchFamily="49" charset="0"/>
+                <a:cs typeface="Courier New" panose="02070309020205020404" pitchFamily="49" charset="0"/>
+              </a:rPr>
+              <a:t>F;x_est</a:t>
+            </a:r>
+            <a:r>
+              <a:rPr lang="en-US" sz="1200" dirty="0">
+                <a:latin typeface="Courier New" panose="02070309020205020404" pitchFamily="49" charset="0"/>
+                <a:cs typeface="Courier New" panose="02070309020205020404" pitchFamily="49" charset="0"/>
+              </a:rPr>
+              <a:t>[;idx-1];P;Q];</a:t>
+            </a:r>
+          </a:p>
+          <a:p>
+            <a:pPr marL="0" indent="0">
+              <a:buNone/>
+            </a:pPr>
+            <a:r>
+              <a:rPr lang="en-US" sz="1200" dirty="0">
+                <a:latin typeface="Courier New" panose="02070309020205020404" pitchFamily="49" charset="0"/>
+                <a:cs typeface="Courier New" panose="02070309020205020404" pitchFamily="49" charset="0"/>
+              </a:rPr>
+              <a:t>  </a:t>
+            </a:r>
+            <a:r>
+              <a:rPr lang="en-US" sz="1200" dirty="0" err="1">
+                <a:latin typeface="Courier New" panose="02070309020205020404" pitchFamily="49" charset="0"/>
+                <a:cs typeface="Courier New" panose="02070309020205020404" pitchFamily="49" charset="0"/>
+              </a:rPr>
+              <a:t>ps:res</a:t>
+            </a:r>
+            <a:r>
+              <a:rPr lang="en-US" sz="1200" dirty="0">
+                <a:latin typeface="Courier New" panose="02070309020205020404" pitchFamily="49" charset="0"/>
+                <a:cs typeface="Courier New" panose="02070309020205020404" pitchFamily="49" charset="0"/>
+              </a:rPr>
+              <a:t> 0; </a:t>
+            </a:r>
+            <a:r>
+              <a:rPr lang="en-US" sz="1200" dirty="0" err="1">
+                <a:latin typeface="Courier New" panose="02070309020205020404" pitchFamily="49" charset="0"/>
+                <a:cs typeface="Courier New" panose="02070309020205020404" pitchFamily="49" charset="0"/>
+              </a:rPr>
+              <a:t>pP:P:res</a:t>
+            </a:r>
+            <a:r>
+              <a:rPr lang="en-US" sz="1200" dirty="0">
+                <a:latin typeface="Courier New" panose="02070309020205020404" pitchFamily="49" charset="0"/>
+                <a:cs typeface="Courier New" panose="02070309020205020404" pitchFamily="49" charset="0"/>
+              </a:rPr>
+              <a:t> 1;</a:t>
+            </a:r>
+          </a:p>
+          <a:p>
+            <a:pPr marL="0" indent="0">
+              <a:buNone/>
+            </a:pPr>
+            <a:r>
+              <a:rPr lang="en-US" sz="1200" dirty="0">
+                <a:latin typeface="Courier New" panose="02070309020205020404" pitchFamily="49" charset="0"/>
+                <a:cs typeface="Courier New" panose="02070309020205020404" pitchFamily="49" charset="0"/>
+              </a:rPr>
+              <a:t>  </a:t>
+            </a:r>
+            <a:r>
+              <a:rPr lang="en-US" sz="1200" dirty="0" err="1">
+                <a:latin typeface="Courier New" panose="02070309020205020404" pitchFamily="49" charset="0"/>
+                <a:cs typeface="Courier New" panose="02070309020205020404" pitchFamily="49" charset="0"/>
+              </a:rPr>
+              <a:t>res:updateStateEstimate</a:t>
+            </a:r>
+            <a:r>
+              <a:rPr lang="en-US" sz="1200" dirty="0">
+                <a:latin typeface="Courier New" panose="02070309020205020404" pitchFamily="49" charset="0"/>
+                <a:cs typeface="Courier New" panose="02070309020205020404" pitchFamily="49" charset="0"/>
+              </a:rPr>
+              <a:t>[</a:t>
+            </a:r>
+            <a:r>
+              <a:rPr lang="en-US" sz="1200" dirty="0" err="1">
+                <a:latin typeface="Courier New" panose="02070309020205020404" pitchFamily="49" charset="0"/>
+                <a:cs typeface="Courier New" panose="02070309020205020404" pitchFamily="49" charset="0"/>
+              </a:rPr>
+              <a:t>H;pP;R;meas_traj</a:t>
+            </a:r>
+            <a:r>
+              <a:rPr lang="en-US" sz="1200" dirty="0">
+                <a:latin typeface="Courier New" panose="02070309020205020404" pitchFamily="49" charset="0"/>
+                <a:cs typeface="Courier New" panose="02070309020205020404" pitchFamily="49" charset="0"/>
+              </a:rPr>
+              <a:t>[;</a:t>
+            </a:r>
+            <a:r>
+              <a:rPr lang="en-US" sz="1200" dirty="0" err="1">
+                <a:latin typeface="Courier New" panose="02070309020205020404" pitchFamily="49" charset="0"/>
+                <a:cs typeface="Courier New" panose="02070309020205020404" pitchFamily="49" charset="0"/>
+              </a:rPr>
+              <a:t>idx</a:t>
+            </a:r>
+            <a:r>
+              <a:rPr lang="en-US" sz="1200" dirty="0">
+                <a:latin typeface="Courier New" panose="02070309020205020404" pitchFamily="49" charset="0"/>
+                <a:cs typeface="Courier New" panose="02070309020205020404" pitchFamily="49" charset="0"/>
+              </a:rPr>
+              <a:t>];</a:t>
+            </a:r>
+            <a:r>
+              <a:rPr lang="en-US" sz="1200" dirty="0" err="1">
+                <a:latin typeface="Courier New" panose="02070309020205020404" pitchFamily="49" charset="0"/>
+                <a:cs typeface="Courier New" panose="02070309020205020404" pitchFamily="49" charset="0"/>
+              </a:rPr>
+              <a:t>ps</a:t>
+            </a:r>
+            <a:r>
+              <a:rPr lang="en-US" sz="1200" dirty="0">
+                <a:latin typeface="Courier New" panose="02070309020205020404" pitchFamily="49" charset="0"/>
+                <a:cs typeface="Courier New" panose="02070309020205020404" pitchFamily="49" charset="0"/>
+              </a:rPr>
+              <a:t>];</a:t>
+            </a:r>
+          </a:p>
+          <a:p>
+            <a:pPr marL="0" indent="0">
+              <a:buNone/>
+            </a:pPr>
+            <a:r>
+              <a:rPr lang="en-US" sz="1200" dirty="0">
+                <a:latin typeface="Courier New" panose="02070309020205020404" pitchFamily="49" charset="0"/>
+                <a:cs typeface="Courier New" panose="02070309020205020404" pitchFamily="49" charset="0"/>
+              </a:rPr>
+              <a:t>  G[;;</a:t>
+            </a:r>
+            <a:r>
+              <a:rPr lang="en-US" sz="1200" dirty="0" err="1">
+                <a:latin typeface="Courier New" panose="02070309020205020404" pitchFamily="49" charset="0"/>
+                <a:cs typeface="Courier New" panose="02070309020205020404" pitchFamily="49" charset="0"/>
+              </a:rPr>
+              <a:t>idx</a:t>
+            </a:r>
+            <a:r>
+              <a:rPr lang="en-US" sz="1200" dirty="0">
+                <a:latin typeface="Courier New" panose="02070309020205020404" pitchFamily="49" charset="0"/>
+                <a:cs typeface="Courier New" panose="02070309020205020404" pitchFamily="49" charset="0"/>
+              </a:rPr>
+              <a:t>]:res 0; </a:t>
+            </a:r>
+            <a:r>
+              <a:rPr lang="en-US" sz="1200" dirty="0" err="1">
+                <a:latin typeface="Courier New" panose="02070309020205020404" pitchFamily="49" charset="0"/>
+                <a:cs typeface="Courier New" panose="02070309020205020404" pitchFamily="49" charset="0"/>
+              </a:rPr>
+              <a:t>x_est</a:t>
+            </a:r>
+            <a:r>
+              <a:rPr lang="en-US" sz="1200" dirty="0">
+                <a:latin typeface="Courier New" panose="02070309020205020404" pitchFamily="49" charset="0"/>
+                <a:cs typeface="Courier New" panose="02070309020205020404" pitchFamily="49" charset="0"/>
+              </a:rPr>
+              <a:t>[;</a:t>
+            </a:r>
+            <a:r>
+              <a:rPr lang="en-US" sz="1200" dirty="0" err="1">
+                <a:latin typeface="Courier New" panose="02070309020205020404" pitchFamily="49" charset="0"/>
+                <a:cs typeface="Courier New" panose="02070309020205020404" pitchFamily="49" charset="0"/>
+              </a:rPr>
+              <a:t>idx</a:t>
+            </a:r>
+            <a:r>
+              <a:rPr lang="en-US" sz="1200" dirty="0">
+                <a:latin typeface="Courier New" panose="02070309020205020404" pitchFamily="49" charset="0"/>
+                <a:cs typeface="Courier New" panose="02070309020205020404" pitchFamily="49" charset="0"/>
+              </a:rPr>
+              <a:t>]:res 1; P:res 2;</a:t>
+            </a:r>
+          </a:p>
+          <a:p>
+            <a:pPr marL="0" indent="0">
+              <a:buNone/>
+            </a:pPr>
+            <a:r>
+              <a:rPr lang="en-US" sz="1200" dirty="0">
+                <a:latin typeface="Courier New" panose="02070309020205020404" pitchFamily="49" charset="0"/>
+                <a:cs typeface="Courier New" panose="02070309020205020404" pitchFamily="49" charset="0"/>
+              </a:rPr>
+              <a:t>  ];</a:t>
+            </a:r>
+          </a:p>
+          <a:p>
+            <a:pPr marL="0" indent="0">
+              <a:buNone/>
+            </a:pPr>
+            <a:endParaRPr lang="en-US" sz="1200" dirty="0">
+              <a:latin typeface="Courier New" panose="02070309020205020404" pitchFamily="49" charset="0"/>
+              <a:cs typeface="Courier New" panose="02070309020205020404" pitchFamily="49" charset="0"/>
+            </a:endParaRPr>
+          </a:p>
+        </p:txBody>
+      </p:sp>
+      <p:sp>
+        <p:nvSpPr>
+          <p:cNvPr id="4" name="Content Placeholder 3">
+            <a:extLst>
+              <a:ext uri="{FF2B5EF4-FFF2-40B4-BE49-F238E27FC236}">
+                <a16:creationId xmlns:a16="http://schemas.microsoft.com/office/drawing/2014/main" id="{4ADB74D9-A304-7D73-ACAF-D373659960DC}"/>
+              </a:ext>
+            </a:extLst>
+          </p:cNvPr>
+          <p:cNvSpPr>
+            <a:spLocks noGrp="1"/>
+          </p:cNvSpPr>
+          <p:nvPr>
+            <p:ph sz="half" idx="2"/>
+          </p:nvPr>
+        </p:nvSpPr>
+        <p:spPr/>
+        <p:txBody>
+          <a:bodyPr>
+            <a:noAutofit/>
+          </a:bodyPr>
+          <a:lstStyle/>
+          <a:p>
+            <a:pPr marL="0" indent="0">
+              <a:buNone/>
+            </a:pPr>
+            <a:r>
+              <a:rPr lang="en-US" sz="1200" dirty="0">
+                <a:latin typeface="Courier New" panose="02070309020205020404" pitchFamily="49" charset="0"/>
+                <a:cs typeface="Courier New" panose="02070309020205020404" pitchFamily="49" charset="0"/>
+              </a:rPr>
+              <a:t>// Create table(s) for visualization</a:t>
+            </a:r>
+          </a:p>
+          <a:p>
+            <a:pPr marL="0" indent="0">
+              <a:buNone/>
+            </a:pPr>
+            <a:r>
+              <a:rPr lang="en-US" sz="1200" dirty="0" err="1">
+                <a:latin typeface="Courier New" panose="02070309020205020404" pitchFamily="49" charset="0"/>
+                <a:cs typeface="Courier New" panose="02070309020205020404" pitchFamily="49" charset="0"/>
+              </a:rPr>
+              <a:t>tms:flip</a:t>
+            </a:r>
+            <a:r>
+              <a:rPr lang="en-US" sz="1200" dirty="0">
+                <a:latin typeface="Courier New" panose="02070309020205020404" pitchFamily="49" charset="0"/>
+                <a:cs typeface="Courier New" panose="02070309020205020404" pitchFamily="49" charset="0"/>
+              </a:rPr>
+              <a:t> ![enlist `</a:t>
+            </a:r>
+            <a:r>
+              <a:rPr lang="en-US" sz="1200" dirty="0" err="1">
+                <a:latin typeface="Courier New" panose="02070309020205020404" pitchFamily="49" charset="0"/>
+                <a:cs typeface="Courier New" panose="02070309020205020404" pitchFamily="49" charset="0"/>
+              </a:rPr>
+              <a:t>time;enlist</a:t>
+            </a:r>
+            <a:r>
+              <a:rPr lang="en-US" sz="1200" dirty="0">
+                <a:latin typeface="Courier New" panose="02070309020205020404" pitchFamily="49" charset="0"/>
+                <a:cs typeface="Courier New" panose="02070309020205020404" pitchFamily="49" charset="0"/>
+              </a:rPr>
+              <a:t> times];</a:t>
+            </a:r>
+          </a:p>
+          <a:p>
+            <a:pPr marL="0" indent="0">
+              <a:buNone/>
+            </a:pPr>
+            <a:r>
+              <a:rPr lang="en-US" sz="1200" dirty="0" err="1">
+                <a:latin typeface="Courier New" panose="02070309020205020404" pitchFamily="49" charset="0"/>
+                <a:cs typeface="Courier New" panose="02070309020205020404" pitchFamily="49" charset="0"/>
+              </a:rPr>
+              <a:t>est:flip</a:t>
+            </a:r>
+            <a:r>
+              <a:rPr lang="en-US" sz="1200" dirty="0">
+                <a:latin typeface="Courier New" panose="02070309020205020404" pitchFamily="49" charset="0"/>
+                <a:cs typeface="Courier New" panose="02070309020205020404" pitchFamily="49" charset="0"/>
+              </a:rPr>
+              <a:t> ![`</a:t>
+            </a:r>
+            <a:r>
+              <a:rPr lang="en-US" sz="1200" dirty="0" err="1">
+                <a:latin typeface="Courier New" panose="02070309020205020404" pitchFamily="49" charset="0"/>
+                <a:cs typeface="Courier New" panose="02070309020205020404" pitchFamily="49" charset="0"/>
+              </a:rPr>
+              <a:t>x`y`xv`yv;x_est</a:t>
+            </a:r>
+            <a:r>
+              <a:rPr lang="en-US" sz="1200" dirty="0">
+                <a:latin typeface="Courier New" panose="02070309020205020404" pitchFamily="49" charset="0"/>
+                <a:cs typeface="Courier New" panose="02070309020205020404" pitchFamily="49" charset="0"/>
+              </a:rPr>
+              <a:t>];</a:t>
+            </a:r>
+          </a:p>
+          <a:p>
+            <a:pPr marL="0" indent="0">
+              <a:buNone/>
+            </a:pPr>
+            <a:r>
+              <a:rPr lang="en-US" sz="1200" dirty="0" err="1">
+                <a:latin typeface="Courier New" panose="02070309020205020404" pitchFamily="49" charset="0"/>
+                <a:cs typeface="Courier New" panose="02070309020205020404" pitchFamily="49" charset="0"/>
+              </a:rPr>
+              <a:t>true:flip</a:t>
+            </a:r>
+            <a:r>
+              <a:rPr lang="en-US" sz="1200" dirty="0">
+                <a:latin typeface="Courier New" panose="02070309020205020404" pitchFamily="49" charset="0"/>
+                <a:cs typeface="Courier New" panose="02070309020205020404" pitchFamily="49" charset="0"/>
+              </a:rPr>
+              <a:t> `</a:t>
+            </a:r>
+            <a:r>
+              <a:rPr lang="en-US" sz="1200" dirty="0" err="1">
+                <a:latin typeface="Courier New" panose="02070309020205020404" pitchFamily="49" charset="0"/>
+                <a:cs typeface="Courier New" panose="02070309020205020404" pitchFamily="49" charset="0"/>
+              </a:rPr>
+              <a:t>truex`truey`truexv`trueyv!true_traj</a:t>
+            </a:r>
+            <a:r>
+              <a:rPr lang="en-US" sz="1200" dirty="0">
+                <a:latin typeface="Courier New" panose="02070309020205020404" pitchFamily="49" charset="0"/>
+                <a:cs typeface="Courier New" panose="02070309020205020404" pitchFamily="49" charset="0"/>
+              </a:rPr>
+              <a:t>;</a:t>
+            </a:r>
+          </a:p>
+          <a:p>
+            <a:pPr marL="0" indent="0">
+              <a:buNone/>
+            </a:pPr>
+            <a:r>
+              <a:rPr lang="en-US" sz="1200" dirty="0" err="1">
+                <a:latin typeface="Courier New" panose="02070309020205020404" pitchFamily="49" charset="0"/>
+                <a:cs typeface="Courier New" panose="02070309020205020404" pitchFamily="49" charset="0"/>
+              </a:rPr>
+              <a:t>meas:flip</a:t>
+            </a:r>
+            <a:r>
+              <a:rPr lang="en-US" sz="1200" dirty="0">
+                <a:latin typeface="Courier New" panose="02070309020205020404" pitchFamily="49" charset="0"/>
+                <a:cs typeface="Courier New" panose="02070309020205020404" pitchFamily="49" charset="0"/>
+              </a:rPr>
+              <a:t> `</a:t>
+            </a:r>
+            <a:r>
+              <a:rPr lang="en-US" sz="1200" dirty="0" err="1">
+                <a:latin typeface="Courier New" panose="02070309020205020404" pitchFamily="49" charset="0"/>
+                <a:cs typeface="Courier New" panose="02070309020205020404" pitchFamily="49" charset="0"/>
+              </a:rPr>
+              <a:t>measx`measy`measxv`measyv!meas_traj</a:t>
+            </a:r>
+            <a:r>
+              <a:rPr lang="en-US" sz="1200" dirty="0">
+                <a:latin typeface="Courier New" panose="02070309020205020404" pitchFamily="49" charset="0"/>
+                <a:cs typeface="Courier New" panose="02070309020205020404" pitchFamily="49" charset="0"/>
+              </a:rPr>
+              <a:t>;</a:t>
+            </a:r>
+          </a:p>
+          <a:p>
+            <a:pPr marL="0" indent="0">
+              <a:buNone/>
+            </a:pPr>
+            <a:r>
+              <a:rPr lang="en-US" sz="1200" dirty="0" err="1">
+                <a:latin typeface="Courier New" panose="02070309020205020404" pitchFamily="49" charset="0"/>
+                <a:cs typeface="Courier New" panose="02070309020205020404" pitchFamily="49" charset="0"/>
+              </a:rPr>
+              <a:t>kgains:flip</a:t>
+            </a:r>
+            <a:r>
+              <a:rPr lang="en-US" sz="1200" dirty="0">
+                <a:latin typeface="Courier New" panose="02070309020205020404" pitchFamily="49" charset="0"/>
+                <a:cs typeface="Courier New" panose="02070309020205020404" pitchFamily="49" charset="0"/>
+              </a:rPr>
+              <a:t> `</a:t>
+            </a:r>
+            <a:r>
+              <a:rPr lang="en-US" sz="1200" dirty="0" err="1">
+                <a:latin typeface="Courier New" panose="02070309020205020404" pitchFamily="49" charset="0"/>
+                <a:cs typeface="Courier New" panose="02070309020205020404" pitchFamily="49" charset="0"/>
+              </a:rPr>
+              <a:t>gainx`gainy`gainxv`gainyv</a:t>
+            </a:r>
+            <a:r>
+              <a:rPr lang="en-US" sz="1200" dirty="0">
+                <a:latin typeface="Courier New" panose="02070309020205020404" pitchFamily="49" charset="0"/>
+                <a:cs typeface="Courier New" panose="02070309020205020404" pitchFamily="49" charset="0"/>
+              </a:rPr>
+              <a:t>!{G[</a:t>
+            </a:r>
+            <a:r>
+              <a:rPr lang="en-US" sz="1200" dirty="0" err="1">
+                <a:latin typeface="Courier New" panose="02070309020205020404" pitchFamily="49" charset="0"/>
+                <a:cs typeface="Courier New" panose="02070309020205020404" pitchFamily="49" charset="0"/>
+              </a:rPr>
+              <a:t>x;x</a:t>
+            </a:r>
+            <a:r>
+              <a:rPr lang="en-US" sz="1200" dirty="0">
+                <a:latin typeface="Courier New" panose="02070309020205020404" pitchFamily="49" charset="0"/>
+                <a:cs typeface="Courier New" panose="02070309020205020404" pitchFamily="49" charset="0"/>
+              </a:rPr>
+              <a:t>;::]} each </a:t>
+            </a:r>
+            <a:r>
+              <a:rPr lang="en-US" sz="1200" dirty="0" err="1">
+                <a:latin typeface="Courier New" panose="02070309020205020404" pitchFamily="49" charset="0"/>
+                <a:cs typeface="Courier New" panose="02070309020205020404" pitchFamily="49" charset="0"/>
+              </a:rPr>
+              <a:t>til</a:t>
+            </a:r>
+            <a:r>
+              <a:rPr lang="en-US" sz="1200" dirty="0">
+                <a:latin typeface="Courier New" panose="02070309020205020404" pitchFamily="49" charset="0"/>
+                <a:cs typeface="Courier New" panose="02070309020205020404" pitchFamily="49" charset="0"/>
+              </a:rPr>
+              <a:t> 4;</a:t>
+            </a:r>
+          </a:p>
+          <a:p>
+            <a:pPr marL="0" indent="0">
+              <a:buNone/>
+            </a:pPr>
+            <a:r>
+              <a:rPr lang="en-US" sz="1200" dirty="0">
+                <a:latin typeface="Courier New" panose="02070309020205020404" pitchFamily="49" charset="0"/>
+                <a:cs typeface="Courier New" panose="02070309020205020404" pitchFamily="49" charset="0"/>
+              </a:rPr>
+              <a:t>data:(,')over(</a:t>
+            </a:r>
+            <a:r>
+              <a:rPr lang="en-US" sz="1200" dirty="0" err="1">
+                <a:latin typeface="Courier New" panose="02070309020205020404" pitchFamily="49" charset="0"/>
+                <a:cs typeface="Courier New" panose="02070309020205020404" pitchFamily="49" charset="0"/>
+              </a:rPr>
+              <a:t>tms;est;true;meas;kgains</a:t>
+            </a:r>
+            <a:r>
+              <a:rPr lang="en-US" sz="1200" dirty="0">
+                <a:latin typeface="Courier New" panose="02070309020205020404" pitchFamily="49" charset="0"/>
+                <a:cs typeface="Courier New" panose="02070309020205020404" pitchFamily="49" charset="0"/>
+              </a:rPr>
+              <a:t>);</a:t>
+            </a:r>
+          </a:p>
+          <a:p>
+            <a:pPr marL="0" indent="0">
+              <a:buNone/>
+            </a:pPr>
+            <a:r>
+              <a:rPr lang="en-US" sz="1200" dirty="0">
+                <a:latin typeface="Courier New" panose="02070309020205020404" pitchFamily="49" charset="0"/>
+                <a:cs typeface="Courier New" panose="02070309020205020404" pitchFamily="49" charset="0"/>
+              </a:rPr>
+              <a:t>save `:./data.csv;</a:t>
+            </a:r>
+          </a:p>
+          <a:p>
+            <a:pPr marL="0" indent="0">
+              <a:buNone/>
+            </a:pPr>
+            <a:endParaRPr lang="en-US" sz="1200" dirty="0">
+              <a:latin typeface="Courier New" panose="02070309020205020404" pitchFamily="49" charset="0"/>
+              <a:cs typeface="Courier New" panose="02070309020205020404" pitchFamily="49" charset="0"/>
+            </a:endParaRPr>
+          </a:p>
+        </p:txBody>
+      </p:sp>
+    </p:spTree>
+    <p:extLst>
+      <p:ext uri="{BB962C8B-B14F-4D97-AF65-F5344CB8AC3E}">
+        <p14:creationId xmlns:p14="http://schemas.microsoft.com/office/powerpoint/2010/main" val="2328818871"/>
+      </p:ext>
+    </p:extLst>
+  </p:cSld>
+  <p:clrMapOvr>
+    <a:masterClrMapping/>
+  </p:clrMapOvr>
+</p:sld>
+</file>
+
+<file path=ppt/slides/slide17.xml><?xml version="1.0" encoding="utf-8"?>
 <p:sld xmlns:a="http://schemas.openxmlformats.org/drawingml/2006/main" xmlns:r="http://schemas.openxmlformats.org/officeDocument/2006/relationships" xmlns:p="http://schemas.openxmlformats.org/presentationml/2006/main" show="0">
   <p:cSld>
     <p:spTree>
@@ -12180,7 +12865,7 @@
 </p:sld>
 </file>
 
-<file path=ppt/slides/slide17.xml><?xml version="1.0" encoding="utf-8"?>
+<file path=ppt/slides/slide18.xml><?xml version="1.0" encoding="utf-8"?>
 <p:sld xmlns:a="http://schemas.openxmlformats.org/drawingml/2006/main" xmlns:r="http://schemas.openxmlformats.org/officeDocument/2006/relationships" xmlns:p="http://schemas.openxmlformats.org/presentationml/2006/main">
   <p:cSld>
     <p:spTree>
@@ -12854,6 +13539,20 @@
             </a:r>
           </a:p>
           <a:p>
+            <a:pPr lvl="1"/>
+            <a:r>
+              <a:rPr lang="en-US" dirty="0"/>
+              <a:t>Market volatility impacts the effectiveness of hedges</a:t>
+            </a:r>
+          </a:p>
+          <a:p>
+            <a:pPr lvl="2"/>
+            <a:r>
+              <a:rPr lang="en-US" dirty="0"/>
+              <a:t>Periodic adjustment</a:t>
+            </a:r>
+          </a:p>
+          <a:p>
             <a:pPr lvl="0"/>
             <a:r>
               <a:rPr lang="en-US" dirty="0"/>
@@ -12876,86 +13575,396 @@
           </a:p>
         </p:txBody>
       </p:sp>
-      <p:sp>
-        <p:nvSpPr>
-          <p:cNvPr id="9" name="Content Placeholder 8">
-            <a:extLst>
-              <a:ext uri="{FF2B5EF4-FFF2-40B4-BE49-F238E27FC236}">
-                <a16:creationId xmlns:a16="http://schemas.microsoft.com/office/drawing/2014/main" id="{86AE5BC6-FE01-4403-9CAD-F8558340D98C}"/>
-              </a:ext>
-            </a:extLst>
-          </p:cNvPr>
-          <p:cNvSpPr>
-            <a:spLocks noGrp="1"/>
-          </p:cNvSpPr>
-          <p:nvPr>
-            <p:ph sz="half" idx="2"/>
-          </p:nvPr>
-        </p:nvSpPr>
-        <p:spPr>
-          <a:xfrm>
-            <a:off x="6172202" y="2185761"/>
-            <a:ext cx="5334000" cy="4024313"/>
-          </a:xfrm>
-        </p:spPr>
-        <p:txBody>
-          <a:bodyPr>
-            <a:normAutofit/>
-          </a:bodyPr>
-          <a:lstStyle/>
-          <a:p>
-            <a:r>
-              <a:rPr lang="en-US" b="1" dirty="0"/>
-              <a:t>Dynamic Spread Estimation:</a:t>
-            </a:r>
-          </a:p>
-          <a:p>
-            <a:pPr lvl="1"/>
-            <a:r>
-              <a:rPr lang="en-US" dirty="0"/>
-              <a:t>State is ratio or difference (spread)</a:t>
-            </a:r>
-          </a:p>
-          <a:p>
-            <a:pPr lvl="1"/>
-            <a:r>
-              <a:rPr lang="en-US" dirty="0"/>
-              <a:t>Additional element can be velocity</a:t>
-            </a:r>
-          </a:p>
-          <a:p>
-            <a:r>
-              <a:rPr lang="en-US" b="1" dirty="0"/>
-              <a:t>Dynamic Hedge Ratio Estimation:</a:t>
-            </a:r>
-          </a:p>
-          <a:p>
-            <a:pPr lvl="1"/>
-            <a:r>
-              <a:rPr lang="en-US" dirty="0"/>
-              <a:t>Market volatility impacts the effectiveness of hedges</a:t>
-            </a:r>
-          </a:p>
-          <a:p>
-            <a:pPr lvl="1"/>
-            <a:r>
-              <a:rPr lang="en-US" dirty="0"/>
-              <a:t>Need to be adjusted periodically</a:t>
-            </a:r>
-          </a:p>
-          <a:p>
-            <a:pPr lvl="1"/>
-            <a:r>
-              <a:rPr lang="en-US" dirty="0"/>
-              <a:t>State is the intercept and slope of continuous OLS regression </a:t>
-            </a:r>
-          </a:p>
-          <a:p>
-            <a:pPr lvl="1"/>
-            <a:endParaRPr lang="en-US" dirty="0"/>
-          </a:p>
-        </p:txBody>
-      </p:sp>
+      <mc:AlternateContent xmlns:mc="http://schemas.openxmlformats.org/markup-compatibility/2006">
+        <mc:Choice xmlns:a14="http://schemas.microsoft.com/office/drawing/2010/main" Requires="a14">
+          <p:sp>
+            <p:nvSpPr>
+              <p:cNvPr id="9" name="Content Placeholder 8">
+                <a:extLst>
+                  <a:ext uri="{FF2B5EF4-FFF2-40B4-BE49-F238E27FC236}">
+                    <a16:creationId xmlns:a16="http://schemas.microsoft.com/office/drawing/2014/main" id="{86AE5BC6-FE01-4403-9CAD-F8558340D98C}"/>
+                  </a:ext>
+                </a:extLst>
+              </p:cNvPr>
+              <p:cNvSpPr>
+                <a:spLocks noGrp="1"/>
+              </p:cNvSpPr>
+              <p:nvPr>
+                <p:ph sz="half" idx="2"/>
+              </p:nvPr>
+            </p:nvSpPr>
+            <p:spPr>
+              <a:xfrm>
+                <a:off x="6172202" y="2185761"/>
+                <a:ext cx="5334000" cy="4024313"/>
+              </a:xfrm>
+            </p:spPr>
+            <p:txBody>
+              <a:bodyPr>
+                <a:normAutofit/>
+              </a:bodyPr>
+              <a:lstStyle/>
+              <a:p>
+                <a:r>
+                  <a:rPr lang="en-US" b="1" dirty="0"/>
+                  <a:t>Dynamic Spread Estimation:</a:t>
+                </a:r>
+              </a:p>
+              <a:p>
+                <a:pPr lvl="1"/>
+                <a14:m>
+                  <m:oMath xmlns:m="http://schemas.openxmlformats.org/officeDocument/2006/math">
+                    <m:r>
+                      <a:rPr lang="en-US" b="0" i="1" smtClean="0">
+                        <a:latin typeface="Cambria Math" panose="02040503050406030204" pitchFamily="18" charset="0"/>
+                      </a:rPr>
+                      <m:t>𝑆𝑝𝑟𝑒𝑎𝑑</m:t>
+                    </m:r>
+                    <m:d>
+                      <m:dPr>
+                        <m:ctrlPr>
+                          <a:rPr lang="en-US" b="0" i="1" smtClean="0">
+                            <a:latin typeface="Cambria Math" panose="02040503050406030204" pitchFamily="18" charset="0"/>
+                          </a:rPr>
+                        </m:ctrlPr>
+                      </m:dPr>
+                      <m:e>
+                        <m:r>
+                          <a:rPr lang="en-US" b="0" i="1" smtClean="0">
+                            <a:latin typeface="Cambria Math" panose="02040503050406030204" pitchFamily="18" charset="0"/>
+                          </a:rPr>
+                          <m:t>𝑡</m:t>
+                        </m:r>
+                      </m:e>
+                    </m:d>
+                    <m:r>
+                      <a:rPr lang="en-US" b="0" i="1" smtClean="0">
+                        <a:latin typeface="Cambria Math" panose="02040503050406030204" pitchFamily="18" charset="0"/>
+                      </a:rPr>
+                      <m:t>=</m:t>
+                    </m:r>
+                    <m:sSub>
+                      <m:sSubPr>
+                        <m:ctrlPr>
+                          <a:rPr lang="en-US" b="0" i="1" smtClean="0">
+                            <a:latin typeface="Cambria Math" panose="02040503050406030204" pitchFamily="18" charset="0"/>
+                          </a:rPr>
+                        </m:ctrlPr>
+                      </m:sSubPr>
+                      <m:e>
+                        <m:r>
+                          <a:rPr lang="en-US" b="0" i="1" smtClean="0">
+                            <a:latin typeface="Cambria Math" panose="02040503050406030204" pitchFamily="18" charset="0"/>
+                          </a:rPr>
+                          <m:t>𝑃</m:t>
+                        </m:r>
+                      </m:e>
+                      <m:sub>
+                        <m:r>
+                          <a:rPr lang="en-US" b="0" i="1" smtClean="0">
+                            <a:latin typeface="Cambria Math" panose="02040503050406030204" pitchFamily="18" charset="0"/>
+                          </a:rPr>
+                          <m:t>1</m:t>
+                        </m:r>
+                      </m:sub>
+                    </m:sSub>
+                    <m:r>
+                      <a:rPr lang="en-US" b="0" i="1" smtClean="0">
+                        <a:latin typeface="Cambria Math" panose="02040503050406030204" pitchFamily="18" charset="0"/>
+                      </a:rPr>
+                      <m:t>(</m:t>
+                    </m:r>
+                    <m:r>
+                      <a:rPr lang="en-US" b="0" i="1" smtClean="0">
+                        <a:latin typeface="Cambria Math" panose="02040503050406030204" pitchFamily="18" charset="0"/>
+                      </a:rPr>
+                      <m:t>𝑡</m:t>
+                    </m:r>
+                    <m:r>
+                      <a:rPr lang="en-US" b="0" i="1" smtClean="0">
+                        <a:latin typeface="Cambria Math" panose="02040503050406030204" pitchFamily="18" charset="0"/>
+                      </a:rPr>
+                      <m:t>)−</m:t>
+                    </m:r>
+                    <m:sSub>
+                      <m:sSubPr>
+                        <m:ctrlPr>
+                          <a:rPr lang="en-US" b="0" i="1" smtClean="0">
+                            <a:latin typeface="Cambria Math" panose="02040503050406030204" pitchFamily="18" charset="0"/>
+                          </a:rPr>
+                        </m:ctrlPr>
+                      </m:sSubPr>
+                      <m:e>
+                        <m:r>
+                          <a:rPr lang="en-US" b="0" i="1" smtClean="0">
+                            <a:latin typeface="Cambria Math" panose="02040503050406030204" pitchFamily="18" charset="0"/>
+                          </a:rPr>
+                          <m:t>𝑃</m:t>
+                        </m:r>
+                      </m:e>
+                      <m:sub>
+                        <m:r>
+                          <a:rPr lang="en-US" b="0" i="1" smtClean="0">
+                            <a:latin typeface="Cambria Math" panose="02040503050406030204" pitchFamily="18" charset="0"/>
+                          </a:rPr>
+                          <m:t>2</m:t>
+                        </m:r>
+                      </m:sub>
+                    </m:sSub>
+                    <m:r>
+                      <a:rPr lang="en-US" b="0" i="1" smtClean="0">
+                        <a:latin typeface="Cambria Math" panose="02040503050406030204" pitchFamily="18" charset="0"/>
+                      </a:rPr>
+                      <m:t>(</m:t>
+                    </m:r>
+                    <m:r>
+                      <a:rPr lang="en-US" b="0" i="1" smtClean="0">
+                        <a:latin typeface="Cambria Math" panose="02040503050406030204" pitchFamily="18" charset="0"/>
+                      </a:rPr>
+                      <m:t>𝑡</m:t>
+                    </m:r>
+                    <m:r>
+                      <a:rPr lang="en-US" b="0" i="1" smtClean="0">
+                        <a:latin typeface="Cambria Math" panose="02040503050406030204" pitchFamily="18" charset="0"/>
+                      </a:rPr>
+                      <m:t>)</m:t>
+                    </m:r>
+                  </m:oMath>
+                </a14:m>
+                <a:endParaRPr lang="en-US" dirty="0"/>
+              </a:p>
+              <a:p>
+                <a:pPr lvl="1"/>
+                <a:r>
+                  <a:rPr lang="en-US" dirty="0"/>
+                  <a:t>Predict spread</a:t>
+                </a:r>
+              </a:p>
+              <a:p>
+                <a:pPr lvl="2"/>
+                <a:r>
+                  <a:rPr lang="en-US" dirty="0"/>
+                  <a:t>State is difference</a:t>
+                </a:r>
+              </a:p>
+              <a:p>
+                <a:pPr lvl="2"/>
+                <a:r>
+                  <a:rPr lang="en-US" dirty="0"/>
+                  <a:t>Additional element could be spread velocity</a:t>
+                </a:r>
+              </a:p>
+              <a:p>
+                <a:r>
+                  <a:rPr lang="en-US" b="1" dirty="0"/>
+                  <a:t>Dynamic Hedge Ratio Estimation:</a:t>
+                </a:r>
+              </a:p>
+              <a:p>
+                <a:pPr lvl="1"/>
+                <a14:m>
+                  <m:oMath xmlns:m="http://schemas.openxmlformats.org/officeDocument/2006/math">
+                    <m:sSub>
+                      <m:sSubPr>
+                        <m:ctrlPr>
+                          <a:rPr lang="en-US" b="0" i="1" smtClean="0">
+                            <a:latin typeface="Cambria Math" panose="02040503050406030204" pitchFamily="18" charset="0"/>
+                          </a:rPr>
+                        </m:ctrlPr>
+                      </m:sSubPr>
+                      <m:e>
+                        <m:r>
+                          <a:rPr lang="en-US" b="0" i="1" smtClean="0">
+                            <a:latin typeface="Cambria Math" panose="02040503050406030204" pitchFamily="18" charset="0"/>
+                          </a:rPr>
+                          <m:t>𝑃</m:t>
+                        </m:r>
+                      </m:e>
+                      <m:sub>
+                        <m:r>
+                          <a:rPr lang="en-US" b="0" i="1" smtClean="0">
+                            <a:latin typeface="Cambria Math" panose="02040503050406030204" pitchFamily="18" charset="0"/>
+                          </a:rPr>
+                          <m:t>1</m:t>
+                        </m:r>
+                      </m:sub>
+                    </m:sSub>
+                    <m:r>
+                      <a:rPr lang="en-US" b="0" i="1" smtClean="0">
+                        <a:latin typeface="Cambria Math" panose="02040503050406030204" pitchFamily="18" charset="0"/>
+                      </a:rPr>
+                      <m:t>(</m:t>
+                    </m:r>
+                    <m:r>
+                      <a:rPr lang="en-US" b="0" i="1" smtClean="0">
+                        <a:latin typeface="Cambria Math" panose="02040503050406030204" pitchFamily="18" charset="0"/>
+                      </a:rPr>
+                      <m:t>𝑡</m:t>
+                    </m:r>
+                    <m:r>
+                      <a:rPr lang="en-US" b="0" i="1" smtClean="0">
+                        <a:latin typeface="Cambria Math" panose="02040503050406030204" pitchFamily="18" charset="0"/>
+                      </a:rPr>
+                      <m:t>)−</m:t>
+                    </m:r>
+                    <m:r>
+                      <a:rPr lang="en-US" b="0" i="1" smtClean="0">
+                        <a:latin typeface="Cambria Math" panose="02040503050406030204" pitchFamily="18" charset="0"/>
+                      </a:rPr>
+                      <m:t>𝛽</m:t>
+                    </m:r>
+                    <m:d>
+                      <m:dPr>
+                        <m:ctrlPr>
+                          <a:rPr lang="en-US" b="0" i="1" smtClean="0">
+                            <a:latin typeface="Cambria Math" panose="02040503050406030204" pitchFamily="18" charset="0"/>
+                          </a:rPr>
+                        </m:ctrlPr>
+                      </m:dPr>
+                      <m:e>
+                        <m:r>
+                          <a:rPr lang="en-US" b="0" i="1" smtClean="0">
+                            <a:latin typeface="Cambria Math" panose="02040503050406030204" pitchFamily="18" charset="0"/>
+                          </a:rPr>
+                          <m:t>𝑡</m:t>
+                        </m:r>
+                      </m:e>
+                    </m:d>
+                    <m:sSub>
+                      <m:sSubPr>
+                        <m:ctrlPr>
+                          <a:rPr lang="en-US" b="0" i="1" smtClean="0">
+                            <a:latin typeface="Cambria Math" panose="02040503050406030204" pitchFamily="18" charset="0"/>
+                          </a:rPr>
+                        </m:ctrlPr>
+                      </m:sSubPr>
+                      <m:e>
+                        <m:r>
+                          <a:rPr lang="en-US" b="0" i="1" smtClean="0">
+                            <a:latin typeface="Cambria Math" panose="02040503050406030204" pitchFamily="18" charset="0"/>
+                          </a:rPr>
+                          <m:t>𝑃</m:t>
+                        </m:r>
+                      </m:e>
+                      <m:sub>
+                        <m:r>
+                          <a:rPr lang="en-US" b="0" i="1" smtClean="0">
+                            <a:latin typeface="Cambria Math" panose="02040503050406030204" pitchFamily="18" charset="0"/>
+                          </a:rPr>
+                          <m:t>2</m:t>
+                        </m:r>
+                      </m:sub>
+                    </m:sSub>
+                    <m:r>
+                      <a:rPr lang="en-US" b="0" i="1" smtClean="0">
+                        <a:latin typeface="Cambria Math" panose="02040503050406030204" pitchFamily="18" charset="0"/>
+                      </a:rPr>
+                      <m:t>(</m:t>
+                    </m:r>
+                    <m:r>
+                      <a:rPr lang="en-US" b="0" i="1" smtClean="0">
+                        <a:latin typeface="Cambria Math" panose="02040503050406030204" pitchFamily="18" charset="0"/>
+                      </a:rPr>
+                      <m:t>𝑡</m:t>
+                    </m:r>
+                    <m:r>
+                      <a:rPr lang="en-US" b="0" i="1" smtClean="0">
+                        <a:latin typeface="Cambria Math" panose="02040503050406030204" pitchFamily="18" charset="0"/>
+                      </a:rPr>
+                      <m:t>)+</m:t>
+                    </m:r>
+                    <m:r>
+                      <a:rPr lang="en-US" b="0" i="1" smtClean="0">
+                        <a:latin typeface="Cambria Math" panose="02040503050406030204" pitchFamily="18" charset="0"/>
+                      </a:rPr>
+                      <m:t>𝜖</m:t>
+                    </m:r>
+                    <m:d>
+                      <m:dPr>
+                        <m:ctrlPr>
+                          <a:rPr lang="en-US" b="0" i="1" smtClean="0">
+                            <a:latin typeface="Cambria Math" panose="02040503050406030204" pitchFamily="18" charset="0"/>
+                          </a:rPr>
+                        </m:ctrlPr>
+                      </m:dPr>
+                      <m:e>
+                        <m:r>
+                          <a:rPr lang="en-US" b="0" i="1" smtClean="0">
+                            <a:latin typeface="Cambria Math" panose="02040503050406030204" pitchFamily="18" charset="0"/>
+                          </a:rPr>
+                          <m:t>𝑡</m:t>
+                        </m:r>
+                      </m:e>
+                    </m:d>
+                  </m:oMath>
+                </a14:m>
+                <a:endParaRPr lang="en-US" b="0" dirty="0"/>
+              </a:p>
+              <a:p>
+                <a:pPr lvl="1"/>
+                <a:r>
+                  <a:rPr lang="en-US" dirty="0"/>
+                  <a:t>Predict hedge ratio</a:t>
+                </a:r>
+              </a:p>
+              <a:p>
+                <a:pPr lvl="1"/>
+                <a:r>
+                  <a:rPr lang="en-US" dirty="0"/>
+                  <a:t>State is the intercept and slope of continuous OLS regression </a:t>
+                </a:r>
+              </a:p>
+              <a:p>
+                <a:pPr lvl="1"/>
+                <a:endParaRPr lang="en-US" dirty="0"/>
+              </a:p>
+            </p:txBody>
+          </p:sp>
+        </mc:Choice>
+        <mc:Fallback>
+          <p:sp>
+            <p:nvSpPr>
+              <p:cNvPr id="9" name="Content Placeholder 8">
+                <a:extLst>
+                  <a:ext uri="{FF2B5EF4-FFF2-40B4-BE49-F238E27FC236}">
+                    <a16:creationId xmlns:a16="http://schemas.microsoft.com/office/drawing/2014/main" id="{86AE5BC6-FE01-4403-9CAD-F8558340D98C}"/>
+                  </a:ext>
+                </a:extLst>
+              </p:cNvPr>
+              <p:cNvSpPr>
+                <a:spLocks noGrp="1" noRot="1" noChangeAspect="1" noMove="1" noResize="1" noEditPoints="1" noAdjustHandles="1" noChangeArrowheads="1" noChangeShapeType="1" noTextEdit="1"/>
+              </p:cNvSpPr>
+              <p:nvPr>
+                <p:ph sz="half" idx="2"/>
+              </p:nvPr>
+            </p:nvSpPr>
+            <p:spPr>
+              <a:xfrm>
+                <a:off x="6172202" y="2185761"/>
+                <a:ext cx="5334000" cy="4024313"/>
+              </a:xfrm>
+              <a:blipFill>
+                <a:blip r:embed="rId3"/>
+                <a:stretch>
+                  <a:fillRect l="-1371" t="-1818"/>
+                </a:stretch>
+              </a:blipFill>
+            </p:spPr>
+            <p:txBody>
+              <a:bodyPr/>
+              <a:lstStyle/>
+              <a:p>
+                <a:r>
+                  <a:rPr lang="en-US">
+                    <a:noFill/>
+                  </a:rPr>
+                  <a:t> </a:t>
+                </a:r>
+              </a:p>
+            </p:txBody>
+          </p:sp>
+        </mc:Fallback>
+      </mc:AlternateContent>
     </p:spTree>
     <p:extLst>
       <p:ext uri="{BB962C8B-B14F-4D97-AF65-F5344CB8AC3E}">

--- a/Kalman Filter/KALMAN FILTER FIN 2025.pptx
+++ b/Kalman Filter/KALMAN FILTER FIN 2025.pptx
@@ -5,7 +5,7 @@
     <p:sldMasterId id="2147483648" r:id="rId1"/>
   </p:sldMasterIdLst>
   <p:notesMasterIdLst>
-    <p:notesMasterId r:id="rId20"/>
+    <p:notesMasterId r:id="rId21"/>
   </p:notesMasterIdLst>
   <p:sldIdLst>
     <p:sldId id="256" r:id="rId2"/>
@@ -18,14 +18,15 @@
     <p:sldId id="263" r:id="rId9"/>
     <p:sldId id="264" r:id="rId10"/>
     <p:sldId id="276" r:id="rId11"/>
-    <p:sldId id="269" r:id="rId12"/>
-    <p:sldId id="275" r:id="rId13"/>
-    <p:sldId id="266" r:id="rId14"/>
-    <p:sldId id="272" r:id="rId15"/>
-    <p:sldId id="273" r:id="rId16"/>
-    <p:sldId id="274" r:id="rId17"/>
-    <p:sldId id="259" r:id="rId18"/>
-    <p:sldId id="267" r:id="rId19"/>
+    <p:sldId id="277" r:id="rId12"/>
+    <p:sldId id="269" r:id="rId13"/>
+    <p:sldId id="275" r:id="rId14"/>
+    <p:sldId id="266" r:id="rId15"/>
+    <p:sldId id="272" r:id="rId16"/>
+    <p:sldId id="273" r:id="rId17"/>
+    <p:sldId id="274" r:id="rId18"/>
+    <p:sldId id="259" r:id="rId19"/>
+    <p:sldId id="267" r:id="rId20"/>
   </p:sldIdLst>
   <p:sldSz cx="12192000" cy="6858000"/>
   <p:notesSz cx="6858000" cy="9144000"/>
@@ -145,7 +146,7 @@
   <pc:docChgLst>
     <pc:chgData name="Mark Lefevre" userId="cf24bf3785f31a4f" providerId="LiveId" clId="{439518E1-CD2B-481F-9288-2AB5CAFC77EA}"/>
     <pc:docChg chg="undo custSel addSld delSld modSld sldOrd">
-      <pc:chgData name="Mark Lefevre" userId="cf24bf3785f31a4f" providerId="LiveId" clId="{439518E1-CD2B-481F-9288-2AB5CAFC77EA}" dt="2025-03-03T03:04:27.048" v="3174"/>
+      <pc:chgData name="Mark Lefevre" userId="cf24bf3785f31a4f" providerId="LiveId" clId="{439518E1-CD2B-481F-9288-2AB5CAFC77EA}" dt="2025-03-03T03:33:19.747" v="3181" actId="22"/>
       <pc:docMkLst>
         <pc:docMk/>
       </pc:docMkLst>
@@ -405,13 +406,13 @@
         </pc:picChg>
       </pc:sldChg>
       <pc:sldChg chg="addSp delSp modSp new mod ord">
-        <pc:chgData name="Mark Lefevre" userId="cf24bf3785f31a4f" providerId="LiveId" clId="{439518E1-CD2B-481F-9288-2AB5CAFC77EA}" dt="2025-03-03T03:04:27.048" v="3174"/>
+        <pc:chgData name="Mark Lefevre" userId="cf24bf3785f31a4f" providerId="LiveId" clId="{439518E1-CD2B-481F-9288-2AB5CAFC77EA}" dt="2025-03-03T03:31:51.918" v="3177" actId="1076"/>
         <pc:sldMkLst>
           <pc:docMk/>
           <pc:sldMk cId="3990713658" sldId="276"/>
         </pc:sldMkLst>
         <pc:spChg chg="mod">
-          <ac:chgData name="Mark Lefevre" userId="cf24bf3785f31a4f" providerId="LiveId" clId="{439518E1-CD2B-481F-9288-2AB5CAFC77EA}" dt="2025-03-01T04:39:09.548" v="2639" actId="20577"/>
+          <ac:chgData name="Mark Lefevre" userId="cf24bf3785f31a4f" providerId="LiveId" clId="{439518E1-CD2B-481F-9288-2AB5CAFC77EA}" dt="2025-03-03T03:31:51.918" v="3177" actId="1076"/>
           <ac:spMkLst>
             <pc:docMk/>
             <pc:sldMk cId="3990713658" sldId="276"/>
@@ -432,6 +433,53 @@
             <pc:docMk/>
             <pc:sldMk cId="3990713658" sldId="276"/>
             <ac:picMk id="6" creationId="{BDDD33B3-09EC-942E-044B-3262C5A34320}"/>
+          </ac:picMkLst>
+        </pc:picChg>
+      </pc:sldChg>
+      <pc:sldChg chg="addSp delSp modSp new mod">
+        <pc:chgData name="Mark Lefevre" userId="cf24bf3785f31a4f" providerId="LiveId" clId="{439518E1-CD2B-481F-9288-2AB5CAFC77EA}" dt="2025-03-03T03:33:19.747" v="3181" actId="22"/>
+        <pc:sldMkLst>
+          <pc:docMk/>
+          <pc:sldMk cId="3702892664" sldId="277"/>
+        </pc:sldMkLst>
+        <pc:spChg chg="mod">
+          <ac:chgData name="Mark Lefevre" userId="cf24bf3785f31a4f" providerId="LiveId" clId="{439518E1-CD2B-481F-9288-2AB5CAFC77EA}" dt="2025-03-03T03:31:58.189" v="3179" actId="27636"/>
+          <ac:spMkLst>
+            <pc:docMk/>
+            <pc:sldMk cId="3702892664" sldId="277"/>
+            <ac:spMk id="2" creationId="{B5044E97-1E71-6E9E-49F1-30BF1AC721A3}"/>
+          </ac:spMkLst>
+        </pc:spChg>
+        <pc:spChg chg="del">
+          <ac:chgData name="Mark Lefevre" userId="cf24bf3785f31a4f" providerId="LiveId" clId="{439518E1-CD2B-481F-9288-2AB5CAFC77EA}" dt="2025-03-03T03:33:02.830" v="3180" actId="22"/>
+          <ac:spMkLst>
+            <pc:docMk/>
+            <pc:sldMk cId="3702892664" sldId="277"/>
+            <ac:spMk id="3" creationId="{7D4D155F-A40C-A02A-6323-58CAD21A4BE1}"/>
+          </ac:spMkLst>
+        </pc:spChg>
+        <pc:spChg chg="del">
+          <ac:chgData name="Mark Lefevre" userId="cf24bf3785f31a4f" providerId="LiveId" clId="{439518E1-CD2B-481F-9288-2AB5CAFC77EA}" dt="2025-03-03T03:33:19.747" v="3181" actId="22"/>
+          <ac:spMkLst>
+            <pc:docMk/>
+            <pc:sldMk cId="3702892664" sldId="277"/>
+            <ac:spMk id="4" creationId="{862F7645-88E8-2B44-6D17-DD8331475EF7}"/>
+          </ac:spMkLst>
+        </pc:spChg>
+        <pc:picChg chg="add mod ord">
+          <ac:chgData name="Mark Lefevre" userId="cf24bf3785f31a4f" providerId="LiveId" clId="{439518E1-CD2B-481F-9288-2AB5CAFC77EA}" dt="2025-03-03T03:33:02.830" v="3180" actId="22"/>
+          <ac:picMkLst>
+            <pc:docMk/>
+            <pc:sldMk cId="3702892664" sldId="277"/>
+            <ac:picMk id="6" creationId="{3F9B77FE-8B43-D44B-416E-1A1B71BEF625}"/>
+          </ac:picMkLst>
+        </pc:picChg>
+        <pc:picChg chg="add mod ord">
+          <ac:chgData name="Mark Lefevre" userId="cf24bf3785f31a4f" providerId="LiveId" clId="{439518E1-CD2B-481F-9288-2AB5CAFC77EA}" dt="2025-03-03T03:33:19.747" v="3181" actId="22"/>
+          <ac:picMkLst>
+            <pc:docMk/>
+            <pc:sldMk cId="3702892664" sldId="277"/>
+            <ac:picMk id="8" creationId="{F05C1820-58D2-9885-8A9E-A1306D396F83}"/>
           </ac:picMkLst>
         </pc:picChg>
       </pc:sldChg>
@@ -522,7 +570,7 @@
           <a:p>
             <a:fld id="{9F34524B-208E-4470-83DF-9357896802DB}" type="datetimeFigureOut">
               <a:rPr lang="en-US" smtClean="0"/>
-              <a:t>2/28/2025</a:t>
+              <a:t>3/2/2025</a:t>
             </a:fld>
             <a:endParaRPr lang="en-US"/>
           </a:p>
@@ -1033,7 +1081,7 @@
           <a:p>
             <a:fld id="{F011AAC0-AB02-4B64-A809-419AC12897EB}" type="slidenum">
               <a:rPr lang="en-US" smtClean="0"/>
-              <a:t>11</a:t>
+              <a:t>12</a:t>
             </a:fld>
             <a:endParaRPr lang="en-US"/>
           </a:p>
@@ -1236,7 +1284,7 @@
           <a:p>
             <a:fld id="{F011AAC0-AB02-4B64-A809-419AC12897EB}" type="slidenum">
               <a:rPr lang="en-US" smtClean="0"/>
-              <a:t>12</a:t>
+              <a:t>13</a:t>
             </a:fld>
             <a:endParaRPr lang="en-US"/>
           </a:p>
@@ -1347,7 +1395,7 @@
           <a:p>
             <a:fld id="{F011AAC0-AB02-4B64-A809-419AC12897EB}" type="slidenum">
               <a:rPr lang="en-US" smtClean="0"/>
-              <a:t>13</a:t>
+              <a:t>14</a:t>
             </a:fld>
             <a:endParaRPr lang="en-US"/>
           </a:p>
@@ -1458,7 +1506,7 @@
           <a:p>
             <a:fld id="{F011AAC0-AB02-4B64-A809-419AC12897EB}" type="slidenum">
               <a:rPr lang="en-US" smtClean="0"/>
-              <a:t>14</a:t>
+              <a:t>15</a:t>
             </a:fld>
             <a:endParaRPr lang="en-US"/>
           </a:p>
@@ -1569,7 +1617,7 @@
           <a:p>
             <a:fld id="{F011AAC0-AB02-4B64-A809-419AC12897EB}" type="slidenum">
               <a:rPr lang="en-US" smtClean="0"/>
-              <a:t>15</a:t>
+              <a:t>16</a:t>
             </a:fld>
             <a:endParaRPr lang="en-US"/>
           </a:p>
@@ -1692,7 +1740,7 @@
           <a:p>
             <a:fld id="{F011AAC0-AB02-4B64-A809-419AC12897EB}" type="slidenum">
               <a:rPr lang="en-US" smtClean="0"/>
-              <a:t>16</a:t>
+              <a:t>17</a:t>
             </a:fld>
             <a:endParaRPr lang="en-US"/>
           </a:p>
@@ -1810,7 +1858,7 @@
           <a:p>
             <a:fld id="{F011AAC0-AB02-4B64-A809-419AC12897EB}" type="slidenum">
               <a:rPr lang="en-US" smtClean="0"/>
-              <a:t>17</a:t>
+              <a:t>18</a:t>
             </a:fld>
             <a:endParaRPr lang="en-US"/>
           </a:p>
@@ -2002,7 +2050,7 @@
           <a:p>
             <a:fld id="{F011AAC0-AB02-4B64-A809-419AC12897EB}" type="slidenum">
               <a:rPr lang="en-US" smtClean="0"/>
-              <a:t>18</a:t>
+              <a:t>19</a:t>
             </a:fld>
             <a:endParaRPr lang="en-US"/>
           </a:p>
@@ -3674,7 +3722,7 @@
           <a:p>
             <a:fld id="{48A87A34-81AB-432B-8DAE-1953F412C126}" type="datetimeFigureOut">
               <a:rPr lang="en-US" dirty="0"/>
-              <a:t>2/28/2025</a:t>
+              <a:t>3/2/2025</a:t>
             </a:fld>
             <a:endParaRPr lang="en-US" dirty="0"/>
           </a:p>
@@ -3936,7 +3984,7 @@
           <a:p>
             <a:fld id="{48A87A34-81AB-432B-8DAE-1953F412C126}" type="datetimeFigureOut">
               <a:rPr lang="en-US" dirty="0"/>
-              <a:t>2/28/2025</a:t>
+              <a:t>3/2/2025</a:t>
             </a:fld>
             <a:endParaRPr lang="en-US" dirty="0"/>
           </a:p>
@@ -4163,7 +4211,7 @@
             <a:fld id="{48A87A34-81AB-432B-8DAE-1953F412C126}" type="datetimeFigureOut">
               <a:rPr lang="en-US" dirty="0"/>
               <a:pPr/>
-              <a:t>2/28/2025</a:t>
+              <a:t>3/2/2025</a:t>
             </a:fld>
             <a:endParaRPr lang="en-US" dirty="0"/>
           </a:p>
@@ -4469,7 +4517,7 @@
             <a:fld id="{48A87A34-81AB-432B-8DAE-1953F412C126}" type="datetimeFigureOut">
               <a:rPr lang="en-US" dirty="0"/>
               <a:pPr/>
-              <a:t>2/28/2025</a:t>
+              <a:t>3/2/2025</a:t>
             </a:fld>
             <a:endParaRPr lang="en-US" dirty="0"/>
           </a:p>
@@ -4938,7 +4986,7 @@
             <a:fld id="{48A87A34-81AB-432B-8DAE-1953F412C126}" type="datetimeFigureOut">
               <a:rPr lang="en-US" dirty="0"/>
               <a:pPr/>
-              <a:t>2/28/2025</a:t>
+              <a:t>3/2/2025</a:t>
             </a:fld>
             <a:endParaRPr lang="en-US" dirty="0"/>
           </a:p>
@@ -5480,7 +5528,7 @@
           <a:p>
             <a:fld id="{48A87A34-81AB-432B-8DAE-1953F412C126}" type="datetimeFigureOut">
               <a:rPr lang="en-US" dirty="0"/>
-              <a:t>2/28/2025</a:t>
+              <a:t>3/2/2025</a:t>
             </a:fld>
             <a:endParaRPr lang="en-US" dirty="0"/>
           </a:p>
@@ -6249,7 +6297,7 @@
           <a:p>
             <a:fld id="{48A87A34-81AB-432B-8DAE-1953F412C126}" type="datetimeFigureOut">
               <a:rPr lang="en-US" dirty="0"/>
-              <a:t>2/28/2025</a:t>
+              <a:t>3/2/2025</a:t>
             </a:fld>
             <a:endParaRPr lang="en-US" dirty="0"/>
           </a:p>
@@ -6419,7 +6467,7 @@
           <a:p>
             <a:fld id="{48A87A34-81AB-432B-8DAE-1953F412C126}" type="datetimeFigureOut">
               <a:rPr lang="en-US" dirty="0"/>
-              <a:t>2/28/2025</a:t>
+              <a:t>3/2/2025</a:t>
             </a:fld>
             <a:endParaRPr lang="en-US" dirty="0"/>
           </a:p>
@@ -6638,7 +6686,7 @@
             <a:fld id="{48A87A34-81AB-432B-8DAE-1953F412C126}" type="datetimeFigureOut">
               <a:rPr lang="en-US" dirty="0"/>
               <a:pPr/>
-              <a:t>2/28/2025</a:t>
+              <a:t>3/2/2025</a:t>
             </a:fld>
             <a:endParaRPr lang="en-US" dirty="0"/>
           </a:p>
@@ -6813,7 +6861,7 @@
           <a:p>
             <a:fld id="{48A87A34-81AB-432B-8DAE-1953F412C126}" type="datetimeFigureOut">
               <a:rPr lang="en-US" dirty="0"/>
-              <a:t>2/28/2025</a:t>
+              <a:t>3/2/2025</a:t>
             </a:fld>
             <a:endParaRPr lang="en-US" dirty="0"/>
           </a:p>
@@ -7098,7 +7146,7 @@
             <a:fld id="{48A87A34-81AB-432B-8DAE-1953F412C126}" type="datetimeFigureOut">
               <a:rPr lang="en-US" dirty="0"/>
               <a:pPr/>
-              <a:t>2/28/2025</a:t>
+              <a:t>3/2/2025</a:t>
             </a:fld>
             <a:endParaRPr lang="en-US" dirty="0"/>
           </a:p>
@@ -7335,7 +7383,7 @@
           <a:p>
             <a:fld id="{48A87A34-81AB-432B-8DAE-1953F412C126}" type="datetimeFigureOut">
               <a:rPr lang="en-US" dirty="0"/>
-              <a:t>2/28/2025</a:t>
+              <a:t>3/2/2025</a:t>
             </a:fld>
             <a:endParaRPr lang="en-US" dirty="0"/>
           </a:p>
@@ -7709,7 +7757,7 @@
           <a:p>
             <a:fld id="{48A87A34-81AB-432B-8DAE-1953F412C126}" type="datetimeFigureOut">
               <a:rPr lang="en-US" dirty="0"/>
-              <a:t>2/28/2025</a:t>
+              <a:t>3/2/2025</a:t>
             </a:fld>
             <a:endParaRPr lang="en-US" dirty="0"/>
           </a:p>
@@ -7822,7 +7870,7 @@
           <a:p>
             <a:fld id="{48A87A34-81AB-432B-8DAE-1953F412C126}" type="datetimeFigureOut">
               <a:rPr lang="en-US" dirty="0"/>
-              <a:t>2/28/2025</a:t>
+              <a:t>3/2/2025</a:t>
             </a:fld>
             <a:endParaRPr lang="en-US" dirty="0"/>
           </a:p>
@@ -7912,7 +7960,7 @@
           <a:p>
             <a:fld id="{48A87A34-81AB-432B-8DAE-1953F412C126}" type="datetimeFigureOut">
               <a:rPr lang="en-US" dirty="0"/>
-              <a:t>2/28/2025</a:t>
+              <a:t>3/2/2025</a:t>
             </a:fld>
             <a:endParaRPr lang="en-US" dirty="0"/>
           </a:p>
@@ -8156,7 +8204,7 @@
           <a:p>
             <a:fld id="{48A87A34-81AB-432B-8DAE-1953F412C126}" type="datetimeFigureOut">
               <a:rPr lang="en-US" dirty="0"/>
-              <a:t>2/28/2025</a:t>
+              <a:t>3/2/2025</a:t>
             </a:fld>
             <a:endParaRPr lang="en-US" dirty="0"/>
           </a:p>
@@ -8408,7 +8456,7 @@
           <a:p>
             <a:fld id="{48A87A34-81AB-432B-8DAE-1953F412C126}" type="datetimeFigureOut">
               <a:rPr lang="en-US" dirty="0"/>
-              <a:t>2/28/2025</a:t>
+              <a:t>3/2/2025</a:t>
             </a:fld>
             <a:endParaRPr lang="en-US" dirty="0"/>
           </a:p>
@@ -8647,7 +8695,7 @@
             <a:fld id="{48A87A34-81AB-432B-8DAE-1953F412C126}" type="datetimeFigureOut">
               <a:rPr lang="en-US" dirty="0"/>
               <a:pPr/>
-              <a:t>2/28/2025</a:t>
+              <a:t>3/2/2025</a:t>
             </a:fld>
             <a:endParaRPr lang="en-US" dirty="0"/>
           </a:p>
@@ -9246,8 +9294,8 @@
           </a:xfrm>
         </p:spPr>
       </p:pic>
-      <mc:AlternateContent xmlns:mc="http://schemas.openxmlformats.org/markup-compatibility/2006">
-        <mc:Choice xmlns:a14="http://schemas.microsoft.com/office/drawing/2010/main" Requires="a14">
+      <mc:AlternateContent xmlns:mc="http://schemas.openxmlformats.org/markup-compatibility/2006" xmlns:a14="http://schemas.microsoft.com/office/drawing/2010/main">
+        <mc:Choice Requires="a14">
           <p:sp>
             <p:nvSpPr>
               <p:cNvPr id="4" name="Content Placeholder 3">
@@ -9374,7 +9422,6 @@
                 <a:endParaRPr lang="en-US" sz="2000" dirty="0"/>
               </a:p>
               <a:p>
-                <a:pPr/>
                 <a:r>
                   <a:rPr lang="en-US" sz="2000" b="1" i="1" dirty="0"/>
                   <a:t>s</a:t>
@@ -9385,7 +9432,6 @@
                 </a:r>
               </a:p>
               <a:p>
-                <a:pPr/>
                 <a:r>
                   <a:rPr lang="en-US" sz="2000" b="1" i="1" dirty="0"/>
                   <a:t>v</a:t>
@@ -9416,7 +9462,7 @@
             </p:txBody>
           </p:sp>
         </mc:Choice>
-        <mc:Fallback>
+        <mc:Fallback xmlns="">
           <p:sp>
             <p:nvSpPr>
               <p:cNvPr id="4" name="Content Placeholder 3">
@@ -9491,7 +9537,7 @@
           <p:cNvPr id="2" name="Title 1">
             <a:extLst>
               <a:ext uri="{FF2B5EF4-FFF2-40B4-BE49-F238E27FC236}">
-                <a16:creationId xmlns:a16="http://schemas.microsoft.com/office/drawing/2014/main" id="{30102EBE-4894-4054-8001-62CDB0C48B56}"/>
+                <a16:creationId xmlns:a16="http://schemas.microsoft.com/office/drawing/2014/main" id="{B5044E97-1E71-6E9E-49F1-30BF1AC721A3}"/>
               </a:ext>
             </a:extLst>
           </p:cNvPr>
@@ -9518,6 +9564,138 @@
             </a:br>
             <a:r>
               <a:rPr lang="en-US" dirty="0"/>
+              <a:t>Dynamic SPREAD ESTIMATION</a:t>
+            </a:r>
+            <a:br>
+              <a:rPr lang="en-US" dirty="0"/>
+            </a:br>
+            <a:r>
+              <a:rPr lang="en-US" dirty="0"/>
+              <a:t>EURUSD versus USDJPY</a:t>
+            </a:r>
+          </a:p>
+        </p:txBody>
+      </p:sp>
+      <p:pic>
+        <p:nvPicPr>
+          <p:cNvPr id="6" name="Content Placeholder 5">
+            <a:extLst>
+              <a:ext uri="{FF2B5EF4-FFF2-40B4-BE49-F238E27FC236}">
+                <a16:creationId xmlns:a16="http://schemas.microsoft.com/office/drawing/2014/main" id="{3F9B77FE-8B43-D44B-416E-1A1B71BEF625}"/>
+              </a:ext>
+            </a:extLst>
+          </p:cNvPr>
+          <p:cNvPicPr>
+            <a:picLocks noGrp="1" noChangeAspect="1"/>
+          </p:cNvPicPr>
+          <p:nvPr>
+            <p:ph sz="half" idx="1"/>
+          </p:nvPr>
+        </p:nvPicPr>
+        <p:blipFill>
+          <a:blip r:embed="rId2"/>
+          <a:stretch>
+            <a:fillRect/>
+          </a:stretch>
+        </p:blipFill>
+        <p:spPr>
+          <a:xfrm>
+            <a:off x="685800" y="2617868"/>
+            <a:ext cx="5334000" cy="3176426"/>
+          </a:xfrm>
+        </p:spPr>
+      </p:pic>
+      <p:pic>
+        <p:nvPicPr>
+          <p:cNvPr id="8" name="Content Placeholder 7">
+            <a:extLst>
+              <a:ext uri="{FF2B5EF4-FFF2-40B4-BE49-F238E27FC236}">
+                <a16:creationId xmlns:a16="http://schemas.microsoft.com/office/drawing/2014/main" id="{F05C1820-58D2-9885-8A9E-A1306D396F83}"/>
+              </a:ext>
+            </a:extLst>
+          </p:cNvPr>
+          <p:cNvPicPr>
+            <a:picLocks noGrp="1" noChangeAspect="1"/>
+          </p:cNvPicPr>
+          <p:nvPr>
+            <p:ph sz="half" idx="2"/>
+          </p:nvPr>
+        </p:nvPicPr>
+        <p:blipFill>
+          <a:blip r:embed="rId3"/>
+          <a:stretch>
+            <a:fillRect/>
+          </a:stretch>
+        </p:blipFill>
+        <p:spPr>
+          <a:xfrm>
+            <a:off x="6172200" y="2617868"/>
+            <a:ext cx="5334000" cy="3176426"/>
+          </a:xfrm>
+        </p:spPr>
+      </p:pic>
+    </p:spTree>
+    <p:extLst>
+      <p:ext uri="{BB962C8B-B14F-4D97-AF65-F5344CB8AC3E}">
+        <p14:creationId xmlns:p14="http://schemas.microsoft.com/office/powerpoint/2010/main" val="3702892664"/>
+      </p:ext>
+    </p:extLst>
+  </p:cSld>
+  <p:clrMapOvr>
+    <a:masterClrMapping/>
+  </p:clrMapOvr>
+</p:sld>
+</file>
+
+<file path=ppt/slides/slide12.xml><?xml version="1.0" encoding="utf-8"?>
+<p:sld xmlns:a="http://schemas.openxmlformats.org/drawingml/2006/main" xmlns:r="http://schemas.openxmlformats.org/officeDocument/2006/relationships" xmlns:p="http://schemas.openxmlformats.org/presentationml/2006/main">
+  <p:cSld>
+    <p:spTree>
+      <p:nvGrpSpPr>
+        <p:cNvPr id="1" name=""/>
+        <p:cNvGrpSpPr/>
+        <p:nvPr/>
+      </p:nvGrpSpPr>
+      <p:grpSpPr>
+        <a:xfrm>
+          <a:off x="0" y="0"/>
+          <a:ext cx="0" cy="0"/>
+          <a:chOff x="0" y="0"/>
+          <a:chExt cx="0" cy="0"/>
+        </a:xfrm>
+      </p:grpSpPr>
+      <p:sp>
+        <p:nvSpPr>
+          <p:cNvPr id="2" name="Title 1">
+            <a:extLst>
+              <a:ext uri="{FF2B5EF4-FFF2-40B4-BE49-F238E27FC236}">
+                <a16:creationId xmlns:a16="http://schemas.microsoft.com/office/drawing/2014/main" id="{30102EBE-4894-4054-8001-62CDB0C48B56}"/>
+              </a:ext>
+            </a:extLst>
+          </p:cNvPr>
+          <p:cNvSpPr>
+            <a:spLocks noGrp="1"/>
+          </p:cNvSpPr>
+          <p:nvPr>
+            <p:ph type="title"/>
+          </p:nvPr>
+        </p:nvSpPr>
+        <p:spPr/>
+        <p:txBody>
+          <a:bodyPr>
+            <a:normAutofit fontScale="90000"/>
+          </a:bodyPr>
+          <a:lstStyle/>
+          <a:p>
+            <a:r>
+              <a:rPr lang="en-US" dirty="0"/>
+              <a:t>Kalman Filter</a:t>
+            </a:r>
+            <a:br>
+              <a:rPr lang="en-US" dirty="0"/>
+            </a:br>
+            <a:r>
+              <a:rPr lang="en-US" dirty="0"/>
               <a:t>Dynamic Hedge Ratio</a:t>
             </a:r>
             <a:br>
@@ -9530,8 +9708,8 @@
           </a:p>
         </p:txBody>
       </p:sp>
-      <mc:AlternateContent xmlns:mc="http://schemas.openxmlformats.org/markup-compatibility/2006">
-        <mc:Choice xmlns:a14="http://schemas.microsoft.com/office/drawing/2010/main" Requires="a14">
+      <mc:AlternateContent xmlns:mc="http://schemas.openxmlformats.org/markup-compatibility/2006" xmlns:a14="http://schemas.microsoft.com/office/drawing/2010/main">
+        <mc:Choice Requires="a14">
           <p:sp>
             <p:nvSpPr>
               <p:cNvPr id="6" name="Content Placeholder 5">
@@ -9974,7 +10152,7 @@
             </p:txBody>
           </p:sp>
         </mc:Choice>
-        <mc:Fallback>
+        <mc:Fallback xmlns="">
           <p:sp>
             <p:nvSpPr>
               <p:cNvPr id="6" name="Content Placeholder 5">
@@ -10056,7 +10234,7 @@
 </p:sld>
 </file>
 
-<file path=ppt/slides/slide12.xml><?xml version="1.0" encoding="utf-8"?>
+<file path=ppt/slides/slide13.xml><?xml version="1.0" encoding="utf-8"?>
 <p:sld xmlns:a="http://schemas.openxmlformats.org/drawingml/2006/main" xmlns:r="http://schemas.openxmlformats.org/officeDocument/2006/relationships" xmlns:p="http://schemas.openxmlformats.org/presentationml/2006/main">
   <p:cSld>
     <p:spTree>
@@ -10194,538 +10372,6 @@
 </p:sld>
 </file>
 
-<file path=ppt/slides/slide13.xml><?xml version="1.0" encoding="utf-8"?>
-<p:sld xmlns:a="http://schemas.openxmlformats.org/drawingml/2006/main" xmlns:r="http://schemas.openxmlformats.org/officeDocument/2006/relationships" xmlns:p="http://schemas.openxmlformats.org/presentationml/2006/main">
-  <p:cSld>
-    <p:spTree>
-      <p:nvGrpSpPr>
-        <p:cNvPr id="1" name=""/>
-        <p:cNvGrpSpPr/>
-        <p:nvPr/>
-      </p:nvGrpSpPr>
-      <p:grpSpPr>
-        <a:xfrm>
-          <a:off x="0" y="0"/>
-          <a:ext cx="0" cy="0"/>
-          <a:chOff x="0" y="0"/>
-          <a:chExt cx="0" cy="0"/>
-        </a:xfrm>
-      </p:grpSpPr>
-      <p:sp>
-        <p:nvSpPr>
-          <p:cNvPr id="2" name="Title 1">
-            <a:extLst>
-              <a:ext uri="{FF2B5EF4-FFF2-40B4-BE49-F238E27FC236}">
-                <a16:creationId xmlns:a16="http://schemas.microsoft.com/office/drawing/2014/main" id="{4B9E96CB-2365-49E0-BA19-2E007721B06E}"/>
-              </a:ext>
-            </a:extLst>
-          </p:cNvPr>
-          <p:cNvSpPr>
-            <a:spLocks noGrp="1"/>
-          </p:cNvSpPr>
-          <p:nvPr>
-            <p:ph type="title"/>
-          </p:nvPr>
-        </p:nvSpPr>
-        <p:spPr/>
-        <p:txBody>
-          <a:bodyPr/>
-          <a:lstStyle/>
-          <a:p>
-            <a:r>
-              <a:rPr lang="en-US" dirty="0"/>
-              <a:t>q/KDB+ Code</a:t>
-            </a:r>
-          </a:p>
-        </p:txBody>
-      </p:sp>
-      <p:sp>
-        <p:nvSpPr>
-          <p:cNvPr id="3" name="Content Placeholder 2">
-            <a:extLst>
-              <a:ext uri="{FF2B5EF4-FFF2-40B4-BE49-F238E27FC236}">
-                <a16:creationId xmlns:a16="http://schemas.microsoft.com/office/drawing/2014/main" id="{0231F2F8-8A23-4BAD-B906-B29918C223BB}"/>
-              </a:ext>
-            </a:extLst>
-          </p:cNvPr>
-          <p:cNvSpPr>
-            <a:spLocks noGrp="1"/>
-          </p:cNvSpPr>
-          <p:nvPr>
-            <p:ph sz="half" idx="1"/>
-          </p:nvPr>
-        </p:nvSpPr>
-        <p:spPr/>
-        <p:txBody>
-          <a:bodyPr>
-            <a:noAutofit/>
-          </a:bodyPr>
-          <a:lstStyle/>
-          <a:p>
-            <a:pPr marL="0" indent="0">
-              <a:buNone/>
-            </a:pPr>
-            <a:r>
-              <a:rPr lang="en-US" sz="1200" dirty="0">
-                <a:latin typeface="Courier New" panose="02070309020205020404" pitchFamily="49" charset="0"/>
-                <a:cs typeface="Courier New" panose="02070309020205020404" pitchFamily="49" charset="0"/>
-              </a:rPr>
-              <a:t>/ Constants</a:t>
-            </a:r>
-          </a:p>
-          <a:p>
-            <a:pPr marL="0" indent="0">
-              <a:buNone/>
-            </a:pPr>
-            <a:r>
-              <a:rPr lang="en-US" sz="1200" dirty="0">
-                <a:latin typeface="Courier New" panose="02070309020205020404" pitchFamily="49" charset="0"/>
-                <a:cs typeface="Courier New" panose="02070309020205020404" pitchFamily="49" charset="0"/>
-              </a:rPr>
-              <a:t>g:9.81;  / gravity m/s^2</a:t>
-            </a:r>
-          </a:p>
-          <a:p>
-            <a:pPr marL="0" indent="0">
-              <a:buNone/>
-            </a:pPr>
-            <a:endParaRPr lang="en-US" sz="1200" dirty="0">
-              <a:latin typeface="Courier New" panose="02070309020205020404" pitchFamily="49" charset="0"/>
-              <a:cs typeface="Courier New" panose="02070309020205020404" pitchFamily="49" charset="0"/>
-            </a:endParaRPr>
-          </a:p>
-          <a:p>
-            <a:pPr marL="0" indent="0">
-              <a:buNone/>
-            </a:pPr>
-            <a:r>
-              <a:rPr lang="en-US" sz="1200" dirty="0">
-                <a:latin typeface="Courier New" panose="02070309020205020404" pitchFamily="49" charset="0"/>
-                <a:cs typeface="Courier New" panose="02070309020205020404" pitchFamily="49" charset="0"/>
-              </a:rPr>
-              <a:t>/ Time steps</a:t>
-            </a:r>
-          </a:p>
-          <a:p>
-            <a:pPr marL="0" indent="0">
-              <a:buNone/>
-            </a:pPr>
-            <a:r>
-              <a:rPr lang="en-US" sz="1200" dirty="0">
-                <a:latin typeface="Courier New" panose="02070309020205020404" pitchFamily="49" charset="0"/>
-                <a:cs typeface="Courier New" panose="02070309020205020404" pitchFamily="49" charset="0"/>
-              </a:rPr>
-              <a:t>dt:0.1;</a:t>
-            </a:r>
-          </a:p>
-          <a:p>
-            <a:pPr marL="0" indent="0">
-              <a:buNone/>
-            </a:pPr>
-            <a:r>
-              <a:rPr lang="en-US" sz="1200" dirty="0">
-                <a:latin typeface="Courier New" panose="02070309020205020404" pitchFamily="49" charset="0"/>
-                <a:cs typeface="Courier New" panose="02070309020205020404" pitchFamily="49" charset="0"/>
-              </a:rPr>
-              <a:t>/ [b]</a:t>
-            </a:r>
-            <a:r>
-              <a:rPr lang="en-US" sz="1200" dirty="0" err="1">
-                <a:latin typeface="Courier New" panose="02070309020205020404" pitchFamily="49" charset="0"/>
-                <a:cs typeface="Courier New" panose="02070309020205020404" pitchFamily="49" charset="0"/>
-              </a:rPr>
-              <a:t>egin</a:t>
-            </a:r>
-            <a:r>
-              <a:rPr lang="en-US" sz="1200" dirty="0">
-                <a:latin typeface="Courier New" panose="02070309020205020404" pitchFamily="49" charset="0"/>
-                <a:cs typeface="Courier New" panose="02070309020205020404" pitchFamily="49" charset="0"/>
-              </a:rPr>
-              <a:t>; [e]</a:t>
-            </a:r>
-            <a:r>
-              <a:rPr lang="en-US" sz="1200" dirty="0" err="1">
-                <a:latin typeface="Courier New" panose="02070309020205020404" pitchFamily="49" charset="0"/>
-                <a:cs typeface="Courier New" panose="02070309020205020404" pitchFamily="49" charset="0"/>
-              </a:rPr>
-              <a:t>nd</a:t>
-            </a:r>
-            <a:r>
-              <a:rPr lang="en-US" sz="1200" dirty="0">
-                <a:latin typeface="Courier New" panose="02070309020205020404" pitchFamily="49" charset="0"/>
-                <a:cs typeface="Courier New" panose="02070309020205020404" pitchFamily="49" charset="0"/>
-              </a:rPr>
-              <a:t>; [s]</a:t>
-            </a:r>
-            <a:r>
-              <a:rPr lang="en-US" sz="1200" dirty="0" err="1">
-                <a:latin typeface="Courier New" panose="02070309020205020404" pitchFamily="49" charset="0"/>
-                <a:cs typeface="Courier New" panose="02070309020205020404" pitchFamily="49" charset="0"/>
-              </a:rPr>
-              <a:t>tep</a:t>
-            </a:r>
-            <a:endParaRPr lang="en-US" sz="1200" dirty="0">
-              <a:latin typeface="Courier New" panose="02070309020205020404" pitchFamily="49" charset="0"/>
-              <a:cs typeface="Courier New" panose="02070309020205020404" pitchFamily="49" charset="0"/>
-            </a:endParaRPr>
-          </a:p>
-          <a:p>
-            <a:pPr marL="0" indent="0">
-              <a:buNone/>
-            </a:pPr>
-            <a:r>
-              <a:rPr lang="en-US" sz="1200" dirty="0" err="1">
-                <a:latin typeface="Courier New" panose="02070309020205020404" pitchFamily="49" charset="0"/>
-                <a:cs typeface="Courier New" panose="02070309020205020404" pitchFamily="49" charset="0"/>
-              </a:rPr>
-              <a:t>arange</a:t>
-            </a:r>
-            <a:r>
-              <a:rPr lang="en-US" sz="1200" dirty="0">
-                <a:latin typeface="Courier New" panose="02070309020205020404" pitchFamily="49" charset="0"/>
-                <a:cs typeface="Courier New" panose="02070309020205020404" pitchFamily="49" charset="0"/>
-              </a:rPr>
-              <a:t>:{[</a:t>
-            </a:r>
-            <a:r>
-              <a:rPr lang="en-US" sz="1200" dirty="0" err="1">
-                <a:latin typeface="Courier New" panose="02070309020205020404" pitchFamily="49" charset="0"/>
-                <a:cs typeface="Courier New" panose="02070309020205020404" pitchFamily="49" charset="0"/>
-              </a:rPr>
-              <a:t>b;e;s</a:t>
-            </a:r>
-            <a:r>
-              <a:rPr lang="en-US" sz="1200" dirty="0">
-                <a:latin typeface="Courier New" panose="02070309020205020404" pitchFamily="49" charset="0"/>
-                <a:cs typeface="Courier New" panose="02070309020205020404" pitchFamily="49" charset="0"/>
-              </a:rPr>
-              <a:t>] </a:t>
-            </a:r>
-            <a:r>
-              <a:rPr lang="en-US" sz="1200" dirty="0" err="1">
-                <a:latin typeface="Courier New" panose="02070309020205020404" pitchFamily="49" charset="0"/>
-                <a:cs typeface="Courier New" panose="02070309020205020404" pitchFamily="49" charset="0"/>
-              </a:rPr>
-              <a:t>b+s</a:t>
-            </a:r>
-            <a:r>
-              <a:rPr lang="en-US" sz="1200" dirty="0">
-                <a:latin typeface="Courier New" panose="02070309020205020404" pitchFamily="49" charset="0"/>
-                <a:cs typeface="Courier New" panose="02070309020205020404" pitchFamily="49" charset="0"/>
-              </a:rPr>
-              <a:t>*</a:t>
-            </a:r>
-            <a:r>
-              <a:rPr lang="en-US" sz="1200" dirty="0" err="1">
-                <a:latin typeface="Courier New" panose="02070309020205020404" pitchFamily="49" charset="0"/>
-                <a:cs typeface="Courier New" panose="02070309020205020404" pitchFamily="49" charset="0"/>
-              </a:rPr>
-              <a:t>til</a:t>
-            </a:r>
-            <a:r>
-              <a:rPr lang="en-US" sz="1200" dirty="0">
-                <a:latin typeface="Courier New" panose="02070309020205020404" pitchFamily="49" charset="0"/>
-                <a:cs typeface="Courier New" panose="02070309020205020404" pitchFamily="49" charset="0"/>
-              </a:rPr>
-              <a:t> "j"$-[</a:t>
-            </a:r>
-            <a:r>
-              <a:rPr lang="en-US" sz="1200" dirty="0" err="1">
-                <a:latin typeface="Courier New" panose="02070309020205020404" pitchFamily="49" charset="0"/>
-                <a:cs typeface="Courier New" panose="02070309020205020404" pitchFamily="49" charset="0"/>
-              </a:rPr>
-              <a:t>e;b</a:t>
-            </a:r>
-            <a:r>
-              <a:rPr lang="en-US" sz="1200" dirty="0">
-                <a:latin typeface="Courier New" panose="02070309020205020404" pitchFamily="49" charset="0"/>
-                <a:cs typeface="Courier New" panose="02070309020205020404" pitchFamily="49" charset="0"/>
-              </a:rPr>
-              <a:t>]%s};</a:t>
-            </a:r>
-          </a:p>
-          <a:p>
-            <a:pPr marL="0" indent="0">
-              <a:buNone/>
-            </a:pPr>
-            <a:r>
-              <a:rPr lang="en-US" sz="1200" dirty="0" err="1">
-                <a:latin typeface="Courier New" panose="02070309020205020404" pitchFamily="49" charset="0"/>
-                <a:cs typeface="Courier New" panose="02070309020205020404" pitchFamily="49" charset="0"/>
-              </a:rPr>
-              <a:t>times:arange</a:t>
-            </a:r>
-            <a:r>
-              <a:rPr lang="en-US" sz="1200" dirty="0">
-                <a:latin typeface="Courier New" panose="02070309020205020404" pitchFamily="49" charset="0"/>
-                <a:cs typeface="Courier New" panose="02070309020205020404" pitchFamily="49" charset="0"/>
-              </a:rPr>
-              <a:t>[0;10;dt];</a:t>
-            </a:r>
-          </a:p>
-          <a:p>
-            <a:pPr marL="0" indent="0">
-              <a:buNone/>
-            </a:pPr>
-            <a:endParaRPr lang="en-US" sz="1200" dirty="0">
-              <a:latin typeface="Courier New" panose="02070309020205020404" pitchFamily="49" charset="0"/>
-              <a:cs typeface="Courier New" panose="02070309020205020404" pitchFamily="49" charset="0"/>
-            </a:endParaRPr>
-          </a:p>
-          <a:p>
-            <a:pPr marL="0" indent="0">
-              <a:buNone/>
-            </a:pPr>
-            <a:r>
-              <a:rPr lang="en-US" sz="1200" dirty="0">
-                <a:latin typeface="Courier New" panose="02070309020205020404" pitchFamily="49" charset="0"/>
-                <a:cs typeface="Courier New" panose="02070309020205020404" pitchFamily="49" charset="0"/>
-              </a:rPr>
-              <a:t>/ Initial conditions</a:t>
-            </a:r>
-          </a:p>
-          <a:p>
-            <a:pPr marL="0" indent="0">
-              <a:buNone/>
-            </a:pPr>
-            <a:r>
-              <a:rPr lang="en-US" sz="1200" dirty="0">
-                <a:latin typeface="Courier New" panose="02070309020205020404" pitchFamily="49" charset="0"/>
-                <a:cs typeface="Courier New" panose="02070309020205020404" pitchFamily="49" charset="0"/>
-              </a:rPr>
-              <a:t>x0:0; y0:0; vx0:50; vy0:50; / pos in m; vel in m/s</a:t>
-            </a:r>
-          </a:p>
-          <a:p>
-            <a:pPr marL="0" indent="0">
-              <a:buNone/>
-            </a:pPr>
-            <a:endParaRPr lang="en-US" sz="1200" dirty="0">
-              <a:latin typeface="Courier New" panose="02070309020205020404" pitchFamily="49" charset="0"/>
-              <a:cs typeface="Courier New" panose="02070309020205020404" pitchFamily="49" charset="0"/>
-            </a:endParaRPr>
-          </a:p>
-          <a:p>
-            <a:pPr marL="0" indent="0">
-              <a:buNone/>
-            </a:pPr>
-            <a:endParaRPr lang="en-US" sz="1200" dirty="0">
-              <a:latin typeface="Courier New" panose="02070309020205020404" pitchFamily="49" charset="0"/>
-              <a:cs typeface="Courier New" panose="02070309020205020404" pitchFamily="49" charset="0"/>
-            </a:endParaRPr>
-          </a:p>
-        </p:txBody>
-      </p:sp>
-      <p:sp>
-        <p:nvSpPr>
-          <p:cNvPr id="4" name="Content Placeholder 3">
-            <a:extLst>
-              <a:ext uri="{FF2B5EF4-FFF2-40B4-BE49-F238E27FC236}">
-                <a16:creationId xmlns:a16="http://schemas.microsoft.com/office/drawing/2014/main" id="{68634F60-5796-438E-808B-D52176E542F6}"/>
-              </a:ext>
-            </a:extLst>
-          </p:cNvPr>
-          <p:cNvSpPr>
-            <a:spLocks noGrp="1"/>
-          </p:cNvSpPr>
-          <p:nvPr>
-            <p:ph sz="half" idx="2"/>
-          </p:nvPr>
-        </p:nvSpPr>
-        <p:spPr/>
-        <p:txBody>
-          <a:bodyPr>
-            <a:noAutofit/>
-          </a:bodyPr>
-          <a:lstStyle/>
-          <a:p>
-            <a:pPr marL="0" indent="0">
-              <a:buNone/>
-            </a:pPr>
-            <a:r>
-              <a:rPr lang="en-US" sz="1200" dirty="0">
-                <a:latin typeface="Courier New" panose="02070309020205020404" pitchFamily="49" charset="0"/>
-                <a:cs typeface="Courier New" panose="02070309020205020404" pitchFamily="49" charset="0"/>
-              </a:rPr>
-              <a:t>/ Actual trajectory</a:t>
-            </a:r>
-          </a:p>
-          <a:p>
-            <a:pPr marL="0" indent="0">
-              <a:buNone/>
-            </a:pPr>
-            <a:r>
-              <a:rPr lang="en-US" sz="1200" dirty="0" err="1">
-                <a:latin typeface="Courier New" panose="02070309020205020404" pitchFamily="49" charset="0"/>
-                <a:cs typeface="Courier New" panose="02070309020205020404" pitchFamily="49" charset="0"/>
-              </a:rPr>
-              <a:t>atraj</a:t>
-            </a:r>
-            <a:r>
-              <a:rPr lang="en-US" sz="1200" dirty="0">
-                <a:latin typeface="Courier New" panose="02070309020205020404" pitchFamily="49" charset="0"/>
-                <a:cs typeface="Courier New" panose="02070309020205020404" pitchFamily="49" charset="0"/>
-              </a:rPr>
-              <a:t>:{[g;x0;y0;vx0;vy0;t]</a:t>
-            </a:r>
-          </a:p>
-          <a:p>
-            <a:pPr marL="0" indent="0">
-              <a:buNone/>
-            </a:pPr>
-            <a:r>
-              <a:rPr lang="en-US" sz="1200" dirty="0">
-                <a:latin typeface="Courier New" panose="02070309020205020404" pitchFamily="49" charset="0"/>
-                <a:cs typeface="Courier New" panose="02070309020205020404" pitchFamily="49" charset="0"/>
-              </a:rPr>
-              <a:t>  x:x0+vx0*t;               / x pos</a:t>
-            </a:r>
-          </a:p>
-          <a:p>
-            <a:pPr marL="0" indent="0">
-              <a:buNone/>
-            </a:pPr>
-            <a:r>
-              <a:rPr lang="en-US" sz="1200" dirty="0">
-                <a:latin typeface="Courier New" panose="02070309020205020404" pitchFamily="49" charset="0"/>
-                <a:cs typeface="Courier New" panose="02070309020205020404" pitchFamily="49" charset="0"/>
-              </a:rPr>
-              <a:t>  y:-[y0+vy0*t;0.5*g*t*t];  / y pos y0+vy0*t-0.5*g*t^2</a:t>
-            </a:r>
-          </a:p>
-          <a:p>
-            <a:pPr marL="0" indent="0">
-              <a:buNone/>
-            </a:pPr>
-            <a:r>
-              <a:rPr lang="en-US" sz="1200" dirty="0">
-                <a:latin typeface="Courier New" panose="02070309020205020404" pitchFamily="49" charset="0"/>
-                <a:cs typeface="Courier New" panose="02070309020205020404" pitchFamily="49" charset="0"/>
-              </a:rPr>
-              <a:t>  vx:vx0;                   / x vel (no air resistance)</a:t>
-            </a:r>
-          </a:p>
-          <a:p>
-            <a:pPr marL="0" indent="0">
-              <a:buNone/>
-            </a:pPr>
-            <a:r>
-              <a:rPr lang="en-US" sz="1200" dirty="0">
-                <a:latin typeface="Courier New" panose="02070309020205020404" pitchFamily="49" charset="0"/>
-                <a:cs typeface="Courier New" panose="02070309020205020404" pitchFamily="49" charset="0"/>
-              </a:rPr>
-              <a:t>  vy:vy0-g*t;               / y vel (gravity but no air res)</a:t>
-            </a:r>
-          </a:p>
-          <a:p>
-            <a:pPr marL="0" indent="0">
-              <a:buNone/>
-            </a:pPr>
-            <a:r>
-              <a:rPr lang="en-US" sz="1200" dirty="0">
-                <a:latin typeface="Courier New" panose="02070309020205020404" pitchFamily="49" charset="0"/>
-                <a:cs typeface="Courier New" panose="02070309020205020404" pitchFamily="49" charset="0"/>
-              </a:rPr>
-              <a:t>  (</a:t>
-            </a:r>
-            <a:r>
-              <a:rPr lang="en-US" sz="1200" dirty="0" err="1">
-                <a:latin typeface="Courier New" panose="02070309020205020404" pitchFamily="49" charset="0"/>
-                <a:cs typeface="Courier New" panose="02070309020205020404" pitchFamily="49" charset="0"/>
-              </a:rPr>
-              <a:t>x;y;vx;vy</a:t>
-            </a:r>
-            <a:r>
-              <a:rPr lang="en-US" sz="1200" dirty="0">
-                <a:latin typeface="Courier New" panose="02070309020205020404" pitchFamily="49" charset="0"/>
-                <a:cs typeface="Courier New" panose="02070309020205020404" pitchFamily="49" charset="0"/>
-              </a:rPr>
-              <a:t>)};</a:t>
-            </a:r>
-          </a:p>
-          <a:p>
-            <a:pPr marL="0" indent="0">
-              <a:buNone/>
-            </a:pPr>
-            <a:r>
-              <a:rPr lang="en-US" sz="1200" dirty="0" err="1">
-                <a:latin typeface="Courier New" panose="02070309020205020404" pitchFamily="49" charset="0"/>
-                <a:cs typeface="Courier New" panose="02070309020205020404" pitchFamily="49" charset="0"/>
-              </a:rPr>
-              <a:t>act_traj:atraj</a:t>
-            </a:r>
-            <a:r>
-              <a:rPr lang="en-US" sz="1200" dirty="0">
-                <a:latin typeface="Courier New" panose="02070309020205020404" pitchFamily="49" charset="0"/>
-                <a:cs typeface="Courier New" panose="02070309020205020404" pitchFamily="49" charset="0"/>
-              </a:rPr>
-              <a:t>[g;x0;y0;vx0;vy0;];</a:t>
-            </a:r>
-          </a:p>
-          <a:p>
-            <a:pPr marL="0" indent="0">
-              <a:buNone/>
-            </a:pPr>
-            <a:endParaRPr lang="en-US" sz="1200" dirty="0">
-              <a:latin typeface="Courier New" panose="02070309020205020404" pitchFamily="49" charset="0"/>
-              <a:cs typeface="Courier New" panose="02070309020205020404" pitchFamily="49" charset="0"/>
-            </a:endParaRPr>
-          </a:p>
-          <a:p>
-            <a:pPr marL="0" indent="0">
-              <a:buNone/>
-            </a:pPr>
-            <a:r>
-              <a:rPr lang="en-US" sz="1200" dirty="0">
-                <a:latin typeface="Courier New" panose="02070309020205020404" pitchFamily="49" charset="0"/>
-                <a:cs typeface="Courier New" panose="02070309020205020404" pitchFamily="49" charset="0"/>
-              </a:rPr>
-              <a:t>/ Simulate actual trajectory</a:t>
-            </a:r>
-          </a:p>
-          <a:p>
-            <a:pPr marL="0" indent="0">
-              <a:buNone/>
-            </a:pPr>
-            <a:r>
-              <a:rPr lang="en-US" sz="1200" dirty="0" err="1">
-                <a:latin typeface="Courier New" panose="02070309020205020404" pitchFamily="49" charset="0"/>
-                <a:cs typeface="Courier New" panose="02070309020205020404" pitchFamily="49" charset="0"/>
-              </a:rPr>
-              <a:t>true_traj:act_traj</a:t>
-            </a:r>
-            <a:r>
-              <a:rPr lang="en-US" sz="1200" dirty="0">
-                <a:latin typeface="Courier New" panose="02070309020205020404" pitchFamily="49" charset="0"/>
-                <a:cs typeface="Courier New" panose="02070309020205020404" pitchFamily="49" charset="0"/>
-              </a:rPr>
-              <a:t>[times];  / use the projection</a:t>
-            </a:r>
-          </a:p>
-          <a:p>
-            <a:pPr marL="0" indent="0">
-              <a:buNone/>
-            </a:pPr>
-            <a:endParaRPr lang="en-US" sz="1200" dirty="0">
-              <a:latin typeface="Courier New" panose="02070309020205020404" pitchFamily="49" charset="0"/>
-              <a:cs typeface="Courier New" panose="02070309020205020404" pitchFamily="49" charset="0"/>
-            </a:endParaRPr>
-          </a:p>
-        </p:txBody>
-      </p:sp>
-    </p:spTree>
-    <p:extLst>
-      <p:ext uri="{BB962C8B-B14F-4D97-AF65-F5344CB8AC3E}">
-        <p14:creationId xmlns:p14="http://schemas.microsoft.com/office/powerpoint/2010/main" val="2496925664"/>
-      </p:ext>
-    </p:extLst>
-  </p:cSld>
-  <p:clrMapOvr>
-    <a:masterClrMapping/>
-  </p:clrMapOvr>
-</p:sld>
-</file>
-
 <file path=ppt/slides/slide14.xml><?xml version="1.0" encoding="utf-8"?>
 <p:sld xmlns:a="http://schemas.openxmlformats.org/drawingml/2006/main" xmlns:r="http://schemas.openxmlformats.org/officeDocument/2006/relationships" xmlns:p="http://schemas.openxmlformats.org/presentationml/2006/main">
   <p:cSld>
@@ -10802,6 +10448,538 @@
                 <a:latin typeface="Courier New" panose="02070309020205020404" pitchFamily="49" charset="0"/>
                 <a:cs typeface="Courier New" panose="02070309020205020404" pitchFamily="49" charset="0"/>
               </a:rPr>
+              <a:t>/ Constants</a:t>
+            </a:r>
+          </a:p>
+          <a:p>
+            <a:pPr marL="0" indent="0">
+              <a:buNone/>
+            </a:pPr>
+            <a:r>
+              <a:rPr lang="en-US" sz="1200" dirty="0">
+                <a:latin typeface="Courier New" panose="02070309020205020404" pitchFamily="49" charset="0"/>
+                <a:cs typeface="Courier New" panose="02070309020205020404" pitchFamily="49" charset="0"/>
+              </a:rPr>
+              <a:t>g:9.81;  / gravity m/s^2</a:t>
+            </a:r>
+          </a:p>
+          <a:p>
+            <a:pPr marL="0" indent="0">
+              <a:buNone/>
+            </a:pPr>
+            <a:endParaRPr lang="en-US" sz="1200" dirty="0">
+              <a:latin typeface="Courier New" panose="02070309020205020404" pitchFamily="49" charset="0"/>
+              <a:cs typeface="Courier New" panose="02070309020205020404" pitchFamily="49" charset="0"/>
+            </a:endParaRPr>
+          </a:p>
+          <a:p>
+            <a:pPr marL="0" indent="0">
+              <a:buNone/>
+            </a:pPr>
+            <a:r>
+              <a:rPr lang="en-US" sz="1200" dirty="0">
+                <a:latin typeface="Courier New" panose="02070309020205020404" pitchFamily="49" charset="0"/>
+                <a:cs typeface="Courier New" panose="02070309020205020404" pitchFamily="49" charset="0"/>
+              </a:rPr>
+              <a:t>/ Time steps</a:t>
+            </a:r>
+          </a:p>
+          <a:p>
+            <a:pPr marL="0" indent="0">
+              <a:buNone/>
+            </a:pPr>
+            <a:r>
+              <a:rPr lang="en-US" sz="1200" dirty="0">
+                <a:latin typeface="Courier New" panose="02070309020205020404" pitchFamily="49" charset="0"/>
+                <a:cs typeface="Courier New" panose="02070309020205020404" pitchFamily="49" charset="0"/>
+              </a:rPr>
+              <a:t>dt:0.1;</a:t>
+            </a:r>
+          </a:p>
+          <a:p>
+            <a:pPr marL="0" indent="0">
+              <a:buNone/>
+            </a:pPr>
+            <a:r>
+              <a:rPr lang="en-US" sz="1200" dirty="0">
+                <a:latin typeface="Courier New" panose="02070309020205020404" pitchFamily="49" charset="0"/>
+                <a:cs typeface="Courier New" panose="02070309020205020404" pitchFamily="49" charset="0"/>
+              </a:rPr>
+              <a:t>/ [b]</a:t>
+            </a:r>
+            <a:r>
+              <a:rPr lang="en-US" sz="1200" dirty="0" err="1">
+                <a:latin typeface="Courier New" panose="02070309020205020404" pitchFamily="49" charset="0"/>
+                <a:cs typeface="Courier New" panose="02070309020205020404" pitchFamily="49" charset="0"/>
+              </a:rPr>
+              <a:t>egin</a:t>
+            </a:r>
+            <a:r>
+              <a:rPr lang="en-US" sz="1200" dirty="0">
+                <a:latin typeface="Courier New" panose="02070309020205020404" pitchFamily="49" charset="0"/>
+                <a:cs typeface="Courier New" panose="02070309020205020404" pitchFamily="49" charset="0"/>
+              </a:rPr>
+              <a:t>; [e]</a:t>
+            </a:r>
+            <a:r>
+              <a:rPr lang="en-US" sz="1200" dirty="0" err="1">
+                <a:latin typeface="Courier New" panose="02070309020205020404" pitchFamily="49" charset="0"/>
+                <a:cs typeface="Courier New" panose="02070309020205020404" pitchFamily="49" charset="0"/>
+              </a:rPr>
+              <a:t>nd</a:t>
+            </a:r>
+            <a:r>
+              <a:rPr lang="en-US" sz="1200" dirty="0">
+                <a:latin typeface="Courier New" panose="02070309020205020404" pitchFamily="49" charset="0"/>
+                <a:cs typeface="Courier New" panose="02070309020205020404" pitchFamily="49" charset="0"/>
+              </a:rPr>
+              <a:t>; [s]</a:t>
+            </a:r>
+            <a:r>
+              <a:rPr lang="en-US" sz="1200" dirty="0" err="1">
+                <a:latin typeface="Courier New" panose="02070309020205020404" pitchFamily="49" charset="0"/>
+                <a:cs typeface="Courier New" panose="02070309020205020404" pitchFamily="49" charset="0"/>
+              </a:rPr>
+              <a:t>tep</a:t>
+            </a:r>
+            <a:endParaRPr lang="en-US" sz="1200" dirty="0">
+              <a:latin typeface="Courier New" panose="02070309020205020404" pitchFamily="49" charset="0"/>
+              <a:cs typeface="Courier New" panose="02070309020205020404" pitchFamily="49" charset="0"/>
+            </a:endParaRPr>
+          </a:p>
+          <a:p>
+            <a:pPr marL="0" indent="0">
+              <a:buNone/>
+            </a:pPr>
+            <a:r>
+              <a:rPr lang="en-US" sz="1200" dirty="0" err="1">
+                <a:latin typeface="Courier New" panose="02070309020205020404" pitchFamily="49" charset="0"/>
+                <a:cs typeface="Courier New" panose="02070309020205020404" pitchFamily="49" charset="0"/>
+              </a:rPr>
+              <a:t>arange</a:t>
+            </a:r>
+            <a:r>
+              <a:rPr lang="en-US" sz="1200" dirty="0">
+                <a:latin typeface="Courier New" panose="02070309020205020404" pitchFamily="49" charset="0"/>
+                <a:cs typeface="Courier New" panose="02070309020205020404" pitchFamily="49" charset="0"/>
+              </a:rPr>
+              <a:t>:{[</a:t>
+            </a:r>
+            <a:r>
+              <a:rPr lang="en-US" sz="1200" dirty="0" err="1">
+                <a:latin typeface="Courier New" panose="02070309020205020404" pitchFamily="49" charset="0"/>
+                <a:cs typeface="Courier New" panose="02070309020205020404" pitchFamily="49" charset="0"/>
+              </a:rPr>
+              <a:t>b;e;s</a:t>
+            </a:r>
+            <a:r>
+              <a:rPr lang="en-US" sz="1200" dirty="0">
+                <a:latin typeface="Courier New" panose="02070309020205020404" pitchFamily="49" charset="0"/>
+                <a:cs typeface="Courier New" panose="02070309020205020404" pitchFamily="49" charset="0"/>
+              </a:rPr>
+              <a:t>] </a:t>
+            </a:r>
+            <a:r>
+              <a:rPr lang="en-US" sz="1200" dirty="0" err="1">
+                <a:latin typeface="Courier New" panose="02070309020205020404" pitchFamily="49" charset="0"/>
+                <a:cs typeface="Courier New" panose="02070309020205020404" pitchFamily="49" charset="0"/>
+              </a:rPr>
+              <a:t>b+s</a:t>
+            </a:r>
+            <a:r>
+              <a:rPr lang="en-US" sz="1200" dirty="0">
+                <a:latin typeface="Courier New" panose="02070309020205020404" pitchFamily="49" charset="0"/>
+                <a:cs typeface="Courier New" panose="02070309020205020404" pitchFamily="49" charset="0"/>
+              </a:rPr>
+              <a:t>*</a:t>
+            </a:r>
+            <a:r>
+              <a:rPr lang="en-US" sz="1200" dirty="0" err="1">
+                <a:latin typeface="Courier New" panose="02070309020205020404" pitchFamily="49" charset="0"/>
+                <a:cs typeface="Courier New" panose="02070309020205020404" pitchFamily="49" charset="0"/>
+              </a:rPr>
+              <a:t>til</a:t>
+            </a:r>
+            <a:r>
+              <a:rPr lang="en-US" sz="1200" dirty="0">
+                <a:latin typeface="Courier New" panose="02070309020205020404" pitchFamily="49" charset="0"/>
+                <a:cs typeface="Courier New" panose="02070309020205020404" pitchFamily="49" charset="0"/>
+              </a:rPr>
+              <a:t> "j"$-[</a:t>
+            </a:r>
+            <a:r>
+              <a:rPr lang="en-US" sz="1200" dirty="0" err="1">
+                <a:latin typeface="Courier New" panose="02070309020205020404" pitchFamily="49" charset="0"/>
+                <a:cs typeface="Courier New" panose="02070309020205020404" pitchFamily="49" charset="0"/>
+              </a:rPr>
+              <a:t>e;b</a:t>
+            </a:r>
+            <a:r>
+              <a:rPr lang="en-US" sz="1200" dirty="0">
+                <a:latin typeface="Courier New" panose="02070309020205020404" pitchFamily="49" charset="0"/>
+                <a:cs typeface="Courier New" panose="02070309020205020404" pitchFamily="49" charset="0"/>
+              </a:rPr>
+              <a:t>]%s};</a:t>
+            </a:r>
+          </a:p>
+          <a:p>
+            <a:pPr marL="0" indent="0">
+              <a:buNone/>
+            </a:pPr>
+            <a:r>
+              <a:rPr lang="en-US" sz="1200" dirty="0" err="1">
+                <a:latin typeface="Courier New" panose="02070309020205020404" pitchFamily="49" charset="0"/>
+                <a:cs typeface="Courier New" panose="02070309020205020404" pitchFamily="49" charset="0"/>
+              </a:rPr>
+              <a:t>times:arange</a:t>
+            </a:r>
+            <a:r>
+              <a:rPr lang="en-US" sz="1200" dirty="0">
+                <a:latin typeface="Courier New" panose="02070309020205020404" pitchFamily="49" charset="0"/>
+                <a:cs typeface="Courier New" panose="02070309020205020404" pitchFamily="49" charset="0"/>
+              </a:rPr>
+              <a:t>[0;10;dt];</a:t>
+            </a:r>
+          </a:p>
+          <a:p>
+            <a:pPr marL="0" indent="0">
+              <a:buNone/>
+            </a:pPr>
+            <a:endParaRPr lang="en-US" sz="1200" dirty="0">
+              <a:latin typeface="Courier New" panose="02070309020205020404" pitchFamily="49" charset="0"/>
+              <a:cs typeface="Courier New" panose="02070309020205020404" pitchFamily="49" charset="0"/>
+            </a:endParaRPr>
+          </a:p>
+          <a:p>
+            <a:pPr marL="0" indent="0">
+              <a:buNone/>
+            </a:pPr>
+            <a:r>
+              <a:rPr lang="en-US" sz="1200" dirty="0">
+                <a:latin typeface="Courier New" panose="02070309020205020404" pitchFamily="49" charset="0"/>
+                <a:cs typeface="Courier New" panose="02070309020205020404" pitchFamily="49" charset="0"/>
+              </a:rPr>
+              <a:t>/ Initial conditions</a:t>
+            </a:r>
+          </a:p>
+          <a:p>
+            <a:pPr marL="0" indent="0">
+              <a:buNone/>
+            </a:pPr>
+            <a:r>
+              <a:rPr lang="en-US" sz="1200" dirty="0">
+                <a:latin typeface="Courier New" panose="02070309020205020404" pitchFamily="49" charset="0"/>
+                <a:cs typeface="Courier New" panose="02070309020205020404" pitchFamily="49" charset="0"/>
+              </a:rPr>
+              <a:t>x0:0; y0:0; vx0:50; vy0:50; / pos in m; vel in m/s</a:t>
+            </a:r>
+          </a:p>
+          <a:p>
+            <a:pPr marL="0" indent="0">
+              <a:buNone/>
+            </a:pPr>
+            <a:endParaRPr lang="en-US" sz="1200" dirty="0">
+              <a:latin typeface="Courier New" panose="02070309020205020404" pitchFamily="49" charset="0"/>
+              <a:cs typeface="Courier New" panose="02070309020205020404" pitchFamily="49" charset="0"/>
+            </a:endParaRPr>
+          </a:p>
+          <a:p>
+            <a:pPr marL="0" indent="0">
+              <a:buNone/>
+            </a:pPr>
+            <a:endParaRPr lang="en-US" sz="1200" dirty="0">
+              <a:latin typeface="Courier New" panose="02070309020205020404" pitchFamily="49" charset="0"/>
+              <a:cs typeface="Courier New" panose="02070309020205020404" pitchFamily="49" charset="0"/>
+            </a:endParaRPr>
+          </a:p>
+        </p:txBody>
+      </p:sp>
+      <p:sp>
+        <p:nvSpPr>
+          <p:cNvPr id="4" name="Content Placeholder 3">
+            <a:extLst>
+              <a:ext uri="{FF2B5EF4-FFF2-40B4-BE49-F238E27FC236}">
+                <a16:creationId xmlns:a16="http://schemas.microsoft.com/office/drawing/2014/main" id="{68634F60-5796-438E-808B-D52176E542F6}"/>
+              </a:ext>
+            </a:extLst>
+          </p:cNvPr>
+          <p:cNvSpPr>
+            <a:spLocks noGrp="1"/>
+          </p:cNvSpPr>
+          <p:nvPr>
+            <p:ph sz="half" idx="2"/>
+          </p:nvPr>
+        </p:nvSpPr>
+        <p:spPr/>
+        <p:txBody>
+          <a:bodyPr>
+            <a:noAutofit/>
+          </a:bodyPr>
+          <a:lstStyle/>
+          <a:p>
+            <a:pPr marL="0" indent="0">
+              <a:buNone/>
+            </a:pPr>
+            <a:r>
+              <a:rPr lang="en-US" sz="1200" dirty="0">
+                <a:latin typeface="Courier New" panose="02070309020205020404" pitchFamily="49" charset="0"/>
+                <a:cs typeface="Courier New" panose="02070309020205020404" pitchFamily="49" charset="0"/>
+              </a:rPr>
+              <a:t>/ Actual trajectory</a:t>
+            </a:r>
+          </a:p>
+          <a:p>
+            <a:pPr marL="0" indent="0">
+              <a:buNone/>
+            </a:pPr>
+            <a:r>
+              <a:rPr lang="en-US" sz="1200" dirty="0" err="1">
+                <a:latin typeface="Courier New" panose="02070309020205020404" pitchFamily="49" charset="0"/>
+                <a:cs typeface="Courier New" panose="02070309020205020404" pitchFamily="49" charset="0"/>
+              </a:rPr>
+              <a:t>atraj</a:t>
+            </a:r>
+            <a:r>
+              <a:rPr lang="en-US" sz="1200" dirty="0">
+                <a:latin typeface="Courier New" panose="02070309020205020404" pitchFamily="49" charset="0"/>
+                <a:cs typeface="Courier New" panose="02070309020205020404" pitchFamily="49" charset="0"/>
+              </a:rPr>
+              <a:t>:{[g;x0;y0;vx0;vy0;t]</a:t>
+            </a:r>
+          </a:p>
+          <a:p>
+            <a:pPr marL="0" indent="0">
+              <a:buNone/>
+            </a:pPr>
+            <a:r>
+              <a:rPr lang="en-US" sz="1200" dirty="0">
+                <a:latin typeface="Courier New" panose="02070309020205020404" pitchFamily="49" charset="0"/>
+                <a:cs typeface="Courier New" panose="02070309020205020404" pitchFamily="49" charset="0"/>
+              </a:rPr>
+              <a:t>  x:x0+vx0*t;               / x pos</a:t>
+            </a:r>
+          </a:p>
+          <a:p>
+            <a:pPr marL="0" indent="0">
+              <a:buNone/>
+            </a:pPr>
+            <a:r>
+              <a:rPr lang="en-US" sz="1200" dirty="0">
+                <a:latin typeface="Courier New" panose="02070309020205020404" pitchFamily="49" charset="0"/>
+                <a:cs typeface="Courier New" panose="02070309020205020404" pitchFamily="49" charset="0"/>
+              </a:rPr>
+              <a:t>  y:-[y0+vy0*t;0.5*g*t*t];  / y pos y0+vy0*t-0.5*g*t^2</a:t>
+            </a:r>
+          </a:p>
+          <a:p>
+            <a:pPr marL="0" indent="0">
+              <a:buNone/>
+            </a:pPr>
+            <a:r>
+              <a:rPr lang="en-US" sz="1200" dirty="0">
+                <a:latin typeface="Courier New" panose="02070309020205020404" pitchFamily="49" charset="0"/>
+                <a:cs typeface="Courier New" panose="02070309020205020404" pitchFamily="49" charset="0"/>
+              </a:rPr>
+              <a:t>  vx:vx0;                   / x vel (no air resistance)</a:t>
+            </a:r>
+          </a:p>
+          <a:p>
+            <a:pPr marL="0" indent="0">
+              <a:buNone/>
+            </a:pPr>
+            <a:r>
+              <a:rPr lang="en-US" sz="1200" dirty="0">
+                <a:latin typeface="Courier New" panose="02070309020205020404" pitchFamily="49" charset="0"/>
+                <a:cs typeface="Courier New" panose="02070309020205020404" pitchFamily="49" charset="0"/>
+              </a:rPr>
+              <a:t>  vy:vy0-g*t;               / y vel (gravity but no air res)</a:t>
+            </a:r>
+          </a:p>
+          <a:p>
+            <a:pPr marL="0" indent="0">
+              <a:buNone/>
+            </a:pPr>
+            <a:r>
+              <a:rPr lang="en-US" sz="1200" dirty="0">
+                <a:latin typeface="Courier New" panose="02070309020205020404" pitchFamily="49" charset="0"/>
+                <a:cs typeface="Courier New" panose="02070309020205020404" pitchFamily="49" charset="0"/>
+              </a:rPr>
+              <a:t>  (</a:t>
+            </a:r>
+            <a:r>
+              <a:rPr lang="en-US" sz="1200" dirty="0" err="1">
+                <a:latin typeface="Courier New" panose="02070309020205020404" pitchFamily="49" charset="0"/>
+                <a:cs typeface="Courier New" panose="02070309020205020404" pitchFamily="49" charset="0"/>
+              </a:rPr>
+              <a:t>x;y;vx;vy</a:t>
+            </a:r>
+            <a:r>
+              <a:rPr lang="en-US" sz="1200" dirty="0">
+                <a:latin typeface="Courier New" panose="02070309020205020404" pitchFamily="49" charset="0"/>
+                <a:cs typeface="Courier New" panose="02070309020205020404" pitchFamily="49" charset="0"/>
+              </a:rPr>
+              <a:t>)};</a:t>
+            </a:r>
+          </a:p>
+          <a:p>
+            <a:pPr marL="0" indent="0">
+              <a:buNone/>
+            </a:pPr>
+            <a:r>
+              <a:rPr lang="en-US" sz="1200" dirty="0" err="1">
+                <a:latin typeface="Courier New" panose="02070309020205020404" pitchFamily="49" charset="0"/>
+                <a:cs typeface="Courier New" panose="02070309020205020404" pitchFamily="49" charset="0"/>
+              </a:rPr>
+              <a:t>act_traj:atraj</a:t>
+            </a:r>
+            <a:r>
+              <a:rPr lang="en-US" sz="1200" dirty="0">
+                <a:latin typeface="Courier New" panose="02070309020205020404" pitchFamily="49" charset="0"/>
+                <a:cs typeface="Courier New" panose="02070309020205020404" pitchFamily="49" charset="0"/>
+              </a:rPr>
+              <a:t>[g;x0;y0;vx0;vy0;];</a:t>
+            </a:r>
+          </a:p>
+          <a:p>
+            <a:pPr marL="0" indent="0">
+              <a:buNone/>
+            </a:pPr>
+            <a:endParaRPr lang="en-US" sz="1200" dirty="0">
+              <a:latin typeface="Courier New" panose="02070309020205020404" pitchFamily="49" charset="0"/>
+              <a:cs typeface="Courier New" panose="02070309020205020404" pitchFamily="49" charset="0"/>
+            </a:endParaRPr>
+          </a:p>
+          <a:p>
+            <a:pPr marL="0" indent="0">
+              <a:buNone/>
+            </a:pPr>
+            <a:r>
+              <a:rPr lang="en-US" sz="1200" dirty="0">
+                <a:latin typeface="Courier New" panose="02070309020205020404" pitchFamily="49" charset="0"/>
+                <a:cs typeface="Courier New" panose="02070309020205020404" pitchFamily="49" charset="0"/>
+              </a:rPr>
+              <a:t>/ Simulate actual trajectory</a:t>
+            </a:r>
+          </a:p>
+          <a:p>
+            <a:pPr marL="0" indent="0">
+              <a:buNone/>
+            </a:pPr>
+            <a:r>
+              <a:rPr lang="en-US" sz="1200" dirty="0" err="1">
+                <a:latin typeface="Courier New" panose="02070309020205020404" pitchFamily="49" charset="0"/>
+                <a:cs typeface="Courier New" panose="02070309020205020404" pitchFamily="49" charset="0"/>
+              </a:rPr>
+              <a:t>true_traj:act_traj</a:t>
+            </a:r>
+            <a:r>
+              <a:rPr lang="en-US" sz="1200" dirty="0">
+                <a:latin typeface="Courier New" panose="02070309020205020404" pitchFamily="49" charset="0"/>
+                <a:cs typeface="Courier New" panose="02070309020205020404" pitchFamily="49" charset="0"/>
+              </a:rPr>
+              <a:t>[times];  / use the projection</a:t>
+            </a:r>
+          </a:p>
+          <a:p>
+            <a:pPr marL="0" indent="0">
+              <a:buNone/>
+            </a:pPr>
+            <a:endParaRPr lang="en-US" sz="1200" dirty="0">
+              <a:latin typeface="Courier New" panose="02070309020205020404" pitchFamily="49" charset="0"/>
+              <a:cs typeface="Courier New" panose="02070309020205020404" pitchFamily="49" charset="0"/>
+            </a:endParaRPr>
+          </a:p>
+        </p:txBody>
+      </p:sp>
+    </p:spTree>
+    <p:extLst>
+      <p:ext uri="{BB962C8B-B14F-4D97-AF65-F5344CB8AC3E}">
+        <p14:creationId xmlns:p14="http://schemas.microsoft.com/office/powerpoint/2010/main" val="2496925664"/>
+      </p:ext>
+    </p:extLst>
+  </p:cSld>
+  <p:clrMapOvr>
+    <a:masterClrMapping/>
+  </p:clrMapOvr>
+</p:sld>
+</file>
+
+<file path=ppt/slides/slide15.xml><?xml version="1.0" encoding="utf-8"?>
+<p:sld xmlns:a="http://schemas.openxmlformats.org/drawingml/2006/main" xmlns:r="http://schemas.openxmlformats.org/officeDocument/2006/relationships" xmlns:p="http://schemas.openxmlformats.org/presentationml/2006/main">
+  <p:cSld>
+    <p:spTree>
+      <p:nvGrpSpPr>
+        <p:cNvPr id="1" name=""/>
+        <p:cNvGrpSpPr/>
+        <p:nvPr/>
+      </p:nvGrpSpPr>
+      <p:grpSpPr>
+        <a:xfrm>
+          <a:off x="0" y="0"/>
+          <a:ext cx="0" cy="0"/>
+          <a:chOff x="0" y="0"/>
+          <a:chExt cx="0" cy="0"/>
+        </a:xfrm>
+      </p:grpSpPr>
+      <p:sp>
+        <p:nvSpPr>
+          <p:cNvPr id="2" name="Title 1">
+            <a:extLst>
+              <a:ext uri="{FF2B5EF4-FFF2-40B4-BE49-F238E27FC236}">
+                <a16:creationId xmlns:a16="http://schemas.microsoft.com/office/drawing/2014/main" id="{4B9E96CB-2365-49E0-BA19-2E007721B06E}"/>
+              </a:ext>
+            </a:extLst>
+          </p:cNvPr>
+          <p:cNvSpPr>
+            <a:spLocks noGrp="1"/>
+          </p:cNvSpPr>
+          <p:nvPr>
+            <p:ph type="title"/>
+          </p:nvPr>
+        </p:nvSpPr>
+        <p:spPr/>
+        <p:txBody>
+          <a:bodyPr/>
+          <a:lstStyle/>
+          <a:p>
+            <a:r>
+              <a:rPr lang="en-US" dirty="0"/>
+              <a:t>q/KDB+ Code</a:t>
+            </a:r>
+          </a:p>
+        </p:txBody>
+      </p:sp>
+      <p:sp>
+        <p:nvSpPr>
+          <p:cNvPr id="3" name="Content Placeholder 2">
+            <a:extLst>
+              <a:ext uri="{FF2B5EF4-FFF2-40B4-BE49-F238E27FC236}">
+                <a16:creationId xmlns:a16="http://schemas.microsoft.com/office/drawing/2014/main" id="{0231F2F8-8A23-4BAD-B906-B29918C223BB}"/>
+              </a:ext>
+            </a:extLst>
+          </p:cNvPr>
+          <p:cNvSpPr>
+            <a:spLocks noGrp="1"/>
+          </p:cNvSpPr>
+          <p:nvPr>
+            <p:ph sz="half" idx="1"/>
+          </p:nvPr>
+        </p:nvSpPr>
+        <p:spPr/>
+        <p:txBody>
+          <a:bodyPr>
+            <a:noAutofit/>
+          </a:bodyPr>
+          <a:lstStyle/>
+          <a:p>
+            <a:pPr marL="0" indent="0">
+              <a:buNone/>
+            </a:pPr>
+            <a:r>
+              <a:rPr lang="en-US" sz="1200" dirty="0">
+                <a:latin typeface="Courier New" panose="02070309020205020404" pitchFamily="49" charset="0"/>
+                <a:cs typeface="Courier New" panose="02070309020205020404" pitchFamily="49" charset="0"/>
+              </a:rPr>
               <a:t>/ Simulate measurements</a:t>
             </a:r>
           </a:p>
@@ -11232,7 +11410,7 @@
 </p:sld>
 </file>
 
-<file path=ppt/slides/slide15.xml><?xml version="1.0" encoding="utf-8"?>
+<file path=ppt/slides/slide16.xml><?xml version="1.0" encoding="utf-8"?>
 <p:sld xmlns:a="http://schemas.openxmlformats.org/drawingml/2006/main" xmlns:r="http://schemas.openxmlformats.org/officeDocument/2006/relationships" xmlns:p="http://schemas.openxmlformats.org/presentationml/2006/main">
   <p:cSld>
     <p:spTree>
@@ -11923,7 +12101,7 @@
 </p:sld>
 </file>
 
-<file path=ppt/slides/slide16.xml><?xml version="1.0" encoding="utf-8"?>
+<file path=ppt/slides/slide17.xml><?xml version="1.0" encoding="utf-8"?>
 <p:sld xmlns:a="http://schemas.openxmlformats.org/drawingml/2006/main" xmlns:r="http://schemas.openxmlformats.org/officeDocument/2006/relationships" xmlns:p="http://schemas.openxmlformats.org/presentationml/2006/main">
   <p:cSld>
     <p:spTree>
@@ -12650,7 +12828,7 @@
 </p:sld>
 </file>
 
-<file path=ppt/slides/slide17.xml><?xml version="1.0" encoding="utf-8"?>
+<file path=ppt/slides/slide18.xml><?xml version="1.0" encoding="utf-8"?>
 <p:sld xmlns:a="http://schemas.openxmlformats.org/drawingml/2006/main" xmlns:r="http://schemas.openxmlformats.org/officeDocument/2006/relationships" xmlns:p="http://schemas.openxmlformats.org/presentationml/2006/main" show="0">
   <p:cSld>
     <p:spTree>
@@ -12865,7 +13043,7 @@
 </p:sld>
 </file>
 
-<file path=ppt/slides/slide18.xml><?xml version="1.0" encoding="utf-8"?>
+<file path=ppt/slides/slide19.xml><?xml version="1.0" encoding="utf-8"?>
 <p:sld xmlns:a="http://schemas.openxmlformats.org/drawingml/2006/main" xmlns:r="http://schemas.openxmlformats.org/officeDocument/2006/relationships" xmlns:p="http://schemas.openxmlformats.org/presentationml/2006/main">
   <p:cSld>
     <p:spTree>
@@ -13575,8 +13753,8 @@
           </a:p>
         </p:txBody>
       </p:sp>
-      <mc:AlternateContent xmlns:mc="http://schemas.openxmlformats.org/markup-compatibility/2006">
-        <mc:Choice xmlns:a14="http://schemas.microsoft.com/office/drawing/2010/main" Requires="a14">
+      <mc:AlternateContent xmlns:mc="http://schemas.openxmlformats.org/markup-compatibility/2006" xmlns:a14="http://schemas.microsoft.com/office/drawing/2010/main">
+        <mc:Choice Requires="a14">
           <p:sp>
             <p:nvSpPr>
               <p:cNvPr id="9" name="Content Placeholder 8">
@@ -13921,7 +14099,7 @@
             </p:txBody>
           </p:sp>
         </mc:Choice>
-        <mc:Fallback>
+        <mc:Fallback xmlns="">
           <p:sp>
             <p:nvSpPr>
               <p:cNvPr id="9" name="Content Placeholder 8">

--- a/Kalman Filter/KALMAN FILTER FIN 2025.pptx
+++ b/Kalman Filter/KALMAN FILTER FIN 2025.pptx
@@ -570,7 +570,7 @@
           <a:p>
             <a:fld id="{9F34524B-208E-4470-83DF-9357896802DB}" type="datetimeFigureOut">
               <a:rPr lang="en-US" smtClean="0"/>
-              <a:t>3/2/2025</a:t>
+              <a:t>3/3/25</a:t>
             </a:fld>
             <a:endParaRPr lang="en-US"/>
           </a:p>
@@ -3722,7 +3722,7 @@
           <a:p>
             <a:fld id="{48A87A34-81AB-432B-8DAE-1953F412C126}" type="datetimeFigureOut">
               <a:rPr lang="en-US" dirty="0"/>
-              <a:t>3/2/2025</a:t>
+              <a:t>3/3/25</a:t>
             </a:fld>
             <a:endParaRPr lang="en-US" dirty="0"/>
           </a:p>
@@ -3984,7 +3984,7 @@
           <a:p>
             <a:fld id="{48A87A34-81AB-432B-8DAE-1953F412C126}" type="datetimeFigureOut">
               <a:rPr lang="en-US" dirty="0"/>
-              <a:t>3/2/2025</a:t>
+              <a:t>3/3/25</a:t>
             </a:fld>
             <a:endParaRPr lang="en-US" dirty="0"/>
           </a:p>
@@ -4211,7 +4211,7 @@
             <a:fld id="{48A87A34-81AB-432B-8DAE-1953F412C126}" type="datetimeFigureOut">
               <a:rPr lang="en-US" dirty="0"/>
               <a:pPr/>
-              <a:t>3/2/2025</a:t>
+              <a:t>3/3/25</a:t>
             </a:fld>
             <a:endParaRPr lang="en-US" dirty="0"/>
           </a:p>
@@ -4517,7 +4517,7 @@
             <a:fld id="{48A87A34-81AB-432B-8DAE-1953F412C126}" type="datetimeFigureOut">
               <a:rPr lang="en-US" dirty="0"/>
               <a:pPr/>
-              <a:t>3/2/2025</a:t>
+              <a:t>3/3/25</a:t>
             </a:fld>
             <a:endParaRPr lang="en-US" dirty="0"/>
           </a:p>
@@ -4986,7 +4986,7 @@
             <a:fld id="{48A87A34-81AB-432B-8DAE-1953F412C126}" type="datetimeFigureOut">
               <a:rPr lang="en-US" dirty="0"/>
               <a:pPr/>
-              <a:t>3/2/2025</a:t>
+              <a:t>3/3/25</a:t>
             </a:fld>
             <a:endParaRPr lang="en-US" dirty="0"/>
           </a:p>
@@ -5528,7 +5528,7 @@
           <a:p>
             <a:fld id="{48A87A34-81AB-432B-8DAE-1953F412C126}" type="datetimeFigureOut">
               <a:rPr lang="en-US" dirty="0"/>
-              <a:t>3/2/2025</a:t>
+              <a:t>3/3/25</a:t>
             </a:fld>
             <a:endParaRPr lang="en-US" dirty="0"/>
           </a:p>
@@ -6297,7 +6297,7 @@
           <a:p>
             <a:fld id="{48A87A34-81AB-432B-8DAE-1953F412C126}" type="datetimeFigureOut">
               <a:rPr lang="en-US" dirty="0"/>
-              <a:t>3/2/2025</a:t>
+              <a:t>3/3/25</a:t>
             </a:fld>
             <a:endParaRPr lang="en-US" dirty="0"/>
           </a:p>
@@ -6467,7 +6467,7 @@
           <a:p>
             <a:fld id="{48A87A34-81AB-432B-8DAE-1953F412C126}" type="datetimeFigureOut">
               <a:rPr lang="en-US" dirty="0"/>
-              <a:t>3/2/2025</a:t>
+              <a:t>3/3/25</a:t>
             </a:fld>
             <a:endParaRPr lang="en-US" dirty="0"/>
           </a:p>
@@ -6686,7 +6686,7 @@
             <a:fld id="{48A87A34-81AB-432B-8DAE-1953F412C126}" type="datetimeFigureOut">
               <a:rPr lang="en-US" dirty="0"/>
               <a:pPr/>
-              <a:t>3/2/2025</a:t>
+              <a:t>3/3/25</a:t>
             </a:fld>
             <a:endParaRPr lang="en-US" dirty="0"/>
           </a:p>
@@ -6861,7 +6861,7 @@
           <a:p>
             <a:fld id="{48A87A34-81AB-432B-8DAE-1953F412C126}" type="datetimeFigureOut">
               <a:rPr lang="en-US" dirty="0"/>
-              <a:t>3/2/2025</a:t>
+              <a:t>3/3/25</a:t>
             </a:fld>
             <a:endParaRPr lang="en-US" dirty="0"/>
           </a:p>
@@ -7146,7 +7146,7 @@
             <a:fld id="{48A87A34-81AB-432B-8DAE-1953F412C126}" type="datetimeFigureOut">
               <a:rPr lang="en-US" dirty="0"/>
               <a:pPr/>
-              <a:t>3/2/2025</a:t>
+              <a:t>3/3/25</a:t>
             </a:fld>
             <a:endParaRPr lang="en-US" dirty="0"/>
           </a:p>
@@ -7383,7 +7383,7 @@
           <a:p>
             <a:fld id="{48A87A34-81AB-432B-8DAE-1953F412C126}" type="datetimeFigureOut">
               <a:rPr lang="en-US" dirty="0"/>
-              <a:t>3/2/2025</a:t>
+              <a:t>3/3/25</a:t>
             </a:fld>
             <a:endParaRPr lang="en-US" dirty="0"/>
           </a:p>
@@ -7757,7 +7757,7 @@
           <a:p>
             <a:fld id="{48A87A34-81AB-432B-8DAE-1953F412C126}" type="datetimeFigureOut">
               <a:rPr lang="en-US" dirty="0"/>
-              <a:t>3/2/2025</a:t>
+              <a:t>3/3/25</a:t>
             </a:fld>
             <a:endParaRPr lang="en-US" dirty="0"/>
           </a:p>
@@ -7870,7 +7870,7 @@
           <a:p>
             <a:fld id="{48A87A34-81AB-432B-8DAE-1953F412C126}" type="datetimeFigureOut">
               <a:rPr lang="en-US" dirty="0"/>
-              <a:t>3/2/2025</a:t>
+              <a:t>3/3/25</a:t>
             </a:fld>
             <a:endParaRPr lang="en-US" dirty="0"/>
           </a:p>
@@ -7960,7 +7960,7 @@
           <a:p>
             <a:fld id="{48A87A34-81AB-432B-8DAE-1953F412C126}" type="datetimeFigureOut">
               <a:rPr lang="en-US" dirty="0"/>
-              <a:t>3/2/2025</a:t>
+              <a:t>3/3/25</a:t>
             </a:fld>
             <a:endParaRPr lang="en-US" dirty="0"/>
           </a:p>
@@ -8204,7 +8204,7 @@
           <a:p>
             <a:fld id="{48A87A34-81AB-432B-8DAE-1953F412C126}" type="datetimeFigureOut">
               <a:rPr lang="en-US" dirty="0"/>
-              <a:t>3/2/2025</a:t>
+              <a:t>3/3/25</a:t>
             </a:fld>
             <a:endParaRPr lang="en-US" dirty="0"/>
           </a:p>
@@ -8456,7 +8456,7 @@
           <a:p>
             <a:fld id="{48A87A34-81AB-432B-8DAE-1953F412C126}" type="datetimeFigureOut">
               <a:rPr lang="en-US" dirty="0"/>
-              <a:t>3/2/2025</a:t>
+              <a:t>3/3/25</a:t>
             </a:fld>
             <a:endParaRPr lang="en-US" dirty="0"/>
           </a:p>
@@ -8695,7 +8695,7 @@
             <a:fld id="{48A87A34-81AB-432B-8DAE-1953F412C126}" type="datetimeFigureOut">
               <a:rPr lang="en-US" dirty="0"/>
               <a:pPr/>
-              <a:t>3/2/2025</a:t>
+              <a:t>3/3/25</a:t>
             </a:fld>
             <a:endParaRPr lang="en-US" dirty="0"/>
           </a:p>
@@ -13753,8 +13753,8 @@
           </a:p>
         </p:txBody>
       </p:sp>
-      <mc:AlternateContent xmlns:mc="http://schemas.openxmlformats.org/markup-compatibility/2006" xmlns:a14="http://schemas.microsoft.com/office/drawing/2010/main">
-        <mc:Choice Requires="a14">
+      <mc:AlternateContent xmlns:mc="http://schemas.openxmlformats.org/markup-compatibility/2006">
+        <mc:Choice xmlns:a14="http://schemas.microsoft.com/office/drawing/2010/main" Requires="a14">
           <p:sp>
             <p:nvSpPr>
               <p:cNvPr id="9" name="Content Placeholder 8">
@@ -13909,6 +13909,43 @@
                     </m:r>
                   </m:oMath>
                 </a14:m>
+                <a:r>
+                  <a:rPr lang="en-US" dirty="0"/>
+                  <a:t> </a:t>
+                </a:r>
+                <a14:m>
+                  <m:oMath xmlns:m="http://schemas.openxmlformats.org/officeDocument/2006/math">
+                    <m:r>
+                      <a:rPr lang="en-US" i="1">
+                        <a:latin typeface="Cambria Math" panose="02040503050406030204" pitchFamily="18" charset="0"/>
+                      </a:rPr>
+                      <m:t>+</m:t>
+                    </m:r>
+                    <m:r>
+                      <a:rPr lang="en-US" i="1">
+                        <a:latin typeface="Cambria Math" panose="02040503050406030204" pitchFamily="18" charset="0"/>
+                      </a:rPr>
+                      <m:t>𝜖</m:t>
+                    </m:r>
+                    <m:d>
+                      <m:dPr>
+                        <m:ctrlPr>
+                          <a:rPr lang="en-US" i="1">
+                            <a:latin typeface="Cambria Math" panose="02040503050406030204" pitchFamily="18" charset="0"/>
+                          </a:rPr>
+                        </m:ctrlPr>
+                      </m:dPr>
+                      <m:e>
+                        <m:r>
+                          <a:rPr lang="en-US" i="1">
+                            <a:latin typeface="Cambria Math" panose="02040503050406030204" pitchFamily="18" charset="0"/>
+                          </a:rPr>
+                          <m:t>𝑡</m:t>
+                        </m:r>
+                      </m:e>
+                    </m:d>
+                  </m:oMath>
+                </a14:m>
                 <a:endParaRPr lang="en-US" dirty="0"/>
               </a:p>
               <a:p>
@@ -13967,23 +14004,28 @@
                         </m:r>
                       </m:sub>
                     </m:sSub>
+                    <m:d>
+                      <m:dPr>
+                        <m:ctrlPr>
+                          <a:rPr lang="en-US" b="0" i="1" smtClean="0">
+                            <a:latin typeface="Cambria Math" panose="02040503050406030204" pitchFamily="18" charset="0"/>
+                          </a:rPr>
+                        </m:ctrlPr>
+                      </m:dPr>
+                      <m:e>
+                        <m:r>
+                          <a:rPr lang="en-US" b="0" i="1" smtClean="0">
+                            <a:latin typeface="Cambria Math" panose="02040503050406030204" pitchFamily="18" charset="0"/>
+                          </a:rPr>
+                          <m:t>𝑡</m:t>
+                        </m:r>
+                      </m:e>
+                    </m:d>
                     <m:r>
                       <a:rPr lang="en-US" b="0" i="1" smtClean="0">
                         <a:latin typeface="Cambria Math" panose="02040503050406030204" pitchFamily="18" charset="0"/>
                       </a:rPr>
-                      <m:t>(</m:t>
-                    </m:r>
-                    <m:r>
-                      <a:rPr lang="en-US" b="0" i="1" smtClean="0">
-                        <a:latin typeface="Cambria Math" panose="02040503050406030204" pitchFamily="18" charset="0"/>
-                      </a:rPr>
-                      <m:t>𝑡</m:t>
-                    </m:r>
-                    <m:r>
-                      <a:rPr lang="en-US" b="0" i="1" smtClean="0">
-                        <a:latin typeface="Cambria Math" panose="02040503050406030204" pitchFamily="18" charset="0"/>
-                      </a:rPr>
-                      <m:t>)−</m:t>
+                      <m:t>=</m:t>
                     </m:r>
                     <m:r>
                       <a:rPr lang="en-US" b="0" i="1" smtClean="0">
@@ -14099,7 +14141,7 @@
             </p:txBody>
           </p:sp>
         </mc:Choice>
-        <mc:Fallback xmlns="">
+        <mc:Fallback>
           <p:sp>
             <p:nvSpPr>
               <p:cNvPr id="9" name="Content Placeholder 8">
@@ -14124,7 +14166,7 @@
               <a:blipFill>
                 <a:blip r:embed="rId3"/>
                 <a:stretch>
-                  <a:fillRect l="-1371" t="-1818"/>
+                  <a:fillRect l="-1425" t="-1887"/>
                 </a:stretch>
               </a:blipFill>
             </p:spPr>

--- a/Kalman Filter/KALMAN FILTER FIN 2025.pptx
+++ b/Kalman Filter/KALMAN FILTER FIN 2025.pptx
@@ -5,7 +5,7 @@
     <p:sldMasterId id="2147483648" r:id="rId1"/>
   </p:sldMasterIdLst>
   <p:notesMasterIdLst>
-    <p:notesMasterId r:id="rId21"/>
+    <p:notesMasterId r:id="rId20"/>
   </p:notesMasterIdLst>
   <p:sldIdLst>
     <p:sldId id="256" r:id="rId2"/>
@@ -24,9 +24,8 @@
     <p:sldId id="266" r:id="rId15"/>
     <p:sldId id="272" r:id="rId16"/>
     <p:sldId id="273" r:id="rId17"/>
-    <p:sldId id="274" r:id="rId18"/>
-    <p:sldId id="259" r:id="rId19"/>
-    <p:sldId id="267" r:id="rId20"/>
+    <p:sldId id="259" r:id="rId18"/>
+    <p:sldId id="267" r:id="rId19"/>
   </p:sldIdLst>
   <p:sldSz cx="12192000" cy="6858000"/>
   <p:notesSz cx="6858000" cy="9144000"/>
@@ -570,7 +569,7 @@
           <a:p>
             <a:fld id="{9F34524B-208E-4470-83DF-9357896802DB}" type="datetimeFigureOut">
               <a:rPr lang="en-US" smtClean="0"/>
-              <a:t>3/3/25</a:t>
+              <a:t>3/6/25</a:t>
             </a:fld>
             <a:endParaRPr lang="en-US"/>
           </a:p>
@@ -1349,7 +1348,7 @@
           <a:p>
             <a:r>
               <a:rPr lang="en-US" dirty="0"/>
-              <a:t>Over the next four slides, I will show the q code to implement a Kalman Filter for a simple ballistic target.</a:t>
+              <a:t>Over the next three slides, I will show the q code to implement a Kalman Filter for the simple spread estimation.</a:t>
             </a:r>
           </a:p>
           <a:p>
@@ -1361,19 +1360,21 @@
           <a:p>
             <a:r>
               <a:rPr lang="en-US" dirty="0"/>
-              <a:t>The left hand side establishes some constants, time steps and initial conditions.</a:t>
-            </a:r>
-          </a:p>
-          <a:p>
-            <a:r>
-              <a:rPr lang="en-US" dirty="0"/>
-              <a:t>The right hand side defines a generic function to compute the actual trajectory given a time.</a:t>
-            </a:r>
-          </a:p>
-          <a:p>
-            <a:r>
-              <a:rPr lang="en-US" dirty="0"/>
-              <a:t>It then defines a projection for these specific initial conditions. It then simulates the actual trajectory for the all the times.</a:t>
+              <a:t>The left hand side reads in some market data from CSV files, joins them and calculates the spread.</a:t>
+            </a:r>
+          </a:p>
+          <a:p>
+            <a:r>
+              <a:rPr lang="en-US" dirty="0"/>
+              <a:t>The right hand side defines the </a:t>
+            </a:r>
+            <a:r>
+              <a:rPr lang="en-US" dirty="0" err="1"/>
+              <a:t>x_est</a:t>
+            </a:r>
+            <a:r>
+              <a:rPr lang="en-US" dirty="0"/>
+              <a:t>, the state vector estimate, and several matrices used in the Kalman filter.</a:t>
             </a:r>
           </a:p>
         </p:txBody>
@@ -1460,31 +1461,29 @@
           <a:p>
             <a:r>
               <a:rPr lang="en-US" dirty="0"/>
-              <a:t>The code on the left hand side defines some noise parameters and computes a times series of noisy measurements.</a:t>
-            </a:r>
-          </a:p>
-          <a:p>
-            <a:r>
-              <a:rPr lang="en-US" dirty="0"/>
-              <a:t>The measurement noise is normally distributed.</a:t>
-            </a:r>
-          </a:p>
-          <a:p>
-            <a:r>
-              <a:rPr lang="en-US" dirty="0"/>
-              <a:t>I take advantage of the Box Muller algorithm for computing pairs of standard normally distributed variables from uniform draws.</a:t>
-            </a:r>
-          </a:p>
-          <a:p>
-            <a:r>
-              <a:rPr lang="en-US" dirty="0"/>
-              <a:t>Once the standard derivations are properly scaled, it is added to the true state.</a:t>
-            </a:r>
-          </a:p>
-          <a:p>
-            <a:r>
-              <a:rPr lang="en-US" dirty="0"/>
-              <a:t>On the right hand side, I define a function from the q phrasebook and set up some initializations.</a:t>
+              <a:t>The left hand side is the definition of the </a:t>
+            </a:r>
+            <a:r>
+              <a:rPr lang="en-US" dirty="0" err="1"/>
+              <a:t>predictState</a:t>
+            </a:r>
+            <a:r>
+              <a:rPr lang="en-US" dirty="0"/>
+              <a:t> function.</a:t>
+            </a:r>
+          </a:p>
+          <a:p>
+            <a:r>
+              <a:rPr lang="en-US" dirty="0"/>
+              <a:t>The right hand side is the Kalman Gain function. There is a matrix inversion operation. q/</a:t>
+            </a:r>
+            <a:r>
+              <a:rPr lang="en-US" dirty="0" err="1"/>
+              <a:t>kdb</a:t>
+            </a:r>
+            <a:r>
+              <a:rPr lang="en-US" dirty="0"/>
+              <a:t> uses the LU decomposition technique so it is robust in this use case.</a:t>
             </a:r>
           </a:p>
         </p:txBody>
@@ -1589,7 +1588,21 @@
           <a:p>
             <a:r>
               <a:rPr lang="en-US" dirty="0"/>
-              <a:t>This slide contains the meat of the Kalman Filter. There are two basic steps in the Kalman Filter: prediction and update. There is a third function defined here for computing the Kalman Gain which I factored out for maintainability.</a:t>
+              <a:t>This final code slide has the update function on the left hand side.</a:t>
+            </a:r>
+          </a:p>
+          <a:p>
+            <a:r>
+              <a:rPr lang="en-US" dirty="0"/>
+              <a:t>The right hand side sets up some variables and then iterates over each time step. The final two lines simply write out </a:t>
+            </a:r>
+            <a:r>
+              <a:rPr lang="en-US"/>
+              <a:t>the results</a:t>
+            </a:r>
+            <a:r>
+              <a:rPr lang="en-US" dirty="0"/>
+              <a:t>.</a:t>
             </a:r>
           </a:p>
         </p:txBody>
@@ -1641,13 +1654,7 @@
   <p:cSld>
     <p:spTree>
       <p:nvGrpSpPr>
-        <p:cNvPr id="1" name="">
-          <a:extLst>
-            <a:ext uri="{FF2B5EF4-FFF2-40B4-BE49-F238E27FC236}">
-              <a16:creationId xmlns:a16="http://schemas.microsoft.com/office/drawing/2014/main" id="{EE279BB8-6A51-C074-8D3C-697C24DB0C68}"/>
-            </a:ext>
-          </a:extLst>
-        </p:cNvPr>
+        <p:cNvPr id="1" name=""/>
         <p:cNvGrpSpPr/>
         <p:nvPr/>
       </p:nvGrpSpPr>
@@ -1661,13 +1668,7 @@
       </p:grpSpPr>
       <p:sp>
         <p:nvSpPr>
-          <p:cNvPr id="2" name="Slide Image Placeholder 1">
-            <a:extLst>
-              <a:ext uri="{FF2B5EF4-FFF2-40B4-BE49-F238E27FC236}">
-                <a16:creationId xmlns:a16="http://schemas.microsoft.com/office/drawing/2014/main" id="{42F2F720-3392-F849-F212-E046CE522BB0}"/>
-              </a:ext>
-            </a:extLst>
-          </p:cNvPr>
+          <p:cNvPr id="2" name="Slide Image Placeholder 1"/>
           <p:cNvSpPr>
             <a:spLocks noGrp="1" noRot="1" noChangeAspect="1"/>
           </p:cNvSpPr>
@@ -1679,13 +1680,7 @@
       </p:sp>
       <p:sp>
         <p:nvSpPr>
-          <p:cNvPr id="3" name="Notes Placeholder 2">
-            <a:extLst>
-              <a:ext uri="{FF2B5EF4-FFF2-40B4-BE49-F238E27FC236}">
-                <a16:creationId xmlns:a16="http://schemas.microsoft.com/office/drawing/2014/main" id="{A6C471DC-7D46-5E38-023A-45FDBE6DF489}"/>
-              </a:ext>
-            </a:extLst>
-          </p:cNvPr>
+          <p:cNvPr id="3" name="Notes Placeholder 2"/>
           <p:cNvSpPr>
             <a:spLocks noGrp="1"/>
           </p:cNvSpPr>
@@ -1699,33 +1694,46 @@
           <a:lstStyle/>
           <a:p>
             <a:r>
-              <a:rPr lang="en-US" dirty="0"/>
-              <a:t>Once all the initialization and function definitions are complete, we want to run the Kalman Filter over the measured values. Although good q programmers avoid loops, I thought it would be clearer to iterate over time using a while loop.</a:t>
-            </a:r>
-          </a:p>
-          <a:p>
-            <a:r>
-              <a:rPr lang="en-US" dirty="0"/>
-              <a:t>The right hand side creates a bunch of tables, joins them together sideways and writes out a data.csv.</a:t>
-            </a:r>
-          </a:p>
-          <a:p>
-            <a:r>
-              <a:rPr lang="en-US" dirty="0"/>
-              <a:t>In a previous iteration of this presentation I used Excel to graph the results, but am now using matplotlib in Python</a:t>
-            </a:r>
+              <a:rPr lang="en-US" b="1" dirty="0"/>
+              <a:t>Notes for Finance:</a:t>
+            </a:r>
+          </a:p>
+          <a:p>
+            <a:pPr>
+              <a:buFont typeface="Arial" panose="020B0604020202020204" pitchFamily="34" charset="0"/>
+              <a:buChar char="•"/>
+            </a:pPr>
+            <a:r>
+              <a:rPr lang="en-US" b="1" dirty="0"/>
+              <a:t>Applications in Finance</a:t>
+            </a:r>
+            <a:r>
+              <a:rPr lang="en-US" dirty="0"/>
+              <a:t>: These extended filters are often applied to model more complex, non-linear processes, such as asset price predictions, option pricing, and managing risk in portfolios.</a:t>
+            </a:r>
+          </a:p>
+          <a:p>
+            <a:pPr>
+              <a:buFont typeface="Arial" panose="020B0604020202020204" pitchFamily="34" charset="0"/>
+              <a:buChar char="•"/>
+            </a:pPr>
+            <a:r>
+              <a:rPr lang="en-US" b="1" dirty="0"/>
+              <a:t>Non-linear Dynamics</a:t>
+            </a:r>
+            <a:r>
+              <a:rPr lang="en-US" dirty="0"/>
+              <a:t>: Many financial systems are inherently non-linear, which makes filters like the EKF and UKF essential tools in more sophisticated modeling.</a:t>
+            </a:r>
+          </a:p>
+          <a:p>
+            <a:endParaRPr lang="en-US" dirty="0"/>
           </a:p>
         </p:txBody>
       </p:sp>
       <p:sp>
         <p:nvSpPr>
-          <p:cNvPr id="4" name="Slide Number Placeholder 3">
-            <a:extLst>
-              <a:ext uri="{FF2B5EF4-FFF2-40B4-BE49-F238E27FC236}">
-                <a16:creationId xmlns:a16="http://schemas.microsoft.com/office/drawing/2014/main" id="{073BA8D5-31F8-F9BB-78B1-7D005B947C68}"/>
-              </a:ext>
-            </a:extLst>
-          </p:cNvPr>
+          <p:cNvPr id="4" name="Slide Number Placeholder 3"/>
           <p:cNvSpPr>
             <a:spLocks noGrp="1"/>
           </p:cNvSpPr>
@@ -1749,7 +1757,7 @@
     </p:spTree>
     <p:extLst>
       <p:ext uri="{BB962C8B-B14F-4D97-AF65-F5344CB8AC3E}">
-        <p14:creationId xmlns:p14="http://schemas.microsoft.com/office/powerpoint/2010/main" val="3714274123"/>
+        <p14:creationId xmlns:p14="http://schemas.microsoft.com/office/powerpoint/2010/main" val="2483520408"/>
       </p:ext>
     </p:extLst>
   </p:cSld>
@@ -1804,40 +1812,114 @@
           <a:lstStyle/>
           <a:p>
             <a:r>
-              <a:rPr lang="en-US" b="1" dirty="0"/>
-              <a:t>Notes for Finance:</a:t>
-            </a:r>
-          </a:p>
-          <a:p>
-            <a:pPr>
-              <a:buFont typeface="Arial" panose="020B0604020202020204" pitchFamily="34" charset="0"/>
-              <a:buChar char="•"/>
+              <a:rPr lang="en-US" dirty="0"/>
+              <a:t>It is optimal if:</a:t>
+            </a:r>
+          </a:p>
+          <a:p>
+            <a:pPr marL="228600" indent="-228600">
+              <a:buAutoNum type="arabicPeriod"/>
             </a:pPr>
             <a:r>
-              <a:rPr lang="en-US" b="1" dirty="0"/>
-              <a:t>Applications in Finance</a:t>
-            </a:r>
-            <a:r>
-              <a:rPr lang="en-US" dirty="0"/>
-              <a:t>: These extended filters are often applied to model more complex, non-linear processes, such as asset price predictions, option pricing, and managing risk in portfolios.</a:t>
-            </a:r>
-          </a:p>
-          <a:p>
-            <a:pPr>
-              <a:buFont typeface="Arial" panose="020B0604020202020204" pitchFamily="34" charset="0"/>
-              <a:buChar char="•"/>
+              <a:rPr lang="en-US" dirty="0"/>
+              <a:t>Model perfectly matches the real system</a:t>
+            </a:r>
+          </a:p>
+          <a:p>
+            <a:pPr marL="228600" indent="-228600">
+              <a:buAutoNum type="arabicPeriod"/>
             </a:pPr>
             <a:r>
-              <a:rPr lang="en-US" b="1" dirty="0"/>
-              <a:t>Non-linear Dynamics</a:t>
-            </a:r>
-            <a:r>
-              <a:rPr lang="en-US" dirty="0"/>
-              <a:t>: Many financial systems are inherently non-linear, which makes filters like the EKF and UKF essential tools in more sophisticated modeling.</a:t>
-            </a:r>
-          </a:p>
-          <a:p>
+              <a:rPr lang="en-US" dirty="0"/>
+              <a:t>Noises are uncorrelated and white</a:t>
+            </a:r>
+          </a:p>
+          <a:p>
+            <a:pPr marL="228600" indent="-228600">
+              <a:buAutoNum type="arabicPeriod"/>
+            </a:pPr>
+            <a:r>
+              <a:rPr lang="en-US" dirty="0"/>
+              <a:t>Covariances of white noise are known</a:t>
+            </a:r>
+          </a:p>
+          <a:p>
+            <a:pPr marL="228600" indent="-228600">
+              <a:buAutoNum type="arabicPeriod"/>
+            </a:pPr>
             <a:endParaRPr lang="en-US" dirty="0"/>
+          </a:p>
+          <a:p>
+            <a:pPr marL="0" indent="0">
+              <a:buNone/>
+            </a:pPr>
+            <a:r>
+              <a:rPr lang="en-US" dirty="0"/>
+              <a:t>Robust</a:t>
+            </a:r>
+          </a:p>
+          <a:p>
+            <a:pPr marL="0" indent="0">
+              <a:buNone/>
+            </a:pPr>
+            <a:r>
+              <a:rPr lang="en-US" dirty="0"/>
+              <a:t>-Stable given common conditions and forgiving in many way</a:t>
+            </a:r>
+          </a:p>
+          <a:p>
+            <a:pPr marL="0" indent="0">
+              <a:buNone/>
+            </a:pPr>
+            <a:endParaRPr lang="en-US" dirty="0"/>
+          </a:p>
+          <a:p>
+            <a:r>
+              <a:rPr lang="en-US" dirty="0"/>
+              <a:t>Give special thanks to</a:t>
+            </a:r>
+          </a:p>
+          <a:p>
+            <a:r>
+              <a:rPr lang="en-US" dirty="0"/>
+              <a:t>Dr. Chris </a:t>
+            </a:r>
+            <a:r>
+              <a:rPr lang="en-US" dirty="0" err="1"/>
+              <a:t>Kubelek</a:t>
+            </a:r>
+            <a:r>
+              <a:rPr lang="en-US" dirty="0"/>
+              <a:t> for inspiring my initial interest in Kalman Filters</a:t>
+            </a:r>
+          </a:p>
+          <a:p>
+            <a:r>
+              <a:rPr lang="en-US" dirty="0"/>
+              <a:t>Dr. </a:t>
+            </a:r>
+            <a:r>
+              <a:rPr lang="en-US" dirty="0" err="1"/>
+              <a:t>Hizuru</a:t>
+            </a:r>
+            <a:r>
+              <a:rPr lang="en-US" dirty="0"/>
+              <a:t> Konishi for being a fantastic sempai and mentor at MUFG Bank</a:t>
+            </a:r>
+          </a:p>
+          <a:p>
+            <a:r>
+              <a:rPr lang="en-US" dirty="0"/>
+              <a:t>Dr. Laurent </a:t>
+            </a:r>
+            <a:r>
+              <a:rPr lang="en-US" dirty="0" err="1"/>
+              <a:t>Calvet</a:t>
+            </a:r>
+            <a:r>
+              <a:rPr lang="en-US" dirty="0"/>
+              <a:t> at EDHEC</a:t>
+            </a:r>
           </a:p>
         </p:txBody>
       </p:sp>
@@ -1859,198 +1941,6 @@
             <a:fld id="{F011AAC0-AB02-4B64-A809-419AC12897EB}" type="slidenum">
               <a:rPr lang="en-US" smtClean="0"/>
               <a:t>18</a:t>
-            </a:fld>
-            <a:endParaRPr lang="en-US"/>
-          </a:p>
-        </p:txBody>
-      </p:sp>
-    </p:spTree>
-    <p:extLst>
-      <p:ext uri="{BB962C8B-B14F-4D97-AF65-F5344CB8AC3E}">
-        <p14:creationId xmlns:p14="http://schemas.microsoft.com/office/powerpoint/2010/main" val="2483520408"/>
-      </p:ext>
-    </p:extLst>
-  </p:cSld>
-  <p:clrMapOvr>
-    <a:masterClrMapping/>
-  </p:clrMapOvr>
-</p:notes>
-</file>
-
-<file path=ppt/notesSlides/notesSlide17.xml><?xml version="1.0" encoding="utf-8"?>
-<p:notes xmlns:a="http://schemas.openxmlformats.org/drawingml/2006/main" xmlns:r="http://schemas.openxmlformats.org/officeDocument/2006/relationships" xmlns:p="http://schemas.openxmlformats.org/presentationml/2006/main">
-  <p:cSld>
-    <p:spTree>
-      <p:nvGrpSpPr>
-        <p:cNvPr id="1" name=""/>
-        <p:cNvGrpSpPr/>
-        <p:nvPr/>
-      </p:nvGrpSpPr>
-      <p:grpSpPr>
-        <a:xfrm>
-          <a:off x="0" y="0"/>
-          <a:ext cx="0" cy="0"/>
-          <a:chOff x="0" y="0"/>
-          <a:chExt cx="0" cy="0"/>
-        </a:xfrm>
-      </p:grpSpPr>
-      <p:sp>
-        <p:nvSpPr>
-          <p:cNvPr id="2" name="Slide Image Placeholder 1"/>
-          <p:cNvSpPr>
-            <a:spLocks noGrp="1" noRot="1" noChangeAspect="1"/>
-          </p:cNvSpPr>
-          <p:nvPr>
-            <p:ph type="sldImg"/>
-          </p:nvPr>
-        </p:nvSpPr>
-        <p:spPr/>
-      </p:sp>
-      <p:sp>
-        <p:nvSpPr>
-          <p:cNvPr id="3" name="Notes Placeholder 2"/>
-          <p:cNvSpPr>
-            <a:spLocks noGrp="1"/>
-          </p:cNvSpPr>
-          <p:nvPr>
-            <p:ph type="body" idx="1"/>
-          </p:nvPr>
-        </p:nvSpPr>
-        <p:spPr/>
-        <p:txBody>
-          <a:bodyPr/>
-          <a:lstStyle/>
-          <a:p>
-            <a:r>
-              <a:rPr lang="en-US" dirty="0"/>
-              <a:t>It is optimal if:</a:t>
-            </a:r>
-          </a:p>
-          <a:p>
-            <a:pPr marL="228600" indent="-228600">
-              <a:buAutoNum type="arabicPeriod"/>
-            </a:pPr>
-            <a:r>
-              <a:rPr lang="en-US" dirty="0"/>
-              <a:t>Model perfectly matches the real system</a:t>
-            </a:r>
-          </a:p>
-          <a:p>
-            <a:pPr marL="228600" indent="-228600">
-              <a:buAutoNum type="arabicPeriod"/>
-            </a:pPr>
-            <a:r>
-              <a:rPr lang="en-US" dirty="0"/>
-              <a:t>Noises are uncorrelated and white</a:t>
-            </a:r>
-          </a:p>
-          <a:p>
-            <a:pPr marL="228600" indent="-228600">
-              <a:buAutoNum type="arabicPeriod"/>
-            </a:pPr>
-            <a:r>
-              <a:rPr lang="en-US" dirty="0"/>
-              <a:t>Covariances of white noise are known</a:t>
-            </a:r>
-          </a:p>
-          <a:p>
-            <a:pPr marL="228600" indent="-228600">
-              <a:buAutoNum type="arabicPeriod"/>
-            </a:pPr>
-            <a:endParaRPr lang="en-US" dirty="0"/>
-          </a:p>
-          <a:p>
-            <a:pPr marL="0" indent="0">
-              <a:buNone/>
-            </a:pPr>
-            <a:r>
-              <a:rPr lang="en-US" dirty="0"/>
-              <a:t>Robust</a:t>
-            </a:r>
-          </a:p>
-          <a:p>
-            <a:pPr marL="0" indent="0">
-              <a:buNone/>
-            </a:pPr>
-            <a:r>
-              <a:rPr lang="en-US" dirty="0"/>
-              <a:t>-Stable given common conditions and forgiving in many way</a:t>
-            </a:r>
-          </a:p>
-          <a:p>
-            <a:pPr marL="0" indent="0">
-              <a:buNone/>
-            </a:pPr>
-            <a:endParaRPr lang="en-US" dirty="0"/>
-          </a:p>
-          <a:p>
-            <a:r>
-              <a:rPr lang="en-US" dirty="0"/>
-              <a:t>Give special thanks to</a:t>
-            </a:r>
-          </a:p>
-          <a:p>
-            <a:r>
-              <a:rPr lang="en-US" dirty="0"/>
-              <a:t>Dr. Chris </a:t>
-            </a:r>
-            <a:r>
-              <a:rPr lang="en-US" dirty="0" err="1"/>
-              <a:t>Kubelek</a:t>
-            </a:r>
-            <a:r>
-              <a:rPr lang="en-US" dirty="0"/>
-              <a:t> for inspiring my initial interest in Kalman Filters</a:t>
-            </a:r>
-          </a:p>
-          <a:p>
-            <a:r>
-              <a:rPr lang="en-US" dirty="0"/>
-              <a:t>Dr. </a:t>
-            </a:r>
-            <a:r>
-              <a:rPr lang="en-US" dirty="0" err="1"/>
-              <a:t>Hizuru</a:t>
-            </a:r>
-            <a:r>
-              <a:rPr lang="en-US" dirty="0"/>
-              <a:t> Konishi for being a fantastic sempai and mentor at MUFG Bank</a:t>
-            </a:r>
-          </a:p>
-          <a:p>
-            <a:r>
-              <a:rPr lang="en-US" dirty="0"/>
-              <a:t>Dr. Laurent </a:t>
-            </a:r>
-            <a:r>
-              <a:rPr lang="en-US" dirty="0" err="1"/>
-              <a:t>Calvet</a:t>
-            </a:r>
-            <a:r>
-              <a:rPr lang="en-US" dirty="0"/>
-              <a:t> at EDHEC</a:t>
-            </a:r>
-          </a:p>
-        </p:txBody>
-      </p:sp>
-      <p:sp>
-        <p:nvSpPr>
-          <p:cNvPr id="4" name="Slide Number Placeholder 3"/>
-          <p:cNvSpPr>
-            <a:spLocks noGrp="1"/>
-          </p:cNvSpPr>
-          <p:nvPr>
-            <p:ph type="sldNum" sz="quarter" idx="5"/>
-          </p:nvPr>
-        </p:nvSpPr>
-        <p:spPr/>
-        <p:txBody>
-          <a:bodyPr/>
-          <a:lstStyle/>
-          <a:p>
-            <a:fld id="{F011AAC0-AB02-4B64-A809-419AC12897EB}" type="slidenum">
-              <a:rPr lang="en-US" smtClean="0"/>
-              <a:t>19</a:t>
             </a:fld>
             <a:endParaRPr lang="en-US"/>
           </a:p>
@@ -3722,7 +3612,7 @@
           <a:p>
             <a:fld id="{48A87A34-81AB-432B-8DAE-1953F412C126}" type="datetimeFigureOut">
               <a:rPr lang="en-US" dirty="0"/>
-              <a:t>3/3/25</a:t>
+              <a:t>3/6/25</a:t>
             </a:fld>
             <a:endParaRPr lang="en-US" dirty="0"/>
           </a:p>
@@ -3984,7 +3874,7 @@
           <a:p>
             <a:fld id="{48A87A34-81AB-432B-8DAE-1953F412C126}" type="datetimeFigureOut">
               <a:rPr lang="en-US" dirty="0"/>
-              <a:t>3/3/25</a:t>
+              <a:t>3/6/25</a:t>
             </a:fld>
             <a:endParaRPr lang="en-US" dirty="0"/>
           </a:p>
@@ -4211,7 +4101,7 @@
             <a:fld id="{48A87A34-81AB-432B-8DAE-1953F412C126}" type="datetimeFigureOut">
               <a:rPr lang="en-US" dirty="0"/>
               <a:pPr/>
-              <a:t>3/3/25</a:t>
+              <a:t>3/6/25</a:t>
             </a:fld>
             <a:endParaRPr lang="en-US" dirty="0"/>
           </a:p>
@@ -4517,7 +4407,7 @@
             <a:fld id="{48A87A34-81AB-432B-8DAE-1953F412C126}" type="datetimeFigureOut">
               <a:rPr lang="en-US" dirty="0"/>
               <a:pPr/>
-              <a:t>3/3/25</a:t>
+              <a:t>3/6/25</a:t>
             </a:fld>
             <a:endParaRPr lang="en-US" dirty="0"/>
           </a:p>
@@ -4986,7 +4876,7 @@
             <a:fld id="{48A87A34-81AB-432B-8DAE-1953F412C126}" type="datetimeFigureOut">
               <a:rPr lang="en-US" dirty="0"/>
               <a:pPr/>
-              <a:t>3/3/25</a:t>
+              <a:t>3/6/25</a:t>
             </a:fld>
             <a:endParaRPr lang="en-US" dirty="0"/>
           </a:p>
@@ -5528,7 +5418,7 @@
           <a:p>
             <a:fld id="{48A87A34-81AB-432B-8DAE-1953F412C126}" type="datetimeFigureOut">
               <a:rPr lang="en-US" dirty="0"/>
-              <a:t>3/3/25</a:t>
+              <a:t>3/6/25</a:t>
             </a:fld>
             <a:endParaRPr lang="en-US" dirty="0"/>
           </a:p>
@@ -6297,7 +6187,7 @@
           <a:p>
             <a:fld id="{48A87A34-81AB-432B-8DAE-1953F412C126}" type="datetimeFigureOut">
               <a:rPr lang="en-US" dirty="0"/>
-              <a:t>3/3/25</a:t>
+              <a:t>3/6/25</a:t>
             </a:fld>
             <a:endParaRPr lang="en-US" dirty="0"/>
           </a:p>
@@ -6467,7 +6357,7 @@
           <a:p>
             <a:fld id="{48A87A34-81AB-432B-8DAE-1953F412C126}" type="datetimeFigureOut">
               <a:rPr lang="en-US" dirty="0"/>
-              <a:t>3/3/25</a:t>
+              <a:t>3/6/25</a:t>
             </a:fld>
             <a:endParaRPr lang="en-US" dirty="0"/>
           </a:p>
@@ -6686,7 +6576,7 @@
             <a:fld id="{48A87A34-81AB-432B-8DAE-1953F412C126}" type="datetimeFigureOut">
               <a:rPr lang="en-US" dirty="0"/>
               <a:pPr/>
-              <a:t>3/3/25</a:t>
+              <a:t>3/6/25</a:t>
             </a:fld>
             <a:endParaRPr lang="en-US" dirty="0"/>
           </a:p>
@@ -6861,7 +6751,7 @@
           <a:p>
             <a:fld id="{48A87A34-81AB-432B-8DAE-1953F412C126}" type="datetimeFigureOut">
               <a:rPr lang="en-US" dirty="0"/>
-              <a:t>3/3/25</a:t>
+              <a:t>3/6/25</a:t>
             </a:fld>
             <a:endParaRPr lang="en-US" dirty="0"/>
           </a:p>
@@ -7146,7 +7036,7 @@
             <a:fld id="{48A87A34-81AB-432B-8DAE-1953F412C126}" type="datetimeFigureOut">
               <a:rPr lang="en-US" dirty="0"/>
               <a:pPr/>
-              <a:t>3/3/25</a:t>
+              <a:t>3/6/25</a:t>
             </a:fld>
             <a:endParaRPr lang="en-US" dirty="0"/>
           </a:p>
@@ -7383,7 +7273,7 @@
           <a:p>
             <a:fld id="{48A87A34-81AB-432B-8DAE-1953F412C126}" type="datetimeFigureOut">
               <a:rPr lang="en-US" dirty="0"/>
-              <a:t>3/3/25</a:t>
+              <a:t>3/6/25</a:t>
             </a:fld>
             <a:endParaRPr lang="en-US" dirty="0"/>
           </a:p>
@@ -7757,7 +7647,7 @@
           <a:p>
             <a:fld id="{48A87A34-81AB-432B-8DAE-1953F412C126}" type="datetimeFigureOut">
               <a:rPr lang="en-US" dirty="0"/>
-              <a:t>3/3/25</a:t>
+              <a:t>3/6/25</a:t>
             </a:fld>
             <a:endParaRPr lang="en-US" dirty="0"/>
           </a:p>
@@ -7870,7 +7760,7 @@
           <a:p>
             <a:fld id="{48A87A34-81AB-432B-8DAE-1953F412C126}" type="datetimeFigureOut">
               <a:rPr lang="en-US" dirty="0"/>
-              <a:t>3/3/25</a:t>
+              <a:t>3/6/25</a:t>
             </a:fld>
             <a:endParaRPr lang="en-US" dirty="0"/>
           </a:p>
@@ -7960,7 +7850,7 @@
           <a:p>
             <a:fld id="{48A87A34-81AB-432B-8DAE-1953F412C126}" type="datetimeFigureOut">
               <a:rPr lang="en-US" dirty="0"/>
-              <a:t>3/3/25</a:t>
+              <a:t>3/6/25</a:t>
             </a:fld>
             <a:endParaRPr lang="en-US" dirty="0"/>
           </a:p>
@@ -8204,7 +8094,7 @@
           <a:p>
             <a:fld id="{48A87A34-81AB-432B-8DAE-1953F412C126}" type="datetimeFigureOut">
               <a:rPr lang="en-US" dirty="0"/>
-              <a:t>3/3/25</a:t>
+              <a:t>3/6/25</a:t>
             </a:fld>
             <a:endParaRPr lang="en-US" dirty="0"/>
           </a:p>
@@ -8456,7 +8346,7 @@
           <a:p>
             <a:fld id="{48A87A34-81AB-432B-8DAE-1953F412C126}" type="datetimeFigureOut">
               <a:rPr lang="en-US" dirty="0"/>
-              <a:t>3/3/25</a:t>
+              <a:t>3/6/25</a:t>
             </a:fld>
             <a:endParaRPr lang="en-US" dirty="0"/>
           </a:p>
@@ -8695,7 +8585,7 @@
             <a:fld id="{48A87A34-81AB-432B-8DAE-1953F412C126}" type="datetimeFigureOut">
               <a:rPr lang="en-US" dirty="0"/>
               <a:pPr/>
-              <a:t>3/3/25</a:t>
+              <a:t>3/6/25</a:t>
             </a:fld>
             <a:endParaRPr lang="en-US" dirty="0"/>
           </a:p>
@@ -10448,29 +10338,22 @@
                 <a:latin typeface="Courier New" panose="02070309020205020404" pitchFamily="49" charset="0"/>
                 <a:cs typeface="Courier New" panose="02070309020205020404" pitchFamily="49" charset="0"/>
               </a:rPr>
-              <a:t>/ Constants</a:t>
-            </a:r>
-          </a:p>
-          <a:p>
-            <a:pPr marL="0" indent="0">
-              <a:buNone/>
-            </a:pPr>
+              <a:t>/system "</a:t>
+            </a:r>
+            <a:r>
+              <a:rPr lang="en-US" sz="1200" dirty="0" err="1">
+                <a:latin typeface="Courier New" panose="02070309020205020404" pitchFamily="49" charset="0"/>
+                <a:cs typeface="Courier New" panose="02070309020205020404" pitchFamily="49" charset="0"/>
+              </a:rPr>
+              <a:t>dir</a:t>
+            </a:r>
             <a:r>
               <a:rPr lang="en-US" sz="1200" dirty="0">
                 <a:latin typeface="Courier New" panose="02070309020205020404" pitchFamily="49" charset="0"/>
                 <a:cs typeface="Courier New" panose="02070309020205020404" pitchFamily="49" charset="0"/>
               </a:rPr>
-              <a:t>g:9.81;  / gravity m/s^2</a:t>
-            </a:r>
-          </a:p>
-          <a:p>
-            <a:pPr marL="0" indent="0">
-              <a:buNone/>
-            </a:pPr>
-            <a:endParaRPr lang="en-US" sz="1200" dirty="0">
-              <a:latin typeface="Courier New" panose="02070309020205020404" pitchFamily="49" charset="0"/>
-              <a:cs typeface="Courier New" panose="02070309020205020404" pitchFamily="49" charset="0"/>
-            </a:endParaRPr>
+              <a:t> *.csv"</a:t>
+            </a:r>
           </a:p>
           <a:p>
             <a:pPr marL="0" indent="0">
@@ -10481,71 +10364,114 @@
                 <a:latin typeface="Courier New" panose="02070309020205020404" pitchFamily="49" charset="0"/>
                 <a:cs typeface="Courier New" panose="02070309020205020404" pitchFamily="49" charset="0"/>
               </a:rPr>
-              <a:t>/ Time steps</a:t>
-            </a:r>
-          </a:p>
-          <a:p>
-            <a:pPr marL="0" indent="0">
-              <a:buNone/>
-            </a:pPr>
+              <a:t>tab1:1!("</a:t>
+            </a:r>
+            <a:r>
+              <a:rPr lang="en-US" sz="1200" dirty="0" err="1">
+                <a:latin typeface="Courier New" panose="02070309020205020404" pitchFamily="49" charset="0"/>
+                <a:cs typeface="Courier New" panose="02070309020205020404" pitchFamily="49" charset="0"/>
+              </a:rPr>
+              <a:t>DF";enlist</a:t>
+            </a:r>
             <a:r>
               <a:rPr lang="en-US" sz="1200" dirty="0">
                 <a:latin typeface="Courier New" panose="02070309020205020404" pitchFamily="49" charset="0"/>
                 <a:cs typeface="Courier New" panose="02070309020205020404" pitchFamily="49" charset="0"/>
               </a:rPr>
-              <a:t>dt:0.1;</a:t>
-            </a:r>
-          </a:p>
-          <a:p>
-            <a:pPr marL="0" indent="0">
-              <a:buNone/>
-            </a:pPr>
+              <a:t> csv) 0: `:</a:t>
+            </a:r>
+            <a:r>
+              <a:rPr lang="en-US" sz="1200" dirty="0" err="1">
+                <a:latin typeface="Courier New" panose="02070309020205020404" pitchFamily="49" charset="0"/>
+                <a:cs typeface="Courier New" panose="02070309020205020404" pitchFamily="49" charset="0"/>
+              </a:rPr>
+              <a:t>EURUSD.csv</a:t>
+            </a:r>
             <a:r>
               <a:rPr lang="en-US" sz="1200" dirty="0">
                 <a:latin typeface="Courier New" panose="02070309020205020404" pitchFamily="49" charset="0"/>
                 <a:cs typeface="Courier New" panose="02070309020205020404" pitchFamily="49" charset="0"/>
               </a:rPr>
-              <a:t>/ [b]</a:t>
+              <a:t>;</a:t>
+            </a:r>
+          </a:p>
+          <a:p>
+            <a:pPr marL="0" indent="0">
+              <a:buNone/>
+            </a:pPr>
+            <a:r>
+              <a:rPr lang="en-US" sz="1200" dirty="0">
+                <a:latin typeface="Courier New" panose="02070309020205020404" pitchFamily="49" charset="0"/>
+                <a:cs typeface="Courier New" panose="02070309020205020404" pitchFamily="49" charset="0"/>
+              </a:rPr>
+              <a:t>tab2:1!("</a:t>
             </a:r>
             <a:r>
               <a:rPr lang="en-US" sz="1200" dirty="0" err="1">
                 <a:latin typeface="Courier New" panose="02070309020205020404" pitchFamily="49" charset="0"/>
                 <a:cs typeface="Courier New" panose="02070309020205020404" pitchFamily="49" charset="0"/>
               </a:rPr>
-              <a:t>egin</a:t>
+              <a:t>DF";enlist</a:t>
             </a:r>
             <a:r>
               <a:rPr lang="en-US" sz="1200" dirty="0">
                 <a:latin typeface="Courier New" panose="02070309020205020404" pitchFamily="49" charset="0"/>
                 <a:cs typeface="Courier New" panose="02070309020205020404" pitchFamily="49" charset="0"/>
               </a:rPr>
-              <a:t>; [e]</a:t>
+              <a:t> csv) 0: `:</a:t>
             </a:r>
             <a:r>
               <a:rPr lang="en-US" sz="1200" dirty="0" err="1">
                 <a:latin typeface="Courier New" panose="02070309020205020404" pitchFamily="49" charset="0"/>
                 <a:cs typeface="Courier New" panose="02070309020205020404" pitchFamily="49" charset="0"/>
               </a:rPr>
-              <a:t>nd</a:t>
+              <a:t>USDJPY.csv</a:t>
             </a:r>
             <a:r>
               <a:rPr lang="en-US" sz="1200" dirty="0">
                 <a:latin typeface="Courier New" panose="02070309020205020404" pitchFamily="49" charset="0"/>
                 <a:cs typeface="Courier New" panose="02070309020205020404" pitchFamily="49" charset="0"/>
               </a:rPr>
-              <a:t>; [s]</a:t>
+              <a:t>;</a:t>
+            </a:r>
+          </a:p>
+          <a:p>
+            <a:pPr marL="0" indent="0">
+              <a:buNone/>
+            </a:pPr>
+            <a:r>
+              <a:rPr lang="en-US" sz="1200" dirty="0">
+                <a:latin typeface="Courier New" panose="02070309020205020404" pitchFamily="49" charset="0"/>
+                <a:cs typeface="Courier New" panose="02070309020205020404" pitchFamily="49" charset="0"/>
+              </a:rPr>
+              <a:t>fxrates:tab1 </a:t>
             </a:r>
             <a:r>
               <a:rPr lang="en-US" sz="1200" dirty="0" err="1">
                 <a:latin typeface="Courier New" panose="02070309020205020404" pitchFamily="49" charset="0"/>
                 <a:cs typeface="Courier New" panose="02070309020205020404" pitchFamily="49" charset="0"/>
               </a:rPr>
-              <a:t>tep</a:t>
-            </a:r>
-            <a:endParaRPr lang="en-US" sz="1200" dirty="0">
-              <a:latin typeface="Courier New" panose="02070309020205020404" pitchFamily="49" charset="0"/>
-              <a:cs typeface="Courier New" panose="02070309020205020404" pitchFamily="49" charset="0"/>
-            </a:endParaRPr>
+              <a:t>lj</a:t>
+            </a:r>
+            <a:r>
+              <a:rPr lang="en-US" sz="1200" dirty="0">
+                <a:latin typeface="Courier New" panose="02070309020205020404" pitchFamily="49" charset="0"/>
+                <a:cs typeface="Courier New" panose="02070309020205020404" pitchFamily="49" charset="0"/>
+              </a:rPr>
+              <a:t> tab2;</a:t>
+            </a:r>
+          </a:p>
+          <a:p>
+            <a:pPr marL="0" indent="0">
+              <a:buNone/>
+            </a:pPr>
+            <a:r>
+              <a:rPr lang="en-US" sz="1200" dirty="0">
+                <a:latin typeface="Courier New" panose="02070309020205020404" pitchFamily="49" charset="0"/>
+                <a:cs typeface="Courier New" panose="02070309020205020404" pitchFamily="49" charset="0"/>
+              </a:rPr>
+              <a:t>/ Calculate the spread</a:t>
+            </a:r>
           </a:p>
           <a:p>
             <a:pPr marL="0" indent="0">
@@ -10556,122 +10482,66 @@
                 <a:latin typeface="Courier New" panose="02070309020205020404" pitchFamily="49" charset="0"/>
                 <a:cs typeface="Courier New" panose="02070309020205020404" pitchFamily="49" charset="0"/>
               </a:rPr>
-              <a:t>arange</a:t>
+              <a:t>spread:value</a:t>
             </a:r>
             <a:r>
               <a:rPr lang="en-US" sz="1200" dirty="0">
                 <a:latin typeface="Courier New" panose="02070309020205020404" pitchFamily="49" charset="0"/>
                 <a:cs typeface="Courier New" panose="02070309020205020404" pitchFamily="49" charset="0"/>
               </a:rPr>
-              <a:t>:{[</a:t>
+              <a:t> (-/) each </a:t>
             </a:r>
             <a:r>
               <a:rPr lang="en-US" sz="1200" dirty="0" err="1">
                 <a:latin typeface="Courier New" panose="02070309020205020404" pitchFamily="49" charset="0"/>
                 <a:cs typeface="Courier New" panose="02070309020205020404" pitchFamily="49" charset="0"/>
               </a:rPr>
-              <a:t>b;e;s</a:t>
+              <a:t>fxrates</a:t>
             </a:r>
             <a:r>
               <a:rPr lang="en-US" sz="1200" dirty="0">
                 <a:latin typeface="Courier New" panose="02070309020205020404" pitchFamily="49" charset="0"/>
                 <a:cs typeface="Courier New" panose="02070309020205020404" pitchFamily="49" charset="0"/>
               </a:rPr>
-              <a:t>] </a:t>
+              <a:t>;</a:t>
+            </a:r>
+          </a:p>
+          <a:p>
+            <a:pPr marL="0" indent="0">
+              <a:buNone/>
+            </a:pPr>
+            <a:r>
+              <a:rPr lang="en-US" sz="1200" dirty="0">
+                <a:latin typeface="Courier New" panose="02070309020205020404" pitchFamily="49" charset="0"/>
+                <a:cs typeface="Courier New" panose="02070309020205020404" pitchFamily="49" charset="0"/>
+              </a:rPr>
+              <a:t>/ Need correlation for pairs trading to work well</a:t>
+            </a:r>
+          </a:p>
+          <a:p>
+            <a:pPr marL="0" indent="0">
+              <a:buNone/>
+            </a:pPr>
+            <a:r>
+              <a:rPr lang="en-US" sz="1200" dirty="0">
+                <a:latin typeface="Courier New" panose="02070309020205020404" pitchFamily="49" charset="0"/>
+                <a:cs typeface="Courier New" panose="02070309020205020404" pitchFamily="49" charset="0"/>
+              </a:rPr>
+              <a:t>value[tab1][last cols tab1] </a:t>
             </a:r>
             <a:r>
               <a:rPr lang="en-US" sz="1200" dirty="0" err="1">
                 <a:latin typeface="Courier New" panose="02070309020205020404" pitchFamily="49" charset="0"/>
                 <a:cs typeface="Courier New" panose="02070309020205020404" pitchFamily="49" charset="0"/>
               </a:rPr>
-              <a:t>b+s</a:t>
+              <a:t>cor</a:t>
             </a:r>
             <a:r>
               <a:rPr lang="en-US" sz="1200" dirty="0">
                 <a:latin typeface="Courier New" panose="02070309020205020404" pitchFamily="49" charset="0"/>
                 <a:cs typeface="Courier New" panose="02070309020205020404" pitchFamily="49" charset="0"/>
               </a:rPr>
-              <a:t>*</a:t>
-            </a:r>
-            <a:r>
-              <a:rPr lang="en-US" sz="1200" dirty="0" err="1">
-                <a:latin typeface="Courier New" panose="02070309020205020404" pitchFamily="49" charset="0"/>
-                <a:cs typeface="Courier New" panose="02070309020205020404" pitchFamily="49" charset="0"/>
-              </a:rPr>
-              <a:t>til</a:t>
-            </a:r>
-            <a:r>
-              <a:rPr lang="en-US" sz="1200" dirty="0">
-                <a:latin typeface="Courier New" panose="02070309020205020404" pitchFamily="49" charset="0"/>
-                <a:cs typeface="Courier New" panose="02070309020205020404" pitchFamily="49" charset="0"/>
-              </a:rPr>
-              <a:t> "j"$-[</a:t>
-            </a:r>
-            <a:r>
-              <a:rPr lang="en-US" sz="1200" dirty="0" err="1">
-                <a:latin typeface="Courier New" panose="02070309020205020404" pitchFamily="49" charset="0"/>
-                <a:cs typeface="Courier New" panose="02070309020205020404" pitchFamily="49" charset="0"/>
-              </a:rPr>
-              <a:t>e;b</a:t>
-            </a:r>
-            <a:r>
-              <a:rPr lang="en-US" sz="1200" dirty="0">
-                <a:latin typeface="Courier New" panose="02070309020205020404" pitchFamily="49" charset="0"/>
-                <a:cs typeface="Courier New" panose="02070309020205020404" pitchFamily="49" charset="0"/>
-              </a:rPr>
-              <a:t>]%s};</a:t>
-            </a:r>
-          </a:p>
-          <a:p>
-            <a:pPr marL="0" indent="0">
-              <a:buNone/>
-            </a:pPr>
-            <a:r>
-              <a:rPr lang="en-US" sz="1200" dirty="0" err="1">
-                <a:latin typeface="Courier New" panose="02070309020205020404" pitchFamily="49" charset="0"/>
-                <a:cs typeface="Courier New" panose="02070309020205020404" pitchFamily="49" charset="0"/>
-              </a:rPr>
-              <a:t>times:arange</a:t>
-            </a:r>
-            <a:r>
-              <a:rPr lang="en-US" sz="1200" dirty="0">
-                <a:latin typeface="Courier New" panose="02070309020205020404" pitchFamily="49" charset="0"/>
-                <a:cs typeface="Courier New" panose="02070309020205020404" pitchFamily="49" charset="0"/>
-              </a:rPr>
-              <a:t>[0;10;dt];</a:t>
-            </a:r>
-          </a:p>
-          <a:p>
-            <a:pPr marL="0" indent="0">
-              <a:buNone/>
-            </a:pPr>
-            <a:endParaRPr lang="en-US" sz="1200" dirty="0">
-              <a:latin typeface="Courier New" panose="02070309020205020404" pitchFamily="49" charset="0"/>
-              <a:cs typeface="Courier New" panose="02070309020205020404" pitchFamily="49" charset="0"/>
-            </a:endParaRPr>
-          </a:p>
-          <a:p>
-            <a:pPr marL="0" indent="0">
-              <a:buNone/>
-            </a:pPr>
-            <a:r>
-              <a:rPr lang="en-US" sz="1200" dirty="0">
-                <a:latin typeface="Courier New" panose="02070309020205020404" pitchFamily="49" charset="0"/>
-                <a:cs typeface="Courier New" panose="02070309020205020404" pitchFamily="49" charset="0"/>
-              </a:rPr>
-              <a:t>/ Initial conditions</a:t>
-            </a:r>
-          </a:p>
-          <a:p>
-            <a:pPr marL="0" indent="0">
-              <a:buNone/>
-            </a:pPr>
-            <a:r>
-              <a:rPr lang="en-US" sz="1200" dirty="0">
-                <a:latin typeface="Courier New" panose="02070309020205020404" pitchFamily="49" charset="0"/>
-                <a:cs typeface="Courier New" panose="02070309020205020404" pitchFamily="49" charset="0"/>
-              </a:rPr>
-              <a:t>x0:0; y0:0; vx0:50; vy0:50; / pos in m; vel in m/s</a:t>
+              <a:t> value[tab2][last cols tab2];</a:t>
             </a:r>
           </a:p>
           <a:p>
@@ -10725,7 +10595,19 @@
                 <a:latin typeface="Courier New" panose="02070309020205020404" pitchFamily="49" charset="0"/>
                 <a:cs typeface="Courier New" panose="02070309020205020404" pitchFamily="49" charset="0"/>
               </a:rPr>
-              <a:t>/ Actual trajectory</a:t>
+              <a:t>/ Kalman Filter</a:t>
+            </a:r>
+          </a:p>
+          <a:p>
+            <a:pPr marL="0" indent="0">
+              <a:buNone/>
+            </a:pPr>
+            <a:r>
+              <a:rPr lang="en-US" sz="1200" dirty="0">
+                <a:latin typeface="Courier New" panose="02070309020205020404" pitchFamily="49" charset="0"/>
+                <a:cs typeface="Courier New" panose="02070309020205020404" pitchFamily="49" charset="0"/>
+              </a:rPr>
+              <a:t>/ Initialization</a:t>
             </a:r>
           </a:p>
           <a:p>
@@ -10737,26 +10619,28 @@
                 <a:latin typeface="Courier New" panose="02070309020205020404" pitchFamily="49" charset="0"/>
                 <a:cs typeface="Courier New" panose="02070309020205020404" pitchFamily="49" charset="0"/>
               </a:rPr>
-              <a:t>atraj</a:t>
+              <a:t>x_est</a:t>
             </a:r>
             <a:r>
               <a:rPr lang="en-US" sz="1200" dirty="0">
                 <a:latin typeface="Courier New" panose="02070309020205020404" pitchFamily="49" charset="0"/>
                 <a:cs typeface="Courier New" panose="02070309020205020404" pitchFamily="49" charset="0"/>
               </a:rPr>
-              <a:t>:{[g;x0;y0;vx0;vy0;t]</a:t>
-            </a:r>
-          </a:p>
-          <a:p>
-            <a:pPr marL="0" indent="0">
-              <a:buNone/>
-            </a:pPr>
+              <a:t>:(2;count </a:t>
+            </a:r>
+            <a:r>
+              <a:rPr lang="en-US" sz="1200" dirty="0" err="1">
+                <a:latin typeface="Courier New" panose="02070309020205020404" pitchFamily="49" charset="0"/>
+                <a:cs typeface="Courier New" panose="02070309020205020404" pitchFamily="49" charset="0"/>
+              </a:rPr>
+              <a:t>fxrates</a:t>
+            </a:r>
             <a:r>
               <a:rPr lang="en-US" sz="1200" dirty="0">
                 <a:latin typeface="Courier New" panose="02070309020205020404" pitchFamily="49" charset="0"/>
                 <a:cs typeface="Courier New" panose="02070309020205020404" pitchFamily="49" charset="0"/>
               </a:rPr>
-              <a:t>  x:x0+vx0*t;               / x pos</a:t>
+              <a:t>)#0f;</a:t>
             </a:r>
           </a:p>
           <a:p>
@@ -10768,7 +10652,7 @@
                 <a:latin typeface="Courier New" panose="02070309020205020404" pitchFamily="49" charset="0"/>
                 <a:cs typeface="Courier New" panose="02070309020205020404" pitchFamily="49" charset="0"/>
               </a:rPr>
-              <a:t>  y:-[y0+vy0*t;0.5*g*t*t];  / y pos y0+vy0*t-0.5*g*t^2</a:t>
+              <a:t>P:"f"$1000*id 2;     / State Covariance matrix</a:t>
             </a:r>
           </a:p>
           <a:p>
@@ -10780,7 +10664,7 @@
                 <a:latin typeface="Courier New" panose="02070309020205020404" pitchFamily="49" charset="0"/>
                 <a:cs typeface="Courier New" panose="02070309020205020404" pitchFamily="49" charset="0"/>
               </a:rPr>
-              <a:t>  vx:vx0;                   / x vel (no air resistance)</a:t>
+              <a:t>R:"f"$1 1#5;         / Measurement Noise Covariance</a:t>
             </a:r>
           </a:p>
           <a:p>
@@ -10792,7 +10676,7 @@
                 <a:latin typeface="Courier New" panose="02070309020205020404" pitchFamily="49" charset="0"/>
                 <a:cs typeface="Courier New" panose="02070309020205020404" pitchFamily="49" charset="0"/>
               </a:rPr>
-              <a:t>  vy:vy0-g*t;               / y vel (gravity but no air res)</a:t>
+              <a:t>Q:"f"$2 2#.001;      / Process Noise Covariance</a:t>
             </a:r>
           </a:p>
           <a:p>
@@ -10804,80 +10688,45 @@
                 <a:latin typeface="Courier New" panose="02070309020205020404" pitchFamily="49" charset="0"/>
                 <a:cs typeface="Courier New" panose="02070309020205020404" pitchFamily="49" charset="0"/>
               </a:rPr>
-              <a:t>  (</a:t>
+              <a:t>F:"f"$2 2#1 1 0 1;   / State Transition Matrix</a:t>
+            </a:r>
+          </a:p>
+          <a:p>
+            <a:pPr marL="0" indent="0">
+              <a:buNone/>
+            </a:pPr>
+            <a:r>
+              <a:rPr lang="en-US" sz="1200" dirty="0">
+                <a:latin typeface="Courier New" panose="02070309020205020404" pitchFamily="49" charset="0"/>
+                <a:cs typeface="Courier New" panose="02070309020205020404" pitchFamily="49" charset="0"/>
+              </a:rPr>
+              <a:t>H:"f"$1 2#1 0;       / Measurement Matrix (spread)</a:t>
+            </a:r>
+          </a:p>
+          <a:p>
+            <a:pPr marL="0" indent="0">
+              <a:buNone/>
+            </a:pPr>
+            <a:r>
+              <a:rPr lang="en-US" sz="1200" dirty="0">
+                <a:latin typeface="Courier New" panose="02070309020205020404" pitchFamily="49" charset="0"/>
+                <a:cs typeface="Courier New" panose="02070309020205020404" pitchFamily="49" charset="0"/>
+              </a:rPr>
+              <a:t>G:(2;1;count </a:t>
             </a:r>
             <a:r>
               <a:rPr lang="en-US" sz="1200" dirty="0" err="1">
                 <a:latin typeface="Courier New" panose="02070309020205020404" pitchFamily="49" charset="0"/>
                 <a:cs typeface="Courier New" panose="02070309020205020404" pitchFamily="49" charset="0"/>
               </a:rPr>
-              <a:t>x;y;vx;vy</a:t>
+              <a:t>fxrates</a:t>
             </a:r>
             <a:r>
               <a:rPr lang="en-US" sz="1200" dirty="0">
                 <a:latin typeface="Courier New" panose="02070309020205020404" pitchFamily="49" charset="0"/>
                 <a:cs typeface="Courier New" panose="02070309020205020404" pitchFamily="49" charset="0"/>
               </a:rPr>
-              <a:t>)};</a:t>
-            </a:r>
-          </a:p>
-          <a:p>
-            <a:pPr marL="0" indent="0">
-              <a:buNone/>
-            </a:pPr>
-            <a:r>
-              <a:rPr lang="en-US" sz="1200" dirty="0" err="1">
-                <a:latin typeface="Courier New" panose="02070309020205020404" pitchFamily="49" charset="0"/>
-                <a:cs typeface="Courier New" panose="02070309020205020404" pitchFamily="49" charset="0"/>
-              </a:rPr>
-              <a:t>act_traj:atraj</a:t>
-            </a:r>
-            <a:r>
-              <a:rPr lang="en-US" sz="1200" dirty="0">
-                <a:latin typeface="Courier New" panose="02070309020205020404" pitchFamily="49" charset="0"/>
-                <a:cs typeface="Courier New" panose="02070309020205020404" pitchFamily="49" charset="0"/>
-              </a:rPr>
-              <a:t>[g;x0;y0;vx0;vy0;];</a:t>
-            </a:r>
-          </a:p>
-          <a:p>
-            <a:pPr marL="0" indent="0">
-              <a:buNone/>
-            </a:pPr>
-            <a:endParaRPr lang="en-US" sz="1200" dirty="0">
-              <a:latin typeface="Courier New" panose="02070309020205020404" pitchFamily="49" charset="0"/>
-              <a:cs typeface="Courier New" panose="02070309020205020404" pitchFamily="49" charset="0"/>
-            </a:endParaRPr>
-          </a:p>
-          <a:p>
-            <a:pPr marL="0" indent="0">
-              <a:buNone/>
-            </a:pPr>
-            <a:r>
-              <a:rPr lang="en-US" sz="1200" dirty="0">
-                <a:latin typeface="Courier New" panose="02070309020205020404" pitchFamily="49" charset="0"/>
-                <a:cs typeface="Courier New" panose="02070309020205020404" pitchFamily="49" charset="0"/>
-              </a:rPr>
-              <a:t>/ Simulate actual trajectory</a:t>
-            </a:r>
-          </a:p>
-          <a:p>
-            <a:pPr marL="0" indent="0">
-              <a:buNone/>
-            </a:pPr>
-            <a:r>
-              <a:rPr lang="en-US" sz="1200" dirty="0" err="1">
-                <a:latin typeface="Courier New" panose="02070309020205020404" pitchFamily="49" charset="0"/>
-                <a:cs typeface="Courier New" panose="02070309020205020404" pitchFamily="49" charset="0"/>
-              </a:rPr>
-              <a:t>true_traj:act_traj</a:t>
-            </a:r>
-            <a:r>
-              <a:rPr lang="en-US" sz="1200" dirty="0">
-                <a:latin typeface="Courier New" panose="02070309020205020404" pitchFamily="49" charset="0"/>
-                <a:cs typeface="Courier New" panose="02070309020205020404" pitchFamily="49" charset="0"/>
-              </a:rPr>
-              <a:t>[times];  / use the projection</a:t>
+              <a:t>)#0f;</a:t>
             </a:r>
           </a:p>
           <a:p>
@@ -10980,7 +10829,7 @@
                 <a:latin typeface="Courier New" panose="02070309020205020404" pitchFamily="49" charset="0"/>
                 <a:cs typeface="Courier New" panose="02070309020205020404" pitchFamily="49" charset="0"/>
               </a:rPr>
-              <a:t>/ Simulate measurements</a:t>
+              <a:t>/ KF Prediction Step</a:t>
             </a:r>
           </a:p>
           <a:p>
@@ -10992,29 +10841,22 @@
                 <a:latin typeface="Courier New" panose="02070309020205020404" pitchFamily="49" charset="0"/>
                 <a:cs typeface="Courier New" panose="02070309020205020404" pitchFamily="49" charset="0"/>
               </a:rPr>
-              <a:t>pos_meas_noise:1.0;  / standard dev of position measurements</a:t>
-            </a:r>
-          </a:p>
-          <a:p>
-            <a:pPr marL="0" indent="0">
-              <a:buNone/>
-            </a:pPr>
+              <a:t>// Predict next state using </a:t>
+            </a:r>
+            <a:r>
+              <a:rPr lang="en-US" sz="1200" dirty="0" err="1">
+                <a:latin typeface="Courier New" panose="02070309020205020404" pitchFamily="49" charset="0"/>
+                <a:cs typeface="Courier New" panose="02070309020205020404" pitchFamily="49" charset="0"/>
+              </a:rPr>
+              <a:t>prev</a:t>
+            </a:r>
             <a:r>
               <a:rPr lang="en-US" sz="1200" dirty="0">
                 <a:latin typeface="Courier New" panose="02070309020205020404" pitchFamily="49" charset="0"/>
                 <a:cs typeface="Courier New" panose="02070309020205020404" pitchFamily="49" charset="0"/>
               </a:rPr>
-              <a:t>vel_meas_noise:0.5;  / standard dev of velocity measurements</a:t>
-            </a:r>
-          </a:p>
-          <a:p>
-            <a:pPr marL="0" indent="0">
-              <a:buNone/>
-            </a:pPr>
-            <a:endParaRPr lang="en-US" sz="1200" dirty="0">
-              <a:latin typeface="Courier New" panose="02070309020205020404" pitchFamily="49" charset="0"/>
-              <a:cs typeface="Courier New" panose="02070309020205020404" pitchFamily="49" charset="0"/>
-            </a:endParaRPr>
+              <a:t> state and the F, state transition matrix</a:t>
+            </a:r>
           </a:p>
           <a:p>
             <a:pPr marL="0" indent="0">
@@ -11025,33 +10867,40 @@
                 <a:latin typeface="Courier New" panose="02070309020205020404" pitchFamily="49" charset="0"/>
                 <a:cs typeface="Courier New" panose="02070309020205020404" pitchFamily="49" charset="0"/>
               </a:rPr>
-              <a:t>/ Use Nick </a:t>
-            </a:r>
+              <a:t>// Predict state uncertainty (update P, covariance matrix using Q, process noise</a:t>
+            </a:r>
+          </a:p>
+          <a:p>
+            <a:pPr marL="0" indent="0">
+              <a:buNone/>
+            </a:pPr>
             <a:r>
               <a:rPr lang="en-US" sz="1200" dirty="0" err="1">
                 <a:latin typeface="Courier New" panose="02070309020205020404" pitchFamily="49" charset="0"/>
                 <a:cs typeface="Courier New" panose="02070309020205020404" pitchFamily="49" charset="0"/>
               </a:rPr>
-              <a:t>Psaris</a:t>
+              <a:t>predictState</a:t>
             </a:r>
             <a:r>
               <a:rPr lang="en-US" sz="1200" dirty="0">
                 <a:latin typeface="Courier New" panose="02070309020205020404" pitchFamily="49" charset="0"/>
                 <a:cs typeface="Courier New" panose="02070309020205020404" pitchFamily="49" charset="0"/>
               </a:rPr>
-              <a:t> Box Muller algorithm for </a:t>
-            </a:r>
-          </a:p>
-          <a:p>
-            <a:pPr marL="0" indent="0">
-              <a:buNone/>
-            </a:pPr>
+              <a:t>:{[</a:t>
+            </a:r>
+            <a:r>
+              <a:rPr lang="en-US" sz="1200" dirty="0" err="1">
+                <a:latin typeface="Courier New" panose="02070309020205020404" pitchFamily="49" charset="0"/>
+                <a:cs typeface="Courier New" panose="02070309020205020404" pitchFamily="49" charset="0"/>
+              </a:rPr>
+              <a:t>F;ps;P;Q</a:t>
+            </a:r>
             <a:r>
               <a:rPr lang="en-US" sz="1200" dirty="0">
                 <a:latin typeface="Courier New" panose="02070309020205020404" pitchFamily="49" charset="0"/>
                 <a:cs typeface="Courier New" panose="02070309020205020404" pitchFamily="49" charset="0"/>
               </a:rPr>
-              <a:t>/ generating pairs of independent, standard normally distributed</a:t>
+              <a:t>]</a:t>
             </a:r>
           </a:p>
           <a:p>
@@ -11063,26 +10912,21 @@
                 <a:latin typeface="Courier New" panose="02070309020205020404" pitchFamily="49" charset="0"/>
                 <a:cs typeface="Courier New" panose="02070309020205020404" pitchFamily="49" charset="0"/>
               </a:rPr>
-              <a:t>/ random variables from uniformly distributed random variables</a:t>
-            </a:r>
-          </a:p>
-          <a:p>
-            <a:pPr marL="0" indent="0">
-              <a:buNone/>
-            </a:pPr>
+              <a:t>  </a:t>
+            </a:r>
             <a:r>
               <a:rPr lang="en-US" sz="1200" dirty="0" err="1">
                 <a:latin typeface="Courier New" panose="02070309020205020404" pitchFamily="49" charset="0"/>
                 <a:cs typeface="Courier New" panose="02070309020205020404" pitchFamily="49" charset="0"/>
               </a:rPr>
-              <a:t>meas_traj:true_traj</a:t>
+              <a:t>ns:F$ps</a:t>
             </a:r>
             <a:r>
               <a:rPr lang="en-US" sz="1200" dirty="0">
                 <a:latin typeface="Courier New" panose="02070309020205020404" pitchFamily="49" charset="0"/>
                 <a:cs typeface="Courier New" panose="02070309020205020404" pitchFamily="49" charset="0"/>
               </a:rPr>
-              <a:t>+</a:t>
+              <a:t>;                / predicted next state</a:t>
             </a:r>
           </a:p>
           <a:p>
@@ -11094,33 +10938,73 @@
                 <a:latin typeface="Courier New" panose="02070309020205020404" pitchFamily="49" charset="0"/>
                 <a:cs typeface="Courier New" panose="02070309020205020404" pitchFamily="49" charset="0"/>
               </a:rPr>
-              <a:t>  *[(</a:t>
+              <a:t>  </a:t>
             </a:r>
             <a:r>
               <a:rPr lang="en-US" sz="1200" dirty="0" err="1">
                 <a:latin typeface="Courier New" panose="02070309020205020404" pitchFamily="49" charset="0"/>
                 <a:cs typeface="Courier New" panose="02070309020205020404" pitchFamily="49" charset="0"/>
               </a:rPr>
-              <a:t>pos_meas_noise;vel_meas_noise</a:t>
+              <a:t>nP</a:t>
             </a:r>
             <a:r>
               <a:rPr lang="en-US" sz="1200" dirty="0">
                 <a:latin typeface="Courier New" panose="02070309020205020404" pitchFamily="49" charset="0"/>
                 <a:cs typeface="Courier New" panose="02070309020205020404" pitchFamily="49" charset="0"/>
               </a:rPr>
-              <a:t>)0 0 1 1;]  / scale std dev</a:t>
-            </a:r>
-          </a:p>
-          <a:p>
-            <a:pPr marL="0" indent="0">
-              <a:buNone/>
-            </a:pPr>
+              <a:t>:$[F;$[</a:t>
+            </a:r>
+            <a:r>
+              <a:rPr lang="en-US" sz="1200" dirty="0" err="1">
+                <a:latin typeface="Courier New" panose="02070309020205020404" pitchFamily="49" charset="0"/>
+                <a:cs typeface="Courier New" panose="02070309020205020404" pitchFamily="49" charset="0"/>
+              </a:rPr>
+              <a:t>P;flip</a:t>
+            </a:r>
             <a:r>
               <a:rPr lang="en-US" sz="1200" dirty="0">
                 <a:latin typeface="Courier New" panose="02070309020205020404" pitchFamily="49" charset="0"/>
                 <a:cs typeface="Courier New" panose="02070309020205020404" pitchFamily="49" charset="0"/>
               </a:rPr>
-              <a:t>  (4 0N)#.stat.bm*[4;count times]?1f;         / measurement errors</a:t>
+              <a:t> F]]+Q;  / predicted next P</a:t>
+            </a:r>
+          </a:p>
+          <a:p>
+            <a:pPr marL="0" indent="0">
+              <a:buNone/>
+            </a:pPr>
+            <a:r>
+              <a:rPr lang="en-US" sz="1200" dirty="0">
+                <a:latin typeface="Courier New" panose="02070309020205020404" pitchFamily="49" charset="0"/>
+                <a:cs typeface="Courier New" panose="02070309020205020404" pitchFamily="49" charset="0"/>
+              </a:rPr>
+              <a:t>  (</a:t>
+            </a:r>
+            <a:r>
+              <a:rPr lang="en-US" sz="1200" dirty="0" err="1">
+                <a:latin typeface="Courier New" panose="02070309020205020404" pitchFamily="49" charset="0"/>
+                <a:cs typeface="Courier New" panose="02070309020205020404" pitchFamily="49" charset="0"/>
+              </a:rPr>
+              <a:t>ns;nP</a:t>
+            </a:r>
+            <a:r>
+              <a:rPr lang="en-US" sz="1200" dirty="0">
+                <a:latin typeface="Courier New" panose="02070309020205020404" pitchFamily="49" charset="0"/>
+                <a:cs typeface="Courier New" panose="02070309020205020404" pitchFamily="49" charset="0"/>
+              </a:rPr>
+              <a:t>)</a:t>
+            </a:r>
+          </a:p>
+          <a:p>
+            <a:pPr marL="0" indent="0">
+              <a:buNone/>
+            </a:pPr>
+            <a:r>
+              <a:rPr lang="en-US" sz="1200" dirty="0">
+                <a:latin typeface="Courier New" panose="02070309020205020404" pitchFamily="49" charset="0"/>
+                <a:cs typeface="Courier New" panose="02070309020205020404" pitchFamily="49" charset="0"/>
+              </a:rPr>
+              <a:t>  };</a:t>
             </a:r>
           </a:p>
           <a:p>
@@ -11165,84 +11049,45 @@
                 <a:latin typeface="Courier New" panose="02070309020205020404" pitchFamily="49" charset="0"/>
                 <a:cs typeface="Courier New" panose="02070309020205020404" pitchFamily="49" charset="0"/>
               </a:rPr>
-              <a:t>id:{(2#x)#1,x#0};  / Identity matrix from </a:t>
-            </a:r>
+              <a:t>// Kalman Gain (K) weight of measurement vs prediction</a:t>
+            </a:r>
+          </a:p>
+          <a:p>
+            <a:pPr marL="0" indent="0">
+              <a:buNone/>
+            </a:pPr>
+            <a:r>
+              <a:rPr lang="en-US" sz="1200" dirty="0">
+                <a:latin typeface="Courier New" panose="02070309020205020404" pitchFamily="49" charset="0"/>
+                <a:cs typeface="Courier New" panose="02070309020205020404" pitchFamily="49" charset="0"/>
+              </a:rPr>
+              <a:t>// done in the update step</a:t>
+            </a:r>
+          </a:p>
+          <a:p>
+            <a:pPr marL="0" indent="0">
+              <a:buNone/>
+            </a:pPr>
             <a:r>
               <a:rPr lang="en-US" sz="1200" dirty="0" err="1">
                 <a:latin typeface="Courier New" panose="02070309020205020404" pitchFamily="49" charset="0"/>
                 <a:cs typeface="Courier New" panose="02070309020205020404" pitchFamily="49" charset="0"/>
               </a:rPr>
-              <a:t>qphrasebook</a:t>
-            </a:r>
-            <a:endParaRPr lang="en-US" sz="1200" dirty="0">
-              <a:latin typeface="Courier New" panose="02070309020205020404" pitchFamily="49" charset="0"/>
-              <a:cs typeface="Courier New" panose="02070309020205020404" pitchFamily="49" charset="0"/>
-            </a:endParaRPr>
-          </a:p>
-          <a:p>
-            <a:pPr marL="0" indent="0">
-              <a:buNone/>
-            </a:pPr>
-            <a:endParaRPr lang="en-US" sz="1200" dirty="0">
-              <a:latin typeface="Courier New" panose="02070309020205020404" pitchFamily="49" charset="0"/>
-              <a:cs typeface="Courier New" panose="02070309020205020404" pitchFamily="49" charset="0"/>
-            </a:endParaRPr>
-          </a:p>
-          <a:p>
-            <a:pPr marL="0" indent="0">
-              <a:buNone/>
-            </a:pPr>
+              <a:t>computeKalmanGain</a:t>
+            </a:r>
             <a:r>
               <a:rPr lang="en-US" sz="1200" dirty="0">
                 <a:latin typeface="Courier New" panose="02070309020205020404" pitchFamily="49" charset="0"/>
                 <a:cs typeface="Courier New" panose="02070309020205020404" pitchFamily="49" charset="0"/>
               </a:rPr>
-              <a:t>/ Kalman Filter</a:t>
-            </a:r>
-          </a:p>
-          <a:p>
-            <a:pPr marL="0" indent="0">
-              <a:buNone/>
-            </a:pPr>
-            <a:r>
-              <a:rPr lang="en-US" sz="1200" dirty="0">
-                <a:latin typeface="Courier New" panose="02070309020205020404" pitchFamily="49" charset="0"/>
-                <a:cs typeface="Courier New" panose="02070309020205020404" pitchFamily="49" charset="0"/>
-              </a:rPr>
-              <a:t>/ Initialization</a:t>
-            </a:r>
-          </a:p>
-          <a:p>
-            <a:pPr marL="0" indent="0">
-              <a:buNone/>
-            </a:pPr>
-            <a:r>
-              <a:rPr lang="en-US" sz="1200" dirty="0">
-                <a:latin typeface="Courier New" panose="02070309020205020404" pitchFamily="49" charset="0"/>
-                <a:cs typeface="Courier New" panose="02070309020205020404" pitchFamily="49" charset="0"/>
-              </a:rPr>
-              <a:t>/ State vector [x, y, </a:t>
+              <a:t>:{[</a:t>
             </a:r>
             <a:r>
               <a:rPr lang="en-US" sz="1200" dirty="0" err="1">
                 <a:latin typeface="Courier New" panose="02070309020205020404" pitchFamily="49" charset="0"/>
                 <a:cs typeface="Courier New" panose="02070309020205020404" pitchFamily="49" charset="0"/>
               </a:rPr>
-              <a:t>vx</a:t>
-            </a:r>
-            <a:r>
-              <a:rPr lang="en-US" sz="1200" dirty="0">
-                <a:latin typeface="Courier New" panose="02070309020205020404" pitchFamily="49" charset="0"/>
-                <a:cs typeface="Courier New" panose="02070309020205020404" pitchFamily="49" charset="0"/>
-              </a:rPr>
-              <a:t>, </a:t>
-            </a:r>
-            <a:r>
-              <a:rPr lang="en-US" sz="1200" dirty="0" err="1">
-                <a:latin typeface="Courier New" panose="02070309020205020404" pitchFamily="49" charset="0"/>
-                <a:cs typeface="Courier New" panose="02070309020205020404" pitchFamily="49" charset="0"/>
-              </a:rPr>
-              <a:t>vy</a:t>
+              <a:t>H;pP;R</a:t>
             </a:r>
             <a:r>
               <a:rPr lang="en-US" sz="1200" dirty="0">
@@ -11257,18 +11102,25 @@
               <a:buNone/>
             </a:pPr>
             <a:r>
+              <a:rPr lang="en-US" sz="1200" dirty="0">
+                <a:latin typeface="Courier New" panose="02070309020205020404" pitchFamily="49" charset="0"/>
+                <a:cs typeface="Courier New" panose="02070309020205020404" pitchFamily="49" charset="0"/>
+              </a:rPr>
+              <a:t>  S:$[H;$[</a:t>
+            </a:r>
+            <a:r>
               <a:rPr lang="en-US" sz="1200" dirty="0" err="1">
                 <a:latin typeface="Courier New" panose="02070309020205020404" pitchFamily="49" charset="0"/>
                 <a:cs typeface="Courier New" panose="02070309020205020404" pitchFamily="49" charset="0"/>
               </a:rPr>
-              <a:t>x_est</a:t>
+              <a:t>pP;flip</a:t>
             </a:r>
             <a:r>
               <a:rPr lang="en-US" sz="1200" dirty="0">
                 <a:latin typeface="Courier New" panose="02070309020205020404" pitchFamily="49" charset="0"/>
                 <a:cs typeface="Courier New" panose="02070309020205020404" pitchFamily="49" charset="0"/>
               </a:rPr>
-              <a:t>:(4;count times)#0f;</a:t>
+              <a:t> H]]+R;   / intermediate matrix for inversion</a:t>
             </a:r>
           </a:p>
           <a:p>
@@ -11280,119 +11132,47 @@
                 <a:latin typeface="Courier New" panose="02070309020205020404" pitchFamily="49" charset="0"/>
                 <a:cs typeface="Courier New" panose="02070309020205020404" pitchFamily="49" charset="0"/>
               </a:rPr>
-              <a:t>P:"f"$id 4;       / State Covariance matrix</a:t>
-            </a:r>
-          </a:p>
-          <a:p>
-            <a:pPr marL="0" indent="0">
-              <a:buNone/>
-            </a:pPr>
+              <a:t>  K:$[</a:t>
+            </a:r>
+            <a:r>
+              <a:rPr lang="en-US" sz="1200" dirty="0" err="1">
+                <a:latin typeface="Courier New" panose="02070309020205020404" pitchFamily="49" charset="0"/>
+                <a:cs typeface="Courier New" panose="02070309020205020404" pitchFamily="49" charset="0"/>
+              </a:rPr>
+              <a:t>pP</a:t>
+            </a:r>
             <a:r>
               <a:rPr lang="en-US" sz="1200" dirty="0">
                 <a:latin typeface="Courier New" panose="02070309020205020404" pitchFamily="49" charset="0"/>
                 <a:cs typeface="Courier New" panose="02070309020205020404" pitchFamily="49" charset="0"/>
               </a:rPr>
-              <a:t>R:*[(pos_meas_noise;vel_meas_noise)0 0 1 1;]</a:t>
-            </a:r>
-          </a:p>
-          <a:p>
-            <a:pPr marL="0" indent="0">
-              <a:buNone/>
-            </a:pPr>
+              <a:t>;$[flip </a:t>
+            </a:r>
+            <a:r>
+              <a:rPr lang="en-US" sz="1200" dirty="0" err="1">
+                <a:latin typeface="Courier New" panose="02070309020205020404" pitchFamily="49" charset="0"/>
+                <a:cs typeface="Courier New" panose="02070309020205020404" pitchFamily="49" charset="0"/>
+              </a:rPr>
+              <a:t>H;inv</a:t>
+            </a:r>
             <a:r>
               <a:rPr lang="en-US" sz="1200" dirty="0">
                 <a:latin typeface="Courier New" panose="02070309020205020404" pitchFamily="49" charset="0"/>
                 <a:cs typeface="Courier New" panose="02070309020205020404" pitchFamily="49" charset="0"/>
               </a:rPr>
-              <a:t>  "</a:t>
-            </a:r>
-            <a:r>
-              <a:rPr lang="en-US" sz="1200" dirty="0" err="1">
-                <a:latin typeface="Courier New" panose="02070309020205020404" pitchFamily="49" charset="0"/>
-                <a:cs typeface="Courier New" panose="02070309020205020404" pitchFamily="49" charset="0"/>
-              </a:rPr>
-              <a:t>f"$id</a:t>
-            </a:r>
+              <a:t> S]]  / inv uses LU decomposition</a:t>
+            </a:r>
+          </a:p>
+          <a:p>
+            <a:pPr marL="0" indent="0">
+              <a:buNone/>
+            </a:pPr>
             <a:r>
               <a:rPr lang="en-US" sz="1200" dirty="0">
                 <a:latin typeface="Courier New" panose="02070309020205020404" pitchFamily="49" charset="0"/>
                 <a:cs typeface="Courier New" panose="02070309020205020404" pitchFamily="49" charset="0"/>
               </a:rPr>
-              <a:t> 4;       / Measurement Noise Covariance</a:t>
-            </a:r>
-          </a:p>
-          <a:p>
-            <a:pPr marL="0" indent="0">
-              <a:buNone/>
-            </a:pPr>
-            <a:r>
-              <a:rPr lang="en-US" sz="1200" dirty="0">
-                <a:latin typeface="Courier New" panose="02070309020205020404" pitchFamily="49" charset="0"/>
-                <a:cs typeface="Courier New" panose="02070309020205020404" pitchFamily="49" charset="0"/>
-              </a:rPr>
-              <a:t>Q:0.005*"</a:t>
-            </a:r>
-            <a:r>
-              <a:rPr lang="en-US" sz="1200" dirty="0" err="1">
-                <a:latin typeface="Courier New" panose="02070309020205020404" pitchFamily="49" charset="0"/>
-                <a:cs typeface="Courier New" panose="02070309020205020404" pitchFamily="49" charset="0"/>
-              </a:rPr>
-              <a:t>f"$id</a:t>
-            </a:r>
-            <a:r>
-              <a:rPr lang="en-US" sz="1200" dirty="0">
-                <a:latin typeface="Courier New" panose="02070309020205020404" pitchFamily="49" charset="0"/>
-                <a:cs typeface="Courier New" panose="02070309020205020404" pitchFamily="49" charset="0"/>
-              </a:rPr>
-              <a:t> 4; / Process Noise Covariance</a:t>
-            </a:r>
-          </a:p>
-          <a:p>
-            <a:pPr marL="0" indent="0">
-              <a:buNone/>
-            </a:pPr>
-            <a:r>
-              <a:rPr lang="en-US" sz="1200" dirty="0">
-                <a:latin typeface="Courier New" panose="02070309020205020404" pitchFamily="49" charset="0"/>
-                <a:cs typeface="Courier New" panose="02070309020205020404" pitchFamily="49" charset="0"/>
-              </a:rPr>
-              <a:t>F:"f"$id 4;       / State Transition Matrix</a:t>
-            </a:r>
-          </a:p>
-          <a:p>
-            <a:pPr marL="0" indent="0">
-              <a:buNone/>
-            </a:pPr>
-            <a:r>
-              <a:rPr lang="en-US" sz="1200" dirty="0">
-                <a:latin typeface="Courier New" panose="02070309020205020404" pitchFamily="49" charset="0"/>
-                <a:cs typeface="Courier New" panose="02070309020205020404" pitchFamily="49" charset="0"/>
-              </a:rPr>
-              <a:t>F:(@[F 0;2;+;dt];@[F 1;3;+;dt];F 2;F 3);</a:t>
-            </a:r>
-          </a:p>
-          <a:p>
-            <a:pPr marL="0" indent="0">
-              <a:buNone/>
-            </a:pPr>
-            <a:r>
-              <a:rPr lang="en-US" sz="1200" dirty="0">
-                <a:latin typeface="Courier New" panose="02070309020205020404" pitchFamily="49" charset="0"/>
-                <a:cs typeface="Courier New" panose="02070309020205020404" pitchFamily="49" charset="0"/>
-              </a:rPr>
-              <a:t>H:"f"$id 4;       / Measurement Matrix (pos and vel)</a:t>
-            </a:r>
-          </a:p>
-          <a:p>
-            <a:pPr marL="0" indent="0">
-              <a:buNone/>
-            </a:pPr>
-            <a:r>
-              <a:rPr lang="en-US" sz="1200" dirty="0">
-                <a:latin typeface="Courier New" panose="02070309020205020404" pitchFamily="49" charset="0"/>
-                <a:cs typeface="Courier New" panose="02070309020205020404" pitchFamily="49" charset="0"/>
-              </a:rPr>
-              <a:t>G:(4;4;count times)#0f;</a:t>
+              <a:t>  };</a:t>
             </a:r>
           </a:p>
         </p:txBody>
@@ -11497,7 +11277,7 @@
                 <a:latin typeface="Courier New" panose="02070309020205020404" pitchFamily="49" charset="0"/>
                 <a:cs typeface="Courier New" panose="02070309020205020404" pitchFamily="49" charset="0"/>
               </a:rPr>
-              <a:t>/ KF Prediction Step</a:t>
+              <a:t>/ KF Update Step</a:t>
             </a:r>
           </a:p>
           <a:p>
@@ -11509,45 +11289,43 @@
                 <a:latin typeface="Courier New" panose="02070309020205020404" pitchFamily="49" charset="0"/>
                 <a:cs typeface="Courier New" panose="02070309020205020404" pitchFamily="49" charset="0"/>
               </a:rPr>
-              <a:t>// Predict next state using </a:t>
-            </a:r>
+              <a:t>// Update corrects predicted state with new measurement</a:t>
+            </a:r>
+          </a:p>
+          <a:p>
+            <a:pPr marL="0" indent="0">
+              <a:buNone/>
+            </a:pPr>
+            <a:r>
+              <a:rPr lang="en-US" sz="1200" dirty="0">
+                <a:latin typeface="Courier New" panose="02070309020205020404" pitchFamily="49" charset="0"/>
+                <a:cs typeface="Courier New" panose="02070309020205020404" pitchFamily="49" charset="0"/>
+              </a:rPr>
+              <a:t>// Kalman Gain (K) adjusts predicted state based on the measurement residual</a:t>
+            </a:r>
+          </a:p>
+          <a:p>
+            <a:pPr marL="0" indent="0">
+              <a:buNone/>
+            </a:pPr>
+            <a:r>
+              <a:rPr lang="en-US" sz="1200" dirty="0">
+                <a:latin typeface="Courier New" panose="02070309020205020404" pitchFamily="49" charset="0"/>
+                <a:cs typeface="Courier New" panose="02070309020205020404" pitchFamily="49" charset="0"/>
+              </a:rPr>
+              <a:t>// Update state estimate and uncertainty (covariance)</a:t>
+            </a:r>
+          </a:p>
+          <a:p>
+            <a:pPr marL="0" indent="0">
+              <a:buNone/>
+            </a:pPr>
             <a:r>
               <a:rPr lang="en-US" sz="1200" dirty="0" err="1">
                 <a:latin typeface="Courier New" panose="02070309020205020404" pitchFamily="49" charset="0"/>
                 <a:cs typeface="Courier New" panose="02070309020205020404" pitchFamily="49" charset="0"/>
               </a:rPr>
-              <a:t>prev</a:t>
-            </a:r>
-            <a:r>
-              <a:rPr lang="en-US" sz="1200" dirty="0">
-                <a:latin typeface="Courier New" panose="02070309020205020404" pitchFamily="49" charset="0"/>
-                <a:cs typeface="Courier New" panose="02070309020205020404" pitchFamily="49" charset="0"/>
-              </a:rPr>
-              <a:t> state and the F, state transition matrix</a:t>
-            </a:r>
-          </a:p>
-          <a:p>
-            <a:pPr marL="0" indent="0">
-              <a:buNone/>
-            </a:pPr>
-            <a:r>
-              <a:rPr lang="en-US" sz="1200" dirty="0">
-                <a:latin typeface="Courier New" panose="02070309020205020404" pitchFamily="49" charset="0"/>
-                <a:cs typeface="Courier New" panose="02070309020205020404" pitchFamily="49" charset="0"/>
-              </a:rPr>
-              <a:t>// Predict state uncertainty (update P, covariance matrix using Q, process noise</a:t>
-            </a:r>
-          </a:p>
-          <a:p>
-            <a:pPr marL="0" indent="0">
-              <a:buNone/>
-            </a:pPr>
-            <a:r>
-              <a:rPr lang="en-US" sz="1200" dirty="0" err="1">
-                <a:latin typeface="Courier New" panose="02070309020205020404" pitchFamily="49" charset="0"/>
-                <a:cs typeface="Courier New" panose="02070309020205020404" pitchFamily="49" charset="0"/>
-              </a:rPr>
-              <a:t>predictState</a:t>
+              <a:t>updateStateEstimate</a:t>
             </a:r>
             <a:r>
               <a:rPr lang="en-US" sz="1200" dirty="0">
@@ -11561,7 +11339,7 @@
                 <a:latin typeface="Courier New" panose="02070309020205020404" pitchFamily="49" charset="0"/>
                 <a:cs typeface="Courier New" panose="02070309020205020404" pitchFamily="49" charset="0"/>
               </a:rPr>
-              <a:t>F;ps;P;Q</a:t>
+              <a:t>H;pP;R;ms;ps</a:t>
             </a:r>
             <a:r>
               <a:rPr lang="en-US" sz="1200" dirty="0">
@@ -11580,21 +11358,7 @@
                 <a:latin typeface="Courier New" panose="02070309020205020404" pitchFamily="49" charset="0"/>
                 <a:cs typeface="Courier New" panose="02070309020205020404" pitchFamily="49" charset="0"/>
               </a:rPr>
-              <a:t>  </a:t>
-            </a:r>
-            <a:r>
-              <a:rPr lang="en-US" sz="1200" dirty="0" err="1">
-                <a:latin typeface="Courier New" panose="02070309020205020404" pitchFamily="49" charset="0"/>
-                <a:cs typeface="Courier New" panose="02070309020205020404" pitchFamily="49" charset="0"/>
-              </a:rPr>
-              <a:t>ns:F$ps</a:t>
-            </a:r>
-            <a:r>
-              <a:rPr lang="en-US" sz="1200" dirty="0">
-                <a:latin typeface="Courier New" panose="02070309020205020404" pitchFamily="49" charset="0"/>
-                <a:cs typeface="Courier New" panose="02070309020205020404" pitchFamily="49" charset="0"/>
-              </a:rPr>
-              <a:t>;                / predicted next state</a:t>
+              <a:t>  id:{(2#x)#1,x#0};</a:t>
             </a:r>
           </a:p>
           <a:p>
@@ -11613,28 +11377,178 @@
                 <a:latin typeface="Courier New" panose="02070309020205020404" pitchFamily="49" charset="0"/>
                 <a:cs typeface="Courier New" panose="02070309020205020404" pitchFamily="49" charset="0"/>
               </a:rPr>
-              <a:t>nP</a:t>
+              <a:t>I:"f"$id</a:t>
             </a:r>
             <a:r>
               <a:rPr lang="en-US" sz="1200" dirty="0">
                 <a:latin typeface="Courier New" panose="02070309020205020404" pitchFamily="49" charset="0"/>
                 <a:cs typeface="Courier New" panose="02070309020205020404" pitchFamily="49" charset="0"/>
               </a:rPr>
-              <a:t>:$[F;$[</a:t>
+              <a:t> 2;    / Identity Matrix</a:t>
+            </a:r>
+          </a:p>
+          <a:p>
+            <a:pPr marL="0" indent="0">
+              <a:buNone/>
+            </a:pPr>
+            <a:r>
+              <a:rPr lang="en-US" sz="1200" dirty="0">
+                <a:latin typeface="Courier New" panose="02070309020205020404" pitchFamily="49" charset="0"/>
+                <a:cs typeface="Courier New" panose="02070309020205020404" pitchFamily="49" charset="0"/>
+              </a:rPr>
+              <a:t>  </a:t>
             </a:r>
             <a:r>
               <a:rPr lang="en-US" sz="1200" dirty="0" err="1">
                 <a:latin typeface="Courier New" panose="02070309020205020404" pitchFamily="49" charset="0"/>
                 <a:cs typeface="Courier New" panose="02070309020205020404" pitchFamily="49" charset="0"/>
               </a:rPr>
-              <a:t>P;flip</a:t>
+              <a:t>K:computeKalmanGain</a:t>
             </a:r>
             <a:r>
               <a:rPr lang="en-US" sz="1200" dirty="0">
                 <a:latin typeface="Courier New" panose="02070309020205020404" pitchFamily="49" charset="0"/>
                 <a:cs typeface="Courier New" panose="02070309020205020404" pitchFamily="49" charset="0"/>
               </a:rPr>
-              <a:t> F]]+Q;  / predicted next P</a:t>
+              <a:t>[</a:t>
+            </a:r>
+            <a:r>
+              <a:rPr lang="en-US" sz="1200" dirty="0" err="1">
+                <a:latin typeface="Courier New" panose="02070309020205020404" pitchFamily="49" charset="0"/>
+                <a:cs typeface="Courier New" panose="02070309020205020404" pitchFamily="49" charset="0"/>
+              </a:rPr>
+              <a:t>H;pP;R</a:t>
+            </a:r>
+            <a:r>
+              <a:rPr lang="en-US" sz="1200" dirty="0">
+                <a:latin typeface="Courier New" panose="02070309020205020404" pitchFamily="49" charset="0"/>
+                <a:cs typeface="Courier New" panose="02070309020205020404" pitchFamily="49" charset="0"/>
+              </a:rPr>
+              <a:t>];</a:t>
+            </a:r>
+          </a:p>
+          <a:p>
+            <a:pPr marL="0" indent="0">
+              <a:buNone/>
+            </a:pPr>
+            <a:endParaRPr lang="en-US" sz="1200" dirty="0">
+              <a:latin typeface="Courier New" panose="02070309020205020404" pitchFamily="49" charset="0"/>
+              <a:cs typeface="Courier New" panose="02070309020205020404" pitchFamily="49" charset="0"/>
+            </a:endParaRPr>
+          </a:p>
+          <a:p>
+            <a:pPr marL="0" indent="0">
+              <a:buNone/>
+            </a:pPr>
+            <a:r>
+              <a:rPr lang="en-US" sz="1200" dirty="0">
+                <a:latin typeface="Courier New" panose="02070309020205020404" pitchFamily="49" charset="0"/>
+                <a:cs typeface="Courier New" panose="02070309020205020404" pitchFamily="49" charset="0"/>
+              </a:rPr>
+              <a:t>  </a:t>
+            </a:r>
+            <a:r>
+              <a:rPr lang="en-US" sz="1200" dirty="0" err="1">
+                <a:latin typeface="Courier New" panose="02070309020205020404" pitchFamily="49" charset="0"/>
+                <a:cs typeface="Courier New" panose="02070309020205020404" pitchFamily="49" charset="0"/>
+              </a:rPr>
+              <a:t>y:ms</a:t>
+            </a:r>
+            <a:r>
+              <a:rPr lang="en-US" sz="1200" dirty="0">
+                <a:latin typeface="Courier New" panose="02070309020205020404" pitchFamily="49" charset="0"/>
+                <a:cs typeface="Courier New" panose="02070309020205020404" pitchFamily="49" charset="0"/>
+              </a:rPr>
+              <a:t>-$[</a:t>
+            </a:r>
+            <a:r>
+              <a:rPr lang="en-US" sz="1200" dirty="0" err="1">
+                <a:latin typeface="Courier New" panose="02070309020205020404" pitchFamily="49" charset="0"/>
+                <a:cs typeface="Courier New" panose="02070309020205020404" pitchFamily="49" charset="0"/>
+              </a:rPr>
+              <a:t>H;ps</a:t>
+            </a:r>
+            <a:r>
+              <a:rPr lang="en-US" sz="1200" dirty="0">
+                <a:latin typeface="Courier New" panose="02070309020205020404" pitchFamily="49" charset="0"/>
+                <a:cs typeface="Courier New" panose="02070309020205020404" pitchFamily="49" charset="0"/>
+              </a:rPr>
+              <a:t>];  / measurement residuals</a:t>
+            </a:r>
+          </a:p>
+          <a:p>
+            <a:pPr marL="0" indent="0">
+              <a:buNone/>
+            </a:pPr>
+            <a:r>
+              <a:rPr lang="en-US" sz="1200" dirty="0">
+                <a:latin typeface="Courier New" panose="02070309020205020404" pitchFamily="49" charset="0"/>
+                <a:cs typeface="Courier New" panose="02070309020205020404" pitchFamily="49" charset="0"/>
+              </a:rPr>
+              <a:t>  </a:t>
+            </a:r>
+            <a:r>
+              <a:rPr lang="en-US" sz="1200" dirty="0" err="1">
+                <a:latin typeface="Courier New" panose="02070309020205020404" pitchFamily="49" charset="0"/>
+                <a:cs typeface="Courier New" panose="02070309020205020404" pitchFamily="49" charset="0"/>
+              </a:rPr>
+              <a:t>es:ps</a:t>
+            </a:r>
+            <a:r>
+              <a:rPr lang="en-US" sz="1200" dirty="0">
+                <a:latin typeface="Courier New" panose="02070309020205020404" pitchFamily="49" charset="0"/>
+                <a:cs typeface="Courier New" panose="02070309020205020404" pitchFamily="49" charset="0"/>
+              </a:rPr>
+              <a:t>+$[</a:t>
+            </a:r>
+            <a:r>
+              <a:rPr lang="en-US" sz="1200" dirty="0" err="1">
+                <a:latin typeface="Courier New" panose="02070309020205020404" pitchFamily="49" charset="0"/>
+                <a:cs typeface="Courier New" panose="02070309020205020404" pitchFamily="49" charset="0"/>
+              </a:rPr>
+              <a:t>K;y</a:t>
+            </a:r>
+            <a:r>
+              <a:rPr lang="en-US" sz="1200" dirty="0">
+                <a:latin typeface="Courier New" panose="02070309020205020404" pitchFamily="49" charset="0"/>
+                <a:cs typeface="Courier New" panose="02070309020205020404" pitchFamily="49" charset="0"/>
+              </a:rPr>
+              <a:t>];  / new state estimate</a:t>
+            </a:r>
+          </a:p>
+          <a:p>
+            <a:pPr marL="0" indent="0">
+              <a:buNone/>
+            </a:pPr>
+            <a:endParaRPr lang="en-US" sz="1200" dirty="0">
+              <a:latin typeface="Courier New" panose="02070309020205020404" pitchFamily="49" charset="0"/>
+              <a:cs typeface="Courier New" panose="02070309020205020404" pitchFamily="49" charset="0"/>
+            </a:endParaRPr>
+          </a:p>
+          <a:p>
+            <a:pPr marL="0" indent="0">
+              <a:buNone/>
+            </a:pPr>
+            <a:r>
+              <a:rPr lang="en-US" sz="1200" dirty="0">
+                <a:latin typeface="Courier New" panose="02070309020205020404" pitchFamily="49" charset="0"/>
+                <a:cs typeface="Courier New" panose="02070309020205020404" pitchFamily="49" charset="0"/>
+              </a:rPr>
+              <a:t>  P:$[I-$[K;H];</a:t>
+            </a:r>
+            <a:r>
+              <a:rPr lang="en-US" sz="1200" dirty="0" err="1">
+                <a:latin typeface="Courier New" panose="02070309020205020404" pitchFamily="49" charset="0"/>
+                <a:cs typeface="Courier New" panose="02070309020205020404" pitchFamily="49" charset="0"/>
+              </a:rPr>
+              <a:t>pP</a:t>
+            </a:r>
+            <a:r>
+              <a:rPr lang="en-US" sz="1200" dirty="0">
+                <a:latin typeface="Courier New" panose="02070309020205020404" pitchFamily="49" charset="0"/>
+                <a:cs typeface="Courier New" panose="02070309020205020404" pitchFamily="49" charset="0"/>
+              </a:rPr>
+              <a:t>];</a:t>
             </a:r>
           </a:p>
           <a:p>
@@ -11653,7 +11567,7 @@
                 <a:latin typeface="Courier New" panose="02070309020205020404" pitchFamily="49" charset="0"/>
                 <a:cs typeface="Courier New" panose="02070309020205020404" pitchFamily="49" charset="0"/>
               </a:rPr>
-              <a:t>ns;nP</a:t>
+              <a:t>K;es;P</a:t>
             </a:r>
             <a:r>
               <a:rPr lang="en-US" sz="1200" dirty="0">
@@ -11674,140 +11588,6 @@
               </a:rPr>
               <a:t>  };</a:t>
             </a:r>
-          </a:p>
-          <a:p>
-            <a:pPr marL="0" indent="0">
-              <a:buNone/>
-            </a:pPr>
-            <a:endParaRPr lang="en-US" sz="1200" dirty="0">
-              <a:latin typeface="Courier New" panose="02070309020205020404" pitchFamily="49" charset="0"/>
-              <a:cs typeface="Courier New" panose="02070309020205020404" pitchFamily="49" charset="0"/>
-            </a:endParaRPr>
-          </a:p>
-          <a:p>
-            <a:pPr marL="0" indent="0">
-              <a:buNone/>
-            </a:pPr>
-            <a:r>
-              <a:rPr lang="en-US" sz="1200" dirty="0">
-                <a:latin typeface="Courier New" panose="02070309020205020404" pitchFamily="49" charset="0"/>
-                <a:cs typeface="Courier New" panose="02070309020205020404" pitchFamily="49" charset="0"/>
-              </a:rPr>
-              <a:t>// Kalman Gain (K) weight of measurement vs prediction</a:t>
-            </a:r>
-          </a:p>
-          <a:p>
-            <a:pPr marL="0" indent="0">
-              <a:buNone/>
-            </a:pPr>
-            <a:r>
-              <a:rPr lang="en-US" sz="1200" dirty="0">
-                <a:latin typeface="Courier New" panose="02070309020205020404" pitchFamily="49" charset="0"/>
-                <a:cs typeface="Courier New" panose="02070309020205020404" pitchFamily="49" charset="0"/>
-              </a:rPr>
-              <a:t>// done in the update step</a:t>
-            </a:r>
-          </a:p>
-          <a:p>
-            <a:pPr marL="0" indent="0">
-              <a:buNone/>
-            </a:pPr>
-            <a:r>
-              <a:rPr lang="en-US" sz="1200" dirty="0" err="1">
-                <a:latin typeface="Courier New" panose="02070309020205020404" pitchFamily="49" charset="0"/>
-                <a:cs typeface="Courier New" panose="02070309020205020404" pitchFamily="49" charset="0"/>
-              </a:rPr>
-              <a:t>computeKalmanGain</a:t>
-            </a:r>
-            <a:r>
-              <a:rPr lang="en-US" sz="1200" dirty="0">
-                <a:latin typeface="Courier New" panose="02070309020205020404" pitchFamily="49" charset="0"/>
-                <a:cs typeface="Courier New" panose="02070309020205020404" pitchFamily="49" charset="0"/>
-              </a:rPr>
-              <a:t>:{[</a:t>
-            </a:r>
-            <a:r>
-              <a:rPr lang="en-US" sz="1200" dirty="0" err="1">
-                <a:latin typeface="Courier New" panose="02070309020205020404" pitchFamily="49" charset="0"/>
-                <a:cs typeface="Courier New" panose="02070309020205020404" pitchFamily="49" charset="0"/>
-              </a:rPr>
-              <a:t>H;pP;R</a:t>
-            </a:r>
-            <a:r>
-              <a:rPr lang="en-US" sz="1200" dirty="0">
-                <a:latin typeface="Courier New" panose="02070309020205020404" pitchFamily="49" charset="0"/>
-                <a:cs typeface="Courier New" panose="02070309020205020404" pitchFamily="49" charset="0"/>
-              </a:rPr>
-              <a:t>]</a:t>
-            </a:r>
-          </a:p>
-          <a:p>
-            <a:pPr marL="0" indent="0">
-              <a:buNone/>
-            </a:pPr>
-            <a:r>
-              <a:rPr lang="en-US" sz="1200" dirty="0">
-                <a:latin typeface="Courier New" panose="02070309020205020404" pitchFamily="49" charset="0"/>
-                <a:cs typeface="Courier New" panose="02070309020205020404" pitchFamily="49" charset="0"/>
-              </a:rPr>
-              <a:t>  S:$[H;$[pP;flip H]]+R;   / intermediate matrix for inversion</a:t>
-            </a:r>
-          </a:p>
-          <a:p>
-            <a:pPr marL="0" indent="0">
-              <a:buNone/>
-            </a:pPr>
-            <a:r>
-              <a:rPr lang="en-US" sz="1200" dirty="0">
-                <a:latin typeface="Courier New" panose="02070309020205020404" pitchFamily="49" charset="0"/>
-                <a:cs typeface="Courier New" panose="02070309020205020404" pitchFamily="49" charset="0"/>
-              </a:rPr>
-              <a:t>  K:$[pP;$[flip </a:t>
-            </a:r>
-            <a:r>
-              <a:rPr lang="en-US" sz="1200" dirty="0" err="1">
-                <a:latin typeface="Courier New" panose="02070309020205020404" pitchFamily="49" charset="0"/>
-                <a:cs typeface="Courier New" panose="02070309020205020404" pitchFamily="49" charset="0"/>
-              </a:rPr>
-              <a:t>H;inv</a:t>
-            </a:r>
-            <a:r>
-              <a:rPr lang="en-US" sz="1200" dirty="0">
-                <a:latin typeface="Courier New" panose="02070309020205020404" pitchFamily="49" charset="0"/>
-                <a:cs typeface="Courier New" panose="02070309020205020404" pitchFamily="49" charset="0"/>
-              </a:rPr>
-              <a:t> S]]  / inv uses LU decomposition</a:t>
-            </a:r>
-          </a:p>
-          <a:p>
-            <a:pPr marL="0" indent="0">
-              <a:buNone/>
-            </a:pPr>
-            <a:r>
-              <a:rPr lang="en-US" sz="1200" dirty="0">
-                <a:latin typeface="Courier New" panose="02070309020205020404" pitchFamily="49" charset="0"/>
-                <a:cs typeface="Courier New" panose="02070309020205020404" pitchFamily="49" charset="0"/>
-              </a:rPr>
-              <a:t>  };</a:t>
-            </a:r>
-          </a:p>
-          <a:p>
-            <a:pPr marL="0" indent="0">
-              <a:buNone/>
-            </a:pPr>
-            <a:endParaRPr lang="en-US" sz="1200" dirty="0">
-              <a:latin typeface="Courier New" panose="02070309020205020404" pitchFamily="49" charset="0"/>
-              <a:cs typeface="Courier New" panose="02070309020205020404" pitchFamily="49" charset="0"/>
-            </a:endParaRPr>
-          </a:p>
-          <a:p>
-            <a:pPr marL="0" indent="0">
-              <a:buNone/>
-            </a:pPr>
-            <a:endParaRPr lang="en-US" sz="1200" dirty="0">
-              <a:latin typeface="Courier New" panose="02070309020205020404" pitchFamily="49" charset="0"/>
-              <a:cs typeface="Courier New" panose="02070309020205020404" pitchFamily="49" charset="0"/>
-            </a:endParaRPr>
           </a:p>
         </p:txBody>
       </p:sp>
@@ -11847,7 +11627,7 @@
                 <a:latin typeface="Courier New" panose="02070309020205020404" pitchFamily="49" charset="0"/>
                 <a:cs typeface="Courier New" panose="02070309020205020404" pitchFamily="49" charset="0"/>
               </a:rPr>
-              <a:t>/ KF Update Step</a:t>
+              <a:t>idx:0;</a:t>
             </a:r>
           </a:p>
           <a:p>
@@ -11859,76 +11639,106 @@
                 <a:latin typeface="Courier New" panose="02070309020205020404" pitchFamily="49" charset="0"/>
                 <a:cs typeface="Courier New" panose="02070309020205020404" pitchFamily="49" charset="0"/>
               </a:rPr>
-              <a:t>// Update corrects predicted state with new measurement</a:t>
+              <a:t>res:();</a:t>
             </a:r>
           </a:p>
           <a:p>
             <a:pPr marL="0" indent="0">
               <a:buNone/>
             </a:pPr>
+            <a:r>
+              <a:rPr lang="en-US" sz="1200" dirty="0" err="1">
+                <a:latin typeface="Courier New" panose="02070309020205020404" pitchFamily="49" charset="0"/>
+                <a:cs typeface="Courier New" panose="02070309020205020404" pitchFamily="49" charset="0"/>
+              </a:rPr>
+              <a:t>ps</a:t>
+            </a:r>
             <a:r>
               <a:rPr lang="en-US" sz="1200" dirty="0">
                 <a:latin typeface="Courier New" panose="02070309020205020404" pitchFamily="49" charset="0"/>
                 <a:cs typeface="Courier New" panose="02070309020205020404" pitchFamily="49" charset="0"/>
               </a:rPr>
-              <a:t>// Kalman Gain (K) adjusts predicted state based on the measurement residual</a:t>
-            </a:r>
-          </a:p>
-          <a:p>
-            <a:pPr marL="0" indent="0">
-              <a:buNone/>
-            </a:pPr>
+              <a:t>:(); </a:t>
+            </a:r>
+            <a:r>
+              <a:rPr lang="en-US" sz="1200" dirty="0" err="1">
+                <a:latin typeface="Courier New" panose="02070309020205020404" pitchFamily="49" charset="0"/>
+                <a:cs typeface="Courier New" panose="02070309020205020404" pitchFamily="49" charset="0"/>
+              </a:rPr>
+              <a:t>pP</a:t>
+            </a:r>
             <a:r>
               <a:rPr lang="en-US" sz="1200" dirty="0">
                 <a:latin typeface="Courier New" panose="02070309020205020404" pitchFamily="49" charset="0"/>
                 <a:cs typeface="Courier New" panose="02070309020205020404" pitchFamily="49" charset="0"/>
               </a:rPr>
-              <a:t>// Update state estimate and uncertainty (covariance)</a:t>
+              <a:t>:();</a:t>
             </a:r>
           </a:p>
           <a:p>
             <a:pPr marL="0" indent="0">
               <a:buNone/>
             </a:pPr>
+            <a:r>
+              <a:rPr lang="en-US" sz="1200" dirty="0">
+                <a:latin typeface="Courier New" panose="02070309020205020404" pitchFamily="49" charset="0"/>
+                <a:cs typeface="Courier New" panose="02070309020205020404" pitchFamily="49" charset="0"/>
+              </a:rPr>
+              <a:t>es:(); </a:t>
+            </a:r>
             <a:r>
               <a:rPr lang="en-US" sz="1200" dirty="0" err="1">
                 <a:latin typeface="Courier New" panose="02070309020205020404" pitchFamily="49" charset="0"/>
                 <a:cs typeface="Courier New" panose="02070309020205020404" pitchFamily="49" charset="0"/>
               </a:rPr>
-              <a:t>updateStateEstimate</a:t>
+              <a:t>cP</a:t>
             </a:r>
             <a:r>
               <a:rPr lang="en-US" sz="1200" dirty="0">
                 <a:latin typeface="Courier New" panose="02070309020205020404" pitchFamily="49" charset="0"/>
                 <a:cs typeface="Courier New" panose="02070309020205020404" pitchFamily="49" charset="0"/>
               </a:rPr>
-              <a:t>:{[</a:t>
+              <a:t>:();</a:t>
+            </a:r>
+          </a:p>
+          <a:p>
+            <a:pPr marL="0" indent="0">
+              <a:buNone/>
+            </a:pPr>
+            <a:r>
+              <a:rPr lang="en-US" sz="1200" dirty="0">
+                <a:latin typeface="Courier New" panose="02070309020205020404" pitchFamily="49" charset="0"/>
+                <a:cs typeface="Courier New" panose="02070309020205020404" pitchFamily="49" charset="0"/>
+              </a:rPr>
+              <a:t>while[</a:t>
             </a:r>
             <a:r>
               <a:rPr lang="en-US" sz="1200" dirty="0" err="1">
                 <a:latin typeface="Courier New" panose="02070309020205020404" pitchFamily="49" charset="0"/>
                 <a:cs typeface="Courier New" panose="02070309020205020404" pitchFamily="49" charset="0"/>
               </a:rPr>
-              <a:t>H;pP;R;ms;ps</a:t>
+              <a:t>idx</a:t>
             </a:r>
             <a:r>
               <a:rPr lang="en-US" sz="1200" dirty="0">
                 <a:latin typeface="Courier New" panose="02070309020205020404" pitchFamily="49" charset="0"/>
                 <a:cs typeface="Courier New" panose="02070309020205020404" pitchFamily="49" charset="0"/>
               </a:rPr>
-              <a:t>]</a:t>
-            </a:r>
-          </a:p>
-          <a:p>
-            <a:pPr marL="0" indent="0">
-              <a:buNone/>
-            </a:pPr>
+              <a:t>&lt;-1+count </a:t>
+            </a:r>
+            <a:r>
+              <a:rPr lang="en-US" sz="1200" dirty="0" err="1">
+                <a:latin typeface="Courier New" panose="02070309020205020404" pitchFamily="49" charset="0"/>
+                <a:cs typeface="Courier New" panose="02070309020205020404" pitchFamily="49" charset="0"/>
+              </a:rPr>
+              <a:t>fxrates</a:t>
+            </a:r>
             <a:r>
               <a:rPr lang="en-US" sz="1200" dirty="0">
                 <a:latin typeface="Courier New" panose="02070309020205020404" pitchFamily="49" charset="0"/>
                 <a:cs typeface="Courier New" panose="02070309020205020404" pitchFamily="49" charset="0"/>
               </a:rPr>
-              <a:t>  id:{(2#x)#1,x#0};</a:t>
+              <a:t>;</a:t>
             </a:r>
           </a:p>
           <a:p>
@@ -11940,19 +11750,275 @@
                 <a:latin typeface="Courier New" panose="02070309020205020404" pitchFamily="49" charset="0"/>
                 <a:cs typeface="Courier New" panose="02070309020205020404" pitchFamily="49" charset="0"/>
               </a:rPr>
-              <a:t>  I:"f"$id 4;    / Identity Matrix</a:t>
-            </a:r>
-          </a:p>
-          <a:p>
-            <a:pPr marL="0" indent="0">
-              <a:buNone/>
-            </a:pPr>
+              <a:t>  </a:t>
+            </a:r>
+            <a:r>
+              <a:rPr lang="en-US" sz="1200" dirty="0" err="1">
+                <a:latin typeface="Courier New" panose="02070309020205020404" pitchFamily="49" charset="0"/>
+                <a:cs typeface="Courier New" panose="02070309020205020404" pitchFamily="49" charset="0"/>
+              </a:rPr>
+              <a:t>idx</a:t>
+            </a:r>
             <a:r>
               <a:rPr lang="en-US" sz="1200" dirty="0">
                 <a:latin typeface="Courier New" panose="02070309020205020404" pitchFamily="49" charset="0"/>
                 <a:cs typeface="Courier New" panose="02070309020205020404" pitchFamily="49" charset="0"/>
               </a:rPr>
-              <a:t>  K:computeKalmanGain[H;pP;R];</a:t>
+              <a:t>+:1;</a:t>
+            </a:r>
+          </a:p>
+          <a:p>
+            <a:pPr marL="0" indent="0">
+              <a:buNone/>
+            </a:pPr>
+            <a:r>
+              <a:rPr lang="en-US" sz="1200" dirty="0">
+                <a:latin typeface="Courier New" panose="02070309020205020404" pitchFamily="49" charset="0"/>
+                <a:cs typeface="Courier New" panose="02070309020205020404" pitchFamily="49" charset="0"/>
+              </a:rPr>
+              <a:t>  show </a:t>
+            </a:r>
+            <a:r>
+              <a:rPr lang="en-US" sz="1200" dirty="0" err="1">
+                <a:latin typeface="Courier New" panose="02070309020205020404" pitchFamily="49" charset="0"/>
+                <a:cs typeface="Courier New" panose="02070309020205020404" pitchFamily="49" charset="0"/>
+              </a:rPr>
+              <a:t>idx</a:t>
+            </a:r>
+            <a:r>
+              <a:rPr lang="en-US" sz="1200" dirty="0">
+                <a:latin typeface="Courier New" panose="02070309020205020404" pitchFamily="49" charset="0"/>
+                <a:cs typeface="Courier New" panose="02070309020205020404" pitchFamily="49" charset="0"/>
+              </a:rPr>
+              <a:t>;</a:t>
+            </a:r>
+          </a:p>
+          <a:p>
+            <a:pPr marL="0" indent="0">
+              <a:buNone/>
+            </a:pPr>
+            <a:r>
+              <a:rPr lang="en-US" sz="1200" dirty="0">
+                <a:latin typeface="Courier New" panose="02070309020205020404" pitchFamily="49" charset="0"/>
+                <a:cs typeface="Courier New" panose="02070309020205020404" pitchFamily="49" charset="0"/>
+              </a:rPr>
+              <a:t>  </a:t>
+            </a:r>
+            <a:r>
+              <a:rPr lang="en-US" sz="1200" dirty="0" err="1">
+                <a:latin typeface="Courier New" panose="02070309020205020404" pitchFamily="49" charset="0"/>
+                <a:cs typeface="Courier New" panose="02070309020205020404" pitchFamily="49" charset="0"/>
+              </a:rPr>
+              <a:t>res:predictState</a:t>
+            </a:r>
+            <a:r>
+              <a:rPr lang="en-US" sz="1200" dirty="0">
+                <a:latin typeface="Courier New" panose="02070309020205020404" pitchFamily="49" charset="0"/>
+                <a:cs typeface="Courier New" panose="02070309020205020404" pitchFamily="49" charset="0"/>
+              </a:rPr>
+              <a:t>[</a:t>
+            </a:r>
+            <a:r>
+              <a:rPr lang="en-US" sz="1200" dirty="0" err="1">
+                <a:latin typeface="Courier New" panose="02070309020205020404" pitchFamily="49" charset="0"/>
+                <a:cs typeface="Courier New" panose="02070309020205020404" pitchFamily="49" charset="0"/>
+              </a:rPr>
+              <a:t>F;x_est</a:t>
+            </a:r>
+            <a:r>
+              <a:rPr lang="en-US" sz="1200" dirty="0">
+                <a:latin typeface="Courier New" panose="02070309020205020404" pitchFamily="49" charset="0"/>
+                <a:cs typeface="Courier New" panose="02070309020205020404" pitchFamily="49" charset="0"/>
+              </a:rPr>
+              <a:t>[;idx-1];P;Q];</a:t>
+            </a:r>
+          </a:p>
+          <a:p>
+            <a:pPr marL="0" indent="0">
+              <a:buNone/>
+            </a:pPr>
+            <a:r>
+              <a:rPr lang="en-US" sz="1200" dirty="0">
+                <a:latin typeface="Courier New" panose="02070309020205020404" pitchFamily="49" charset="0"/>
+                <a:cs typeface="Courier New" panose="02070309020205020404" pitchFamily="49" charset="0"/>
+              </a:rPr>
+              <a:t>  </a:t>
+            </a:r>
+            <a:r>
+              <a:rPr lang="en-US" sz="1200" dirty="0" err="1">
+                <a:latin typeface="Courier New" panose="02070309020205020404" pitchFamily="49" charset="0"/>
+                <a:cs typeface="Courier New" panose="02070309020205020404" pitchFamily="49" charset="0"/>
+              </a:rPr>
+              <a:t>ps:res</a:t>
+            </a:r>
+            <a:r>
+              <a:rPr lang="en-US" sz="1200" dirty="0">
+                <a:latin typeface="Courier New" panose="02070309020205020404" pitchFamily="49" charset="0"/>
+                <a:cs typeface="Courier New" panose="02070309020205020404" pitchFamily="49" charset="0"/>
+              </a:rPr>
+              <a:t> 0; </a:t>
+            </a:r>
+            <a:r>
+              <a:rPr lang="en-US" sz="1200" dirty="0" err="1">
+                <a:latin typeface="Courier New" panose="02070309020205020404" pitchFamily="49" charset="0"/>
+                <a:cs typeface="Courier New" panose="02070309020205020404" pitchFamily="49" charset="0"/>
+              </a:rPr>
+              <a:t>pP:P:res</a:t>
+            </a:r>
+            <a:r>
+              <a:rPr lang="en-US" sz="1200" dirty="0">
+                <a:latin typeface="Courier New" panose="02070309020205020404" pitchFamily="49" charset="0"/>
+                <a:cs typeface="Courier New" panose="02070309020205020404" pitchFamily="49" charset="0"/>
+              </a:rPr>
+              <a:t> 1;</a:t>
+            </a:r>
+          </a:p>
+          <a:p>
+            <a:pPr marL="0" indent="0">
+              <a:buNone/>
+            </a:pPr>
+            <a:r>
+              <a:rPr lang="en-US" sz="1200" dirty="0">
+                <a:latin typeface="Courier New" panose="02070309020205020404" pitchFamily="49" charset="0"/>
+                <a:cs typeface="Courier New" panose="02070309020205020404" pitchFamily="49" charset="0"/>
+              </a:rPr>
+              <a:t>  </a:t>
+            </a:r>
+            <a:r>
+              <a:rPr lang="en-US" sz="1200" dirty="0" err="1">
+                <a:latin typeface="Courier New" panose="02070309020205020404" pitchFamily="49" charset="0"/>
+                <a:cs typeface="Courier New" panose="02070309020205020404" pitchFamily="49" charset="0"/>
+              </a:rPr>
+              <a:t>res:updateStateEstimate</a:t>
+            </a:r>
+            <a:r>
+              <a:rPr lang="en-US" sz="1200" dirty="0">
+                <a:latin typeface="Courier New" panose="02070309020205020404" pitchFamily="49" charset="0"/>
+                <a:cs typeface="Courier New" panose="02070309020205020404" pitchFamily="49" charset="0"/>
+              </a:rPr>
+              <a:t>[</a:t>
+            </a:r>
+            <a:r>
+              <a:rPr lang="en-US" sz="1200" dirty="0" err="1">
+                <a:latin typeface="Courier New" panose="02070309020205020404" pitchFamily="49" charset="0"/>
+                <a:cs typeface="Courier New" panose="02070309020205020404" pitchFamily="49" charset="0"/>
+              </a:rPr>
+              <a:t>H;pP;R;spread</a:t>
+            </a:r>
+            <a:r>
+              <a:rPr lang="en-US" sz="1200" dirty="0">
+                <a:latin typeface="Courier New" panose="02070309020205020404" pitchFamily="49" charset="0"/>
+                <a:cs typeface="Courier New" panose="02070309020205020404" pitchFamily="49" charset="0"/>
+              </a:rPr>
+              <a:t>[</a:t>
+            </a:r>
+            <a:r>
+              <a:rPr lang="en-US" sz="1200" dirty="0" err="1">
+                <a:latin typeface="Courier New" panose="02070309020205020404" pitchFamily="49" charset="0"/>
+                <a:cs typeface="Courier New" panose="02070309020205020404" pitchFamily="49" charset="0"/>
+              </a:rPr>
+              <a:t>idx</a:t>
+            </a:r>
+            <a:r>
+              <a:rPr lang="en-US" sz="1200" dirty="0">
+                <a:latin typeface="Courier New" panose="02070309020205020404" pitchFamily="49" charset="0"/>
+                <a:cs typeface="Courier New" panose="02070309020205020404" pitchFamily="49" charset="0"/>
+              </a:rPr>
+              <a:t>];</a:t>
+            </a:r>
+            <a:r>
+              <a:rPr lang="en-US" sz="1200" dirty="0" err="1">
+                <a:latin typeface="Courier New" panose="02070309020205020404" pitchFamily="49" charset="0"/>
+                <a:cs typeface="Courier New" panose="02070309020205020404" pitchFamily="49" charset="0"/>
+              </a:rPr>
+              <a:t>ps</a:t>
+            </a:r>
+            <a:r>
+              <a:rPr lang="en-US" sz="1200" dirty="0">
+                <a:latin typeface="Courier New" panose="02070309020205020404" pitchFamily="49" charset="0"/>
+                <a:cs typeface="Courier New" panose="02070309020205020404" pitchFamily="49" charset="0"/>
+              </a:rPr>
+              <a:t>];</a:t>
+            </a:r>
+          </a:p>
+          <a:p>
+            <a:pPr marL="0" indent="0">
+              <a:buNone/>
+            </a:pPr>
+            <a:r>
+              <a:rPr lang="en-US" sz="1200" dirty="0">
+                <a:latin typeface="Courier New" panose="02070309020205020404" pitchFamily="49" charset="0"/>
+                <a:cs typeface="Courier New" panose="02070309020205020404" pitchFamily="49" charset="0"/>
+              </a:rPr>
+              <a:t>  G[;;</a:t>
+            </a:r>
+            <a:r>
+              <a:rPr lang="en-US" sz="1200" dirty="0" err="1">
+                <a:latin typeface="Courier New" panose="02070309020205020404" pitchFamily="49" charset="0"/>
+                <a:cs typeface="Courier New" panose="02070309020205020404" pitchFamily="49" charset="0"/>
+              </a:rPr>
+              <a:t>idx</a:t>
+            </a:r>
+            <a:r>
+              <a:rPr lang="en-US" sz="1200" dirty="0">
+                <a:latin typeface="Courier New" panose="02070309020205020404" pitchFamily="49" charset="0"/>
+                <a:cs typeface="Courier New" panose="02070309020205020404" pitchFamily="49" charset="0"/>
+              </a:rPr>
+              <a:t>]:res 0; </a:t>
+            </a:r>
+            <a:r>
+              <a:rPr lang="en-US" sz="1200" dirty="0" err="1">
+                <a:latin typeface="Courier New" panose="02070309020205020404" pitchFamily="49" charset="0"/>
+                <a:cs typeface="Courier New" panose="02070309020205020404" pitchFamily="49" charset="0"/>
+              </a:rPr>
+              <a:t>x_est</a:t>
+            </a:r>
+            <a:r>
+              <a:rPr lang="en-US" sz="1200" dirty="0">
+                <a:latin typeface="Courier New" panose="02070309020205020404" pitchFamily="49" charset="0"/>
+                <a:cs typeface="Courier New" panose="02070309020205020404" pitchFamily="49" charset="0"/>
+              </a:rPr>
+              <a:t>[;</a:t>
+            </a:r>
+            <a:r>
+              <a:rPr lang="en-US" sz="1200" dirty="0" err="1">
+                <a:latin typeface="Courier New" panose="02070309020205020404" pitchFamily="49" charset="0"/>
+                <a:cs typeface="Courier New" panose="02070309020205020404" pitchFamily="49" charset="0"/>
+              </a:rPr>
+              <a:t>idx</a:t>
+            </a:r>
+            <a:r>
+              <a:rPr lang="en-US" sz="1200" dirty="0">
+                <a:latin typeface="Courier New" panose="02070309020205020404" pitchFamily="49" charset="0"/>
+                <a:cs typeface="Courier New" panose="02070309020205020404" pitchFamily="49" charset="0"/>
+              </a:rPr>
+              <a:t>]:res 1; </a:t>
+            </a:r>
+            <a:r>
+              <a:rPr lang="en-US" sz="1200" dirty="0" err="1">
+                <a:latin typeface="Courier New" panose="02070309020205020404" pitchFamily="49" charset="0"/>
+                <a:cs typeface="Courier New" panose="02070309020205020404" pitchFamily="49" charset="0"/>
+              </a:rPr>
+              <a:t>P:res</a:t>
+            </a:r>
+            <a:r>
+              <a:rPr lang="en-US" sz="1200" dirty="0">
+                <a:latin typeface="Courier New" panose="02070309020205020404" pitchFamily="49" charset="0"/>
+                <a:cs typeface="Courier New" panose="02070309020205020404" pitchFamily="49" charset="0"/>
+              </a:rPr>
+              <a:t> 2;</a:t>
+            </a:r>
+          </a:p>
+          <a:p>
+            <a:pPr marL="0" indent="0">
+              <a:buNone/>
+            </a:pPr>
+            <a:r>
+              <a:rPr lang="en-US" sz="1200" dirty="0">
+                <a:latin typeface="Courier New" panose="02070309020205020404" pitchFamily="49" charset="0"/>
+                <a:cs typeface="Courier New" panose="02070309020205020404" pitchFamily="49" charset="0"/>
+              </a:rPr>
+              <a:t>  ];</a:t>
             </a:r>
           </a:p>
           <a:p>
@@ -11969,121 +12035,58 @@
               <a:buNone/>
             </a:pPr>
             <a:r>
+              <a:rPr lang="en-US" sz="1200" dirty="0" err="1">
+                <a:latin typeface="Courier New" panose="02070309020205020404" pitchFamily="49" charset="0"/>
+                <a:cs typeface="Courier New" panose="02070309020205020404" pitchFamily="49" charset="0"/>
+              </a:rPr>
+              <a:t>fx_out</a:t>
+            </a:r>
+            <a:r>
               <a:rPr lang="en-US" sz="1200" dirty="0">
                 <a:latin typeface="Courier New" panose="02070309020205020404" pitchFamily="49" charset="0"/>
                 <a:cs typeface="Courier New" panose="02070309020205020404" pitchFamily="49" charset="0"/>
               </a:rPr>
-              <a:t>  y:ms-$[H;ps];  / measurement residuals</a:t>
-            </a:r>
-          </a:p>
-          <a:p>
-            <a:pPr marL="0" indent="0">
-              <a:buNone/>
-            </a:pPr>
+              <a:t>:![0;fxrates],'flip `</a:t>
+            </a:r>
+            <a:r>
+              <a:rPr lang="en-US" sz="1200" dirty="0" err="1">
+                <a:latin typeface="Courier New" panose="02070309020205020404" pitchFamily="49" charset="0"/>
+                <a:cs typeface="Courier New" panose="02070309020205020404" pitchFamily="49" charset="0"/>
+              </a:rPr>
+              <a:t>spread`velocity!x_est</a:t>
+            </a:r>
             <a:r>
               <a:rPr lang="en-US" sz="1200" dirty="0">
                 <a:latin typeface="Courier New" panose="02070309020205020404" pitchFamily="49" charset="0"/>
                 <a:cs typeface="Courier New" panose="02070309020205020404" pitchFamily="49" charset="0"/>
               </a:rPr>
-              <a:t>  </a:t>
+              <a:t>;</a:t>
+            </a:r>
+          </a:p>
+          <a:p>
+            <a:pPr marL="0" indent="0">
+              <a:buNone/>
+            </a:pPr>
+            <a:r>
+              <a:rPr lang="en-US" sz="1200" dirty="0">
+                <a:latin typeface="Courier New" panose="02070309020205020404" pitchFamily="49" charset="0"/>
+                <a:cs typeface="Courier New" panose="02070309020205020404" pitchFamily="49" charset="0"/>
+              </a:rPr>
+              <a:t>save `:</a:t>
             </a:r>
             <a:r>
               <a:rPr lang="en-US" sz="1200" dirty="0" err="1">
                 <a:latin typeface="Courier New" panose="02070309020205020404" pitchFamily="49" charset="0"/>
                 <a:cs typeface="Courier New" panose="02070309020205020404" pitchFamily="49" charset="0"/>
               </a:rPr>
-              <a:t>es:ps</a:t>
+              <a:t>fx_out.csv</a:t>
             </a:r>
             <a:r>
               <a:rPr lang="en-US" sz="1200" dirty="0">
                 <a:latin typeface="Courier New" panose="02070309020205020404" pitchFamily="49" charset="0"/>
                 <a:cs typeface="Courier New" panose="02070309020205020404" pitchFamily="49" charset="0"/>
               </a:rPr>
-              <a:t>+$[</a:t>
-            </a:r>
-            <a:r>
-              <a:rPr lang="en-US" sz="1200" dirty="0" err="1">
-                <a:latin typeface="Courier New" panose="02070309020205020404" pitchFamily="49" charset="0"/>
-                <a:cs typeface="Courier New" panose="02070309020205020404" pitchFamily="49" charset="0"/>
-              </a:rPr>
-              <a:t>K;y</a:t>
-            </a:r>
-            <a:r>
-              <a:rPr lang="en-US" sz="1200" dirty="0">
-                <a:latin typeface="Courier New" panose="02070309020205020404" pitchFamily="49" charset="0"/>
-                <a:cs typeface="Courier New" panose="02070309020205020404" pitchFamily="49" charset="0"/>
-              </a:rPr>
-              <a:t>];  / new state </a:t>
-            </a:r>
-            <a:r>
-              <a:rPr lang="en-US" sz="1200" dirty="0" err="1">
-                <a:latin typeface="Courier New" panose="02070309020205020404" pitchFamily="49" charset="0"/>
-                <a:cs typeface="Courier New" panose="02070309020205020404" pitchFamily="49" charset="0"/>
-              </a:rPr>
-              <a:t>estimat</a:t>
-            </a:r>
-            <a:endParaRPr lang="en-US" sz="1200" dirty="0">
-              <a:latin typeface="Courier New" panose="02070309020205020404" pitchFamily="49" charset="0"/>
-              <a:cs typeface="Courier New" panose="02070309020205020404" pitchFamily="49" charset="0"/>
-            </a:endParaRPr>
-          </a:p>
-          <a:p>
-            <a:pPr marL="0" indent="0">
-              <a:buNone/>
-            </a:pPr>
-            <a:endParaRPr lang="en-US" sz="1200" dirty="0">
-              <a:latin typeface="Courier New" panose="02070309020205020404" pitchFamily="49" charset="0"/>
-              <a:cs typeface="Courier New" panose="02070309020205020404" pitchFamily="49" charset="0"/>
-            </a:endParaRPr>
-          </a:p>
-          <a:p>
-            <a:pPr marL="0" indent="0">
-              <a:buNone/>
-            </a:pPr>
-            <a:r>
-              <a:rPr lang="en-US" sz="1200" dirty="0">
-                <a:latin typeface="Courier New" panose="02070309020205020404" pitchFamily="49" charset="0"/>
-                <a:cs typeface="Courier New" panose="02070309020205020404" pitchFamily="49" charset="0"/>
-              </a:rPr>
-              <a:t>  P:$[I-$[K;H];pP];</a:t>
-            </a:r>
-          </a:p>
-          <a:p>
-            <a:pPr marL="0" indent="0">
-              <a:buNone/>
-            </a:pPr>
-            <a:r>
-              <a:rPr lang="en-US" sz="1200" dirty="0">
-                <a:latin typeface="Courier New" panose="02070309020205020404" pitchFamily="49" charset="0"/>
-                <a:cs typeface="Courier New" panose="02070309020205020404" pitchFamily="49" charset="0"/>
-              </a:rPr>
-              <a:t>  (</a:t>
-            </a:r>
-            <a:r>
-              <a:rPr lang="en-US" sz="1200" dirty="0" err="1">
-                <a:latin typeface="Courier New" panose="02070309020205020404" pitchFamily="49" charset="0"/>
-                <a:cs typeface="Courier New" panose="02070309020205020404" pitchFamily="49" charset="0"/>
-              </a:rPr>
-              <a:t>K;es;P</a:t>
-            </a:r>
-            <a:r>
-              <a:rPr lang="en-US" sz="1200" dirty="0">
-                <a:latin typeface="Courier New" panose="02070309020205020404" pitchFamily="49" charset="0"/>
-                <a:cs typeface="Courier New" panose="02070309020205020404" pitchFamily="49" charset="0"/>
-              </a:rPr>
-              <a:t>)</a:t>
-            </a:r>
-          </a:p>
-          <a:p>
-            <a:pPr marL="0" indent="0">
-              <a:buNone/>
-            </a:pPr>
-            <a:r>
-              <a:rPr lang="en-US" sz="1200" dirty="0">
-                <a:latin typeface="Courier New" panose="02070309020205020404" pitchFamily="49" charset="0"/>
-                <a:cs typeface="Courier New" panose="02070309020205020404" pitchFamily="49" charset="0"/>
-              </a:rPr>
-              <a:t>  };</a:t>
+              <a:t>;</a:t>
             </a:r>
           </a:p>
         </p:txBody>
@@ -12102,733 +12105,6 @@
 </file>
 
 <file path=ppt/slides/slide17.xml><?xml version="1.0" encoding="utf-8"?>
-<p:sld xmlns:a="http://schemas.openxmlformats.org/drawingml/2006/main" xmlns:r="http://schemas.openxmlformats.org/officeDocument/2006/relationships" xmlns:p="http://schemas.openxmlformats.org/presentationml/2006/main">
-  <p:cSld>
-    <p:spTree>
-      <p:nvGrpSpPr>
-        <p:cNvPr id="1" name="">
-          <a:extLst>
-            <a:ext uri="{FF2B5EF4-FFF2-40B4-BE49-F238E27FC236}">
-              <a16:creationId xmlns:a16="http://schemas.microsoft.com/office/drawing/2014/main" id="{A5B602AE-3B46-7282-B3AC-50065CC620EA}"/>
-            </a:ext>
-          </a:extLst>
-        </p:cNvPr>
-        <p:cNvGrpSpPr/>
-        <p:nvPr/>
-      </p:nvGrpSpPr>
-      <p:grpSpPr>
-        <a:xfrm>
-          <a:off x="0" y="0"/>
-          <a:ext cx="0" cy="0"/>
-          <a:chOff x="0" y="0"/>
-          <a:chExt cx="0" cy="0"/>
-        </a:xfrm>
-      </p:grpSpPr>
-      <p:sp>
-        <p:nvSpPr>
-          <p:cNvPr id="2" name="Title 1">
-            <a:extLst>
-              <a:ext uri="{FF2B5EF4-FFF2-40B4-BE49-F238E27FC236}">
-                <a16:creationId xmlns:a16="http://schemas.microsoft.com/office/drawing/2014/main" id="{F0CE6DCA-1AB5-21B2-2CCC-B975B6B50268}"/>
-              </a:ext>
-            </a:extLst>
-          </p:cNvPr>
-          <p:cNvSpPr>
-            <a:spLocks noGrp="1"/>
-          </p:cNvSpPr>
-          <p:nvPr>
-            <p:ph type="title"/>
-          </p:nvPr>
-        </p:nvSpPr>
-        <p:spPr/>
-        <p:txBody>
-          <a:bodyPr/>
-          <a:lstStyle/>
-          <a:p>
-            <a:r>
-              <a:rPr lang="en-US" dirty="0"/>
-              <a:t>q/KDB+ Code</a:t>
-            </a:r>
-          </a:p>
-        </p:txBody>
-      </p:sp>
-      <p:sp>
-        <p:nvSpPr>
-          <p:cNvPr id="3" name="Content Placeholder 2">
-            <a:extLst>
-              <a:ext uri="{FF2B5EF4-FFF2-40B4-BE49-F238E27FC236}">
-                <a16:creationId xmlns:a16="http://schemas.microsoft.com/office/drawing/2014/main" id="{5B057E8E-46F6-CD65-965D-89B46CCB098D}"/>
-              </a:ext>
-            </a:extLst>
-          </p:cNvPr>
-          <p:cNvSpPr>
-            <a:spLocks noGrp="1"/>
-          </p:cNvSpPr>
-          <p:nvPr>
-            <p:ph sz="half" idx="1"/>
-          </p:nvPr>
-        </p:nvSpPr>
-        <p:spPr/>
-        <p:txBody>
-          <a:bodyPr>
-            <a:noAutofit/>
-          </a:bodyPr>
-          <a:lstStyle/>
-          <a:p>
-            <a:pPr marL="0" indent="0">
-              <a:buNone/>
-            </a:pPr>
-            <a:r>
-              <a:rPr lang="en-US" sz="1200" dirty="0">
-                <a:latin typeface="Courier New" panose="02070309020205020404" pitchFamily="49" charset="0"/>
-                <a:cs typeface="Courier New" panose="02070309020205020404" pitchFamily="49" charset="0"/>
-              </a:rPr>
-              <a:t>// Run the Kalman Filter</a:t>
-            </a:r>
-          </a:p>
-          <a:p>
-            <a:pPr marL="0" indent="0">
-              <a:buNone/>
-            </a:pPr>
-            <a:r>
-              <a:rPr lang="en-US" sz="1200" dirty="0">
-                <a:latin typeface="Courier New" panose="02070309020205020404" pitchFamily="49" charset="0"/>
-                <a:cs typeface="Courier New" panose="02070309020205020404" pitchFamily="49" charset="0"/>
-              </a:rPr>
-              <a:t>idx:0;</a:t>
-            </a:r>
-          </a:p>
-          <a:p>
-            <a:pPr marL="0" indent="0">
-              <a:buNone/>
-            </a:pPr>
-            <a:r>
-              <a:rPr lang="en-US" sz="1200" dirty="0">
-                <a:latin typeface="Courier New" panose="02070309020205020404" pitchFamily="49" charset="0"/>
-                <a:cs typeface="Courier New" panose="02070309020205020404" pitchFamily="49" charset="0"/>
-              </a:rPr>
-              <a:t>res:();</a:t>
-            </a:r>
-          </a:p>
-          <a:p>
-            <a:pPr marL="0" indent="0">
-              <a:buNone/>
-            </a:pPr>
-            <a:r>
-              <a:rPr lang="en-US" sz="1200" dirty="0" err="1">
-                <a:latin typeface="Courier New" panose="02070309020205020404" pitchFamily="49" charset="0"/>
-                <a:cs typeface="Courier New" panose="02070309020205020404" pitchFamily="49" charset="0"/>
-              </a:rPr>
-              <a:t>ps</a:t>
-            </a:r>
-            <a:r>
-              <a:rPr lang="en-US" sz="1200" dirty="0">
-                <a:latin typeface="Courier New" panose="02070309020205020404" pitchFamily="49" charset="0"/>
-                <a:cs typeface="Courier New" panose="02070309020205020404" pitchFamily="49" charset="0"/>
-              </a:rPr>
-              <a:t>:(); </a:t>
-            </a:r>
-            <a:r>
-              <a:rPr lang="en-US" sz="1200" dirty="0" err="1">
-                <a:latin typeface="Courier New" panose="02070309020205020404" pitchFamily="49" charset="0"/>
-                <a:cs typeface="Courier New" panose="02070309020205020404" pitchFamily="49" charset="0"/>
-              </a:rPr>
-              <a:t>pP</a:t>
-            </a:r>
-            <a:r>
-              <a:rPr lang="en-US" sz="1200" dirty="0">
-                <a:latin typeface="Courier New" panose="02070309020205020404" pitchFamily="49" charset="0"/>
-                <a:cs typeface="Courier New" panose="02070309020205020404" pitchFamily="49" charset="0"/>
-              </a:rPr>
-              <a:t>:();</a:t>
-            </a:r>
-          </a:p>
-          <a:p>
-            <a:pPr marL="0" indent="0">
-              <a:buNone/>
-            </a:pPr>
-            <a:r>
-              <a:rPr lang="en-US" sz="1200" dirty="0">
-                <a:latin typeface="Courier New" panose="02070309020205020404" pitchFamily="49" charset="0"/>
-                <a:cs typeface="Courier New" panose="02070309020205020404" pitchFamily="49" charset="0"/>
-              </a:rPr>
-              <a:t>es:(); </a:t>
-            </a:r>
-            <a:r>
-              <a:rPr lang="en-US" sz="1200" dirty="0" err="1">
-                <a:latin typeface="Courier New" panose="02070309020205020404" pitchFamily="49" charset="0"/>
-                <a:cs typeface="Courier New" panose="02070309020205020404" pitchFamily="49" charset="0"/>
-              </a:rPr>
-              <a:t>cP</a:t>
-            </a:r>
-            <a:r>
-              <a:rPr lang="en-US" sz="1200" dirty="0">
-                <a:latin typeface="Courier New" panose="02070309020205020404" pitchFamily="49" charset="0"/>
-                <a:cs typeface="Courier New" panose="02070309020205020404" pitchFamily="49" charset="0"/>
-              </a:rPr>
-              <a:t>:();</a:t>
-            </a:r>
-          </a:p>
-          <a:p>
-            <a:pPr marL="0" indent="0">
-              <a:buNone/>
-            </a:pPr>
-            <a:r>
-              <a:rPr lang="en-US" sz="1200" dirty="0">
-                <a:latin typeface="Courier New" panose="02070309020205020404" pitchFamily="49" charset="0"/>
-                <a:cs typeface="Courier New" panose="02070309020205020404" pitchFamily="49" charset="0"/>
-              </a:rPr>
-              <a:t>while[</a:t>
-            </a:r>
-            <a:r>
-              <a:rPr lang="en-US" sz="1200" dirty="0" err="1">
-                <a:latin typeface="Courier New" panose="02070309020205020404" pitchFamily="49" charset="0"/>
-                <a:cs typeface="Courier New" panose="02070309020205020404" pitchFamily="49" charset="0"/>
-              </a:rPr>
-              <a:t>idx</a:t>
-            </a:r>
-            <a:r>
-              <a:rPr lang="en-US" sz="1200" dirty="0">
-                <a:latin typeface="Courier New" panose="02070309020205020404" pitchFamily="49" charset="0"/>
-                <a:cs typeface="Courier New" panose="02070309020205020404" pitchFamily="49" charset="0"/>
-              </a:rPr>
-              <a:t>&lt;-1+count times;</a:t>
-            </a:r>
-          </a:p>
-          <a:p>
-            <a:pPr marL="0" indent="0">
-              <a:buNone/>
-            </a:pPr>
-            <a:r>
-              <a:rPr lang="en-US" sz="1200" dirty="0" err="1">
-                <a:latin typeface="Courier New" panose="02070309020205020404" pitchFamily="49" charset="0"/>
-                <a:cs typeface="Courier New" panose="02070309020205020404" pitchFamily="49" charset="0"/>
-              </a:rPr>
-              <a:t>idx</a:t>
-            </a:r>
-            <a:r>
-              <a:rPr lang="en-US" sz="1200" dirty="0">
-                <a:latin typeface="Courier New" panose="02070309020205020404" pitchFamily="49" charset="0"/>
-                <a:cs typeface="Courier New" panose="02070309020205020404" pitchFamily="49" charset="0"/>
-              </a:rPr>
-              <a:t>+:1;</a:t>
-            </a:r>
-          </a:p>
-          <a:p>
-            <a:pPr marL="0" indent="0">
-              <a:buNone/>
-            </a:pPr>
-            <a:r>
-              <a:rPr lang="en-US" sz="1200" dirty="0">
-                <a:latin typeface="Courier New" panose="02070309020205020404" pitchFamily="49" charset="0"/>
-                <a:cs typeface="Courier New" panose="02070309020205020404" pitchFamily="49" charset="0"/>
-              </a:rPr>
-              <a:t>  </a:t>
-            </a:r>
-            <a:r>
-              <a:rPr lang="en-US" sz="1200" dirty="0" err="1">
-                <a:latin typeface="Courier New" panose="02070309020205020404" pitchFamily="49" charset="0"/>
-                <a:cs typeface="Courier New" panose="02070309020205020404" pitchFamily="49" charset="0"/>
-              </a:rPr>
-              <a:t>res:predictState</a:t>
-            </a:r>
-            <a:r>
-              <a:rPr lang="en-US" sz="1200" dirty="0">
-                <a:latin typeface="Courier New" panose="02070309020205020404" pitchFamily="49" charset="0"/>
-                <a:cs typeface="Courier New" panose="02070309020205020404" pitchFamily="49" charset="0"/>
-              </a:rPr>
-              <a:t>[</a:t>
-            </a:r>
-            <a:r>
-              <a:rPr lang="en-US" sz="1200" dirty="0" err="1">
-                <a:latin typeface="Courier New" panose="02070309020205020404" pitchFamily="49" charset="0"/>
-                <a:cs typeface="Courier New" panose="02070309020205020404" pitchFamily="49" charset="0"/>
-              </a:rPr>
-              <a:t>F;x_est</a:t>
-            </a:r>
-            <a:r>
-              <a:rPr lang="en-US" sz="1200" dirty="0">
-                <a:latin typeface="Courier New" panose="02070309020205020404" pitchFamily="49" charset="0"/>
-                <a:cs typeface="Courier New" panose="02070309020205020404" pitchFamily="49" charset="0"/>
-              </a:rPr>
-              <a:t>[;idx-1];P;Q];</a:t>
-            </a:r>
-          </a:p>
-          <a:p>
-            <a:pPr marL="0" indent="0">
-              <a:buNone/>
-            </a:pPr>
-            <a:r>
-              <a:rPr lang="en-US" sz="1200" dirty="0">
-                <a:latin typeface="Courier New" panose="02070309020205020404" pitchFamily="49" charset="0"/>
-                <a:cs typeface="Courier New" panose="02070309020205020404" pitchFamily="49" charset="0"/>
-              </a:rPr>
-              <a:t>  </a:t>
-            </a:r>
-            <a:r>
-              <a:rPr lang="en-US" sz="1200" dirty="0" err="1">
-                <a:latin typeface="Courier New" panose="02070309020205020404" pitchFamily="49" charset="0"/>
-                <a:cs typeface="Courier New" panose="02070309020205020404" pitchFamily="49" charset="0"/>
-              </a:rPr>
-              <a:t>ps:res</a:t>
-            </a:r>
-            <a:r>
-              <a:rPr lang="en-US" sz="1200" dirty="0">
-                <a:latin typeface="Courier New" panose="02070309020205020404" pitchFamily="49" charset="0"/>
-                <a:cs typeface="Courier New" panose="02070309020205020404" pitchFamily="49" charset="0"/>
-              </a:rPr>
-              <a:t> 0; </a:t>
-            </a:r>
-            <a:r>
-              <a:rPr lang="en-US" sz="1200" dirty="0" err="1">
-                <a:latin typeface="Courier New" panose="02070309020205020404" pitchFamily="49" charset="0"/>
-                <a:cs typeface="Courier New" panose="02070309020205020404" pitchFamily="49" charset="0"/>
-              </a:rPr>
-              <a:t>pP:P:res</a:t>
-            </a:r>
-            <a:r>
-              <a:rPr lang="en-US" sz="1200" dirty="0">
-                <a:latin typeface="Courier New" panose="02070309020205020404" pitchFamily="49" charset="0"/>
-                <a:cs typeface="Courier New" panose="02070309020205020404" pitchFamily="49" charset="0"/>
-              </a:rPr>
-              <a:t> 1;</a:t>
-            </a:r>
-          </a:p>
-          <a:p>
-            <a:pPr marL="0" indent="0">
-              <a:buNone/>
-            </a:pPr>
-            <a:r>
-              <a:rPr lang="en-US" sz="1200" dirty="0">
-                <a:latin typeface="Courier New" panose="02070309020205020404" pitchFamily="49" charset="0"/>
-                <a:cs typeface="Courier New" panose="02070309020205020404" pitchFamily="49" charset="0"/>
-              </a:rPr>
-              <a:t>  </a:t>
-            </a:r>
-            <a:r>
-              <a:rPr lang="en-US" sz="1200" dirty="0" err="1">
-                <a:latin typeface="Courier New" panose="02070309020205020404" pitchFamily="49" charset="0"/>
-                <a:cs typeface="Courier New" panose="02070309020205020404" pitchFamily="49" charset="0"/>
-              </a:rPr>
-              <a:t>res:updateStateEstimate</a:t>
-            </a:r>
-            <a:r>
-              <a:rPr lang="en-US" sz="1200" dirty="0">
-                <a:latin typeface="Courier New" panose="02070309020205020404" pitchFamily="49" charset="0"/>
-                <a:cs typeface="Courier New" panose="02070309020205020404" pitchFamily="49" charset="0"/>
-              </a:rPr>
-              <a:t>[</a:t>
-            </a:r>
-            <a:r>
-              <a:rPr lang="en-US" sz="1200" dirty="0" err="1">
-                <a:latin typeface="Courier New" panose="02070309020205020404" pitchFamily="49" charset="0"/>
-                <a:cs typeface="Courier New" panose="02070309020205020404" pitchFamily="49" charset="0"/>
-              </a:rPr>
-              <a:t>H;pP;R;meas_traj</a:t>
-            </a:r>
-            <a:r>
-              <a:rPr lang="en-US" sz="1200" dirty="0">
-                <a:latin typeface="Courier New" panose="02070309020205020404" pitchFamily="49" charset="0"/>
-                <a:cs typeface="Courier New" panose="02070309020205020404" pitchFamily="49" charset="0"/>
-              </a:rPr>
-              <a:t>[;</a:t>
-            </a:r>
-            <a:r>
-              <a:rPr lang="en-US" sz="1200" dirty="0" err="1">
-                <a:latin typeface="Courier New" panose="02070309020205020404" pitchFamily="49" charset="0"/>
-                <a:cs typeface="Courier New" panose="02070309020205020404" pitchFamily="49" charset="0"/>
-              </a:rPr>
-              <a:t>idx</a:t>
-            </a:r>
-            <a:r>
-              <a:rPr lang="en-US" sz="1200" dirty="0">
-                <a:latin typeface="Courier New" panose="02070309020205020404" pitchFamily="49" charset="0"/>
-                <a:cs typeface="Courier New" panose="02070309020205020404" pitchFamily="49" charset="0"/>
-              </a:rPr>
-              <a:t>];</a:t>
-            </a:r>
-            <a:r>
-              <a:rPr lang="en-US" sz="1200" dirty="0" err="1">
-                <a:latin typeface="Courier New" panose="02070309020205020404" pitchFamily="49" charset="0"/>
-                <a:cs typeface="Courier New" panose="02070309020205020404" pitchFamily="49" charset="0"/>
-              </a:rPr>
-              <a:t>ps</a:t>
-            </a:r>
-            <a:r>
-              <a:rPr lang="en-US" sz="1200" dirty="0">
-                <a:latin typeface="Courier New" panose="02070309020205020404" pitchFamily="49" charset="0"/>
-                <a:cs typeface="Courier New" panose="02070309020205020404" pitchFamily="49" charset="0"/>
-              </a:rPr>
-              <a:t>];</a:t>
-            </a:r>
-          </a:p>
-          <a:p>
-            <a:pPr marL="0" indent="0">
-              <a:buNone/>
-            </a:pPr>
-            <a:r>
-              <a:rPr lang="en-US" sz="1200" dirty="0">
-                <a:latin typeface="Courier New" panose="02070309020205020404" pitchFamily="49" charset="0"/>
-                <a:cs typeface="Courier New" panose="02070309020205020404" pitchFamily="49" charset="0"/>
-              </a:rPr>
-              <a:t>  G[;;</a:t>
-            </a:r>
-            <a:r>
-              <a:rPr lang="en-US" sz="1200" dirty="0" err="1">
-                <a:latin typeface="Courier New" panose="02070309020205020404" pitchFamily="49" charset="0"/>
-                <a:cs typeface="Courier New" panose="02070309020205020404" pitchFamily="49" charset="0"/>
-              </a:rPr>
-              <a:t>idx</a:t>
-            </a:r>
-            <a:r>
-              <a:rPr lang="en-US" sz="1200" dirty="0">
-                <a:latin typeface="Courier New" panose="02070309020205020404" pitchFamily="49" charset="0"/>
-                <a:cs typeface="Courier New" panose="02070309020205020404" pitchFamily="49" charset="0"/>
-              </a:rPr>
-              <a:t>]:res 0; </a:t>
-            </a:r>
-            <a:r>
-              <a:rPr lang="en-US" sz="1200" dirty="0" err="1">
-                <a:latin typeface="Courier New" panose="02070309020205020404" pitchFamily="49" charset="0"/>
-                <a:cs typeface="Courier New" panose="02070309020205020404" pitchFamily="49" charset="0"/>
-              </a:rPr>
-              <a:t>x_est</a:t>
-            </a:r>
-            <a:r>
-              <a:rPr lang="en-US" sz="1200" dirty="0">
-                <a:latin typeface="Courier New" panose="02070309020205020404" pitchFamily="49" charset="0"/>
-                <a:cs typeface="Courier New" panose="02070309020205020404" pitchFamily="49" charset="0"/>
-              </a:rPr>
-              <a:t>[;</a:t>
-            </a:r>
-            <a:r>
-              <a:rPr lang="en-US" sz="1200" dirty="0" err="1">
-                <a:latin typeface="Courier New" panose="02070309020205020404" pitchFamily="49" charset="0"/>
-                <a:cs typeface="Courier New" panose="02070309020205020404" pitchFamily="49" charset="0"/>
-              </a:rPr>
-              <a:t>idx</a:t>
-            </a:r>
-            <a:r>
-              <a:rPr lang="en-US" sz="1200" dirty="0">
-                <a:latin typeface="Courier New" panose="02070309020205020404" pitchFamily="49" charset="0"/>
-                <a:cs typeface="Courier New" panose="02070309020205020404" pitchFamily="49" charset="0"/>
-              </a:rPr>
-              <a:t>]:res 1; P:res 2;</a:t>
-            </a:r>
-          </a:p>
-          <a:p>
-            <a:pPr marL="0" indent="0">
-              <a:buNone/>
-            </a:pPr>
-            <a:r>
-              <a:rPr lang="en-US" sz="1200" dirty="0">
-                <a:latin typeface="Courier New" panose="02070309020205020404" pitchFamily="49" charset="0"/>
-                <a:cs typeface="Courier New" panose="02070309020205020404" pitchFamily="49" charset="0"/>
-              </a:rPr>
-              <a:t>  ];</a:t>
-            </a:r>
-          </a:p>
-          <a:p>
-            <a:pPr marL="0" indent="0">
-              <a:buNone/>
-            </a:pPr>
-            <a:endParaRPr lang="en-US" sz="1200" dirty="0">
-              <a:latin typeface="Courier New" panose="02070309020205020404" pitchFamily="49" charset="0"/>
-              <a:cs typeface="Courier New" panose="02070309020205020404" pitchFamily="49" charset="0"/>
-            </a:endParaRPr>
-          </a:p>
-        </p:txBody>
-      </p:sp>
-      <p:sp>
-        <p:nvSpPr>
-          <p:cNvPr id="4" name="Content Placeholder 3">
-            <a:extLst>
-              <a:ext uri="{FF2B5EF4-FFF2-40B4-BE49-F238E27FC236}">
-                <a16:creationId xmlns:a16="http://schemas.microsoft.com/office/drawing/2014/main" id="{4ADB74D9-A304-7D73-ACAF-D373659960DC}"/>
-              </a:ext>
-            </a:extLst>
-          </p:cNvPr>
-          <p:cNvSpPr>
-            <a:spLocks noGrp="1"/>
-          </p:cNvSpPr>
-          <p:nvPr>
-            <p:ph sz="half" idx="2"/>
-          </p:nvPr>
-        </p:nvSpPr>
-        <p:spPr/>
-        <p:txBody>
-          <a:bodyPr>
-            <a:noAutofit/>
-          </a:bodyPr>
-          <a:lstStyle/>
-          <a:p>
-            <a:pPr marL="0" indent="0">
-              <a:buNone/>
-            </a:pPr>
-            <a:r>
-              <a:rPr lang="en-US" sz="1200" dirty="0">
-                <a:latin typeface="Courier New" panose="02070309020205020404" pitchFamily="49" charset="0"/>
-                <a:cs typeface="Courier New" panose="02070309020205020404" pitchFamily="49" charset="0"/>
-              </a:rPr>
-              <a:t>// Create table(s) for visualization</a:t>
-            </a:r>
-          </a:p>
-          <a:p>
-            <a:pPr marL="0" indent="0">
-              <a:buNone/>
-            </a:pPr>
-            <a:r>
-              <a:rPr lang="en-US" sz="1200" dirty="0" err="1">
-                <a:latin typeface="Courier New" panose="02070309020205020404" pitchFamily="49" charset="0"/>
-                <a:cs typeface="Courier New" panose="02070309020205020404" pitchFamily="49" charset="0"/>
-              </a:rPr>
-              <a:t>tms:flip</a:t>
-            </a:r>
-            <a:r>
-              <a:rPr lang="en-US" sz="1200" dirty="0">
-                <a:latin typeface="Courier New" panose="02070309020205020404" pitchFamily="49" charset="0"/>
-                <a:cs typeface="Courier New" panose="02070309020205020404" pitchFamily="49" charset="0"/>
-              </a:rPr>
-              <a:t> ![enlist `</a:t>
-            </a:r>
-            <a:r>
-              <a:rPr lang="en-US" sz="1200" dirty="0" err="1">
-                <a:latin typeface="Courier New" panose="02070309020205020404" pitchFamily="49" charset="0"/>
-                <a:cs typeface="Courier New" panose="02070309020205020404" pitchFamily="49" charset="0"/>
-              </a:rPr>
-              <a:t>time;enlist</a:t>
-            </a:r>
-            <a:r>
-              <a:rPr lang="en-US" sz="1200" dirty="0">
-                <a:latin typeface="Courier New" panose="02070309020205020404" pitchFamily="49" charset="0"/>
-                <a:cs typeface="Courier New" panose="02070309020205020404" pitchFamily="49" charset="0"/>
-              </a:rPr>
-              <a:t> times];</a:t>
-            </a:r>
-          </a:p>
-          <a:p>
-            <a:pPr marL="0" indent="0">
-              <a:buNone/>
-            </a:pPr>
-            <a:r>
-              <a:rPr lang="en-US" sz="1200" dirty="0" err="1">
-                <a:latin typeface="Courier New" panose="02070309020205020404" pitchFamily="49" charset="0"/>
-                <a:cs typeface="Courier New" panose="02070309020205020404" pitchFamily="49" charset="0"/>
-              </a:rPr>
-              <a:t>est:flip</a:t>
-            </a:r>
-            <a:r>
-              <a:rPr lang="en-US" sz="1200" dirty="0">
-                <a:latin typeface="Courier New" panose="02070309020205020404" pitchFamily="49" charset="0"/>
-                <a:cs typeface="Courier New" panose="02070309020205020404" pitchFamily="49" charset="0"/>
-              </a:rPr>
-              <a:t> ![`</a:t>
-            </a:r>
-            <a:r>
-              <a:rPr lang="en-US" sz="1200" dirty="0" err="1">
-                <a:latin typeface="Courier New" panose="02070309020205020404" pitchFamily="49" charset="0"/>
-                <a:cs typeface="Courier New" panose="02070309020205020404" pitchFamily="49" charset="0"/>
-              </a:rPr>
-              <a:t>x`y`xv`yv;x_est</a:t>
-            </a:r>
-            <a:r>
-              <a:rPr lang="en-US" sz="1200" dirty="0">
-                <a:latin typeface="Courier New" panose="02070309020205020404" pitchFamily="49" charset="0"/>
-                <a:cs typeface="Courier New" panose="02070309020205020404" pitchFamily="49" charset="0"/>
-              </a:rPr>
-              <a:t>];</a:t>
-            </a:r>
-          </a:p>
-          <a:p>
-            <a:pPr marL="0" indent="0">
-              <a:buNone/>
-            </a:pPr>
-            <a:r>
-              <a:rPr lang="en-US" sz="1200" dirty="0" err="1">
-                <a:latin typeface="Courier New" panose="02070309020205020404" pitchFamily="49" charset="0"/>
-                <a:cs typeface="Courier New" panose="02070309020205020404" pitchFamily="49" charset="0"/>
-              </a:rPr>
-              <a:t>true:flip</a:t>
-            </a:r>
-            <a:r>
-              <a:rPr lang="en-US" sz="1200" dirty="0">
-                <a:latin typeface="Courier New" panose="02070309020205020404" pitchFamily="49" charset="0"/>
-                <a:cs typeface="Courier New" panose="02070309020205020404" pitchFamily="49" charset="0"/>
-              </a:rPr>
-              <a:t> `</a:t>
-            </a:r>
-            <a:r>
-              <a:rPr lang="en-US" sz="1200" dirty="0" err="1">
-                <a:latin typeface="Courier New" panose="02070309020205020404" pitchFamily="49" charset="0"/>
-                <a:cs typeface="Courier New" panose="02070309020205020404" pitchFamily="49" charset="0"/>
-              </a:rPr>
-              <a:t>truex`truey`truexv`trueyv!true_traj</a:t>
-            </a:r>
-            <a:r>
-              <a:rPr lang="en-US" sz="1200" dirty="0">
-                <a:latin typeface="Courier New" panose="02070309020205020404" pitchFamily="49" charset="0"/>
-                <a:cs typeface="Courier New" panose="02070309020205020404" pitchFamily="49" charset="0"/>
-              </a:rPr>
-              <a:t>;</a:t>
-            </a:r>
-          </a:p>
-          <a:p>
-            <a:pPr marL="0" indent="0">
-              <a:buNone/>
-            </a:pPr>
-            <a:r>
-              <a:rPr lang="en-US" sz="1200" dirty="0" err="1">
-                <a:latin typeface="Courier New" panose="02070309020205020404" pitchFamily="49" charset="0"/>
-                <a:cs typeface="Courier New" panose="02070309020205020404" pitchFamily="49" charset="0"/>
-              </a:rPr>
-              <a:t>meas:flip</a:t>
-            </a:r>
-            <a:r>
-              <a:rPr lang="en-US" sz="1200" dirty="0">
-                <a:latin typeface="Courier New" panose="02070309020205020404" pitchFamily="49" charset="0"/>
-                <a:cs typeface="Courier New" panose="02070309020205020404" pitchFamily="49" charset="0"/>
-              </a:rPr>
-              <a:t> `</a:t>
-            </a:r>
-            <a:r>
-              <a:rPr lang="en-US" sz="1200" dirty="0" err="1">
-                <a:latin typeface="Courier New" panose="02070309020205020404" pitchFamily="49" charset="0"/>
-                <a:cs typeface="Courier New" panose="02070309020205020404" pitchFamily="49" charset="0"/>
-              </a:rPr>
-              <a:t>measx`measy`measxv`measyv!meas_traj</a:t>
-            </a:r>
-            <a:r>
-              <a:rPr lang="en-US" sz="1200" dirty="0">
-                <a:latin typeface="Courier New" panose="02070309020205020404" pitchFamily="49" charset="0"/>
-                <a:cs typeface="Courier New" panose="02070309020205020404" pitchFamily="49" charset="0"/>
-              </a:rPr>
-              <a:t>;</a:t>
-            </a:r>
-          </a:p>
-          <a:p>
-            <a:pPr marL="0" indent="0">
-              <a:buNone/>
-            </a:pPr>
-            <a:r>
-              <a:rPr lang="en-US" sz="1200" dirty="0" err="1">
-                <a:latin typeface="Courier New" panose="02070309020205020404" pitchFamily="49" charset="0"/>
-                <a:cs typeface="Courier New" panose="02070309020205020404" pitchFamily="49" charset="0"/>
-              </a:rPr>
-              <a:t>kgains:flip</a:t>
-            </a:r>
-            <a:r>
-              <a:rPr lang="en-US" sz="1200" dirty="0">
-                <a:latin typeface="Courier New" panose="02070309020205020404" pitchFamily="49" charset="0"/>
-                <a:cs typeface="Courier New" panose="02070309020205020404" pitchFamily="49" charset="0"/>
-              </a:rPr>
-              <a:t> `</a:t>
-            </a:r>
-            <a:r>
-              <a:rPr lang="en-US" sz="1200" dirty="0" err="1">
-                <a:latin typeface="Courier New" panose="02070309020205020404" pitchFamily="49" charset="0"/>
-                <a:cs typeface="Courier New" panose="02070309020205020404" pitchFamily="49" charset="0"/>
-              </a:rPr>
-              <a:t>gainx`gainy`gainxv`gainyv</a:t>
-            </a:r>
-            <a:r>
-              <a:rPr lang="en-US" sz="1200" dirty="0">
-                <a:latin typeface="Courier New" panose="02070309020205020404" pitchFamily="49" charset="0"/>
-                <a:cs typeface="Courier New" panose="02070309020205020404" pitchFamily="49" charset="0"/>
-              </a:rPr>
-              <a:t>!{G[</a:t>
-            </a:r>
-            <a:r>
-              <a:rPr lang="en-US" sz="1200" dirty="0" err="1">
-                <a:latin typeface="Courier New" panose="02070309020205020404" pitchFamily="49" charset="0"/>
-                <a:cs typeface="Courier New" panose="02070309020205020404" pitchFamily="49" charset="0"/>
-              </a:rPr>
-              <a:t>x;x</a:t>
-            </a:r>
-            <a:r>
-              <a:rPr lang="en-US" sz="1200" dirty="0">
-                <a:latin typeface="Courier New" panose="02070309020205020404" pitchFamily="49" charset="0"/>
-                <a:cs typeface="Courier New" panose="02070309020205020404" pitchFamily="49" charset="0"/>
-              </a:rPr>
-              <a:t>;::]} each </a:t>
-            </a:r>
-            <a:r>
-              <a:rPr lang="en-US" sz="1200" dirty="0" err="1">
-                <a:latin typeface="Courier New" panose="02070309020205020404" pitchFamily="49" charset="0"/>
-                <a:cs typeface="Courier New" panose="02070309020205020404" pitchFamily="49" charset="0"/>
-              </a:rPr>
-              <a:t>til</a:t>
-            </a:r>
-            <a:r>
-              <a:rPr lang="en-US" sz="1200" dirty="0">
-                <a:latin typeface="Courier New" panose="02070309020205020404" pitchFamily="49" charset="0"/>
-                <a:cs typeface="Courier New" panose="02070309020205020404" pitchFamily="49" charset="0"/>
-              </a:rPr>
-              <a:t> 4;</a:t>
-            </a:r>
-          </a:p>
-          <a:p>
-            <a:pPr marL="0" indent="0">
-              <a:buNone/>
-            </a:pPr>
-            <a:r>
-              <a:rPr lang="en-US" sz="1200" dirty="0">
-                <a:latin typeface="Courier New" panose="02070309020205020404" pitchFamily="49" charset="0"/>
-                <a:cs typeface="Courier New" panose="02070309020205020404" pitchFamily="49" charset="0"/>
-              </a:rPr>
-              <a:t>data:(,')over(</a:t>
-            </a:r>
-            <a:r>
-              <a:rPr lang="en-US" sz="1200" dirty="0" err="1">
-                <a:latin typeface="Courier New" panose="02070309020205020404" pitchFamily="49" charset="0"/>
-                <a:cs typeface="Courier New" panose="02070309020205020404" pitchFamily="49" charset="0"/>
-              </a:rPr>
-              <a:t>tms;est;true;meas;kgains</a:t>
-            </a:r>
-            <a:r>
-              <a:rPr lang="en-US" sz="1200" dirty="0">
-                <a:latin typeface="Courier New" panose="02070309020205020404" pitchFamily="49" charset="0"/>
-                <a:cs typeface="Courier New" panose="02070309020205020404" pitchFamily="49" charset="0"/>
-              </a:rPr>
-              <a:t>);</a:t>
-            </a:r>
-          </a:p>
-          <a:p>
-            <a:pPr marL="0" indent="0">
-              <a:buNone/>
-            </a:pPr>
-            <a:r>
-              <a:rPr lang="en-US" sz="1200" dirty="0">
-                <a:latin typeface="Courier New" panose="02070309020205020404" pitchFamily="49" charset="0"/>
-                <a:cs typeface="Courier New" panose="02070309020205020404" pitchFamily="49" charset="0"/>
-              </a:rPr>
-              <a:t>save `:./data.csv;</a:t>
-            </a:r>
-          </a:p>
-          <a:p>
-            <a:pPr marL="0" indent="0">
-              <a:buNone/>
-            </a:pPr>
-            <a:endParaRPr lang="en-US" sz="1200" dirty="0">
-              <a:latin typeface="Courier New" panose="02070309020205020404" pitchFamily="49" charset="0"/>
-              <a:cs typeface="Courier New" panose="02070309020205020404" pitchFamily="49" charset="0"/>
-            </a:endParaRPr>
-          </a:p>
-        </p:txBody>
-      </p:sp>
-    </p:spTree>
-    <p:extLst>
-      <p:ext uri="{BB962C8B-B14F-4D97-AF65-F5344CB8AC3E}">
-        <p14:creationId xmlns:p14="http://schemas.microsoft.com/office/powerpoint/2010/main" val="2328818871"/>
-      </p:ext>
-    </p:extLst>
-  </p:cSld>
-  <p:clrMapOvr>
-    <a:masterClrMapping/>
-  </p:clrMapOvr>
-</p:sld>
-</file>
-
-<file path=ppt/slides/slide18.xml><?xml version="1.0" encoding="utf-8"?>
 <p:sld xmlns:a="http://schemas.openxmlformats.org/drawingml/2006/main" xmlns:r="http://schemas.openxmlformats.org/officeDocument/2006/relationships" xmlns:p="http://schemas.openxmlformats.org/presentationml/2006/main" show="0">
   <p:cSld>
     <p:spTree>
@@ -13043,7 +12319,7 @@
 </p:sld>
 </file>
 
-<file path=ppt/slides/slide19.xml><?xml version="1.0" encoding="utf-8"?>
+<file path=ppt/slides/slide18.xml><?xml version="1.0" encoding="utf-8"?>
 <p:sld xmlns:a="http://schemas.openxmlformats.org/drawingml/2006/main" xmlns:r="http://schemas.openxmlformats.org/officeDocument/2006/relationships" xmlns:p="http://schemas.openxmlformats.org/presentationml/2006/main">
   <p:cSld>
     <p:spTree>
@@ -13753,8 +13029,8 @@
           </a:p>
         </p:txBody>
       </p:sp>
-      <mc:AlternateContent xmlns:mc="http://schemas.openxmlformats.org/markup-compatibility/2006">
-        <mc:Choice xmlns:a14="http://schemas.microsoft.com/office/drawing/2010/main" Requires="a14">
+      <mc:AlternateContent xmlns:mc="http://schemas.openxmlformats.org/markup-compatibility/2006" xmlns:a14="http://schemas.microsoft.com/office/drawing/2010/main">
+        <mc:Choice Requires="a14">
           <p:sp>
             <p:nvSpPr>
               <p:cNvPr id="9" name="Content Placeholder 8">
@@ -14141,7 +13417,7 @@
             </p:txBody>
           </p:sp>
         </mc:Choice>
-        <mc:Fallback>
+        <mc:Fallback xmlns="">
           <p:sp>
             <p:nvSpPr>
               <p:cNvPr id="9" name="Content Placeholder 8">

--- a/Kalman Filter/KALMAN FILTER FIN 2025.pptx
+++ b/Kalman Filter/KALMAN FILTER FIN 2025.pptx
@@ -880,6 +880,36 @@
           <a:bodyPr/>
           <a:lstStyle/>
           <a:p>
+            <a:r>
+              <a:rPr lang="en-US" dirty="0"/>
+              <a:t>My name is Mark Lefevre and I am excited to be here this afternoon. I would like to speak about a very useful statistical tool in dealing with uncertainty and risk and demonstrate how easily in can be implemented in the q language.</a:t>
+            </a:r>
+          </a:p>
+          <a:p>
+            <a:endParaRPr lang="en-US" dirty="0"/>
+          </a:p>
+          <a:p>
+            <a:r>
+              <a:rPr lang="en-US" dirty="0"/>
+              <a:t>First, I will introduce my background. I have worked at some of the largest financial institutions in London, Tokyo and New York as a quant.</a:t>
+            </a:r>
+            <a:br>
+              <a:rPr lang="en-US" dirty="0"/>
+            </a:br>
+            <a:r>
+              <a:rPr lang="en-US" dirty="0"/>
+              <a:t>Currently, </a:t>
+            </a:r>
+            <a:r>
+              <a:rPr lang="en-US" b="0" i="0" u="none" strike="noStrike" dirty="0">
+                <a:solidFill>
+                  <a:srgbClr val="000000"/>
+                </a:solidFill>
+                <a:effectLst/>
+                <a:latin typeface="Suisse Intl"/>
+              </a:rPr>
+              <a:t>I am a consultant specializing in finance and technology solutions and a PhD student in finance at EDHEC, an esteemed French business school. Most of the work I do focuses on automated trading algorithms and predictive analytics. My research is applying natural language processing (NLP) in finance focusing on the Japanese language.</a:t>
+            </a:r>
             <a:endParaRPr lang="en-US" dirty="0"/>
           </a:p>
         </p:txBody>
@@ -2360,149 +2390,7 @@
           <a:bodyPr/>
           <a:lstStyle/>
           <a:p>
-            <a:r>
-              <a:rPr lang="en-US" dirty="0"/>
-              <a:t>Aerodynamic drag is also known as air resistance </a:t>
-            </a:r>
-          </a:p>
-          <a:p>
             <a:endParaRPr lang="en-US" dirty="0"/>
-          </a:p>
-          <a:p>
-            <a:r>
-              <a:rPr lang="en-US" dirty="0"/>
-              <a:t>Winds/Weather</a:t>
-            </a:r>
-          </a:p>
-          <a:p>
-            <a:pPr lvl="1"/>
-            <a:r>
-              <a:rPr lang="en-US" sz="2200" dirty="0"/>
-              <a:t>Gusty near the ground</a:t>
-            </a:r>
-          </a:p>
-          <a:p>
-            <a:pPr lvl="1"/>
-            <a:r>
-              <a:rPr lang="en-US" sz="2200" dirty="0"/>
-              <a:t>Fast high-altitude jet stream</a:t>
-            </a:r>
-          </a:p>
-          <a:p>
-            <a:pPr lvl="1"/>
-            <a:r>
-              <a:rPr lang="en-US" sz="2200" dirty="0"/>
-              <a:t>Humidity, Precipitation</a:t>
-            </a:r>
-          </a:p>
-          <a:p>
-            <a:endParaRPr lang="en-US" dirty="0"/>
-          </a:p>
-          <a:p>
-            <a:r>
-              <a:rPr lang="en-US" dirty="0"/>
-              <a:t>Coriolis Effect is the deflection of the trajectory due to the spinning of the Earth. Even in long-range sniping this becomes important at around 1000 meters. Targets can rise or drop about 6 inches depending if you are shooting east (rise) or west (fall). North/South results in 3 inches move left (Southern Hemisphere) or right (Northern Hemisphere).</a:t>
-            </a:r>
-          </a:p>
-          <a:p>
-            <a:endParaRPr lang="en-US" dirty="0"/>
-          </a:p>
-          <a:p>
-            <a:r>
-              <a:rPr lang="en-US" dirty="0"/>
-              <a:t>Earth Curvature Earth is actually an oblate spheroid. The radius at the equator is greater than at the poles.</a:t>
-            </a:r>
-          </a:p>
-          <a:p>
-            <a:endParaRPr lang="en-US" dirty="0"/>
-          </a:p>
-          <a:p>
-            <a:r>
-              <a:rPr lang="en-US" dirty="0"/>
-              <a:t>ICBMs typically have multiple stages. The LGM-118A Peacekeeper has 4 propulsion stages. 3, solid-fuel and 1, post-boost liquid-fuel for velocity and attitude correction.</a:t>
-            </a:r>
-          </a:p>
-          <a:p>
-            <a:endParaRPr lang="en-US" dirty="0"/>
-          </a:p>
-          <a:p>
-            <a:r>
-              <a:rPr lang="en-US" dirty="0"/>
-              <a:t>Ballistic Trajectory is also called Projectile Motion</a:t>
-            </a:r>
-          </a:p>
-          <a:p>
-            <a:endParaRPr lang="en-US" dirty="0"/>
-          </a:p>
-          <a:p>
-            <a:r>
-              <a:rPr lang="en-US" sz="1200" b="0" i="0" u="none" strike="noStrike" kern="1200" dirty="0">
-                <a:solidFill>
-                  <a:schemeClr val="tx1"/>
-                </a:solidFill>
-                <a:effectLst/>
-                <a:latin typeface="+mn-lt"/>
-                <a:ea typeface="+mn-ea"/>
-                <a:cs typeface="+mn-cs"/>
-              </a:rPr>
-              <a:t>Timed exposure shows 10 MK-21 re-entry vehicles (RV) approaching an open-ocean impact zone near Kwajalein Atoll during a flight test</a:t>
-            </a:r>
-          </a:p>
-          <a:p>
-            <a:r>
-              <a:rPr lang="en-US" sz="1200" b="0" i="0" u="none" strike="noStrike" kern="1200" dirty="0">
-                <a:solidFill>
-                  <a:schemeClr val="tx1"/>
-                </a:solidFill>
-                <a:effectLst/>
-                <a:latin typeface="+mn-lt"/>
-                <a:ea typeface="+mn-ea"/>
-                <a:cs typeface="+mn-cs"/>
-              </a:rPr>
-              <a:t>These would ride inside an American </a:t>
-            </a:r>
-            <a:r>
-              <a:rPr lang="en-US" sz="1200" b="1" i="0" u="none" strike="noStrike" kern="1200" dirty="0">
-                <a:solidFill>
-                  <a:schemeClr val="tx1"/>
-                </a:solidFill>
-                <a:effectLst/>
-                <a:latin typeface="+mn-lt"/>
-                <a:ea typeface="+mn-ea"/>
-                <a:cs typeface="+mn-cs"/>
-              </a:rPr>
-              <a:t>LGM-118A Peacekeeper ICBM</a:t>
-            </a:r>
-            <a:endParaRPr lang="en-US" sz="1200" b="0" i="0" u="none" strike="noStrike" kern="1200" dirty="0">
-              <a:solidFill>
-                <a:schemeClr val="tx1"/>
-              </a:solidFill>
-              <a:effectLst/>
-              <a:latin typeface="+mn-lt"/>
-              <a:ea typeface="+mn-ea"/>
-              <a:cs typeface="+mn-cs"/>
-            </a:endParaRPr>
-          </a:p>
-          <a:p>
-            <a:r>
-              <a:rPr lang="en-US" dirty="0"/>
-              <a:t>Typical ICBMs have a range of 10k km and a speed of around 7km/s</a:t>
-            </a:r>
-          </a:p>
-          <a:p>
-            <a:endParaRPr lang="en-US" dirty="0"/>
-          </a:p>
-          <a:p>
-            <a:r>
-              <a:rPr lang="en-US" dirty="0"/>
-              <a:t>Image Source:</a:t>
-            </a:r>
-          </a:p>
-          <a:p>
-            <a:r>
-              <a:rPr lang="en-US" dirty="0"/>
-              <a:t>https://en.wikipedia.org/wiki/File:MIRV-Reentry.jpg</a:t>
-            </a:r>
           </a:p>
         </p:txBody>
       </p:sp>
@@ -2813,7 +2701,7 @@
           <a:p>
             <a:r>
               <a:rPr lang="en-US" dirty="0"/>
-              <a:t>In a financial context, it could be price, volatility, interest rate, volatility, liquidity, dividend yield (equities), maturity (fixed income)</a:t>
+              <a:t>In a financial context, it could be price, interest rates, volatility, liquidity, dividend yield (equities), maturity (fixed income)</a:t>
             </a:r>
           </a:p>
         </p:txBody>
@@ -2899,70 +2787,9 @@
           <a:lstStyle/>
           <a:p>
             <a:r>
-              <a:rPr lang="en-US" sz="1200" b="0" i="0" u="none" strike="noStrike" kern="1200" dirty="0">
-                <a:solidFill>
-                  <a:schemeClr val="tx1"/>
-                </a:solidFill>
-                <a:effectLst/>
-                <a:latin typeface="+mn-lt"/>
-                <a:ea typeface="+mn-ea"/>
-                <a:cs typeface="+mn-cs"/>
-              </a:rPr>
-              <a:t>Kalman filters are based on </a:t>
-            </a:r>
-            <a:r>
-              <a:rPr lang="en-US" sz="1200" b="0" i="0" u="none" strike="noStrike" kern="1200" dirty="0">
-                <a:solidFill>
-                  <a:schemeClr val="tx1"/>
-                </a:solidFill>
-                <a:effectLst/>
-                <a:latin typeface="+mn-lt"/>
-                <a:ea typeface="+mn-ea"/>
-                <a:cs typeface="+mn-cs"/>
-                <a:hlinkClick r:id="rId3" tooltip="Linear dynamical system"/>
-              </a:rPr>
-              <a:t>linear dynamical systems</a:t>
-            </a:r>
-            <a:r>
-              <a:rPr lang="en-US" sz="1200" b="0" i="0" u="none" strike="noStrike" kern="1200" dirty="0">
-                <a:solidFill>
-                  <a:schemeClr val="tx1"/>
-                </a:solidFill>
-                <a:effectLst/>
-                <a:latin typeface="+mn-lt"/>
-                <a:ea typeface="+mn-ea"/>
-                <a:cs typeface="+mn-cs"/>
-              </a:rPr>
-              <a:t> discretized in the time domain</a:t>
-            </a:r>
-          </a:p>
-          <a:p>
-            <a:endParaRPr lang="en-US" sz="1200" b="0" i="0" u="none" strike="noStrike" kern="1200" dirty="0">
-              <a:solidFill>
-                <a:schemeClr val="tx1"/>
-              </a:solidFill>
-              <a:effectLst/>
-              <a:latin typeface="+mn-lt"/>
-              <a:ea typeface="+mn-ea"/>
-              <a:cs typeface="+mn-cs"/>
-            </a:endParaRPr>
-          </a:p>
-          <a:p>
-            <a:r>
-              <a:rPr lang="en-US" sz="1200" b="0" i="0" u="none" strike="noStrike" kern="1200" dirty="0">
-                <a:solidFill>
-                  <a:schemeClr val="tx1"/>
-                </a:solidFill>
-                <a:effectLst/>
-                <a:latin typeface="+mn-lt"/>
-                <a:ea typeface="+mn-ea"/>
-                <a:cs typeface="+mn-cs"/>
-              </a:rPr>
-              <a:t>Examine the Kalman Gain in detail in 2 slides</a:t>
-            </a:r>
-          </a:p>
-          <a:p>
-            <a:endParaRPr lang="en-US" dirty="0"/>
+              <a:rPr lang="en-US" dirty="0"/>
+              <a:t>P_0 is the initial state covariance matrix estimate.</a:t>
+            </a:r>
           </a:p>
         </p:txBody>
       </p:sp>
@@ -3088,19 +2915,7 @@
                 <a:ea typeface="+mn-ea"/>
                 <a:cs typeface="+mn-cs"/>
               </a:rPr>
-              <a:t>a </a:t>
-            </a:r>
-            <a:r>
-              <a:rPr lang="en-US" sz="1200" i="1" kern="1200" dirty="0" err="1">
-                <a:solidFill>
-                  <a:schemeClr val="tx1"/>
-                </a:solidFill>
-                <a:effectLst/>
-                <a:latin typeface="+mn-lt"/>
-                <a:ea typeface="+mn-ea"/>
-                <a:cs typeface="+mn-cs"/>
-              </a:rPr>
-              <a:t>prosteriori</a:t>
+              <a:t>a posteriori</a:t>
             </a:r>
             <a:r>
               <a:rPr lang="en-US" sz="1200" kern="1200" dirty="0">
